--- a/Workshop/WShop.pptx
+++ b/Workshop/WShop.pptx
@@ -5,7 +5,7 @@
     <p:sldMasterId id="2147483648" r:id="rId1"/>
   </p:sldMasterIdLst>
   <p:notesMasterIdLst>
-    <p:notesMasterId r:id="rId24"/>
+    <p:notesMasterId r:id="rId32"/>
   </p:notesMasterIdLst>
   <p:sldIdLst>
     <p:sldId id="256" r:id="rId2"/>
@@ -29,7 +29,15 @@
     <p:sldId id="289" r:id="rId20"/>
     <p:sldId id="290" r:id="rId21"/>
     <p:sldId id="291" r:id="rId22"/>
-    <p:sldId id="268" r:id="rId23"/>
+    <p:sldId id="292" r:id="rId23"/>
+    <p:sldId id="294" r:id="rId24"/>
+    <p:sldId id="295" r:id="rId25"/>
+    <p:sldId id="296" r:id="rId26"/>
+    <p:sldId id="297" r:id="rId27"/>
+    <p:sldId id="298" r:id="rId28"/>
+    <p:sldId id="299" r:id="rId29"/>
+    <p:sldId id="300" r:id="rId30"/>
+    <p:sldId id="268" r:id="rId31"/>
   </p:sldIdLst>
   <p:sldSz cx="12192000" cy="6858000"/>
   <p:notesSz cx="6858000" cy="9144000"/>
@@ -130,7 +138,7 @@
   </p:defaultTextStyle>
   <p:extLst>
     <p:ext uri="{EFAFB233-063F-42B5-8137-9DF3F51BA10A}">
-      <p15:sldGuideLst xmlns="" xmlns:p15="http://schemas.microsoft.com/office/powerpoint/2012/main"/>
+      <p15:sldGuideLst xmlns:p15="http://schemas.microsoft.com/office/powerpoint/2012/main" xmlns=""/>
     </p:ext>
   </p:extLst>
 </p:presentation>
@@ -617,7 +625,7 @@
           <a:p>
             <a:fld id="{BBB56E0C-C93E-4EBA-8A83-77DB4845CCA0}" type="datetimeFigureOut">
               <a:rPr lang="ru-RU" smtClean="0"/>
-              <a:t>19.04.2022</a:t>
+              <a:t>20.04.2022</a:t>
             </a:fld>
             <a:endParaRPr lang="ru-RU"/>
           </a:p>
@@ -787,7 +795,7 @@
           <a:p>
             <a:fld id="{BBB56E0C-C93E-4EBA-8A83-77DB4845CCA0}" type="datetimeFigureOut">
               <a:rPr lang="ru-RU" smtClean="0"/>
-              <a:t>19.04.2022</a:t>
+              <a:t>20.04.2022</a:t>
             </a:fld>
             <a:endParaRPr lang="ru-RU"/>
           </a:p>
@@ -967,7 +975,7 @@
           <a:p>
             <a:fld id="{BBB56E0C-C93E-4EBA-8A83-77DB4845CCA0}" type="datetimeFigureOut">
               <a:rPr lang="ru-RU" smtClean="0"/>
-              <a:t>19.04.2022</a:t>
+              <a:t>20.04.2022</a:t>
             </a:fld>
             <a:endParaRPr lang="ru-RU"/>
           </a:p>
@@ -1137,7 +1145,7 @@
           <a:p>
             <a:fld id="{BBB56E0C-C93E-4EBA-8A83-77DB4845CCA0}" type="datetimeFigureOut">
               <a:rPr lang="ru-RU" smtClean="0"/>
-              <a:t>19.04.2022</a:t>
+              <a:t>20.04.2022</a:t>
             </a:fld>
             <a:endParaRPr lang="ru-RU"/>
           </a:p>
@@ -1383,7 +1391,7 @@
           <a:p>
             <a:fld id="{BBB56E0C-C93E-4EBA-8A83-77DB4845CCA0}" type="datetimeFigureOut">
               <a:rPr lang="ru-RU" smtClean="0"/>
-              <a:t>19.04.2022</a:t>
+              <a:t>20.04.2022</a:t>
             </a:fld>
             <a:endParaRPr lang="ru-RU"/>
           </a:p>
@@ -1615,7 +1623,7 @@
           <a:p>
             <a:fld id="{BBB56E0C-C93E-4EBA-8A83-77DB4845CCA0}" type="datetimeFigureOut">
               <a:rPr lang="ru-RU" smtClean="0"/>
-              <a:t>19.04.2022</a:t>
+              <a:t>20.04.2022</a:t>
             </a:fld>
             <a:endParaRPr lang="ru-RU"/>
           </a:p>
@@ -1982,7 +1990,7 @@
           <a:p>
             <a:fld id="{BBB56E0C-C93E-4EBA-8A83-77DB4845CCA0}" type="datetimeFigureOut">
               <a:rPr lang="ru-RU" smtClean="0"/>
-              <a:t>19.04.2022</a:t>
+              <a:t>20.04.2022</a:t>
             </a:fld>
             <a:endParaRPr lang="ru-RU"/>
           </a:p>
@@ -2100,7 +2108,7 @@
           <a:p>
             <a:fld id="{BBB56E0C-C93E-4EBA-8A83-77DB4845CCA0}" type="datetimeFigureOut">
               <a:rPr lang="ru-RU" smtClean="0"/>
-              <a:t>19.04.2022</a:t>
+              <a:t>20.04.2022</a:t>
             </a:fld>
             <a:endParaRPr lang="ru-RU"/>
           </a:p>
@@ -2195,7 +2203,7 @@
           <a:p>
             <a:fld id="{BBB56E0C-C93E-4EBA-8A83-77DB4845CCA0}" type="datetimeFigureOut">
               <a:rPr lang="ru-RU" smtClean="0"/>
-              <a:t>19.04.2022</a:t>
+              <a:t>20.04.2022</a:t>
             </a:fld>
             <a:endParaRPr lang="ru-RU"/>
           </a:p>
@@ -2472,7 +2480,7 @@
           <a:p>
             <a:fld id="{BBB56E0C-C93E-4EBA-8A83-77DB4845CCA0}" type="datetimeFigureOut">
               <a:rPr lang="ru-RU" smtClean="0"/>
-              <a:t>19.04.2022</a:t>
+              <a:t>20.04.2022</a:t>
             </a:fld>
             <a:endParaRPr lang="ru-RU"/>
           </a:p>
@@ -2725,7 +2733,7 @@
           <a:p>
             <a:fld id="{BBB56E0C-C93E-4EBA-8A83-77DB4845CCA0}" type="datetimeFigureOut">
               <a:rPr lang="ru-RU" smtClean="0"/>
-              <a:t>19.04.2022</a:t>
+              <a:t>20.04.2022</a:t>
             </a:fld>
             <a:endParaRPr lang="ru-RU"/>
           </a:p>
@@ -2938,7 +2946,7 @@
           <a:p>
             <a:fld id="{BBB56E0C-C93E-4EBA-8A83-77DB4845CCA0}" type="datetimeFigureOut">
               <a:rPr lang="ru-RU" smtClean="0"/>
-              <a:t>19.04.2022</a:t>
+              <a:t>20.04.2022</a:t>
             </a:fld>
             <a:endParaRPr lang="ru-RU"/>
           </a:p>
@@ -4181,11 +4189,7 @@
             </a:r>
             <a:r>
               <a:rPr lang="ru-RU" sz="2400" dirty="0" smtClean="0"/>
-              <a:t> по </a:t>
-            </a:r>
-            <a:r>
-              <a:rPr lang="ru-RU" sz="2400" dirty="0" smtClean="0"/>
-              <a:t>адресу</a:t>
+              <a:t> по адресу</a:t>
             </a:r>
             <a:r>
               <a:rPr lang="en-US" sz="2400" dirty="0" smtClean="0"/>
@@ -4433,7 +4437,6 @@
               <a:rPr lang="ru-RU" sz="2400" dirty="0" smtClean="0"/>
               <a:t> получение параметров файлов </a:t>
             </a:r>
-            <a:endParaRPr lang="ru-RU" sz="2400" dirty="0" smtClean="0"/>
           </a:p>
         </p:txBody>
       </p:sp>
@@ -5500,7 +5503,11 @@
             </a:br>
             <a:r>
               <a:rPr lang="ru-RU" sz="2400" dirty="0" smtClean="0"/>
-              <a:t>файлы и </a:t>
+              <a:t>файлы </a:t>
+            </a:r>
+            <a:r>
+              <a:rPr lang="ru-RU" sz="2400" dirty="0" smtClean="0"/>
+              <a:t>из </a:t>
             </a:r>
             <a:r>
               <a:rPr lang="ru-RU" sz="2400" dirty="0" err="1" smtClean="0"/>
@@ -6527,6 +6534,13 @@
   <p:clrMapOvr>
     <a:masterClrMapping/>
   </p:clrMapOvr>
+  <p:timing>
+    <p:tnLst>
+      <p:par>
+        <p:cTn id="1" dur="indefinite" restart="never" nodeType="tmRoot"/>
+      </p:par>
+    </p:tnLst>
+  </p:timing>
 </p:sld>
 </file>
 
@@ -7026,6 +7040,13 @@
   <p:clrMapOvr>
     <a:masterClrMapping/>
   </p:clrMapOvr>
+  <p:timing>
+    <p:tnLst>
+      <p:par>
+        <p:cTn id="1" dur="indefinite" restart="never" nodeType="tmRoot"/>
+      </p:par>
+    </p:tnLst>
+  </p:timing>
 </p:sld>
 </file>
 
@@ -7106,7 +7127,9 @@
           </a:xfrm>
         </p:spPr>
         <p:txBody>
-          <a:bodyPr/>
+          <a:bodyPr>
+            <a:normAutofit/>
+          </a:bodyPr>
           <a:lstStyle/>
           <a:p>
             <a:r>
@@ -7123,20 +7146,17 @@
             </a:r>
             <a:r>
               <a:rPr lang="ru-RU" sz="2400" dirty="0"/>
-              <a:t>формирование представления о деятельности по управлению </a:t>
-            </a:r>
-            <a:r>
-              <a:rPr lang="ru-RU" sz="2400" dirty="0" smtClean="0"/>
-              <a:t>проектами </a:t>
+              <a:t>формирование представления о </a:t>
+            </a:r>
+            <a:r>
+              <a:rPr lang="ru-RU" sz="2400" dirty="0" err="1"/>
+              <a:t>скилсете</a:t>
             </a:r>
             <a:r>
               <a:rPr lang="ru-RU" sz="2400" dirty="0"/>
-              <a:t>как общепрофессиональной </a:t>
-            </a:r>
-            <a:r>
-              <a:rPr lang="ru-RU" sz="2400" dirty="0" smtClean="0"/>
-              <a:t>деятельности</a:t>
-            </a:r>
+              <a:t> системного администратора и разработчика средств администрирования</a:t>
+            </a:r>
+            <a:endParaRPr lang="ru-RU" sz="2400" dirty="0" smtClean="0"/>
           </a:p>
           <a:p>
             <a:r>
@@ -7162,36 +7182,42 @@
             <a:pPr lvl="1"/>
             <a:r>
               <a:rPr lang="ru-RU" dirty="0" smtClean="0"/>
-              <a:t>Что такое проект?</a:t>
+              <a:t>Приветственное слово.</a:t>
             </a:r>
           </a:p>
           <a:p>
             <a:pPr lvl="1"/>
             <a:r>
               <a:rPr lang="ru-RU" dirty="0" smtClean="0"/>
-              <a:t>Алгоритм управления проектами</a:t>
-            </a:r>
-          </a:p>
-          <a:p>
-            <a:pPr lvl="2"/>
-            <a:r>
-              <a:rPr lang="ru-RU" sz="2400" dirty="0" smtClean="0"/>
-              <a:t>Особенности сетевого и календарного планирования</a:t>
+              <a:t>Основные понятия.</a:t>
             </a:r>
           </a:p>
           <a:p>
             <a:pPr lvl="1"/>
             <a:r>
               <a:rPr lang="ru-RU" dirty="0" smtClean="0"/>
-              <a:t>Руководитель и команда проекта</a:t>
+              <a:t>Практическое </a:t>
+            </a:r>
+            <a:r>
+              <a:rPr lang="ru-RU" dirty="0" smtClean="0"/>
+              <a:t>задание, работа в </a:t>
+            </a:r>
+            <a:r>
+              <a:rPr lang="ru-RU" dirty="0" smtClean="0"/>
+              <a:t>мини-группах</a:t>
             </a:r>
           </a:p>
           <a:p>
             <a:pPr lvl="1"/>
             <a:r>
               <a:rPr lang="ru-RU" dirty="0" smtClean="0"/>
-              <a:t>Практическое задание, работа в мини-группах</a:t>
-            </a:r>
+              <a:t>Обзор возможностей на основе примеров из </a:t>
+            </a:r>
+            <a:r>
+              <a:rPr lang="ru-RU" dirty="0" err="1" smtClean="0"/>
+              <a:t>репозитория</a:t>
+            </a:r>
+            <a:endParaRPr lang="ru-RU" dirty="0" smtClean="0"/>
           </a:p>
           <a:p>
             <a:pPr lvl="1"/>
@@ -7199,49 +7225,14 @@
           </a:p>
           <a:p>
             <a:pPr lvl="1"/>
+            <a:endParaRPr lang="ru-RU" dirty="0" smtClean="0"/>
+          </a:p>
+          <a:p>
+            <a:pPr lvl="1"/>
             <a:endParaRPr lang="ru-RU" dirty="0"/>
           </a:p>
         </p:txBody>
       </p:sp>
-      <p:pic>
-        <p:nvPicPr>
-          <p:cNvPr id="3078" name="Picture 6" descr="Системы проектного управления: методы, как организовать, группы процессов"/>
-          <p:cNvPicPr>
-            <a:picLocks noChangeAspect="1" noChangeArrowheads="1"/>
-          </p:cNvPicPr>
-          <p:nvPr/>
-        </p:nvPicPr>
-        <p:blipFill rotWithShape="1">
-          <a:blip r:embed="rId2">
-            <a:extLst>
-              <a:ext uri="{28A0092B-C50C-407E-A947-70E740481C1C}">
-                <a14:useLocalDpi xmlns:a14="http://schemas.microsoft.com/office/drawing/2010/main" val="0"/>
-              </a:ext>
-            </a:extLst>
-          </a:blip>
-          <a:srcRect l="24320" r="18574"/>
-          <a:stretch/>
-        </p:blipFill>
-        <p:spPr bwMode="auto">
-          <a:xfrm>
-            <a:off x="8248649" y="2979084"/>
-            <a:ext cx="3943351" cy="3884290"/>
-          </a:xfrm>
-          <a:prstGeom prst="rect">
-            <a:avLst/>
-          </a:prstGeom>
-          <a:noFill/>
-          <a:extLst>
-            <a:ext uri="{909E8E84-426E-40DD-AFC4-6F175D3DCCD1}">
-              <a14:hiddenFill xmlns:a14="http://schemas.microsoft.com/office/drawing/2010/main">
-                <a:solidFill>
-                  <a:srgbClr val="FFFFFF"/>
-                </a:solidFill>
-              </a14:hiddenFill>
-            </a:ext>
-          </a:extLst>
-        </p:spPr>
-      </p:pic>
     </p:spTree>
     <p:extLst>
       <p:ext uri="{BB962C8B-B14F-4D97-AF65-F5344CB8AC3E}">
@@ -7709,6 +7700,13 @@
   <p:clrMapOvr>
     <a:masterClrMapping/>
   </p:clrMapOvr>
+  <p:timing>
+    <p:tnLst>
+      <p:par>
+        <p:cTn id="1" dur="indefinite" restart="never" nodeType="tmRoot"/>
+      </p:par>
+    </p:tnLst>
+  </p:timing>
 </p:sld>
 </file>
 
@@ -7731,39 +7729,619 @@
       </p:grpSpPr>
       <p:sp>
         <p:nvSpPr>
-          <p:cNvPr id="2" name="Заголовок 1"/>
-          <p:cNvSpPr>
-            <a:spLocks noGrp="1"/>
+          <p:cNvPr id="4" name="Заголовок 1"/>
+          <p:cNvSpPr txBox="1">
+            <a:spLocks/>
           </p:cNvSpPr>
-          <p:nvPr>
-            <p:ph type="title"/>
-          </p:nvPr>
+          <p:nvPr/>
         </p:nvSpPr>
-        <p:spPr/>
+        <p:spPr>
+          <a:xfrm>
+            <a:off x="-204306" y="-327118"/>
+            <a:ext cx="11914744" cy="1295147"/>
+          </a:xfrm>
+          <a:prstGeom prst="rect">
+            <a:avLst/>
+          </a:prstGeom>
+        </p:spPr>
         <p:txBody>
-          <a:bodyPr/>
-          <a:lstStyle/>
-          <a:p>
-            <a:endParaRPr lang="ru-RU"/>
+          <a:bodyPr vert="horz" lIns="91440" tIns="45720" rIns="91440" bIns="45720" rtlCol="0" anchor="ctr">
+            <a:noAutofit/>
+          </a:bodyPr>
+          <a:lstStyle>
+            <a:lvl1pPr algn="l" defTabSz="914400" rtl="0" eaLnBrk="1" latinLnBrk="0" hangingPunct="1">
+              <a:lnSpc>
+                <a:spcPct val="90000"/>
+              </a:lnSpc>
+              <a:spcBef>
+                <a:spcPct val="0"/>
+              </a:spcBef>
+              <a:buNone/>
+              <a:defRPr sz="4400" kern="1200">
+                <a:solidFill>
+                  <a:schemeClr val="tx1"/>
+                </a:solidFill>
+                <a:latin typeface="+mj-lt"/>
+                <a:ea typeface="+mj-ea"/>
+                <a:cs typeface="+mj-cs"/>
+              </a:defRPr>
+            </a:lvl1pPr>
+          </a:lstStyle>
+          <a:p>
+            <a:pPr algn="ctr"/>
+            <a:r>
+              <a:rPr lang="en-US" sz="3600" b="1" cap="all" dirty="0">
+                <a:solidFill>
+                  <a:srgbClr val="0070C0"/>
+                </a:solidFill>
+                <a:latin typeface="+mn-lt"/>
+              </a:rPr>
+              <a:t>003_FunctionA1.bat</a:t>
+            </a:r>
+            <a:endParaRPr lang="ru-RU" sz="3600" b="1" cap="all" dirty="0">
+              <a:solidFill>
+                <a:srgbClr val="0070C0"/>
+              </a:solidFill>
+              <a:latin typeface="+mn-lt"/>
+            </a:endParaRPr>
           </a:p>
         </p:txBody>
       </p:sp>
       <p:sp>
         <p:nvSpPr>
-          <p:cNvPr id="3" name="Объект 2"/>
-          <p:cNvSpPr>
-            <a:spLocks noGrp="1"/>
+          <p:cNvPr id="5" name="Заголовок 1"/>
+          <p:cNvSpPr txBox="1">
+            <a:spLocks/>
           </p:cNvSpPr>
-          <p:nvPr>
-            <p:ph idx="1"/>
-          </p:nvPr>
+          <p:nvPr/>
         </p:nvSpPr>
-        <p:spPr/>
+        <p:spPr>
+          <a:xfrm>
+            <a:off x="77821" y="498668"/>
+            <a:ext cx="12013660" cy="1254866"/>
+          </a:xfrm>
+          <a:prstGeom prst="rect">
+            <a:avLst/>
+          </a:prstGeom>
+        </p:spPr>
         <p:txBody>
-          <a:bodyPr/>
-          <a:lstStyle/>
-          <a:p>
-            <a:endParaRPr lang="ru-RU"/>
+          <a:bodyPr vert="horz" lIns="91440" tIns="45720" rIns="91440" bIns="45720" rtlCol="0" anchor="ctr">
+            <a:noAutofit/>
+          </a:bodyPr>
+          <a:lstStyle>
+            <a:lvl1pPr algn="l" defTabSz="914400" rtl="0" eaLnBrk="1" latinLnBrk="0" hangingPunct="1">
+              <a:lnSpc>
+                <a:spcPct val="90000"/>
+              </a:lnSpc>
+              <a:spcBef>
+                <a:spcPct val="0"/>
+              </a:spcBef>
+              <a:buNone/>
+              <a:defRPr sz="4400" kern="1200">
+                <a:solidFill>
+                  <a:schemeClr val="tx1"/>
+                </a:solidFill>
+                <a:latin typeface="+mj-lt"/>
+                <a:ea typeface="+mj-ea"/>
+                <a:cs typeface="+mj-cs"/>
+              </a:defRPr>
+            </a:lvl1pPr>
+          </a:lstStyle>
+          <a:p>
+            <a:r>
+              <a:rPr lang="ru-RU" sz="2400" dirty="0" smtClean="0"/>
+              <a:t>Сообществом считается что в </a:t>
+            </a:r>
+            <a:r>
+              <a:rPr lang="en-US" sz="2400" dirty="0" smtClean="0"/>
+              <a:t>CMD</a:t>
+            </a:r>
+            <a:r>
+              <a:rPr lang="ru-RU" sz="2400" dirty="0" smtClean="0"/>
+              <a:t> библиотеки создавать нельзя, но это не так.</a:t>
+            </a:r>
+            <a:br>
+              <a:rPr lang="ru-RU" sz="2400" dirty="0" smtClean="0"/>
+            </a:br>
+            <a:r>
+              <a:rPr lang="ru-RU" sz="2400" dirty="0" smtClean="0"/>
+              <a:t>Один из способов, это создать файл</a:t>
+            </a:r>
+            <a:r>
+              <a:rPr lang="en-US" sz="2400" dirty="0" smtClean="0"/>
+              <a:t> </a:t>
+            </a:r>
+            <a:r>
+              <a:rPr lang="ru-RU" sz="2400" dirty="0" smtClean="0"/>
+              <a:t>и </a:t>
+            </a:r>
+            <a:r>
+              <a:rPr lang="ru-RU" sz="2400" dirty="0" err="1" smtClean="0"/>
+              <a:t>пакетно</a:t>
+            </a:r>
+            <a:r>
+              <a:rPr lang="ru-RU" sz="2400" dirty="0" smtClean="0"/>
+              <a:t> запускать его как </a:t>
+            </a:r>
+            <a:r>
+              <a:rPr lang="en-US" sz="2400" dirty="0" smtClean="0"/>
+              <a:t/>
+            </a:r>
+            <a:br>
+              <a:rPr lang="en-US" sz="2400" dirty="0" smtClean="0"/>
+            </a:br>
+            <a:r>
+              <a:rPr lang="en-US" sz="2400" dirty="0" smtClean="0"/>
+              <a:t>[</a:t>
+            </a:r>
+            <a:r>
+              <a:rPr lang="ru-RU" sz="2400" dirty="0" smtClean="0"/>
+              <a:t>имя библиотеки</a:t>
+            </a:r>
+            <a:r>
+              <a:rPr lang="en-US" sz="2400" dirty="0" smtClean="0"/>
+              <a:t>].bat</a:t>
+            </a:r>
+            <a:r>
+              <a:rPr lang="ru-RU" sz="2400" dirty="0" smtClean="0"/>
+              <a:t> </a:t>
+            </a:r>
+            <a:r>
+              <a:rPr lang="en-US" sz="2400" dirty="0" smtClean="0"/>
+              <a:t>[</a:t>
+            </a:r>
+            <a:r>
+              <a:rPr lang="ru-RU" sz="2400" dirty="0" smtClean="0"/>
+              <a:t>имя функции</a:t>
+            </a:r>
+            <a:r>
+              <a:rPr lang="en-US" sz="2400" dirty="0" smtClean="0"/>
+              <a:t>]</a:t>
+            </a:r>
+            <a:r>
+              <a:rPr lang="en-US" sz="2400" dirty="0"/>
+              <a:t> </a:t>
+            </a:r>
+            <a:r>
+              <a:rPr lang="en-US" sz="2400" dirty="0" smtClean="0"/>
+              <a:t>[</a:t>
+            </a:r>
+            <a:r>
+              <a:rPr lang="ru-RU" sz="2400" dirty="0" smtClean="0"/>
+              <a:t>параметр </a:t>
+            </a:r>
+            <a:r>
+              <a:rPr lang="ru-RU" sz="2400" dirty="0" err="1" smtClean="0"/>
+              <a:t>первы</a:t>
+            </a:r>
+            <a:r>
+              <a:rPr lang="en-US" sz="2400" dirty="0" smtClean="0"/>
+              <a:t>]</a:t>
+            </a:r>
+            <a:r>
+              <a:rPr lang="ru-RU" sz="2400" dirty="0" smtClean="0"/>
+              <a:t> </a:t>
+            </a:r>
+            <a:r>
+              <a:rPr lang="en-US" sz="2400" dirty="0" smtClean="0"/>
+              <a:t>[</a:t>
+            </a:r>
+            <a:r>
+              <a:rPr lang="ru-RU" sz="2400" dirty="0" smtClean="0"/>
+              <a:t>параметр второ</a:t>
+            </a:r>
+            <a:r>
+              <a:rPr lang="ru-RU" sz="2400" dirty="0"/>
+              <a:t>й</a:t>
+            </a:r>
+            <a:r>
+              <a:rPr lang="en-US" sz="2400" dirty="0" smtClean="0"/>
+              <a:t>]</a:t>
+            </a:r>
+            <a:r>
+              <a:rPr lang="ru-RU" sz="2400" dirty="0" smtClean="0"/>
+              <a:t> …</a:t>
+            </a:r>
+            <a:br>
+              <a:rPr lang="ru-RU" sz="2400" dirty="0" smtClean="0"/>
+            </a:br>
+            <a:r>
+              <a:rPr lang="ru-RU" sz="2400" dirty="0" smtClean="0"/>
+              <a:t>В программном коде это выглядит как</a:t>
+            </a:r>
+            <a:r>
+              <a:rPr lang="en-US" sz="2400" dirty="0" smtClean="0"/>
+              <a:t>:</a:t>
+            </a:r>
+            <a:endParaRPr lang="ru-RU" sz="2400" dirty="0"/>
+          </a:p>
+        </p:txBody>
+      </p:sp>
+      <p:pic>
+        <p:nvPicPr>
+          <p:cNvPr id="1026" name="Picture 2"/>
+          <p:cNvPicPr>
+            <a:picLocks noChangeAspect="1" noChangeArrowheads="1"/>
+          </p:cNvPicPr>
+          <p:nvPr/>
+        </p:nvPicPr>
+        <p:blipFill>
+          <a:blip r:embed="rId2">
+            <a:extLst>
+              <a:ext uri="{28A0092B-C50C-407E-A947-70E740481C1C}">
+                <a14:useLocalDpi xmlns:a14="http://schemas.microsoft.com/office/drawing/2010/main" val="0"/>
+              </a:ext>
+            </a:extLst>
+          </a:blip>
+          <a:srcRect/>
+          <a:stretch>
+            <a:fillRect/>
+          </a:stretch>
+        </p:blipFill>
+        <p:spPr bwMode="auto">
+          <a:xfrm>
+            <a:off x="77821" y="1759136"/>
+            <a:ext cx="6935928" cy="1796604"/>
+          </a:xfrm>
+          <a:prstGeom prst="rect">
+            <a:avLst/>
+          </a:prstGeom>
+          <a:noFill/>
+          <a:ln>
+            <a:noFill/>
+          </a:ln>
+          <a:effectLst/>
+          <a:extLst>
+            <a:ext uri="{909E8E84-426E-40DD-AFC4-6F175D3DCCD1}">
+              <a14:hiddenFill xmlns:a14="http://schemas.microsoft.com/office/drawing/2010/main">
+                <a:solidFill>
+                  <a:schemeClr val="accent1"/>
+                </a:solidFill>
+              </a14:hiddenFill>
+            </a:ext>
+            <a:ext uri="{91240B29-F687-4F45-9708-019B960494DF}">
+              <a14:hiddenLine xmlns:a14="http://schemas.microsoft.com/office/drawing/2010/main" w="9525">
+                <a:solidFill>
+                  <a:schemeClr val="tx1"/>
+                </a:solidFill>
+                <a:miter lim="800000"/>
+                <a:headEnd/>
+                <a:tailEnd/>
+              </a14:hiddenLine>
+            </a:ext>
+            <a:ext uri="{AF507438-7753-43E0-B8FC-AC1667EBCBE1}">
+              <a14:hiddenEffects xmlns:a14="http://schemas.microsoft.com/office/drawing/2010/main">
+                <a:effectLst>
+                  <a:outerShdw dist="35921" dir="2700000" algn="ctr" rotWithShape="0">
+                    <a:schemeClr val="bg2"/>
+                  </a:outerShdw>
+                </a:effectLst>
+              </a14:hiddenEffects>
+            </a:ext>
+          </a:extLst>
+        </p:spPr>
+      </p:pic>
+      <p:pic>
+        <p:nvPicPr>
+          <p:cNvPr id="1027" name="Picture 3"/>
+          <p:cNvPicPr>
+            <a:picLocks noChangeAspect="1" noChangeArrowheads="1"/>
+          </p:cNvPicPr>
+          <p:nvPr/>
+        </p:nvPicPr>
+        <p:blipFill>
+          <a:blip r:embed="rId3">
+            <a:extLst>
+              <a:ext uri="{28A0092B-C50C-407E-A947-70E740481C1C}">
+                <a14:useLocalDpi xmlns:a14="http://schemas.microsoft.com/office/drawing/2010/main" val="0"/>
+              </a:ext>
+            </a:extLst>
+          </a:blip>
+          <a:srcRect/>
+          <a:stretch>
+            <a:fillRect/>
+          </a:stretch>
+        </p:blipFill>
+        <p:spPr bwMode="auto">
+          <a:xfrm>
+            <a:off x="77821" y="3505500"/>
+            <a:ext cx="2552700" cy="1962150"/>
+          </a:xfrm>
+          <a:prstGeom prst="rect">
+            <a:avLst/>
+          </a:prstGeom>
+          <a:noFill/>
+          <a:ln>
+            <a:noFill/>
+          </a:ln>
+          <a:extLst>
+            <a:ext uri="{909E8E84-426E-40DD-AFC4-6F175D3DCCD1}">
+              <a14:hiddenFill xmlns:a14="http://schemas.microsoft.com/office/drawing/2010/main">
+                <a:solidFill>
+                  <a:schemeClr val="accent1"/>
+                </a:solidFill>
+              </a14:hiddenFill>
+            </a:ext>
+            <a:ext uri="{91240B29-F687-4F45-9708-019B960494DF}">
+              <a14:hiddenLine xmlns:a14="http://schemas.microsoft.com/office/drawing/2010/main" w="9525">
+                <a:solidFill>
+                  <a:schemeClr val="tx1"/>
+                </a:solidFill>
+                <a:miter lim="800000"/>
+                <a:headEnd/>
+                <a:tailEnd/>
+              </a14:hiddenLine>
+            </a:ext>
+          </a:extLst>
+        </p:spPr>
+      </p:pic>
+      <p:pic>
+        <p:nvPicPr>
+          <p:cNvPr id="1028" name="Picture 4"/>
+          <p:cNvPicPr>
+            <a:picLocks noChangeAspect="1" noChangeArrowheads="1"/>
+          </p:cNvPicPr>
+          <p:nvPr/>
+        </p:nvPicPr>
+        <p:blipFill>
+          <a:blip r:embed="rId4">
+            <a:extLst>
+              <a:ext uri="{28A0092B-C50C-407E-A947-70E740481C1C}">
+                <a14:useLocalDpi xmlns:a14="http://schemas.microsoft.com/office/drawing/2010/main" val="0"/>
+              </a:ext>
+            </a:extLst>
+          </a:blip>
+          <a:srcRect/>
+          <a:stretch>
+            <a:fillRect/>
+          </a:stretch>
+        </p:blipFill>
+        <p:spPr bwMode="auto">
+          <a:xfrm>
+            <a:off x="77821" y="5777280"/>
+            <a:ext cx="6006830" cy="977220"/>
+          </a:xfrm>
+          <a:prstGeom prst="rect">
+            <a:avLst/>
+          </a:prstGeom>
+          <a:noFill/>
+          <a:ln>
+            <a:noFill/>
+          </a:ln>
+          <a:effectLst/>
+          <a:extLst>
+            <a:ext uri="{909E8E84-426E-40DD-AFC4-6F175D3DCCD1}">
+              <a14:hiddenFill xmlns:a14="http://schemas.microsoft.com/office/drawing/2010/main">
+                <a:solidFill>
+                  <a:schemeClr val="accent1"/>
+                </a:solidFill>
+              </a14:hiddenFill>
+            </a:ext>
+            <a:ext uri="{91240B29-F687-4F45-9708-019B960494DF}">
+              <a14:hiddenLine xmlns:a14="http://schemas.microsoft.com/office/drawing/2010/main" w="9525">
+                <a:solidFill>
+                  <a:schemeClr val="tx1"/>
+                </a:solidFill>
+                <a:miter lim="800000"/>
+                <a:headEnd/>
+                <a:tailEnd/>
+              </a14:hiddenLine>
+            </a:ext>
+            <a:ext uri="{AF507438-7753-43E0-B8FC-AC1667EBCBE1}">
+              <a14:hiddenEffects xmlns:a14="http://schemas.microsoft.com/office/drawing/2010/main">
+                <a:effectLst>
+                  <a:outerShdw dist="35921" dir="2700000" algn="ctr" rotWithShape="0">
+                    <a:schemeClr val="bg2"/>
+                  </a:outerShdw>
+                </a:effectLst>
+              </a14:hiddenEffects>
+            </a:ext>
+          </a:extLst>
+        </p:spPr>
+      </p:pic>
+      <p:sp>
+        <p:nvSpPr>
+          <p:cNvPr id="9" name="Заголовок 1"/>
+          <p:cNvSpPr txBox="1">
+            <a:spLocks/>
+          </p:cNvSpPr>
+          <p:nvPr/>
+        </p:nvSpPr>
+        <p:spPr>
+          <a:xfrm>
+            <a:off x="77821" y="5315947"/>
+            <a:ext cx="3137652" cy="555763"/>
+          </a:xfrm>
+          <a:prstGeom prst="rect">
+            <a:avLst/>
+          </a:prstGeom>
+        </p:spPr>
+        <p:txBody>
+          <a:bodyPr vert="horz" lIns="91440" tIns="45720" rIns="91440" bIns="45720" rtlCol="0" anchor="ctr">
+            <a:noAutofit/>
+          </a:bodyPr>
+          <a:lstStyle>
+            <a:lvl1pPr algn="l" defTabSz="914400" rtl="0" eaLnBrk="1" latinLnBrk="0" hangingPunct="1">
+              <a:lnSpc>
+                <a:spcPct val="90000"/>
+              </a:lnSpc>
+              <a:spcBef>
+                <a:spcPct val="0"/>
+              </a:spcBef>
+              <a:buNone/>
+              <a:defRPr sz="4400" kern="1200">
+                <a:solidFill>
+                  <a:schemeClr val="tx1"/>
+                </a:solidFill>
+                <a:latin typeface="+mj-lt"/>
+                <a:ea typeface="+mj-ea"/>
+                <a:cs typeface="+mj-cs"/>
+              </a:defRPr>
+            </a:lvl1pPr>
+          </a:lstStyle>
+          <a:p>
+            <a:r>
+              <a:rPr lang="ru-RU" sz="2400" dirty="0" smtClean="0"/>
+              <a:t>Как </a:t>
+            </a:r>
+            <a:r>
+              <a:rPr lang="ru-RU" sz="2400" dirty="0" err="1" smtClean="0"/>
+              <a:t>пакетно</a:t>
+            </a:r>
+            <a:r>
+              <a:rPr lang="ru-RU" sz="2400" dirty="0" smtClean="0"/>
+              <a:t> запускать</a:t>
+            </a:r>
+            <a:endParaRPr lang="ru-RU" sz="2400" dirty="0"/>
+          </a:p>
+        </p:txBody>
+      </p:sp>
+      <p:sp>
+        <p:nvSpPr>
+          <p:cNvPr id="11" name="Заголовок 1"/>
+          <p:cNvSpPr txBox="1">
+            <a:spLocks/>
+          </p:cNvSpPr>
+          <p:nvPr/>
+        </p:nvSpPr>
+        <p:spPr>
+          <a:xfrm>
+            <a:off x="7013748" y="1830842"/>
+            <a:ext cx="4994031" cy="4435048"/>
+          </a:xfrm>
+          <a:prstGeom prst="rect">
+            <a:avLst/>
+          </a:prstGeom>
+        </p:spPr>
+        <p:txBody>
+          <a:bodyPr vert="horz" lIns="91440" tIns="45720" rIns="91440" bIns="45720" rtlCol="0" anchor="ctr">
+            <a:noAutofit/>
+          </a:bodyPr>
+          <a:lstStyle>
+            <a:lvl1pPr algn="l" defTabSz="914400" rtl="0" eaLnBrk="1" latinLnBrk="0" hangingPunct="1">
+              <a:lnSpc>
+                <a:spcPct val="90000"/>
+              </a:lnSpc>
+              <a:spcBef>
+                <a:spcPct val="0"/>
+              </a:spcBef>
+              <a:buNone/>
+              <a:defRPr sz="4400" kern="1200">
+                <a:solidFill>
+                  <a:schemeClr val="tx1"/>
+                </a:solidFill>
+                <a:latin typeface="+mj-lt"/>
+                <a:ea typeface="+mj-ea"/>
+                <a:cs typeface="+mj-cs"/>
+              </a:defRPr>
+            </a:lvl1pPr>
+          </a:lstStyle>
+          <a:p>
+            <a:r>
+              <a:rPr lang="ru-RU" sz="2400" dirty="0" smtClean="0"/>
+              <a:t>Плюсы</a:t>
+            </a:r>
+            <a:r>
+              <a:rPr lang="en-US" sz="2400" dirty="0" smtClean="0"/>
+              <a:t>:</a:t>
+            </a:r>
+          </a:p>
+          <a:p>
+            <a:pPr marL="342900" indent="-342900">
+              <a:buFont typeface="Arial" panose="020B0604020202020204" pitchFamily="34" charset="0"/>
+              <a:buChar char="•"/>
+            </a:pPr>
+            <a:r>
+              <a:rPr lang="ru-RU" sz="2400" dirty="0" smtClean="0"/>
+              <a:t>Каждая псевдо библиотека сама по себе является исполняемым файлом, что может быть </a:t>
+            </a:r>
+            <a:r>
+              <a:rPr lang="en-US" sz="2400" dirty="0" smtClean="0"/>
+              <a:t>Help-</a:t>
+            </a:r>
+            <a:r>
+              <a:rPr lang="ru-RU" sz="2400" dirty="0" smtClean="0"/>
+              <a:t>ом само по себе.</a:t>
+            </a:r>
+            <a:endParaRPr lang="en-US" sz="2400" dirty="0" smtClean="0"/>
+          </a:p>
+          <a:p>
+            <a:pPr marL="342900" indent="-342900">
+              <a:buFont typeface="Arial" panose="020B0604020202020204" pitchFamily="34" charset="0"/>
+              <a:buChar char="•"/>
+            </a:pPr>
+            <a:r>
+              <a:rPr lang="en-US" sz="2400" dirty="0" smtClean="0"/>
+              <a:t>C</a:t>
+            </a:r>
+            <a:r>
+              <a:rPr lang="ru-RU" sz="2400" dirty="0" smtClean="0"/>
+              <a:t>охраняет </a:t>
+            </a:r>
+            <a:r>
+              <a:rPr lang="ru-RU" sz="2400" dirty="0"/>
+              <a:t>созданные и измененные глобальные </a:t>
+            </a:r>
+            <a:r>
+              <a:rPr lang="ru-RU" sz="2400" dirty="0" smtClean="0"/>
+              <a:t>переменные</a:t>
+            </a:r>
+            <a:r>
+              <a:rPr lang="en-US" sz="2400" dirty="0" smtClean="0"/>
+              <a:t>.</a:t>
+            </a:r>
+            <a:endParaRPr lang="ru-RU" sz="2400" dirty="0"/>
+          </a:p>
+          <a:p>
+            <a:pPr marL="342900" indent="-342900">
+              <a:buFont typeface="Arial" panose="020B0604020202020204" pitchFamily="34" charset="0"/>
+              <a:buChar char="•"/>
+            </a:pPr>
+            <a:r>
+              <a:rPr lang="ru-RU" sz="2400" dirty="0" smtClean="0"/>
+              <a:t>позволяет быть подшитым в один файл</a:t>
+            </a:r>
+            <a:endParaRPr lang="en-US" sz="2400" dirty="0" smtClean="0"/>
+          </a:p>
+          <a:p>
+            <a:r>
+              <a:rPr lang="ru-RU" sz="2400" dirty="0" smtClean="0"/>
+              <a:t>Минусы</a:t>
+            </a:r>
+            <a:r>
+              <a:rPr lang="en-US" sz="2400" dirty="0" smtClean="0"/>
+              <a:t>:</a:t>
+            </a:r>
+          </a:p>
+          <a:p>
+            <a:pPr marL="342900" indent="-342900">
+              <a:buFont typeface="Arial" panose="020B0604020202020204" pitchFamily="34" charset="0"/>
+              <a:buChar char="•"/>
+            </a:pPr>
+            <a:r>
+              <a:rPr lang="ru-RU" sz="2400" dirty="0" smtClean="0"/>
+              <a:t>Требует инфраструктурного кода</a:t>
+            </a:r>
+          </a:p>
+          <a:p>
+            <a:pPr marL="342900" indent="-342900">
+              <a:buFont typeface="Arial" panose="020B0604020202020204" pitchFamily="34" charset="0"/>
+              <a:buChar char="•"/>
+            </a:pPr>
+            <a:r>
+              <a:rPr lang="ru-RU" sz="2400" dirty="0" smtClean="0"/>
+              <a:t>Не сохраняет подгруженные функции в памяти.</a:t>
+            </a:r>
+          </a:p>
+          <a:p>
+            <a:pPr marL="342900" indent="-342900">
+              <a:buFont typeface="Arial" panose="020B0604020202020204" pitchFamily="34" charset="0"/>
+              <a:buChar char="•"/>
+            </a:pPr>
+            <a:r>
+              <a:rPr lang="ru-RU" sz="2400" dirty="0" smtClean="0"/>
+              <a:t>Каждый запуск, это чтение с жесткого диска.</a:t>
+            </a:r>
           </a:p>
         </p:txBody>
       </p:sp>
@@ -7777,6 +8355,13 @@
   <p:clrMapOvr>
     <a:masterClrMapping/>
   </p:clrMapOvr>
+  <p:timing>
+    <p:tnLst>
+      <p:par>
+        <p:cTn id="1" dur="indefinite" restart="never" nodeType="tmRoot"/>
+      </p:par>
+    </p:tnLst>
+  </p:timing>
 </p:sld>
 </file>
 
@@ -7799,146 +8384,169 @@
       </p:grpSpPr>
       <p:sp>
         <p:nvSpPr>
-          <p:cNvPr id="2" name="Заголовок 1"/>
-          <p:cNvSpPr>
-            <a:spLocks noGrp="1"/>
+          <p:cNvPr id="4" name="Заголовок 1"/>
+          <p:cNvSpPr txBox="1">
+            <a:spLocks/>
           </p:cNvSpPr>
-          <p:nvPr>
-            <p:ph type="title"/>
-          </p:nvPr>
+          <p:nvPr/>
         </p:nvSpPr>
         <p:spPr>
           <a:xfrm>
-            <a:off x="1288460" y="1668068"/>
-            <a:ext cx="9927506" cy="1498574"/>
-          </a:xfrm>
+            <a:off x="-204306" y="-327118"/>
+            <a:ext cx="11914744" cy="1295147"/>
+          </a:xfrm>
+          <a:prstGeom prst="rect">
+            <a:avLst/>
+          </a:prstGeom>
         </p:spPr>
         <p:txBody>
-          <a:bodyPr/>
-          <a:lstStyle/>
+          <a:bodyPr vert="horz" lIns="91440" tIns="45720" rIns="91440" bIns="45720" rtlCol="0" anchor="ctr">
+            <a:noAutofit/>
+          </a:bodyPr>
+          <a:lstStyle>
+            <a:lvl1pPr algn="l" defTabSz="914400" rtl="0" eaLnBrk="1" latinLnBrk="0" hangingPunct="1">
+              <a:lnSpc>
+                <a:spcPct val="90000"/>
+              </a:lnSpc>
+              <a:spcBef>
+                <a:spcPct val="0"/>
+              </a:spcBef>
+              <a:buNone/>
+              <a:defRPr sz="4400" kern="1200">
+                <a:solidFill>
+                  <a:schemeClr val="tx1"/>
+                </a:solidFill>
+                <a:latin typeface="+mj-lt"/>
+                <a:ea typeface="+mj-ea"/>
+                <a:cs typeface="+mj-cs"/>
+              </a:defRPr>
+            </a:lvl1pPr>
+          </a:lstStyle>
           <a:p>
             <a:pPr algn="ctr"/>
             <a:r>
-              <a:rPr lang="ru-RU" b="1" dirty="0" smtClean="0">
-                <a:solidFill>
-                  <a:srgbClr val="C20282"/>
-                </a:solidFill>
+              <a:rPr lang="en-US" sz="3600" b="1" cap="all" dirty="0" smtClean="0">
+                <a:solidFill>
+                  <a:srgbClr val="0070C0"/>
+                </a:solidFill>
+                <a:latin typeface="+mn-lt"/>
               </a:rPr>
-              <a:t>Благодарим за участие в </a:t>
-            </a:r>
-            <a:r>
-              <a:rPr lang="en-US" b="1" dirty="0" err="1" smtClean="0">
-                <a:solidFill>
-                  <a:srgbClr val="C20282"/>
-                </a:solidFill>
-              </a:rPr>
-              <a:t>WorkShop</a:t>
-            </a:r>
-            <a:r>
-              <a:rPr lang="ru-RU" b="1" dirty="0" smtClean="0">
-                <a:solidFill>
-                  <a:srgbClr val="C20282"/>
-                </a:solidFill>
-              </a:rPr>
-              <a:t>!</a:t>
-            </a:r>
-            <a:endParaRPr lang="ru-RU" b="1" dirty="0">
+              <a:t>bll.bat</a:t>
+            </a:r>
+            <a:endParaRPr lang="ru-RU" sz="3600" b="1" cap="all" dirty="0">
               <a:solidFill>
                 <a:srgbClr val="0070C0"/>
               </a:solidFill>
+              <a:latin typeface="+mn-lt"/>
             </a:endParaRPr>
           </a:p>
         </p:txBody>
       </p:sp>
       <p:sp>
         <p:nvSpPr>
-          <p:cNvPr id="3" name="Объект 2"/>
-          <p:cNvSpPr>
-            <a:spLocks noGrp="1"/>
+          <p:cNvPr id="5" name="Заголовок 1"/>
+          <p:cNvSpPr txBox="1">
+            <a:spLocks/>
           </p:cNvSpPr>
-          <p:nvPr>
-            <p:ph idx="1"/>
-          </p:nvPr>
-        </p:nvSpPr>
-        <p:spPr>
-          <a:xfrm>
-            <a:off x="838200" y="4360949"/>
-            <a:ext cx="10515600" cy="630897"/>
-          </a:xfrm>
-        </p:spPr>
-        <p:txBody>
-          <a:bodyPr>
-            <a:normAutofit/>
-          </a:bodyPr>
-          <a:lstStyle/>
-          <a:p>
-            <a:pPr marL="0" indent="0" algn="ctr">
-              <a:buNone/>
-            </a:pPr>
-            <a:r>
-              <a:rPr lang="ru-RU" b="1" dirty="0" smtClean="0">
-                <a:solidFill>
-                  <a:srgbClr val="C20282"/>
-                </a:solidFill>
-              </a:rPr>
-              <a:t>Больше интересных проектов и событий здесь:</a:t>
-            </a:r>
-            <a:endParaRPr lang="ru-RU" b="1" dirty="0">
-              <a:solidFill>
-                <a:srgbClr val="C20282"/>
-              </a:solidFill>
-            </a:endParaRPr>
-          </a:p>
-        </p:txBody>
-      </p:sp>
-      <p:sp>
-        <p:nvSpPr>
-          <p:cNvPr id="4" name="Прямоугольник 3"/>
-          <p:cNvSpPr/>
           <p:nvPr/>
         </p:nvSpPr>
         <p:spPr>
           <a:xfrm>
-            <a:off x="3252216" y="6267104"/>
-            <a:ext cx="2026324" cy="369332"/>
+            <a:off x="77821" y="498667"/>
+            <a:ext cx="12013660" cy="1690055"/>
           </a:xfrm>
           <a:prstGeom prst="rect">
             <a:avLst/>
           </a:prstGeom>
         </p:spPr>
         <p:txBody>
-          <a:bodyPr wrap="none">
-            <a:spAutoFit/>
+          <a:bodyPr vert="horz" lIns="91440" tIns="45720" rIns="91440" bIns="45720" rtlCol="0" anchor="ctr">
+            <a:noAutofit/>
           </a:bodyPr>
-          <a:lstStyle/>
-          <a:p>
-            <a:r>
-              <a:rPr lang="ru-RU" b="1" dirty="0">
-                <a:solidFill>
-                  <a:srgbClr val="0070C0"/>
-                </a:solidFill>
-              </a:rPr>
-              <a:t>vk.com/</a:t>
-            </a:r>
-            <a:r>
-              <a:rPr lang="ru-RU" b="1" dirty="0" err="1">
-                <a:solidFill>
-                  <a:srgbClr val="0070C0"/>
-                </a:solidFill>
-              </a:rPr>
-              <a:t>kip_college</a:t>
-            </a:r>
-            <a:endParaRPr lang="ru-RU" b="1" dirty="0">
-              <a:solidFill>
-                <a:srgbClr val="0070C0"/>
-              </a:solidFill>
-            </a:endParaRPr>
+          <a:lstStyle>
+            <a:lvl1pPr algn="l" defTabSz="914400" rtl="0" eaLnBrk="1" latinLnBrk="0" hangingPunct="1">
+              <a:lnSpc>
+                <a:spcPct val="90000"/>
+              </a:lnSpc>
+              <a:spcBef>
+                <a:spcPct val="0"/>
+              </a:spcBef>
+              <a:buNone/>
+              <a:defRPr sz="4400" kern="1200">
+                <a:solidFill>
+                  <a:schemeClr val="tx1"/>
+                </a:solidFill>
+                <a:latin typeface="+mj-lt"/>
+                <a:ea typeface="+mj-ea"/>
+                <a:cs typeface="+mj-cs"/>
+              </a:defRPr>
+            </a:lvl1pPr>
+          </a:lstStyle>
+          <a:p>
+            <a:r>
+              <a:rPr lang="en-US" sz="2400" dirty="0"/>
+              <a:t>BLL – BAT L</a:t>
+            </a:r>
+            <a:r>
+              <a:rPr lang="en-US" sz="2400" dirty="0" smtClean="0"/>
+              <a:t>inked Library.</a:t>
+            </a:r>
+            <a:br>
+              <a:rPr lang="en-US" sz="2400" dirty="0" smtClean="0"/>
+            </a:br>
+            <a:r>
+              <a:rPr lang="ru-RU" sz="2400" dirty="0" smtClean="0"/>
+              <a:t>Это искусственный прием, заключается в подшивании нескольких файлов в один результирующий с последующим его запуском.</a:t>
+            </a:r>
+            <a:br>
+              <a:rPr lang="ru-RU" sz="2400" dirty="0" smtClean="0"/>
+            </a:br>
+            <a:r>
+              <a:rPr lang="en-US" sz="2400" dirty="0" smtClean="0"/>
+              <a:t>Type – </a:t>
+            </a:r>
+            <a:r>
+              <a:rPr lang="ru-RU" sz="2400" dirty="0" smtClean="0"/>
+              <a:t>это печать всего файла на экран</a:t>
+            </a:r>
+            <a:br>
+              <a:rPr lang="ru-RU" sz="2400" dirty="0" smtClean="0"/>
+            </a:br>
+            <a:r>
+              <a:rPr lang="ru-RU" sz="2400" dirty="0" smtClean="0"/>
+              <a:t>(…)</a:t>
+            </a:r>
+            <a:r>
+              <a:rPr lang="en-US" sz="2400" dirty="0" smtClean="0"/>
+              <a:t>&gt;&gt;</a:t>
+            </a:r>
+            <a:r>
+              <a:rPr lang="ru-RU" sz="2400" dirty="0" smtClean="0"/>
+              <a:t> *.*</a:t>
+            </a:r>
+            <a:r>
+              <a:rPr lang="en-US" sz="2400" dirty="0" smtClean="0"/>
+              <a:t> - </a:t>
+            </a:r>
+            <a:r>
+              <a:rPr lang="ru-RU" sz="2400" dirty="0" smtClean="0"/>
+              <a:t>перенаправление вывода на экран </a:t>
+            </a:r>
+            <a:r>
+              <a:rPr lang="ru-RU" sz="2400" dirty="0"/>
+              <a:t>в</a:t>
+            </a:r>
+            <a:r>
+              <a:rPr lang="ru-RU" sz="2400" dirty="0" smtClean="0"/>
+              <a:t> файл для группы операций </a:t>
+            </a:r>
+            <a:endParaRPr lang="ru-RU" sz="2400" dirty="0"/>
           </a:p>
         </p:txBody>
       </p:sp>
       <p:pic>
         <p:nvPicPr>
-          <p:cNvPr id="6146" name="Picture 2" descr="http://qrcoder.ru/code/?https%3A%2F%2Fvk.com%2Fkip_college&amp;4&amp;0"/>
+          <p:cNvPr id="2050" name="Picture 2"/>
           <p:cNvPicPr>
             <a:picLocks noChangeAspect="1" noChangeArrowheads="1"/>
           </p:cNvPicPr>
@@ -7959,69 +8567,332 @@
         </p:blipFill>
         <p:spPr bwMode="auto">
           <a:xfrm>
-            <a:off x="3620665" y="4989689"/>
-            <a:ext cx="1257300" cy="1257301"/>
+            <a:off x="169456" y="2256817"/>
+            <a:ext cx="7536945" cy="4095345"/>
           </a:xfrm>
           <a:prstGeom prst="rect">
             <a:avLst/>
           </a:prstGeom>
           <a:noFill/>
           <a:ln>
-            <a:solidFill>
-              <a:srgbClr val="0070C0"/>
-            </a:solidFill>
+            <a:noFill/>
           </a:ln>
+          <a:effectLst/>
           <a:extLst>
             <a:ext uri="{909E8E84-426E-40DD-AFC4-6F175D3DCCD1}">
               <a14:hiddenFill xmlns:a14="http://schemas.microsoft.com/office/drawing/2010/main">
                 <a:solidFill>
-                  <a:srgbClr val="FFFFFF"/>
+                  <a:schemeClr val="accent1"/>
                 </a:solidFill>
               </a14:hiddenFill>
+            </a:ext>
+            <a:ext uri="{91240B29-F687-4F45-9708-019B960494DF}">
+              <a14:hiddenLine xmlns:a14="http://schemas.microsoft.com/office/drawing/2010/main" w="9525">
+                <a:solidFill>
+                  <a:schemeClr val="tx1"/>
+                </a:solidFill>
+                <a:miter lim="800000"/>
+                <a:headEnd/>
+                <a:tailEnd/>
+              </a14:hiddenLine>
+            </a:ext>
+            <a:ext uri="{AF507438-7753-43E0-B8FC-AC1667EBCBE1}">
+              <a14:hiddenEffects xmlns:a14="http://schemas.microsoft.com/office/drawing/2010/main">
+                <a:effectLst>
+                  <a:outerShdw dist="35921" dir="2700000" algn="ctr" rotWithShape="0">
+                    <a:schemeClr val="bg2"/>
+                  </a:outerShdw>
+                </a:effectLst>
+              </a14:hiddenEffects>
             </a:ext>
           </a:extLst>
         </p:spPr>
       </p:pic>
       <p:sp>
         <p:nvSpPr>
-          <p:cNvPr id="6" name="Прямоугольник 5"/>
-          <p:cNvSpPr/>
+          <p:cNvPr id="10" name="Заголовок 1"/>
+          <p:cNvSpPr txBox="1">
+            <a:spLocks/>
+          </p:cNvSpPr>
           <p:nvPr/>
         </p:nvSpPr>
         <p:spPr>
           <a:xfrm>
-            <a:off x="1114153" y="6267104"/>
-            <a:ext cx="981166" cy="369332"/>
+            <a:off x="7706400" y="2359891"/>
+            <a:ext cx="4307259" cy="4293828"/>
           </a:xfrm>
           <a:prstGeom prst="rect">
             <a:avLst/>
           </a:prstGeom>
         </p:spPr>
         <p:txBody>
-          <a:bodyPr wrap="none">
-            <a:spAutoFit/>
+          <a:bodyPr vert="horz" lIns="91440" tIns="45720" rIns="91440" bIns="45720" rtlCol="0" anchor="ctr">
+            <a:noAutofit/>
           </a:bodyPr>
-          <a:lstStyle/>
-          <a:p>
-            <a:r>
-              <a:rPr lang="en-US" b="1" dirty="0" smtClean="0">
+          <a:lstStyle>
+            <a:lvl1pPr algn="l" defTabSz="914400" rtl="0" eaLnBrk="1" latinLnBrk="0" hangingPunct="1">
+              <a:lnSpc>
+                <a:spcPct val="90000"/>
+              </a:lnSpc>
+              <a:spcBef>
+                <a:spcPct val="0"/>
+              </a:spcBef>
+              <a:buNone/>
+              <a:defRPr sz="4400" kern="1200">
+                <a:solidFill>
+                  <a:schemeClr val="tx1"/>
+                </a:solidFill>
+                <a:latin typeface="+mj-lt"/>
+                <a:ea typeface="+mj-ea"/>
+                <a:cs typeface="+mj-cs"/>
+              </a:defRPr>
+            </a:lvl1pPr>
+          </a:lstStyle>
+          <a:p>
+            <a:r>
+              <a:rPr lang="ru-RU" sz="2400" dirty="0" smtClean="0"/>
+              <a:t>Удобно сочетается с псевдо библиотеками, так как после</a:t>
+            </a:r>
+            <a:r>
+              <a:rPr lang="en-US" sz="2400" dirty="0" smtClean="0"/>
+              <a:t> exit /b </a:t>
+            </a:r>
+            <a:r>
+              <a:rPr lang="ru-RU" sz="2400" dirty="0" smtClean="0"/>
+              <a:t>осуществляется выход из функции или *.</a:t>
+            </a:r>
+            <a:r>
+              <a:rPr lang="en-US" sz="2400" dirty="0" smtClean="0"/>
+              <a:t>bat</a:t>
+            </a:r>
+            <a:r>
+              <a:rPr lang="ru-RU" sz="2400" dirty="0" smtClean="0"/>
+              <a:t> файла.</a:t>
+            </a:r>
+            <a:br>
+              <a:rPr lang="ru-RU" sz="2400" dirty="0" smtClean="0"/>
+            </a:br>
+            <a:r>
+              <a:rPr lang="ru-RU" sz="2400" dirty="0" smtClean="0"/>
+              <a:t>После него - получаем недостижимый карман программного кода в котором и размещаем все подшиваемые библиотеки (как в примере).</a:t>
+            </a:r>
+            <a:endParaRPr lang="ru-RU" sz="2400" dirty="0"/>
+          </a:p>
+        </p:txBody>
+      </p:sp>
+    </p:spTree>
+    <p:extLst>
+      <p:ext uri="{BB962C8B-B14F-4D97-AF65-F5344CB8AC3E}">
+        <p14:creationId xmlns:p14="http://schemas.microsoft.com/office/powerpoint/2010/main" val="2437120417"/>
+      </p:ext>
+    </p:extLst>
+  </p:cSld>
+  <p:clrMapOvr>
+    <a:masterClrMapping/>
+  </p:clrMapOvr>
+  <p:timing>
+    <p:tnLst>
+      <p:par>
+        <p:cTn id="1" dur="indefinite" restart="never" nodeType="tmRoot"/>
+      </p:par>
+    </p:tnLst>
+  </p:timing>
+</p:sld>
+</file>
+
+<file path=ppt/slides/slide23.xml><?xml version="1.0" encoding="utf-8"?>
+<p:sld xmlns:a="http://schemas.openxmlformats.org/drawingml/2006/main" xmlns:r="http://schemas.openxmlformats.org/officeDocument/2006/relationships" xmlns:p="http://schemas.openxmlformats.org/presentationml/2006/main">
+  <p:cSld>
+    <p:spTree>
+      <p:nvGrpSpPr>
+        <p:cNvPr id="1" name=""/>
+        <p:cNvGrpSpPr/>
+        <p:nvPr/>
+      </p:nvGrpSpPr>
+      <p:grpSpPr>
+        <a:xfrm>
+          <a:off x="0" y="0"/>
+          <a:ext cx="0" cy="0"/>
+          <a:chOff x="0" y="0"/>
+          <a:chExt cx="0" cy="0"/>
+        </a:xfrm>
+      </p:grpSpPr>
+      <p:pic>
+        <p:nvPicPr>
+          <p:cNvPr id="3074" name="Picture 2"/>
+          <p:cNvPicPr>
+            <a:picLocks noChangeAspect="1" noChangeArrowheads="1"/>
+          </p:cNvPicPr>
+          <p:nvPr/>
+        </p:nvPicPr>
+        <p:blipFill>
+          <a:blip r:embed="rId2">
+            <a:extLst>
+              <a:ext uri="{28A0092B-C50C-407E-A947-70E740481C1C}">
+                <a14:useLocalDpi xmlns:a14="http://schemas.microsoft.com/office/drawing/2010/main" val="0"/>
+              </a:ext>
+            </a:extLst>
+          </a:blip>
+          <a:srcRect/>
+          <a:stretch>
+            <a:fillRect/>
+          </a:stretch>
+        </p:blipFill>
+        <p:spPr bwMode="auto">
+          <a:xfrm>
+            <a:off x="8047647" y="2996124"/>
+            <a:ext cx="3392082" cy="3797293"/>
+          </a:xfrm>
+          <a:prstGeom prst="rect">
+            <a:avLst/>
+          </a:prstGeom>
+          <a:noFill/>
+          <a:ln>
+            <a:noFill/>
+          </a:ln>
+          <a:effectLst/>
+          <a:extLst>
+            <a:ext uri="{909E8E84-426E-40DD-AFC4-6F175D3DCCD1}">
+              <a14:hiddenFill xmlns:a14="http://schemas.microsoft.com/office/drawing/2010/main">
+                <a:solidFill>
+                  <a:schemeClr val="accent1"/>
+                </a:solidFill>
+              </a14:hiddenFill>
+            </a:ext>
+            <a:ext uri="{91240B29-F687-4F45-9708-019B960494DF}">
+              <a14:hiddenLine xmlns:a14="http://schemas.microsoft.com/office/drawing/2010/main" w="9525">
+                <a:solidFill>
+                  <a:schemeClr val="tx1"/>
+                </a:solidFill>
+                <a:miter lim="800000"/>
+                <a:headEnd/>
+                <a:tailEnd/>
+              </a14:hiddenLine>
+            </a:ext>
+            <a:ext uri="{AF507438-7753-43E0-B8FC-AC1667EBCBE1}">
+              <a14:hiddenEffects xmlns:a14="http://schemas.microsoft.com/office/drawing/2010/main">
+                <a:effectLst>
+                  <a:outerShdw dist="35921" dir="2700000" algn="ctr" rotWithShape="0">
+                    <a:schemeClr val="bg2"/>
+                  </a:outerShdw>
+                </a:effectLst>
+              </a14:hiddenEffects>
+            </a:ext>
+          </a:extLst>
+        </p:spPr>
+      </p:pic>
+      <p:sp>
+        <p:nvSpPr>
+          <p:cNvPr id="5" name="Заголовок 1"/>
+          <p:cNvSpPr txBox="1">
+            <a:spLocks/>
+          </p:cNvSpPr>
+          <p:nvPr/>
+        </p:nvSpPr>
+        <p:spPr>
+          <a:xfrm>
+            <a:off x="-204306" y="-327118"/>
+            <a:ext cx="11914744" cy="1295147"/>
+          </a:xfrm>
+          <a:prstGeom prst="rect">
+            <a:avLst/>
+          </a:prstGeom>
+        </p:spPr>
+        <p:txBody>
+          <a:bodyPr vert="horz" lIns="91440" tIns="45720" rIns="91440" bIns="45720" rtlCol="0" anchor="ctr">
+            <a:noAutofit/>
+          </a:bodyPr>
+          <a:lstStyle>
+            <a:lvl1pPr algn="l" defTabSz="914400" rtl="0" eaLnBrk="1" latinLnBrk="0" hangingPunct="1">
+              <a:lnSpc>
+                <a:spcPct val="90000"/>
+              </a:lnSpc>
+              <a:spcBef>
+                <a:spcPct val="0"/>
+              </a:spcBef>
+              <a:buNone/>
+              <a:defRPr sz="4400" kern="1200">
+                <a:solidFill>
+                  <a:schemeClr val="tx1"/>
+                </a:solidFill>
+                <a:latin typeface="+mj-lt"/>
+                <a:ea typeface="+mj-ea"/>
+                <a:cs typeface="+mj-cs"/>
+              </a:defRPr>
+            </a:lvl1pPr>
+          </a:lstStyle>
+          <a:p>
+            <a:pPr algn="ctr"/>
+            <a:r>
+              <a:rPr lang="en-US" sz="3600" b="1" cap="all" dirty="0">
                 <a:solidFill>
                   <a:srgbClr val="0070C0"/>
                 </a:solidFill>
+                <a:latin typeface="+mn-lt"/>
               </a:rPr>
-              <a:t>kip.fa.ru</a:t>
-            </a:r>
-            <a:endParaRPr lang="ru-RU" b="1" dirty="0">
+              <a:t>ColorAtor.bat</a:t>
+            </a:r>
+            <a:endParaRPr lang="ru-RU" sz="3600" b="1" cap="all" dirty="0">
               <a:solidFill>
                 <a:srgbClr val="0070C0"/>
               </a:solidFill>
+              <a:latin typeface="+mn-lt"/>
             </a:endParaRPr>
+          </a:p>
+        </p:txBody>
+      </p:sp>
+      <p:sp>
+        <p:nvSpPr>
+          <p:cNvPr id="6" name="Заголовок 1"/>
+          <p:cNvSpPr txBox="1">
+            <a:spLocks/>
+          </p:cNvSpPr>
+          <p:nvPr/>
+        </p:nvSpPr>
+        <p:spPr>
+          <a:xfrm>
+            <a:off x="77821" y="498667"/>
+            <a:ext cx="12013660" cy="600559"/>
+          </a:xfrm>
+          <a:prstGeom prst="rect">
+            <a:avLst/>
+          </a:prstGeom>
+        </p:spPr>
+        <p:txBody>
+          <a:bodyPr vert="horz" lIns="91440" tIns="45720" rIns="91440" bIns="45720" rtlCol="0" anchor="ctr">
+            <a:noAutofit/>
+          </a:bodyPr>
+          <a:lstStyle>
+            <a:lvl1pPr algn="l" defTabSz="914400" rtl="0" eaLnBrk="1" latinLnBrk="0" hangingPunct="1">
+              <a:lnSpc>
+                <a:spcPct val="90000"/>
+              </a:lnSpc>
+              <a:spcBef>
+                <a:spcPct val="0"/>
+              </a:spcBef>
+              <a:buNone/>
+              <a:defRPr sz="4400" kern="1200">
+                <a:solidFill>
+                  <a:schemeClr val="tx1"/>
+                </a:solidFill>
+                <a:latin typeface="+mj-lt"/>
+                <a:ea typeface="+mj-ea"/>
+                <a:cs typeface="+mj-cs"/>
+              </a:defRPr>
+            </a:lvl1pPr>
+          </a:lstStyle>
+          <a:p>
+            <a:r>
+              <a:rPr lang="ru-RU" sz="2400" dirty="0" smtClean="0"/>
+              <a:t>Библиотека для вывода цветного текста в консоль</a:t>
+            </a:r>
+            <a:endParaRPr lang="ru-RU" sz="2400" dirty="0"/>
           </a:p>
         </p:txBody>
       </p:sp>
       <p:pic>
         <p:nvPicPr>
-          <p:cNvPr id="6148" name="Picture 4" descr="http://qrcoder.ru/code/?http%3A%2F%2Fwww.fa.ru%2Forg%2Fspo%2Fkip%2FPages%2FHome.aspx&amp;4&amp;0"/>
+          <p:cNvPr id="3075" name="Picture 3"/>
           <p:cNvPicPr>
             <a:picLocks noChangeAspect="1" noChangeArrowheads="1"/>
           </p:cNvPicPr>
@@ -8042,64 +8913,50 @@
         </p:blipFill>
         <p:spPr bwMode="auto">
           <a:xfrm>
-            <a:off x="959276" y="4995244"/>
-            <a:ext cx="1271860" cy="1271860"/>
+            <a:off x="43396" y="1259869"/>
+            <a:ext cx="7445950" cy="2300465"/>
           </a:xfrm>
           <a:prstGeom prst="rect">
             <a:avLst/>
           </a:prstGeom>
           <a:noFill/>
           <a:ln>
-            <a:solidFill>
-              <a:srgbClr val="0070C0"/>
-            </a:solidFill>
+            <a:noFill/>
           </a:ln>
+          <a:effectLst/>
           <a:extLst>
             <a:ext uri="{909E8E84-426E-40DD-AFC4-6F175D3DCCD1}">
               <a14:hiddenFill xmlns:a14="http://schemas.microsoft.com/office/drawing/2010/main">
                 <a:solidFill>
-                  <a:srgbClr val="FFFFFF"/>
+                  <a:schemeClr val="accent1"/>
                 </a:solidFill>
               </a14:hiddenFill>
             </a:ext>
+            <a:ext uri="{91240B29-F687-4F45-9708-019B960494DF}">
+              <a14:hiddenLine xmlns:a14="http://schemas.microsoft.com/office/drawing/2010/main" w="9525">
+                <a:solidFill>
+                  <a:schemeClr val="tx1"/>
+                </a:solidFill>
+                <a:miter lim="800000"/>
+                <a:headEnd/>
+                <a:tailEnd/>
+              </a14:hiddenLine>
+            </a:ext>
+            <a:ext uri="{AF507438-7753-43E0-B8FC-AC1667EBCBE1}">
+              <a14:hiddenEffects xmlns:a14="http://schemas.microsoft.com/office/drawing/2010/main">
+                <a:effectLst>
+                  <a:outerShdw dist="35921" dir="2700000" algn="ctr" rotWithShape="0">
+                    <a:schemeClr val="bg2"/>
+                  </a:outerShdw>
+                </a:effectLst>
+              </a14:hiddenEffects>
+            </a:ext>
           </a:extLst>
         </p:spPr>
       </p:pic>
-      <p:sp>
-        <p:nvSpPr>
-          <p:cNvPr id="5" name="Прямоугольник 4"/>
-          <p:cNvSpPr/>
-          <p:nvPr/>
-        </p:nvSpPr>
-        <p:spPr>
-          <a:xfrm>
-            <a:off x="9192770" y="6257960"/>
-            <a:ext cx="2174250" cy="369332"/>
-          </a:xfrm>
-          <a:prstGeom prst="rect">
-            <a:avLst/>
-          </a:prstGeom>
-        </p:spPr>
-        <p:txBody>
-          <a:bodyPr wrap="none">
-            <a:spAutoFit/>
-          </a:bodyPr>
-          <a:lstStyle/>
-          <a:p>
-            <a:r>
-              <a:rPr lang="ru-RU" b="1" dirty="0">
-                <a:solidFill>
-                  <a:srgbClr val="0070C0"/>
-                </a:solidFill>
-              </a:rPr>
-              <a:t>tiktok.com/@kip_fin</a:t>
-            </a:r>
-          </a:p>
-        </p:txBody>
-      </p:sp>
       <p:pic>
         <p:nvPicPr>
-          <p:cNvPr id="6150" name="Picture 6" descr="http://qrcoder.ru/code/?https%3A%2F%2Fwww.tiktok.com%2F%40kip_fin&amp;4&amp;0"/>
+          <p:cNvPr id="3076" name="Picture 4"/>
           <p:cNvPicPr>
             <a:picLocks noChangeAspect="1" noChangeArrowheads="1"/>
           </p:cNvPicPr>
@@ -8120,80 +8977,1064 @@
         </p:blipFill>
         <p:spPr bwMode="auto">
           <a:xfrm>
-            <a:off x="9613925" y="4995244"/>
-            <a:ext cx="1271860" cy="1271860"/>
+            <a:off x="10546" y="3569111"/>
+            <a:ext cx="6448612" cy="3224306"/>
           </a:xfrm>
           <a:prstGeom prst="rect">
             <a:avLst/>
           </a:prstGeom>
           <a:noFill/>
           <a:ln>
-            <a:solidFill>
-              <a:srgbClr val="0070C0"/>
-            </a:solidFill>
+            <a:noFill/>
           </a:ln>
+          <a:effectLst/>
           <a:extLst>
             <a:ext uri="{909E8E84-426E-40DD-AFC4-6F175D3DCCD1}">
               <a14:hiddenFill xmlns:a14="http://schemas.microsoft.com/office/drawing/2010/main">
                 <a:solidFill>
-                  <a:srgbClr val="FFFFFF"/>
+                  <a:schemeClr val="accent1"/>
                 </a:solidFill>
               </a14:hiddenFill>
+            </a:ext>
+            <a:ext uri="{91240B29-F687-4F45-9708-019B960494DF}">
+              <a14:hiddenLine xmlns:a14="http://schemas.microsoft.com/office/drawing/2010/main" w="9525">
+                <a:solidFill>
+                  <a:schemeClr val="tx1"/>
+                </a:solidFill>
+                <a:miter lim="800000"/>
+                <a:headEnd/>
+                <a:tailEnd/>
+              </a14:hiddenLine>
+            </a:ext>
+            <a:ext uri="{AF507438-7753-43E0-B8FC-AC1667EBCBE1}">
+              <a14:hiddenEffects xmlns:a14="http://schemas.microsoft.com/office/drawing/2010/main">
+                <a:effectLst>
+                  <a:outerShdw dist="35921" dir="2700000" algn="ctr" rotWithShape="0">
+                    <a:schemeClr val="bg2"/>
+                  </a:outerShdw>
+                </a:effectLst>
+              </a14:hiddenEffects>
             </a:ext>
           </a:extLst>
         </p:spPr>
       </p:pic>
       <p:sp>
         <p:nvSpPr>
-          <p:cNvPr id="7" name="Прямоугольник 6"/>
-          <p:cNvSpPr/>
+          <p:cNvPr id="9" name="Заголовок 1"/>
+          <p:cNvSpPr txBox="1">
+            <a:spLocks/>
+          </p:cNvSpPr>
           <p:nvPr/>
         </p:nvSpPr>
         <p:spPr>
           <a:xfrm>
-            <a:off x="5930850" y="6257960"/>
-            <a:ext cx="2446695" cy="369332"/>
+            <a:off x="7812747" y="709433"/>
+            <a:ext cx="3861882" cy="2169954"/>
           </a:xfrm>
           <a:prstGeom prst="rect">
             <a:avLst/>
           </a:prstGeom>
         </p:spPr>
         <p:txBody>
-          <a:bodyPr wrap="none">
-            <a:spAutoFit/>
+          <a:bodyPr vert="horz" lIns="91440" tIns="45720" rIns="91440" bIns="45720" rtlCol="0" anchor="ctr">
+            <a:noAutofit/>
           </a:bodyPr>
-          <a:lstStyle/>
-          <a:p>
-            <a:r>
-              <a:rPr lang="ru-RU" b="1" dirty="0">
+          <a:lstStyle>
+            <a:lvl1pPr algn="l" defTabSz="914400" rtl="0" eaLnBrk="1" latinLnBrk="0" hangingPunct="1">
+              <a:lnSpc>
+                <a:spcPct val="90000"/>
+              </a:lnSpc>
+              <a:spcBef>
+                <a:spcPct val="0"/>
+              </a:spcBef>
+              <a:buNone/>
+              <a:defRPr sz="4400" kern="1200">
+                <a:solidFill>
+                  <a:schemeClr val="tx1"/>
+                </a:solidFill>
+                <a:latin typeface="+mj-lt"/>
+                <a:ea typeface="+mj-ea"/>
+                <a:cs typeface="+mj-cs"/>
+              </a:defRPr>
+            </a:lvl1pPr>
+          </a:lstStyle>
+          <a:p>
+            <a:r>
+              <a:rPr lang="en-US" sz="2400" dirty="0"/>
+              <a:t>:</a:t>
+            </a:r>
+            <a:r>
+              <a:rPr lang="en-US" sz="2400" dirty="0" err="1" smtClean="0"/>
+              <a:t>ColorAtor.Main</a:t>
+            </a:r>
+            <a:endParaRPr lang="ru-RU" sz="2400" dirty="0" smtClean="0"/>
+          </a:p>
+          <a:p>
+            <a:r>
+              <a:rPr lang="en-US" sz="2400" dirty="0"/>
+              <a:t>	</a:t>
+            </a:r>
+            <a:r>
+              <a:rPr lang="ru-RU" sz="2400" dirty="0" smtClean="0"/>
+              <a:t>…</a:t>
+            </a:r>
+          </a:p>
+          <a:p>
+            <a:r>
+              <a:rPr lang="ru-RU" sz="2400" dirty="0" smtClean="0"/>
+              <a:t>	</a:t>
+            </a:r>
+            <a:r>
+              <a:rPr lang="en-US" sz="2400" dirty="0" smtClean="0"/>
+              <a:t>call </a:t>
+            </a:r>
+            <a:r>
+              <a:rPr lang="en-US" sz="2400" dirty="0"/>
+              <a:t>:echo 0E "www" /</a:t>
+            </a:r>
+          </a:p>
+          <a:p>
+            <a:r>
+              <a:rPr lang="en-US" sz="2400" dirty="0"/>
+              <a:t>	call :echo 4 "RRR</a:t>
+            </a:r>
+            <a:r>
+              <a:rPr lang="en-US" sz="2400" dirty="0" smtClean="0"/>
+              <a:t>"</a:t>
+            </a:r>
+            <a:endParaRPr lang="en-US" sz="2400" dirty="0"/>
+          </a:p>
+          <a:p>
+            <a:r>
+              <a:rPr lang="en-US" sz="2400" dirty="0"/>
+              <a:t>pause	</a:t>
+            </a:r>
+          </a:p>
+          <a:p>
+            <a:r>
+              <a:rPr lang="en-US" sz="2400" dirty="0"/>
+              <a:t>exit /b</a:t>
+            </a:r>
+            <a:endParaRPr lang="ru-RU" sz="2400" dirty="0"/>
+          </a:p>
+        </p:txBody>
+      </p:sp>
+    </p:spTree>
+    <p:extLst>
+      <p:ext uri="{BB962C8B-B14F-4D97-AF65-F5344CB8AC3E}">
+        <p14:creationId xmlns:p14="http://schemas.microsoft.com/office/powerpoint/2010/main" val="1616243591"/>
+      </p:ext>
+    </p:extLst>
+  </p:cSld>
+  <p:clrMapOvr>
+    <a:masterClrMapping/>
+  </p:clrMapOvr>
+  <p:timing>
+    <p:tnLst>
+      <p:par>
+        <p:cTn id="1" dur="indefinite" restart="never" nodeType="tmRoot"/>
+      </p:par>
+    </p:tnLst>
+  </p:timing>
+</p:sld>
+</file>
+
+<file path=ppt/slides/slide24.xml><?xml version="1.0" encoding="utf-8"?>
+<p:sld xmlns:a="http://schemas.openxmlformats.org/drawingml/2006/main" xmlns:r="http://schemas.openxmlformats.org/officeDocument/2006/relationships" xmlns:p="http://schemas.openxmlformats.org/presentationml/2006/main">
+  <p:cSld>
+    <p:spTree>
+      <p:nvGrpSpPr>
+        <p:cNvPr id="1" name=""/>
+        <p:cNvGrpSpPr/>
+        <p:nvPr/>
+      </p:nvGrpSpPr>
+      <p:grpSpPr>
+        <a:xfrm>
+          <a:off x="0" y="0"/>
+          <a:ext cx="0" cy="0"/>
+          <a:chOff x="0" y="0"/>
+          <a:chExt cx="0" cy="0"/>
+        </a:xfrm>
+      </p:grpSpPr>
+      <p:sp>
+        <p:nvSpPr>
+          <p:cNvPr id="4" name="Заголовок 1"/>
+          <p:cNvSpPr txBox="1">
+            <a:spLocks/>
+          </p:cNvSpPr>
+          <p:nvPr/>
+        </p:nvSpPr>
+        <p:spPr>
+          <a:xfrm>
+            <a:off x="-204306" y="0"/>
+            <a:ext cx="11914744" cy="671209"/>
+          </a:xfrm>
+          <a:prstGeom prst="rect">
+            <a:avLst/>
+          </a:prstGeom>
+        </p:spPr>
+        <p:txBody>
+          <a:bodyPr vert="horz" lIns="91440" tIns="45720" rIns="91440" bIns="45720" rtlCol="0" anchor="ctr">
+            <a:noAutofit/>
+          </a:bodyPr>
+          <a:lstStyle>
+            <a:lvl1pPr algn="l" defTabSz="914400" rtl="0" eaLnBrk="1" latinLnBrk="0" hangingPunct="1">
+              <a:lnSpc>
+                <a:spcPct val="90000"/>
+              </a:lnSpc>
+              <a:spcBef>
+                <a:spcPct val="0"/>
+              </a:spcBef>
+              <a:buNone/>
+              <a:defRPr sz="4400" kern="1200">
+                <a:solidFill>
+                  <a:schemeClr val="tx1"/>
+                </a:solidFill>
+                <a:latin typeface="+mj-lt"/>
+                <a:ea typeface="+mj-ea"/>
+                <a:cs typeface="+mj-cs"/>
+              </a:defRPr>
+            </a:lvl1pPr>
+          </a:lstStyle>
+          <a:p>
+            <a:pPr algn="ctr"/>
+            <a:r>
+              <a:rPr lang="en-US" sz="3600" b="1" cap="all" dirty="0">
                 <a:solidFill>
                   <a:srgbClr val="0070C0"/>
                 </a:solidFill>
+                <a:latin typeface="+mn-lt"/>
               </a:rPr>
-              <a:t>instagram.com/</a:t>
-            </a:r>
-            <a:r>
-              <a:rPr lang="ru-RU" b="1" dirty="0" err="1">
-                <a:solidFill>
-                  <a:srgbClr val="0070C0"/>
-                </a:solidFill>
-              </a:rPr>
-              <a:t>kip_fin</a:t>
-            </a:r>
-            <a:r>
-              <a:rPr lang="ru-RU" dirty="0">
-                <a:solidFill>
-                  <a:srgbClr val="0070C0"/>
-                </a:solidFill>
-              </a:rPr>
-              <a:t>/</a:t>
-            </a:r>
+              <a:t>DateTime.bat</a:t>
+            </a:r>
+            <a:endParaRPr lang="ru-RU" sz="3600" b="1" cap="all" dirty="0">
+              <a:solidFill>
+                <a:srgbClr val="0070C0"/>
+              </a:solidFill>
+              <a:latin typeface="+mn-lt"/>
+            </a:endParaRPr>
+          </a:p>
+        </p:txBody>
+      </p:sp>
+      <p:sp>
+        <p:nvSpPr>
+          <p:cNvPr id="5" name="Заголовок 1"/>
+          <p:cNvSpPr txBox="1">
+            <a:spLocks/>
+          </p:cNvSpPr>
+          <p:nvPr/>
+        </p:nvSpPr>
+        <p:spPr>
+          <a:xfrm>
+            <a:off x="77821" y="313835"/>
+            <a:ext cx="12013660" cy="941027"/>
+          </a:xfrm>
+          <a:prstGeom prst="rect">
+            <a:avLst/>
+          </a:prstGeom>
+        </p:spPr>
+        <p:txBody>
+          <a:bodyPr vert="horz" lIns="91440" tIns="45720" rIns="91440" bIns="45720" rtlCol="0" anchor="ctr">
+            <a:noAutofit/>
+          </a:bodyPr>
+          <a:lstStyle>
+            <a:lvl1pPr algn="l" defTabSz="914400" rtl="0" eaLnBrk="1" latinLnBrk="0" hangingPunct="1">
+              <a:lnSpc>
+                <a:spcPct val="90000"/>
+              </a:lnSpc>
+              <a:spcBef>
+                <a:spcPct val="0"/>
+              </a:spcBef>
+              <a:buNone/>
+              <a:defRPr sz="4400" kern="1200">
+                <a:solidFill>
+                  <a:schemeClr val="tx1"/>
+                </a:solidFill>
+                <a:latin typeface="+mj-lt"/>
+                <a:ea typeface="+mj-ea"/>
+                <a:cs typeface="+mj-cs"/>
+              </a:defRPr>
+            </a:lvl1pPr>
+          </a:lstStyle>
+          <a:p>
+            <a:r>
+              <a:rPr lang="ru-RU" sz="2400" dirty="0" smtClean="0"/>
+              <a:t>Библиотека примеров работы с датой, временем, и авто генерированием неповторяющихся названий для временных файлов. </a:t>
+            </a:r>
+            <a:endParaRPr lang="ru-RU" sz="2400" dirty="0"/>
           </a:p>
         </p:txBody>
       </p:sp>
       <p:pic>
         <p:nvPicPr>
-          <p:cNvPr id="6152" name="Picture 8" descr="http://qrcoder.ru/code/?https%3A%2F%2Fwww.instagram.com%2Fkip_fin%2F&amp;4&amp;0"/>
+          <p:cNvPr id="4098" name="Picture 2"/>
+          <p:cNvPicPr>
+            <a:picLocks noChangeAspect="1" noChangeArrowheads="1"/>
+          </p:cNvPicPr>
+          <p:nvPr/>
+        </p:nvPicPr>
+        <p:blipFill>
+          <a:blip r:embed="rId2">
+            <a:extLst>
+              <a:ext uri="{28A0092B-C50C-407E-A947-70E740481C1C}">
+                <a14:useLocalDpi xmlns:a14="http://schemas.microsoft.com/office/drawing/2010/main" val="0"/>
+              </a:ext>
+            </a:extLst>
+          </a:blip>
+          <a:srcRect/>
+          <a:stretch>
+            <a:fillRect/>
+          </a:stretch>
+        </p:blipFill>
+        <p:spPr bwMode="auto">
+          <a:xfrm>
+            <a:off x="6674627" y="1162861"/>
+            <a:ext cx="5162550" cy="5524500"/>
+          </a:xfrm>
+          <a:prstGeom prst="rect">
+            <a:avLst/>
+          </a:prstGeom>
+          <a:noFill/>
+          <a:ln>
+            <a:noFill/>
+          </a:ln>
+          <a:effectLst/>
+          <a:extLst>
+            <a:ext uri="{909E8E84-426E-40DD-AFC4-6F175D3DCCD1}">
+              <a14:hiddenFill xmlns:a14="http://schemas.microsoft.com/office/drawing/2010/main">
+                <a:solidFill>
+                  <a:schemeClr val="accent1"/>
+                </a:solidFill>
+              </a14:hiddenFill>
+            </a:ext>
+            <a:ext uri="{91240B29-F687-4F45-9708-019B960494DF}">
+              <a14:hiddenLine xmlns:a14="http://schemas.microsoft.com/office/drawing/2010/main" w="9525">
+                <a:solidFill>
+                  <a:schemeClr val="tx1"/>
+                </a:solidFill>
+                <a:miter lim="800000"/>
+                <a:headEnd/>
+                <a:tailEnd/>
+              </a14:hiddenLine>
+            </a:ext>
+            <a:ext uri="{AF507438-7753-43E0-B8FC-AC1667EBCBE1}">
+              <a14:hiddenEffects xmlns:a14="http://schemas.microsoft.com/office/drawing/2010/main">
+                <a:effectLst>
+                  <a:outerShdw dist="35921" dir="2700000" algn="ctr" rotWithShape="0">
+                    <a:schemeClr val="bg2"/>
+                  </a:outerShdw>
+                </a:effectLst>
+              </a14:hiddenEffects>
+            </a:ext>
+          </a:extLst>
+        </p:spPr>
+      </p:pic>
+      <p:pic>
+        <p:nvPicPr>
+          <p:cNvPr id="4099" name="Picture 3"/>
+          <p:cNvPicPr>
+            <a:picLocks noChangeAspect="1" noChangeArrowheads="1"/>
+          </p:cNvPicPr>
+          <p:nvPr/>
+        </p:nvPicPr>
+        <p:blipFill>
+          <a:blip r:embed="rId3">
+            <a:extLst>
+              <a:ext uri="{28A0092B-C50C-407E-A947-70E740481C1C}">
+                <a14:useLocalDpi xmlns:a14="http://schemas.microsoft.com/office/drawing/2010/main" val="0"/>
+              </a:ext>
+            </a:extLst>
+          </a:blip>
+          <a:srcRect/>
+          <a:stretch>
+            <a:fillRect/>
+          </a:stretch>
+        </p:blipFill>
+        <p:spPr bwMode="auto">
+          <a:xfrm>
+            <a:off x="77822" y="1216363"/>
+            <a:ext cx="6245158" cy="4824514"/>
+          </a:xfrm>
+          <a:prstGeom prst="rect">
+            <a:avLst/>
+          </a:prstGeom>
+          <a:noFill/>
+          <a:ln>
+            <a:noFill/>
+          </a:ln>
+          <a:effectLst/>
+          <a:extLst>
+            <a:ext uri="{909E8E84-426E-40DD-AFC4-6F175D3DCCD1}">
+              <a14:hiddenFill xmlns:a14="http://schemas.microsoft.com/office/drawing/2010/main">
+                <a:solidFill>
+                  <a:schemeClr val="accent1"/>
+                </a:solidFill>
+              </a14:hiddenFill>
+            </a:ext>
+            <a:ext uri="{91240B29-F687-4F45-9708-019B960494DF}">
+              <a14:hiddenLine xmlns:a14="http://schemas.microsoft.com/office/drawing/2010/main" w="9525">
+                <a:solidFill>
+                  <a:schemeClr val="tx1"/>
+                </a:solidFill>
+                <a:miter lim="800000"/>
+                <a:headEnd/>
+                <a:tailEnd/>
+              </a14:hiddenLine>
+            </a:ext>
+            <a:ext uri="{AF507438-7753-43E0-B8FC-AC1667EBCBE1}">
+              <a14:hiddenEffects xmlns:a14="http://schemas.microsoft.com/office/drawing/2010/main">
+                <a:effectLst>
+                  <a:outerShdw dist="35921" dir="2700000" algn="ctr" rotWithShape="0">
+                    <a:schemeClr val="bg2"/>
+                  </a:outerShdw>
+                </a:effectLst>
+              </a14:hiddenEffects>
+            </a:ext>
+          </a:extLst>
+        </p:spPr>
+      </p:pic>
+    </p:spTree>
+    <p:extLst>
+      <p:ext uri="{BB962C8B-B14F-4D97-AF65-F5344CB8AC3E}">
+        <p14:creationId xmlns:p14="http://schemas.microsoft.com/office/powerpoint/2010/main" val="3055174970"/>
+      </p:ext>
+    </p:extLst>
+  </p:cSld>
+  <p:clrMapOvr>
+    <a:masterClrMapping/>
+  </p:clrMapOvr>
+  <p:timing>
+    <p:tnLst>
+      <p:par>
+        <p:cTn id="1" dur="indefinite" restart="never" nodeType="tmRoot"/>
+      </p:par>
+    </p:tnLst>
+  </p:timing>
+</p:sld>
+</file>
+
+<file path=ppt/slides/slide25.xml><?xml version="1.0" encoding="utf-8"?>
+<p:sld xmlns:a="http://schemas.openxmlformats.org/drawingml/2006/main" xmlns:r="http://schemas.openxmlformats.org/officeDocument/2006/relationships" xmlns:p="http://schemas.openxmlformats.org/presentationml/2006/main">
+  <p:cSld>
+    <p:spTree>
+      <p:nvGrpSpPr>
+        <p:cNvPr id="1" name=""/>
+        <p:cNvGrpSpPr/>
+        <p:nvPr/>
+      </p:nvGrpSpPr>
+      <p:grpSpPr>
+        <a:xfrm>
+          <a:off x="0" y="0"/>
+          <a:ext cx="0" cy="0"/>
+          <a:chOff x="0" y="0"/>
+          <a:chExt cx="0" cy="0"/>
+        </a:xfrm>
+      </p:grpSpPr>
+      <p:sp>
+        <p:nvSpPr>
+          <p:cNvPr id="3" name="Объект 2"/>
+          <p:cNvSpPr>
+            <a:spLocks noGrp="1"/>
+          </p:cNvSpPr>
+          <p:nvPr>
+            <p:ph idx="1"/>
+          </p:nvPr>
+        </p:nvSpPr>
+        <p:spPr>
+          <a:xfrm>
+            <a:off x="136187" y="512391"/>
+            <a:ext cx="11663464" cy="1209405"/>
+          </a:xfrm>
+        </p:spPr>
+        <p:txBody>
+          <a:bodyPr>
+            <a:normAutofit lnSpcReduction="10000"/>
+          </a:bodyPr>
+          <a:lstStyle/>
+          <a:p>
+            <a:r>
+              <a:rPr lang="en-US" dirty="0" smtClean="0"/>
+              <a:t>VirtualVar.BAT – </a:t>
+            </a:r>
+            <a:r>
+              <a:rPr lang="ru-RU" dirty="0" smtClean="0"/>
+              <a:t>библиотека о том как работать с виртуальными переменными. В программном коде их нет, но в оперативной памяти они есть.</a:t>
+            </a:r>
+            <a:endParaRPr lang="ru-RU" dirty="0"/>
+          </a:p>
+        </p:txBody>
+      </p:sp>
+      <p:sp>
+        <p:nvSpPr>
+          <p:cNvPr id="4" name="Заголовок 1"/>
+          <p:cNvSpPr txBox="1">
+            <a:spLocks/>
+          </p:cNvSpPr>
+          <p:nvPr/>
+        </p:nvSpPr>
+        <p:spPr>
+          <a:xfrm>
+            <a:off x="-204306" y="0"/>
+            <a:ext cx="11914744" cy="671209"/>
+          </a:xfrm>
+          <a:prstGeom prst="rect">
+            <a:avLst/>
+          </a:prstGeom>
+        </p:spPr>
+        <p:txBody>
+          <a:bodyPr vert="horz" lIns="91440" tIns="45720" rIns="91440" bIns="45720" rtlCol="0" anchor="ctr">
+            <a:noAutofit/>
+          </a:bodyPr>
+          <a:lstStyle>
+            <a:lvl1pPr algn="l" defTabSz="914400" rtl="0" eaLnBrk="1" latinLnBrk="0" hangingPunct="1">
+              <a:lnSpc>
+                <a:spcPct val="90000"/>
+              </a:lnSpc>
+              <a:spcBef>
+                <a:spcPct val="0"/>
+              </a:spcBef>
+              <a:buNone/>
+              <a:defRPr sz="4400" kern="1200">
+                <a:solidFill>
+                  <a:schemeClr val="tx1"/>
+                </a:solidFill>
+                <a:latin typeface="+mj-lt"/>
+                <a:ea typeface="+mj-ea"/>
+                <a:cs typeface="+mj-cs"/>
+              </a:defRPr>
+            </a:lvl1pPr>
+          </a:lstStyle>
+          <a:p>
+            <a:pPr algn="ctr"/>
+            <a:r>
+              <a:rPr lang="en-US" sz="3600" b="1" cap="all" dirty="0" smtClean="0">
+                <a:solidFill>
+                  <a:srgbClr val="0070C0"/>
+                </a:solidFill>
+                <a:latin typeface="+mn-lt"/>
+              </a:rPr>
+              <a:t>VirtualVar.bat</a:t>
+            </a:r>
+            <a:endParaRPr lang="ru-RU" sz="3600" b="1" cap="all" dirty="0">
+              <a:solidFill>
+                <a:srgbClr val="0070C0"/>
+              </a:solidFill>
+              <a:latin typeface="+mn-lt"/>
+            </a:endParaRPr>
+          </a:p>
+        </p:txBody>
+      </p:sp>
+      <p:pic>
+        <p:nvPicPr>
+          <p:cNvPr id="5122" name="Picture 2"/>
+          <p:cNvPicPr>
+            <a:picLocks noChangeAspect="1" noChangeArrowheads="1"/>
+          </p:cNvPicPr>
+          <p:nvPr/>
+        </p:nvPicPr>
+        <p:blipFill>
+          <a:blip r:embed="rId2">
+            <a:extLst>
+              <a:ext uri="{28A0092B-C50C-407E-A947-70E740481C1C}">
+                <a14:useLocalDpi xmlns:a14="http://schemas.microsoft.com/office/drawing/2010/main" val="0"/>
+              </a:ext>
+            </a:extLst>
+          </a:blip>
+          <a:srcRect/>
+          <a:stretch>
+            <a:fillRect/>
+          </a:stretch>
+        </p:blipFill>
+        <p:spPr bwMode="auto">
+          <a:xfrm>
+            <a:off x="312636" y="1562930"/>
+            <a:ext cx="6240240" cy="1939027"/>
+          </a:xfrm>
+          <a:prstGeom prst="rect">
+            <a:avLst/>
+          </a:prstGeom>
+          <a:noFill/>
+          <a:ln>
+            <a:noFill/>
+          </a:ln>
+          <a:effectLst/>
+          <a:extLst>
+            <a:ext uri="{909E8E84-426E-40DD-AFC4-6F175D3DCCD1}">
+              <a14:hiddenFill xmlns:a14="http://schemas.microsoft.com/office/drawing/2010/main">
+                <a:solidFill>
+                  <a:schemeClr val="accent1"/>
+                </a:solidFill>
+              </a14:hiddenFill>
+            </a:ext>
+            <a:ext uri="{91240B29-F687-4F45-9708-019B960494DF}">
+              <a14:hiddenLine xmlns:a14="http://schemas.microsoft.com/office/drawing/2010/main" w="9525">
+                <a:solidFill>
+                  <a:schemeClr val="tx1"/>
+                </a:solidFill>
+                <a:miter lim="800000"/>
+                <a:headEnd/>
+                <a:tailEnd/>
+              </a14:hiddenLine>
+            </a:ext>
+            <a:ext uri="{AF507438-7753-43E0-B8FC-AC1667EBCBE1}">
+              <a14:hiddenEffects xmlns:a14="http://schemas.microsoft.com/office/drawing/2010/main">
+                <a:effectLst>
+                  <a:outerShdw dist="35921" dir="2700000" algn="ctr" rotWithShape="0">
+                    <a:schemeClr val="bg2"/>
+                  </a:outerShdw>
+                </a:effectLst>
+              </a14:hiddenEffects>
+            </a:ext>
+          </a:extLst>
+        </p:spPr>
+      </p:pic>
+      <p:pic>
+        <p:nvPicPr>
+          <p:cNvPr id="5123" name="Picture 3"/>
+          <p:cNvPicPr>
+            <a:picLocks noChangeAspect="1" noChangeArrowheads="1"/>
+          </p:cNvPicPr>
+          <p:nvPr/>
+        </p:nvPicPr>
+        <p:blipFill>
+          <a:blip r:embed="rId3">
+            <a:extLst>
+              <a:ext uri="{28A0092B-C50C-407E-A947-70E740481C1C}">
+                <a14:useLocalDpi xmlns:a14="http://schemas.microsoft.com/office/drawing/2010/main" val="0"/>
+              </a:ext>
+            </a:extLst>
+          </a:blip>
+          <a:srcRect/>
+          <a:stretch>
+            <a:fillRect/>
+          </a:stretch>
+        </p:blipFill>
+        <p:spPr bwMode="auto">
+          <a:xfrm>
+            <a:off x="312636" y="3604349"/>
+            <a:ext cx="5349076" cy="2747813"/>
+          </a:xfrm>
+          <a:prstGeom prst="rect">
+            <a:avLst/>
+          </a:prstGeom>
+          <a:noFill/>
+          <a:ln>
+            <a:noFill/>
+          </a:ln>
+          <a:effectLst/>
+          <a:extLst>
+            <a:ext uri="{909E8E84-426E-40DD-AFC4-6F175D3DCCD1}">
+              <a14:hiddenFill xmlns:a14="http://schemas.microsoft.com/office/drawing/2010/main">
+                <a:solidFill>
+                  <a:schemeClr val="accent1"/>
+                </a:solidFill>
+              </a14:hiddenFill>
+            </a:ext>
+            <a:ext uri="{91240B29-F687-4F45-9708-019B960494DF}">
+              <a14:hiddenLine xmlns:a14="http://schemas.microsoft.com/office/drawing/2010/main" w="9525">
+                <a:solidFill>
+                  <a:schemeClr val="tx1"/>
+                </a:solidFill>
+                <a:miter lim="800000"/>
+                <a:headEnd/>
+                <a:tailEnd/>
+              </a14:hiddenLine>
+            </a:ext>
+            <a:ext uri="{AF507438-7753-43E0-B8FC-AC1667EBCBE1}">
+              <a14:hiddenEffects xmlns:a14="http://schemas.microsoft.com/office/drawing/2010/main">
+                <a:effectLst>
+                  <a:outerShdw dist="35921" dir="2700000" algn="ctr" rotWithShape="0">
+                    <a:schemeClr val="bg2"/>
+                  </a:outerShdw>
+                </a:effectLst>
+              </a14:hiddenEffects>
+            </a:ext>
+          </a:extLst>
+        </p:spPr>
+      </p:pic>
+      <p:pic>
+        <p:nvPicPr>
+          <p:cNvPr id="5124" name="Picture 4"/>
+          <p:cNvPicPr>
+            <a:picLocks noChangeAspect="1" noChangeArrowheads="1"/>
+          </p:cNvPicPr>
+          <p:nvPr/>
+        </p:nvPicPr>
+        <p:blipFill>
+          <a:blip r:embed="rId4">
+            <a:extLst>
+              <a:ext uri="{28A0092B-C50C-407E-A947-70E740481C1C}">
+                <a14:useLocalDpi xmlns:a14="http://schemas.microsoft.com/office/drawing/2010/main" val="0"/>
+              </a:ext>
+            </a:extLst>
+          </a:blip>
+          <a:srcRect/>
+          <a:stretch>
+            <a:fillRect/>
+          </a:stretch>
+        </p:blipFill>
+        <p:spPr bwMode="auto">
+          <a:xfrm>
+            <a:off x="6862018" y="1562930"/>
+            <a:ext cx="3994049" cy="2484897"/>
+          </a:xfrm>
+          <a:prstGeom prst="rect">
+            <a:avLst/>
+          </a:prstGeom>
+          <a:noFill/>
+          <a:ln>
+            <a:noFill/>
+          </a:ln>
+          <a:effectLst/>
+          <a:extLst>
+            <a:ext uri="{909E8E84-426E-40DD-AFC4-6F175D3DCCD1}">
+              <a14:hiddenFill xmlns:a14="http://schemas.microsoft.com/office/drawing/2010/main">
+                <a:solidFill>
+                  <a:schemeClr val="accent1"/>
+                </a:solidFill>
+              </a14:hiddenFill>
+            </a:ext>
+            <a:ext uri="{91240B29-F687-4F45-9708-019B960494DF}">
+              <a14:hiddenLine xmlns:a14="http://schemas.microsoft.com/office/drawing/2010/main" w="9525">
+                <a:solidFill>
+                  <a:schemeClr val="tx1"/>
+                </a:solidFill>
+                <a:miter lim="800000"/>
+                <a:headEnd/>
+                <a:tailEnd/>
+              </a14:hiddenLine>
+            </a:ext>
+            <a:ext uri="{AF507438-7753-43E0-B8FC-AC1667EBCBE1}">
+              <a14:hiddenEffects xmlns:a14="http://schemas.microsoft.com/office/drawing/2010/main">
+                <a:effectLst>
+                  <a:outerShdw dist="35921" dir="2700000" algn="ctr" rotWithShape="0">
+                    <a:schemeClr val="bg2"/>
+                  </a:outerShdw>
+                </a:effectLst>
+              </a14:hiddenEffects>
+            </a:ext>
+          </a:extLst>
+        </p:spPr>
+      </p:pic>
+    </p:spTree>
+    <p:extLst>
+      <p:ext uri="{BB962C8B-B14F-4D97-AF65-F5344CB8AC3E}">
+        <p14:creationId xmlns:p14="http://schemas.microsoft.com/office/powerpoint/2010/main" val="809364381"/>
+      </p:ext>
+    </p:extLst>
+  </p:cSld>
+  <p:clrMapOvr>
+    <a:masterClrMapping/>
+  </p:clrMapOvr>
+</p:sld>
+</file>
+
+<file path=ppt/slides/slide26.xml><?xml version="1.0" encoding="utf-8"?>
+<p:sld xmlns:a="http://schemas.openxmlformats.org/drawingml/2006/main" xmlns:r="http://schemas.openxmlformats.org/officeDocument/2006/relationships" xmlns:p="http://schemas.openxmlformats.org/presentationml/2006/main">
+  <p:cSld>
+    <p:spTree>
+      <p:nvGrpSpPr>
+        <p:cNvPr id="1" name=""/>
+        <p:cNvGrpSpPr/>
+        <p:nvPr/>
+      </p:nvGrpSpPr>
+      <p:grpSpPr>
+        <a:xfrm>
+          <a:off x="0" y="0"/>
+          <a:ext cx="0" cy="0"/>
+          <a:chOff x="0" y="0"/>
+          <a:chExt cx="0" cy="0"/>
+        </a:xfrm>
+      </p:grpSpPr>
+      <p:sp>
+        <p:nvSpPr>
+          <p:cNvPr id="4" name="Заголовок 1"/>
+          <p:cNvSpPr txBox="1">
+            <a:spLocks/>
+          </p:cNvSpPr>
+          <p:nvPr/>
+        </p:nvSpPr>
+        <p:spPr>
+          <a:xfrm>
+            <a:off x="-204306" y="0"/>
+            <a:ext cx="11914744" cy="671209"/>
+          </a:xfrm>
+          <a:prstGeom prst="rect">
+            <a:avLst/>
+          </a:prstGeom>
+        </p:spPr>
+        <p:txBody>
+          <a:bodyPr vert="horz" lIns="91440" tIns="45720" rIns="91440" bIns="45720" rtlCol="0" anchor="ctr">
+            <a:noAutofit/>
+          </a:bodyPr>
+          <a:lstStyle>
+            <a:lvl1pPr algn="l" defTabSz="914400" rtl="0" eaLnBrk="1" latinLnBrk="0" hangingPunct="1">
+              <a:lnSpc>
+                <a:spcPct val="90000"/>
+              </a:lnSpc>
+              <a:spcBef>
+                <a:spcPct val="0"/>
+              </a:spcBef>
+              <a:buNone/>
+              <a:defRPr sz="4400" kern="1200">
+                <a:solidFill>
+                  <a:schemeClr val="tx1"/>
+                </a:solidFill>
+                <a:latin typeface="+mj-lt"/>
+                <a:ea typeface="+mj-ea"/>
+                <a:cs typeface="+mj-cs"/>
+              </a:defRPr>
+            </a:lvl1pPr>
+          </a:lstStyle>
+          <a:p>
+            <a:pPr algn="ctr"/>
+            <a:r>
+              <a:rPr lang="en-US" sz="3600" b="1" cap="all" dirty="0" smtClean="0">
+                <a:solidFill>
+                  <a:srgbClr val="0070C0"/>
+                </a:solidFill>
+                <a:latin typeface="+mn-lt"/>
+              </a:rPr>
+              <a:t>Stack.bat</a:t>
+            </a:r>
+            <a:endParaRPr lang="ru-RU" sz="3600" b="1" cap="all" dirty="0">
+              <a:solidFill>
+                <a:srgbClr val="0070C0"/>
+              </a:solidFill>
+              <a:latin typeface="+mn-lt"/>
+            </a:endParaRPr>
+          </a:p>
+        </p:txBody>
+      </p:sp>
+      <p:pic>
+        <p:nvPicPr>
+          <p:cNvPr id="6146" name="Picture 2"/>
+          <p:cNvPicPr>
+            <a:picLocks noChangeAspect="1" noChangeArrowheads="1"/>
+          </p:cNvPicPr>
+          <p:nvPr/>
+        </p:nvPicPr>
+        <p:blipFill>
+          <a:blip r:embed="rId2">
+            <a:extLst>
+              <a:ext uri="{28A0092B-C50C-407E-A947-70E740481C1C}">
+                <a14:useLocalDpi xmlns:a14="http://schemas.microsoft.com/office/drawing/2010/main" val="0"/>
+              </a:ext>
+            </a:extLst>
+          </a:blip>
+          <a:srcRect/>
+          <a:stretch>
+            <a:fillRect/>
+          </a:stretch>
+        </p:blipFill>
+        <p:spPr bwMode="auto">
+          <a:xfrm>
+            <a:off x="38737" y="760673"/>
+            <a:ext cx="8657785" cy="2411924"/>
+          </a:xfrm>
+          <a:prstGeom prst="rect">
+            <a:avLst/>
+          </a:prstGeom>
+          <a:noFill/>
+          <a:ln>
+            <a:noFill/>
+          </a:ln>
+          <a:effectLst/>
+          <a:extLst>
+            <a:ext uri="{909E8E84-426E-40DD-AFC4-6F175D3DCCD1}">
+              <a14:hiddenFill xmlns:a14="http://schemas.microsoft.com/office/drawing/2010/main">
+                <a:solidFill>
+                  <a:schemeClr val="accent1"/>
+                </a:solidFill>
+              </a14:hiddenFill>
+            </a:ext>
+            <a:ext uri="{91240B29-F687-4F45-9708-019B960494DF}">
+              <a14:hiddenLine xmlns:a14="http://schemas.microsoft.com/office/drawing/2010/main" w="9525">
+                <a:solidFill>
+                  <a:schemeClr val="tx1"/>
+                </a:solidFill>
+                <a:miter lim="800000"/>
+                <a:headEnd/>
+                <a:tailEnd/>
+              </a14:hiddenLine>
+            </a:ext>
+            <a:ext uri="{AF507438-7753-43E0-B8FC-AC1667EBCBE1}">
+              <a14:hiddenEffects xmlns:a14="http://schemas.microsoft.com/office/drawing/2010/main">
+                <a:effectLst>
+                  <a:outerShdw dist="35921" dir="2700000" algn="ctr" rotWithShape="0">
+                    <a:schemeClr val="bg2"/>
+                  </a:outerShdw>
+                </a:effectLst>
+              </a14:hiddenEffects>
+            </a:ext>
+          </a:extLst>
+        </p:spPr>
+      </p:pic>
+      <p:sp>
+        <p:nvSpPr>
+          <p:cNvPr id="6" name="Объект 2"/>
+          <p:cNvSpPr>
+            <a:spLocks noGrp="1"/>
+          </p:cNvSpPr>
+          <p:nvPr>
+            <p:ph idx="1"/>
+          </p:nvPr>
+        </p:nvSpPr>
+        <p:spPr>
+          <a:xfrm>
+            <a:off x="136187" y="376199"/>
+            <a:ext cx="11663464" cy="1209405"/>
+          </a:xfrm>
+        </p:spPr>
+        <p:txBody>
+          <a:bodyPr>
+            <a:normAutofit/>
+          </a:bodyPr>
+          <a:lstStyle/>
+          <a:p>
+            <a:r>
+              <a:rPr lang="en-US" dirty="0" smtClean="0"/>
+              <a:t>Stack.BAT – </a:t>
+            </a:r>
+            <a:r>
+              <a:rPr lang="ru-RU" dirty="0" smtClean="0"/>
+              <a:t>стек и массивы на основе виртуальных переменных.</a:t>
+            </a:r>
+            <a:endParaRPr lang="ru-RU" dirty="0"/>
+          </a:p>
+        </p:txBody>
+      </p:sp>
+      <p:pic>
+        <p:nvPicPr>
+          <p:cNvPr id="6147" name="Picture 3"/>
+          <p:cNvPicPr>
+            <a:picLocks noChangeAspect="1" noChangeArrowheads="1"/>
+          </p:cNvPicPr>
+          <p:nvPr/>
+        </p:nvPicPr>
+        <p:blipFill>
+          <a:blip r:embed="rId3">
+            <a:extLst>
+              <a:ext uri="{28A0092B-C50C-407E-A947-70E740481C1C}">
+                <a14:useLocalDpi xmlns:a14="http://schemas.microsoft.com/office/drawing/2010/main" val="0"/>
+              </a:ext>
+            </a:extLst>
+          </a:blip>
+          <a:srcRect/>
+          <a:stretch>
+            <a:fillRect/>
+          </a:stretch>
+        </p:blipFill>
+        <p:spPr bwMode="auto">
+          <a:xfrm>
+            <a:off x="-39086" y="3203726"/>
+            <a:ext cx="5107198" cy="1626924"/>
+          </a:xfrm>
+          <a:prstGeom prst="rect">
+            <a:avLst/>
+          </a:prstGeom>
+          <a:noFill/>
+          <a:ln>
+            <a:noFill/>
+          </a:ln>
+          <a:effectLst/>
+          <a:extLst>
+            <a:ext uri="{909E8E84-426E-40DD-AFC4-6F175D3DCCD1}">
+              <a14:hiddenFill xmlns:a14="http://schemas.microsoft.com/office/drawing/2010/main">
+                <a:solidFill>
+                  <a:schemeClr val="accent1"/>
+                </a:solidFill>
+              </a14:hiddenFill>
+            </a:ext>
+            <a:ext uri="{91240B29-F687-4F45-9708-019B960494DF}">
+              <a14:hiddenLine xmlns:a14="http://schemas.microsoft.com/office/drawing/2010/main" w="9525">
+                <a:solidFill>
+                  <a:schemeClr val="tx1"/>
+                </a:solidFill>
+                <a:miter lim="800000"/>
+                <a:headEnd/>
+                <a:tailEnd/>
+              </a14:hiddenLine>
+            </a:ext>
+            <a:ext uri="{AF507438-7753-43E0-B8FC-AC1667EBCBE1}">
+              <a14:hiddenEffects xmlns:a14="http://schemas.microsoft.com/office/drawing/2010/main">
+                <a:effectLst>
+                  <a:outerShdw dist="35921" dir="2700000" algn="ctr" rotWithShape="0">
+                    <a:schemeClr val="bg2"/>
+                  </a:outerShdw>
+                </a:effectLst>
+              </a14:hiddenEffects>
+            </a:ext>
+          </a:extLst>
+        </p:spPr>
+      </p:pic>
+      <p:pic>
+        <p:nvPicPr>
+          <p:cNvPr id="6148" name="Picture 4"/>
+          <p:cNvPicPr>
+            <a:picLocks noChangeAspect="1" noChangeArrowheads="1"/>
+          </p:cNvPicPr>
+          <p:nvPr/>
+        </p:nvPicPr>
+        <p:blipFill>
+          <a:blip r:embed="rId4">
+            <a:extLst>
+              <a:ext uri="{28A0092B-C50C-407E-A947-70E740481C1C}">
+                <a14:useLocalDpi xmlns:a14="http://schemas.microsoft.com/office/drawing/2010/main" val="0"/>
+              </a:ext>
+            </a:extLst>
+          </a:blip>
+          <a:srcRect/>
+          <a:stretch>
+            <a:fillRect/>
+          </a:stretch>
+        </p:blipFill>
+        <p:spPr bwMode="auto">
+          <a:xfrm>
+            <a:off x="177960" y="4899472"/>
+            <a:ext cx="1991298" cy="969216"/>
+          </a:xfrm>
+          <a:prstGeom prst="rect">
+            <a:avLst/>
+          </a:prstGeom>
+          <a:noFill/>
+          <a:ln>
+            <a:noFill/>
+          </a:ln>
+          <a:effectLst/>
+          <a:extLst>
+            <a:ext uri="{909E8E84-426E-40DD-AFC4-6F175D3DCCD1}">
+              <a14:hiddenFill xmlns:a14="http://schemas.microsoft.com/office/drawing/2010/main">
+                <a:solidFill>
+                  <a:schemeClr val="accent1"/>
+                </a:solidFill>
+              </a14:hiddenFill>
+            </a:ext>
+            <a:ext uri="{91240B29-F687-4F45-9708-019B960494DF}">
+              <a14:hiddenLine xmlns:a14="http://schemas.microsoft.com/office/drawing/2010/main" w="9525">
+                <a:solidFill>
+                  <a:schemeClr val="tx1"/>
+                </a:solidFill>
+                <a:miter lim="800000"/>
+                <a:headEnd/>
+                <a:tailEnd/>
+              </a14:hiddenLine>
+            </a:ext>
+            <a:ext uri="{AF507438-7753-43E0-B8FC-AC1667EBCBE1}">
+              <a14:hiddenEffects xmlns:a14="http://schemas.microsoft.com/office/drawing/2010/main">
+                <a:effectLst>
+                  <a:outerShdw dist="35921" dir="2700000" algn="ctr" rotWithShape="0">
+                    <a:schemeClr val="bg2"/>
+                  </a:outerShdw>
+                </a:effectLst>
+              </a14:hiddenEffects>
+            </a:ext>
+          </a:extLst>
+        </p:spPr>
+      </p:pic>
+      <p:pic>
+        <p:nvPicPr>
+          <p:cNvPr id="6149" name="Picture 5"/>
           <p:cNvPicPr>
             <a:picLocks noChangeAspect="1" noChangeArrowheads="1"/>
           </p:cNvPicPr>
@@ -8214,32 +10055,100 @@
         </p:blipFill>
         <p:spPr bwMode="auto">
           <a:xfrm>
-            <a:off x="6507799" y="5009803"/>
-            <a:ext cx="1284268" cy="1284268"/>
+            <a:off x="7066739" y="2918297"/>
+            <a:ext cx="4073184" cy="3794801"/>
           </a:xfrm>
           <a:prstGeom prst="rect">
             <a:avLst/>
           </a:prstGeom>
           <a:noFill/>
           <a:ln>
-            <a:solidFill>
-              <a:srgbClr val="0070C0"/>
-            </a:solidFill>
+            <a:noFill/>
           </a:ln>
           <a:extLst>
             <a:ext uri="{909E8E84-426E-40DD-AFC4-6F175D3DCCD1}">
               <a14:hiddenFill xmlns:a14="http://schemas.microsoft.com/office/drawing/2010/main">
                 <a:solidFill>
-                  <a:srgbClr val="FFFFFF"/>
+                  <a:schemeClr val="accent1"/>
                 </a:solidFill>
               </a14:hiddenFill>
             </a:ext>
+            <a:ext uri="{91240B29-F687-4F45-9708-019B960494DF}">
+              <a14:hiddenLine xmlns:a14="http://schemas.microsoft.com/office/drawing/2010/main" w="9525">
+                <a:solidFill>
+                  <a:schemeClr val="tx1"/>
+                </a:solidFill>
+                <a:miter lim="800000"/>
+                <a:headEnd/>
+                <a:tailEnd/>
+              </a14:hiddenLine>
+            </a:ext>
           </a:extLst>
         </p:spPr>
       </p:pic>
+    </p:spTree>
+    <p:extLst>
+      <p:ext uri="{BB962C8B-B14F-4D97-AF65-F5344CB8AC3E}">
+        <p14:creationId xmlns:p14="http://schemas.microsoft.com/office/powerpoint/2010/main" val="2704512821"/>
+      </p:ext>
+    </p:extLst>
+  </p:cSld>
+  <p:clrMapOvr>
+    <a:masterClrMapping/>
+  </p:clrMapOvr>
+</p:sld>
+</file>
+
+<file path=ppt/slides/slide27.xml><?xml version="1.0" encoding="utf-8"?>
+<p:sld xmlns:a="http://schemas.openxmlformats.org/drawingml/2006/main" xmlns:r="http://schemas.openxmlformats.org/officeDocument/2006/relationships" xmlns:p="http://schemas.openxmlformats.org/presentationml/2006/main">
+  <p:cSld>
+    <p:spTree>
+      <p:nvGrpSpPr>
+        <p:cNvPr id="1" name=""/>
+        <p:cNvGrpSpPr/>
+        <p:nvPr/>
+      </p:nvGrpSpPr>
+      <p:grpSpPr>
+        <a:xfrm>
+          <a:off x="0" y="0"/>
+          <a:ext cx="0" cy="0"/>
+          <a:chOff x="0" y="0"/>
+          <a:chExt cx="0" cy="0"/>
+        </a:xfrm>
+      </p:grpSpPr>
       <p:sp>
         <p:nvSpPr>
-          <p:cNvPr id="12" name="Заголовок 1"/>
+          <p:cNvPr id="3" name="Объект 2"/>
+          <p:cNvSpPr>
+            <a:spLocks noGrp="1"/>
+          </p:cNvSpPr>
+          <p:nvPr>
+            <p:ph idx="1"/>
+          </p:nvPr>
+        </p:nvSpPr>
+        <p:spPr>
+          <a:xfrm>
+            <a:off x="196174" y="580486"/>
+            <a:ext cx="10515600" cy="577106"/>
+          </a:xfrm>
+        </p:spPr>
+        <p:txBody>
+          <a:bodyPr/>
+          <a:lstStyle/>
+          <a:p>
+            <a:r>
+              <a:rPr lang="ru-RU" dirty="0" smtClean="0"/>
+              <a:t>Создание пользовательских стрелочных меню на батниках.</a:t>
+            </a:r>
+          </a:p>
+          <a:p>
+            <a:endParaRPr lang="ru-RU" dirty="0" smtClean="0"/>
+          </a:p>
+        </p:txBody>
+      </p:sp>
+      <p:sp>
+        <p:nvSpPr>
+          <p:cNvPr id="4" name="Заголовок 1"/>
           <p:cNvSpPr txBox="1">
             <a:spLocks/>
           </p:cNvSpPr>
@@ -8247,8 +10156,8 @@
         </p:nvSpPr>
         <p:spPr>
           <a:xfrm>
-            <a:off x="838200" y="2943326"/>
-            <a:ext cx="10515600" cy="1325563"/>
+            <a:off x="-204306" y="0"/>
+            <a:ext cx="11914744" cy="671209"/>
           </a:xfrm>
           <a:prstGeom prst="rect">
             <a:avLst/>
@@ -8256,7 +10165,7 @@
         </p:spPr>
         <p:txBody>
           <a:bodyPr vert="horz" lIns="91440" tIns="45720" rIns="91440" bIns="45720" rtlCol="0" anchor="ctr">
-            <a:normAutofit/>
+            <a:noAutofit/>
           </a:bodyPr>
           <a:lstStyle>
             <a:lvl1pPr algn="l" defTabSz="914400" rtl="0" eaLnBrk="1" latinLnBrk="0" hangingPunct="1">
@@ -8280,88 +10189,1169 @@
           <a:p>
             <a:pPr algn="ctr"/>
             <a:r>
-              <a:rPr lang="ru-RU" sz="3200" b="1" dirty="0" smtClean="0">
+              <a:rPr lang="en-US" sz="3600" b="1" cap="all" dirty="0">
                 <a:solidFill>
                   <a:srgbClr val="0070C0"/>
                 </a:solidFill>
+                <a:latin typeface="+mn-lt"/>
               </a:rPr>
-              <a:t>Вопросы по тематике мастер-класса:</a:t>
-            </a:r>
-          </a:p>
-          <a:p>
-            <a:pPr algn="ctr"/>
-            <a:r>
-              <a:rPr lang="en-US" sz="3200" dirty="0" smtClean="0">
-                <a:solidFill>
-                  <a:srgbClr val="0070C0"/>
-                </a:solidFill>
-                <a:hlinkClick r:id="rId6"/>
-              </a:rPr>
-              <a:t>oapotapova@fa.ru</a:t>
-            </a:r>
-            <a:r>
-              <a:rPr lang="en-US" sz="3200" dirty="0" smtClean="0">
-                <a:solidFill>
-                  <a:srgbClr val="0070C0"/>
-                </a:solidFill>
-              </a:rPr>
-              <a:t> – </a:t>
-            </a:r>
-            <a:r>
-              <a:rPr lang="ru-RU" sz="3200" dirty="0" smtClean="0">
-                <a:solidFill>
-                  <a:srgbClr val="0070C0"/>
-                </a:solidFill>
-              </a:rPr>
-              <a:t>Потапова Ольга Александровна</a:t>
-            </a:r>
-            <a:endParaRPr lang="ru-RU" sz="3200" dirty="0">
+              <a:t>010_Menu.bat</a:t>
+            </a:r>
+            <a:endParaRPr lang="ru-RU" sz="3600" b="1" cap="all" dirty="0">
               <a:solidFill>
                 <a:srgbClr val="0070C0"/>
               </a:solidFill>
+              <a:latin typeface="+mn-lt"/>
             </a:endParaRPr>
           </a:p>
         </p:txBody>
       </p:sp>
       <p:pic>
         <p:nvPicPr>
-          <p:cNvPr id="13" name="Рисунок 12" descr="Лого КИПФИН_ВЕКТОР_1.png"/>
-          <p:cNvPicPr/>
+          <p:cNvPr id="7171" name="Picture 3"/>
+          <p:cNvPicPr>
+            <a:picLocks noChangeAspect="1" noChangeArrowheads="1"/>
+          </p:cNvPicPr>
           <p:nvPr/>
         </p:nvPicPr>
         <p:blipFill>
-          <a:blip r:embed="rId7" cstate="print"/>
+          <a:blip r:embed="rId2">
+            <a:extLst>
+              <a:ext uri="{28A0092B-C50C-407E-A947-70E740481C1C}">
+                <a14:useLocalDpi xmlns:a14="http://schemas.microsoft.com/office/drawing/2010/main" val="0"/>
+              </a:ext>
+            </a:extLst>
+          </a:blip>
+          <a:srcRect/>
           <a:stretch>
             <a:fillRect/>
           </a:stretch>
         </p:blipFill>
-        <p:spPr>
-          <a:xfrm>
-            <a:off x="111556" y="139501"/>
-            <a:ext cx="2663562" cy="1866169"/>
+        <p:spPr bwMode="auto">
+          <a:xfrm>
+            <a:off x="6290713" y="1119872"/>
+            <a:ext cx="5419725" cy="914400"/>
           </a:xfrm>
           <a:prstGeom prst="rect">
             <a:avLst/>
           </a:prstGeom>
+          <a:noFill/>
+          <a:ln>
+            <a:noFill/>
+          </a:ln>
+          <a:effectLst/>
+          <a:extLst>
+            <a:ext uri="{909E8E84-426E-40DD-AFC4-6F175D3DCCD1}">
+              <a14:hiddenFill xmlns:a14="http://schemas.microsoft.com/office/drawing/2010/main">
+                <a:solidFill>
+                  <a:schemeClr val="accent1"/>
+                </a:solidFill>
+              </a14:hiddenFill>
+            </a:ext>
+            <a:ext uri="{91240B29-F687-4F45-9708-019B960494DF}">
+              <a14:hiddenLine xmlns:a14="http://schemas.microsoft.com/office/drawing/2010/main" w="9525">
+                <a:solidFill>
+                  <a:schemeClr val="tx1"/>
+                </a:solidFill>
+                <a:miter lim="800000"/>
+                <a:headEnd/>
+                <a:tailEnd/>
+              </a14:hiddenLine>
+            </a:ext>
+            <a:ext uri="{AF507438-7753-43E0-B8FC-AC1667EBCBE1}">
+              <a14:hiddenEffects xmlns:a14="http://schemas.microsoft.com/office/drawing/2010/main">
+                <a:effectLst>
+                  <a:outerShdw dist="35921" dir="2700000" algn="ctr" rotWithShape="0">
+                    <a:schemeClr val="bg2"/>
+                  </a:outerShdw>
+                </a:effectLst>
+              </a14:hiddenEffects>
+            </a:ext>
+          </a:extLst>
         </p:spPr>
       </p:pic>
+      <p:pic>
+        <p:nvPicPr>
+          <p:cNvPr id="7172" name="Picture 4"/>
+          <p:cNvPicPr>
+            <a:picLocks noChangeAspect="1" noChangeArrowheads="1"/>
+          </p:cNvPicPr>
+          <p:nvPr/>
+        </p:nvPicPr>
+        <p:blipFill>
+          <a:blip r:embed="rId3">
+            <a:extLst>
+              <a:ext uri="{28A0092B-C50C-407E-A947-70E740481C1C}">
+                <a14:useLocalDpi xmlns:a14="http://schemas.microsoft.com/office/drawing/2010/main" val="0"/>
+              </a:ext>
+            </a:extLst>
+          </a:blip>
+          <a:srcRect/>
+          <a:stretch>
+            <a:fillRect/>
+          </a:stretch>
+        </p:blipFill>
+        <p:spPr bwMode="auto">
+          <a:xfrm>
+            <a:off x="219650" y="1008791"/>
+            <a:ext cx="5443368" cy="4390060"/>
+          </a:xfrm>
+          <a:prstGeom prst="rect">
+            <a:avLst/>
+          </a:prstGeom>
+          <a:noFill/>
+          <a:ln>
+            <a:noFill/>
+          </a:ln>
+          <a:effectLst/>
+          <a:extLst>
+            <a:ext uri="{909E8E84-426E-40DD-AFC4-6F175D3DCCD1}">
+              <a14:hiddenFill xmlns:a14="http://schemas.microsoft.com/office/drawing/2010/main">
+                <a:solidFill>
+                  <a:schemeClr val="accent1"/>
+                </a:solidFill>
+              </a14:hiddenFill>
+            </a:ext>
+            <a:ext uri="{91240B29-F687-4F45-9708-019B960494DF}">
+              <a14:hiddenLine xmlns:a14="http://schemas.microsoft.com/office/drawing/2010/main" w="9525">
+                <a:solidFill>
+                  <a:schemeClr val="tx1"/>
+                </a:solidFill>
+                <a:miter lim="800000"/>
+                <a:headEnd/>
+                <a:tailEnd/>
+              </a14:hiddenLine>
+            </a:ext>
+            <a:ext uri="{AF507438-7753-43E0-B8FC-AC1667EBCBE1}">
+              <a14:hiddenEffects xmlns:a14="http://schemas.microsoft.com/office/drawing/2010/main">
+                <a:effectLst>
+                  <a:outerShdw dist="35921" dir="2700000" algn="ctr" rotWithShape="0">
+                    <a:schemeClr val="bg2"/>
+                  </a:outerShdw>
+                </a:effectLst>
+              </a14:hiddenEffects>
+            </a:ext>
+          </a:extLst>
+        </p:spPr>
+      </p:pic>
+      <p:pic>
+        <p:nvPicPr>
+          <p:cNvPr id="7173" name="Picture 5"/>
+          <p:cNvPicPr>
+            <a:picLocks noChangeAspect="1" noChangeArrowheads="1"/>
+          </p:cNvPicPr>
+          <p:nvPr/>
+        </p:nvPicPr>
+        <p:blipFill>
+          <a:blip r:embed="rId4">
+            <a:extLst>
+              <a:ext uri="{28A0092B-C50C-407E-A947-70E740481C1C}">
+                <a14:useLocalDpi xmlns:a14="http://schemas.microsoft.com/office/drawing/2010/main" val="0"/>
+              </a:ext>
+            </a:extLst>
+          </a:blip>
+          <a:srcRect/>
+          <a:stretch>
+            <a:fillRect/>
+          </a:stretch>
+        </p:blipFill>
+        <p:spPr bwMode="auto">
+          <a:xfrm>
+            <a:off x="6525589" y="2034272"/>
+            <a:ext cx="1421910" cy="1811788"/>
+          </a:xfrm>
+          <a:prstGeom prst="rect">
+            <a:avLst/>
+          </a:prstGeom>
+          <a:noFill/>
+          <a:ln>
+            <a:noFill/>
+          </a:ln>
+          <a:effectLst/>
+          <a:extLst>
+            <a:ext uri="{909E8E84-426E-40DD-AFC4-6F175D3DCCD1}">
+              <a14:hiddenFill xmlns:a14="http://schemas.microsoft.com/office/drawing/2010/main">
+                <a:solidFill>
+                  <a:schemeClr val="accent1"/>
+                </a:solidFill>
+              </a14:hiddenFill>
+            </a:ext>
+            <a:ext uri="{91240B29-F687-4F45-9708-019B960494DF}">
+              <a14:hiddenLine xmlns:a14="http://schemas.microsoft.com/office/drawing/2010/main" w="9525">
+                <a:solidFill>
+                  <a:schemeClr val="tx1"/>
+                </a:solidFill>
+                <a:miter lim="800000"/>
+                <a:headEnd/>
+                <a:tailEnd/>
+              </a14:hiddenLine>
+            </a:ext>
+            <a:ext uri="{AF507438-7753-43E0-B8FC-AC1667EBCBE1}">
+              <a14:hiddenEffects xmlns:a14="http://schemas.microsoft.com/office/drawing/2010/main">
+                <a:effectLst>
+                  <a:outerShdw dist="35921" dir="2700000" algn="ctr" rotWithShape="0">
+                    <a:schemeClr val="bg2"/>
+                  </a:outerShdw>
+                </a:effectLst>
+              </a14:hiddenEffects>
+            </a:ext>
+          </a:extLst>
+        </p:spPr>
+      </p:pic>
+      <p:pic>
+        <p:nvPicPr>
+          <p:cNvPr id="9" name="Picture 2"/>
+          <p:cNvPicPr>
+            <a:picLocks noChangeAspect="1" noChangeArrowheads="1"/>
+          </p:cNvPicPr>
+          <p:nvPr/>
+        </p:nvPicPr>
+        <p:blipFill>
+          <a:blip r:embed="rId5">
+            <a:extLst>
+              <a:ext uri="{28A0092B-C50C-407E-A947-70E740481C1C}">
+                <a14:useLocalDpi xmlns:a14="http://schemas.microsoft.com/office/drawing/2010/main" val="0"/>
+              </a:ext>
+            </a:extLst>
+          </a:blip>
+          <a:srcRect/>
+          <a:stretch>
+            <a:fillRect/>
+          </a:stretch>
+        </p:blipFill>
+        <p:spPr bwMode="auto">
+          <a:xfrm>
+            <a:off x="5889254" y="3846060"/>
+            <a:ext cx="6085496" cy="2400300"/>
+          </a:xfrm>
+          <a:prstGeom prst="rect">
+            <a:avLst/>
+          </a:prstGeom>
+          <a:noFill/>
+          <a:ln>
+            <a:noFill/>
+          </a:ln>
+          <a:effectLst/>
+          <a:extLst>
+            <a:ext uri="{909E8E84-426E-40DD-AFC4-6F175D3DCCD1}">
+              <a14:hiddenFill xmlns:a14="http://schemas.microsoft.com/office/drawing/2010/main">
+                <a:solidFill>
+                  <a:schemeClr val="accent1"/>
+                </a:solidFill>
+              </a14:hiddenFill>
+            </a:ext>
+            <a:ext uri="{91240B29-F687-4F45-9708-019B960494DF}">
+              <a14:hiddenLine xmlns:a14="http://schemas.microsoft.com/office/drawing/2010/main" w="9525">
+                <a:solidFill>
+                  <a:schemeClr val="tx1"/>
+                </a:solidFill>
+                <a:miter lim="800000"/>
+                <a:headEnd/>
+                <a:tailEnd/>
+              </a14:hiddenLine>
+            </a:ext>
+            <a:ext uri="{AF507438-7753-43E0-B8FC-AC1667EBCBE1}">
+              <a14:hiddenEffects xmlns:a14="http://schemas.microsoft.com/office/drawing/2010/main">
+                <a:effectLst>
+                  <a:outerShdw dist="35921" dir="2700000" algn="ctr" rotWithShape="0">
+                    <a:schemeClr val="bg2"/>
+                  </a:outerShdw>
+                </a:effectLst>
+              </a14:hiddenEffects>
+            </a:ext>
+          </a:extLst>
+        </p:spPr>
+      </p:pic>
+      <p:sp>
+        <p:nvSpPr>
+          <p:cNvPr id="10" name="Объект 2"/>
+          <p:cNvSpPr txBox="1">
+            <a:spLocks/>
+          </p:cNvSpPr>
+          <p:nvPr/>
+        </p:nvSpPr>
+        <p:spPr>
+          <a:xfrm>
+            <a:off x="219650" y="5497045"/>
+            <a:ext cx="5364027" cy="874571"/>
+          </a:xfrm>
+          <a:prstGeom prst="rect">
+            <a:avLst/>
+          </a:prstGeom>
+        </p:spPr>
+        <p:txBody>
+          <a:bodyPr vert="horz" lIns="91440" tIns="45720" rIns="91440" bIns="45720" rtlCol="0">
+            <a:normAutofit/>
+          </a:bodyPr>
+          <a:lstStyle>
+            <a:lvl1pPr marL="228600" indent="-228600" algn="l" defTabSz="914400" rtl="0" eaLnBrk="1" latinLnBrk="0" hangingPunct="1">
+              <a:lnSpc>
+                <a:spcPct val="90000"/>
+              </a:lnSpc>
+              <a:spcBef>
+                <a:spcPts val="1000"/>
+              </a:spcBef>
+              <a:buFont typeface="Arial" panose="020B0604020202020204" pitchFamily="34" charset="0"/>
+              <a:buChar char="•"/>
+              <a:defRPr sz="2800" kern="1200">
+                <a:solidFill>
+                  <a:schemeClr val="tx1"/>
+                </a:solidFill>
+                <a:latin typeface="+mn-lt"/>
+                <a:ea typeface="+mn-ea"/>
+                <a:cs typeface="+mn-cs"/>
+              </a:defRPr>
+            </a:lvl1pPr>
+            <a:lvl2pPr marL="685800" indent="-228600" algn="l" defTabSz="914400" rtl="0" eaLnBrk="1" latinLnBrk="0" hangingPunct="1">
+              <a:lnSpc>
+                <a:spcPct val="90000"/>
+              </a:lnSpc>
+              <a:spcBef>
+                <a:spcPts val="500"/>
+              </a:spcBef>
+              <a:buFont typeface="Arial" panose="020B0604020202020204" pitchFamily="34" charset="0"/>
+              <a:buChar char="•"/>
+              <a:defRPr sz="2400" kern="1200">
+                <a:solidFill>
+                  <a:schemeClr val="tx1"/>
+                </a:solidFill>
+                <a:latin typeface="+mn-lt"/>
+                <a:ea typeface="+mn-ea"/>
+                <a:cs typeface="+mn-cs"/>
+              </a:defRPr>
+            </a:lvl2pPr>
+            <a:lvl3pPr marL="1143000" indent="-228600" algn="l" defTabSz="914400" rtl="0" eaLnBrk="1" latinLnBrk="0" hangingPunct="1">
+              <a:lnSpc>
+                <a:spcPct val="90000"/>
+              </a:lnSpc>
+              <a:spcBef>
+                <a:spcPts val="500"/>
+              </a:spcBef>
+              <a:buFont typeface="Arial" panose="020B0604020202020204" pitchFamily="34" charset="0"/>
+              <a:buChar char="•"/>
+              <a:defRPr sz="2000" kern="1200">
+                <a:solidFill>
+                  <a:schemeClr val="tx1"/>
+                </a:solidFill>
+                <a:latin typeface="+mn-lt"/>
+                <a:ea typeface="+mn-ea"/>
+                <a:cs typeface="+mn-cs"/>
+              </a:defRPr>
+            </a:lvl3pPr>
+            <a:lvl4pPr marL="1600200" indent="-228600" algn="l" defTabSz="914400" rtl="0" eaLnBrk="1" latinLnBrk="0" hangingPunct="1">
+              <a:lnSpc>
+                <a:spcPct val="90000"/>
+              </a:lnSpc>
+              <a:spcBef>
+                <a:spcPts val="500"/>
+              </a:spcBef>
+              <a:buFont typeface="Arial" panose="020B0604020202020204" pitchFamily="34" charset="0"/>
+              <a:buChar char="•"/>
+              <a:defRPr sz="1800" kern="1200">
+                <a:solidFill>
+                  <a:schemeClr val="tx1"/>
+                </a:solidFill>
+                <a:latin typeface="+mn-lt"/>
+                <a:ea typeface="+mn-ea"/>
+                <a:cs typeface="+mn-cs"/>
+              </a:defRPr>
+            </a:lvl4pPr>
+            <a:lvl5pPr marL="2057400" indent="-228600" algn="l" defTabSz="914400" rtl="0" eaLnBrk="1" latinLnBrk="0" hangingPunct="1">
+              <a:lnSpc>
+                <a:spcPct val="90000"/>
+              </a:lnSpc>
+              <a:spcBef>
+                <a:spcPts val="500"/>
+              </a:spcBef>
+              <a:buFont typeface="Arial" panose="020B0604020202020204" pitchFamily="34" charset="0"/>
+              <a:buChar char="•"/>
+              <a:defRPr sz="1800" kern="1200">
+                <a:solidFill>
+                  <a:schemeClr val="tx1"/>
+                </a:solidFill>
+                <a:latin typeface="+mn-lt"/>
+                <a:ea typeface="+mn-ea"/>
+                <a:cs typeface="+mn-cs"/>
+              </a:defRPr>
+            </a:lvl5pPr>
+            <a:lvl6pPr marL="2514600" indent="-228600" algn="l" defTabSz="914400" rtl="0" eaLnBrk="1" latinLnBrk="0" hangingPunct="1">
+              <a:lnSpc>
+                <a:spcPct val="90000"/>
+              </a:lnSpc>
+              <a:spcBef>
+                <a:spcPts val="500"/>
+              </a:spcBef>
+              <a:buFont typeface="Arial" panose="020B0604020202020204" pitchFamily="34" charset="0"/>
+              <a:buChar char="•"/>
+              <a:defRPr sz="1800" kern="1200">
+                <a:solidFill>
+                  <a:schemeClr val="tx1"/>
+                </a:solidFill>
+                <a:latin typeface="+mn-lt"/>
+                <a:ea typeface="+mn-ea"/>
+                <a:cs typeface="+mn-cs"/>
+              </a:defRPr>
+            </a:lvl6pPr>
+            <a:lvl7pPr marL="2971800" indent="-228600" algn="l" defTabSz="914400" rtl="0" eaLnBrk="1" latinLnBrk="0" hangingPunct="1">
+              <a:lnSpc>
+                <a:spcPct val="90000"/>
+              </a:lnSpc>
+              <a:spcBef>
+                <a:spcPts val="500"/>
+              </a:spcBef>
+              <a:buFont typeface="Arial" panose="020B0604020202020204" pitchFamily="34" charset="0"/>
+              <a:buChar char="•"/>
+              <a:defRPr sz="1800" kern="1200">
+                <a:solidFill>
+                  <a:schemeClr val="tx1"/>
+                </a:solidFill>
+                <a:latin typeface="+mn-lt"/>
+                <a:ea typeface="+mn-ea"/>
+                <a:cs typeface="+mn-cs"/>
+              </a:defRPr>
+            </a:lvl7pPr>
+            <a:lvl8pPr marL="3429000" indent="-228600" algn="l" defTabSz="914400" rtl="0" eaLnBrk="1" latinLnBrk="0" hangingPunct="1">
+              <a:lnSpc>
+                <a:spcPct val="90000"/>
+              </a:lnSpc>
+              <a:spcBef>
+                <a:spcPts val="500"/>
+              </a:spcBef>
+              <a:buFont typeface="Arial" panose="020B0604020202020204" pitchFamily="34" charset="0"/>
+              <a:buChar char="•"/>
+              <a:defRPr sz="1800" kern="1200">
+                <a:solidFill>
+                  <a:schemeClr val="tx1"/>
+                </a:solidFill>
+                <a:latin typeface="+mn-lt"/>
+                <a:ea typeface="+mn-ea"/>
+                <a:cs typeface="+mn-cs"/>
+              </a:defRPr>
+            </a:lvl8pPr>
+            <a:lvl9pPr marL="3886200" indent="-228600" algn="l" defTabSz="914400" rtl="0" eaLnBrk="1" latinLnBrk="0" hangingPunct="1">
+              <a:lnSpc>
+                <a:spcPct val="90000"/>
+              </a:lnSpc>
+              <a:spcBef>
+                <a:spcPts val="500"/>
+              </a:spcBef>
+              <a:buFont typeface="Arial" panose="020B0604020202020204" pitchFamily="34" charset="0"/>
+              <a:buChar char="•"/>
+              <a:defRPr sz="1800" kern="1200">
+                <a:solidFill>
+                  <a:schemeClr val="tx1"/>
+                </a:solidFill>
+                <a:latin typeface="+mn-lt"/>
+                <a:ea typeface="+mn-ea"/>
+                <a:cs typeface="+mn-cs"/>
+              </a:defRPr>
+            </a:lvl9pPr>
+          </a:lstStyle>
+          <a:p>
+            <a:endParaRPr lang="ru-RU" dirty="0" smtClean="0"/>
+          </a:p>
+        </p:txBody>
+      </p:sp>
     </p:spTree>
     <p:extLst>
       <p:ext uri="{BB962C8B-B14F-4D97-AF65-F5344CB8AC3E}">
-        <p14:creationId xmlns:p14="http://schemas.microsoft.com/office/powerpoint/2010/main" val="634090944"/>
+        <p14:creationId xmlns:p14="http://schemas.microsoft.com/office/powerpoint/2010/main" val="2482603997"/>
       </p:ext>
     </p:extLst>
   </p:cSld>
   <p:clrMapOvr>
     <a:masterClrMapping/>
   </p:clrMapOvr>
-  <p:timing>
-    <p:tnLst>
-      <p:par>
-        <p:cTn id="1" dur="indefinite" restart="never" nodeType="tmRoot"/>
-      </p:par>
-    </p:tnLst>
-  </p:timing>
+</p:sld>
+</file>
+
+<file path=ppt/slides/slide28.xml><?xml version="1.0" encoding="utf-8"?>
+<p:sld xmlns:a="http://schemas.openxmlformats.org/drawingml/2006/main" xmlns:r="http://schemas.openxmlformats.org/officeDocument/2006/relationships" xmlns:p="http://schemas.openxmlformats.org/presentationml/2006/main">
+  <p:cSld>
+    <p:spTree>
+      <p:nvGrpSpPr>
+        <p:cNvPr id="1" name=""/>
+        <p:cNvGrpSpPr/>
+        <p:nvPr/>
+      </p:nvGrpSpPr>
+      <p:grpSpPr>
+        <a:xfrm>
+          <a:off x="0" y="0"/>
+          <a:ext cx="0" cy="0"/>
+          <a:chOff x="0" y="0"/>
+          <a:chExt cx="0" cy="0"/>
+        </a:xfrm>
+      </p:grpSpPr>
+      <p:sp>
+        <p:nvSpPr>
+          <p:cNvPr id="3" name="Объект 2"/>
+          <p:cNvSpPr>
+            <a:spLocks noGrp="1"/>
+          </p:cNvSpPr>
+          <p:nvPr>
+            <p:ph idx="1"/>
+          </p:nvPr>
+        </p:nvSpPr>
+        <p:spPr>
+          <a:xfrm>
+            <a:off x="321013" y="603109"/>
+            <a:ext cx="11575915" cy="904671"/>
+          </a:xfrm>
+        </p:spPr>
+        <p:txBody>
+          <a:bodyPr>
+            <a:normAutofit fontScale="92500"/>
+          </a:bodyPr>
+          <a:lstStyle/>
+          <a:p>
+            <a:r>
+              <a:rPr lang="ru-RU" dirty="0" smtClean="0"/>
+              <a:t>На основе последнего механизма вполне создаются инструменты системного администрирования и разработки программного обеспечения.</a:t>
+            </a:r>
+            <a:endParaRPr lang="ru-RU" dirty="0"/>
+          </a:p>
+        </p:txBody>
+      </p:sp>
+      <p:sp>
+        <p:nvSpPr>
+          <p:cNvPr id="4" name="Заголовок 1"/>
+          <p:cNvSpPr txBox="1">
+            <a:spLocks/>
+          </p:cNvSpPr>
+          <p:nvPr/>
+        </p:nvSpPr>
+        <p:spPr>
+          <a:xfrm>
+            <a:off x="-204306" y="136188"/>
+            <a:ext cx="11914744" cy="671209"/>
+          </a:xfrm>
+          <a:prstGeom prst="rect">
+            <a:avLst/>
+          </a:prstGeom>
+        </p:spPr>
+        <p:txBody>
+          <a:bodyPr vert="horz" lIns="91440" tIns="45720" rIns="91440" bIns="45720" rtlCol="0" anchor="ctr">
+            <a:noAutofit/>
+          </a:bodyPr>
+          <a:lstStyle>
+            <a:lvl1pPr algn="l" defTabSz="914400" rtl="0" eaLnBrk="1" latinLnBrk="0" hangingPunct="1">
+              <a:lnSpc>
+                <a:spcPct val="90000"/>
+              </a:lnSpc>
+              <a:spcBef>
+                <a:spcPct val="0"/>
+              </a:spcBef>
+              <a:buNone/>
+              <a:defRPr sz="4400" kern="1200">
+                <a:solidFill>
+                  <a:schemeClr val="tx1"/>
+                </a:solidFill>
+                <a:latin typeface="+mj-lt"/>
+                <a:ea typeface="+mj-ea"/>
+                <a:cs typeface="+mj-cs"/>
+              </a:defRPr>
+            </a:lvl1pPr>
+          </a:lstStyle>
+          <a:p>
+            <a:pPr algn="ctr"/>
+            <a:r>
+              <a:rPr lang="en-US" sz="3600" b="1" cap="all" dirty="0">
+                <a:solidFill>
+                  <a:srgbClr val="0070C0"/>
+                </a:solidFill>
+                <a:latin typeface="+mn-lt"/>
+              </a:rPr>
+              <a:t>010_Menu.bat</a:t>
+            </a:r>
+            <a:endParaRPr lang="ru-RU" sz="3600" b="1" cap="all" dirty="0">
+              <a:solidFill>
+                <a:srgbClr val="0070C0"/>
+              </a:solidFill>
+              <a:latin typeface="+mn-lt"/>
+            </a:endParaRPr>
+          </a:p>
+        </p:txBody>
+      </p:sp>
+      <p:pic>
+        <p:nvPicPr>
+          <p:cNvPr id="8194" name="Picture 2"/>
+          <p:cNvPicPr>
+            <a:picLocks noChangeAspect="1" noChangeArrowheads="1"/>
+          </p:cNvPicPr>
+          <p:nvPr/>
+        </p:nvPicPr>
+        <p:blipFill>
+          <a:blip r:embed="rId2">
+            <a:extLst>
+              <a:ext uri="{28A0092B-C50C-407E-A947-70E740481C1C}">
+                <a14:useLocalDpi xmlns:a14="http://schemas.microsoft.com/office/drawing/2010/main" val="0"/>
+              </a:ext>
+            </a:extLst>
+          </a:blip>
+          <a:srcRect/>
+          <a:stretch>
+            <a:fillRect/>
+          </a:stretch>
+        </p:blipFill>
+        <p:spPr bwMode="auto">
+          <a:xfrm>
+            <a:off x="228209" y="1552575"/>
+            <a:ext cx="4867275" cy="895350"/>
+          </a:xfrm>
+          <a:prstGeom prst="rect">
+            <a:avLst/>
+          </a:prstGeom>
+          <a:noFill/>
+          <a:ln>
+            <a:noFill/>
+          </a:ln>
+          <a:effectLst/>
+          <a:extLst>
+            <a:ext uri="{909E8E84-426E-40DD-AFC4-6F175D3DCCD1}">
+              <a14:hiddenFill xmlns:a14="http://schemas.microsoft.com/office/drawing/2010/main">
+                <a:solidFill>
+                  <a:schemeClr val="accent1"/>
+                </a:solidFill>
+              </a14:hiddenFill>
+            </a:ext>
+            <a:ext uri="{91240B29-F687-4F45-9708-019B960494DF}">
+              <a14:hiddenLine xmlns:a14="http://schemas.microsoft.com/office/drawing/2010/main" w="9525">
+                <a:solidFill>
+                  <a:schemeClr val="tx1"/>
+                </a:solidFill>
+                <a:miter lim="800000"/>
+                <a:headEnd/>
+                <a:tailEnd/>
+              </a14:hiddenLine>
+            </a:ext>
+            <a:ext uri="{AF507438-7753-43E0-B8FC-AC1667EBCBE1}">
+              <a14:hiddenEffects xmlns:a14="http://schemas.microsoft.com/office/drawing/2010/main">
+                <a:effectLst>
+                  <a:outerShdw dist="35921" dir="2700000" algn="ctr" rotWithShape="0">
+                    <a:schemeClr val="bg2"/>
+                  </a:outerShdw>
+                </a:effectLst>
+              </a14:hiddenEffects>
+            </a:ext>
+          </a:extLst>
+        </p:spPr>
+      </p:pic>
+      <p:pic>
+        <p:nvPicPr>
+          <p:cNvPr id="8195" name="Picture 3"/>
+          <p:cNvPicPr>
+            <a:picLocks noChangeAspect="1" noChangeArrowheads="1"/>
+          </p:cNvPicPr>
+          <p:nvPr/>
+        </p:nvPicPr>
+        <p:blipFill>
+          <a:blip r:embed="rId3">
+            <a:extLst>
+              <a:ext uri="{28A0092B-C50C-407E-A947-70E740481C1C}">
+                <a14:useLocalDpi xmlns:a14="http://schemas.microsoft.com/office/drawing/2010/main" val="0"/>
+              </a:ext>
+            </a:extLst>
+          </a:blip>
+          <a:srcRect/>
+          <a:stretch>
+            <a:fillRect/>
+          </a:stretch>
+        </p:blipFill>
+        <p:spPr bwMode="auto">
+          <a:xfrm>
+            <a:off x="228209" y="2557564"/>
+            <a:ext cx="6343650" cy="1295400"/>
+          </a:xfrm>
+          <a:prstGeom prst="rect">
+            <a:avLst/>
+          </a:prstGeom>
+          <a:noFill/>
+          <a:ln>
+            <a:noFill/>
+          </a:ln>
+          <a:effectLst/>
+          <a:extLst>
+            <a:ext uri="{909E8E84-426E-40DD-AFC4-6F175D3DCCD1}">
+              <a14:hiddenFill xmlns:a14="http://schemas.microsoft.com/office/drawing/2010/main">
+                <a:solidFill>
+                  <a:schemeClr val="accent1"/>
+                </a:solidFill>
+              </a14:hiddenFill>
+            </a:ext>
+            <a:ext uri="{91240B29-F687-4F45-9708-019B960494DF}">
+              <a14:hiddenLine xmlns:a14="http://schemas.microsoft.com/office/drawing/2010/main" w="9525">
+                <a:solidFill>
+                  <a:schemeClr val="tx1"/>
+                </a:solidFill>
+                <a:miter lim="800000"/>
+                <a:headEnd/>
+                <a:tailEnd/>
+              </a14:hiddenLine>
+            </a:ext>
+            <a:ext uri="{AF507438-7753-43E0-B8FC-AC1667EBCBE1}">
+              <a14:hiddenEffects xmlns:a14="http://schemas.microsoft.com/office/drawing/2010/main">
+                <a:effectLst>
+                  <a:outerShdw dist="35921" dir="2700000" algn="ctr" rotWithShape="0">
+                    <a:schemeClr val="bg2"/>
+                  </a:outerShdw>
+                </a:effectLst>
+              </a14:hiddenEffects>
+            </a:ext>
+          </a:extLst>
+        </p:spPr>
+      </p:pic>
+      <p:pic>
+        <p:nvPicPr>
+          <p:cNvPr id="8196" name="Picture 4"/>
+          <p:cNvPicPr>
+            <a:picLocks noChangeAspect="1" noChangeArrowheads="1"/>
+          </p:cNvPicPr>
+          <p:nvPr/>
+        </p:nvPicPr>
+        <p:blipFill>
+          <a:blip r:embed="rId4">
+            <a:extLst>
+              <a:ext uri="{28A0092B-C50C-407E-A947-70E740481C1C}">
+                <a14:useLocalDpi xmlns:a14="http://schemas.microsoft.com/office/drawing/2010/main" val="0"/>
+              </a:ext>
+            </a:extLst>
+          </a:blip>
+          <a:srcRect/>
+          <a:stretch>
+            <a:fillRect/>
+          </a:stretch>
+        </p:blipFill>
+        <p:spPr bwMode="auto">
+          <a:xfrm>
+            <a:off x="6728505" y="1274012"/>
+            <a:ext cx="1972707" cy="2567104"/>
+          </a:xfrm>
+          <a:prstGeom prst="rect">
+            <a:avLst/>
+          </a:prstGeom>
+          <a:noFill/>
+          <a:ln>
+            <a:noFill/>
+          </a:ln>
+          <a:effectLst/>
+          <a:extLst>
+            <a:ext uri="{909E8E84-426E-40DD-AFC4-6F175D3DCCD1}">
+              <a14:hiddenFill xmlns:a14="http://schemas.microsoft.com/office/drawing/2010/main">
+                <a:solidFill>
+                  <a:schemeClr val="accent1"/>
+                </a:solidFill>
+              </a14:hiddenFill>
+            </a:ext>
+            <a:ext uri="{91240B29-F687-4F45-9708-019B960494DF}">
+              <a14:hiddenLine xmlns:a14="http://schemas.microsoft.com/office/drawing/2010/main" w="9525">
+                <a:solidFill>
+                  <a:schemeClr val="tx1"/>
+                </a:solidFill>
+                <a:miter lim="800000"/>
+                <a:headEnd/>
+                <a:tailEnd/>
+              </a14:hiddenLine>
+            </a:ext>
+            <a:ext uri="{AF507438-7753-43E0-B8FC-AC1667EBCBE1}">
+              <a14:hiddenEffects xmlns:a14="http://schemas.microsoft.com/office/drawing/2010/main">
+                <a:effectLst>
+                  <a:outerShdw dist="35921" dir="2700000" algn="ctr" rotWithShape="0">
+                    <a:schemeClr val="bg2"/>
+                  </a:outerShdw>
+                </a:effectLst>
+              </a14:hiddenEffects>
+            </a:ext>
+          </a:extLst>
+        </p:spPr>
+      </p:pic>
+      <p:pic>
+        <p:nvPicPr>
+          <p:cNvPr id="8197" name="Picture 5"/>
+          <p:cNvPicPr>
+            <a:picLocks noChangeAspect="1" noChangeArrowheads="1"/>
+          </p:cNvPicPr>
+          <p:nvPr/>
+        </p:nvPicPr>
+        <p:blipFill>
+          <a:blip r:embed="rId5">
+            <a:extLst>
+              <a:ext uri="{28A0092B-C50C-407E-A947-70E740481C1C}">
+                <a14:useLocalDpi xmlns:a14="http://schemas.microsoft.com/office/drawing/2010/main" val="0"/>
+              </a:ext>
+            </a:extLst>
+          </a:blip>
+          <a:srcRect/>
+          <a:stretch>
+            <a:fillRect/>
+          </a:stretch>
+        </p:blipFill>
+        <p:spPr bwMode="auto">
+          <a:xfrm>
+            <a:off x="228209" y="3976789"/>
+            <a:ext cx="7486650" cy="2733675"/>
+          </a:xfrm>
+          <a:prstGeom prst="rect">
+            <a:avLst/>
+          </a:prstGeom>
+          <a:noFill/>
+          <a:ln>
+            <a:noFill/>
+          </a:ln>
+          <a:effectLst/>
+          <a:extLst>
+            <a:ext uri="{909E8E84-426E-40DD-AFC4-6F175D3DCCD1}">
+              <a14:hiddenFill xmlns:a14="http://schemas.microsoft.com/office/drawing/2010/main">
+                <a:solidFill>
+                  <a:schemeClr val="accent1"/>
+                </a:solidFill>
+              </a14:hiddenFill>
+            </a:ext>
+            <a:ext uri="{91240B29-F687-4F45-9708-019B960494DF}">
+              <a14:hiddenLine xmlns:a14="http://schemas.microsoft.com/office/drawing/2010/main" w="9525">
+                <a:solidFill>
+                  <a:schemeClr val="tx1"/>
+                </a:solidFill>
+                <a:miter lim="800000"/>
+                <a:headEnd/>
+                <a:tailEnd/>
+              </a14:hiddenLine>
+            </a:ext>
+            <a:ext uri="{AF507438-7753-43E0-B8FC-AC1667EBCBE1}">
+              <a14:hiddenEffects xmlns:a14="http://schemas.microsoft.com/office/drawing/2010/main">
+                <a:effectLst>
+                  <a:outerShdw dist="35921" dir="2700000" algn="ctr" rotWithShape="0">
+                    <a:schemeClr val="bg2"/>
+                  </a:outerShdw>
+                </a:effectLst>
+              </a14:hiddenEffects>
+            </a:ext>
+          </a:extLst>
+        </p:spPr>
+      </p:pic>
+      <p:pic>
+        <p:nvPicPr>
+          <p:cNvPr id="8198" name="Picture 6"/>
+          <p:cNvPicPr>
+            <a:picLocks noChangeAspect="1" noChangeArrowheads="1"/>
+          </p:cNvPicPr>
+          <p:nvPr/>
+        </p:nvPicPr>
+        <p:blipFill>
+          <a:blip r:embed="rId6">
+            <a:extLst>
+              <a:ext uri="{28A0092B-C50C-407E-A947-70E740481C1C}">
+                <a14:useLocalDpi xmlns:a14="http://schemas.microsoft.com/office/drawing/2010/main" val="0"/>
+              </a:ext>
+            </a:extLst>
+          </a:blip>
+          <a:srcRect/>
+          <a:stretch>
+            <a:fillRect/>
+          </a:stretch>
+        </p:blipFill>
+        <p:spPr bwMode="auto">
+          <a:xfrm>
+            <a:off x="5572125" y="3262414"/>
+            <a:ext cx="6619875" cy="3448050"/>
+          </a:xfrm>
+          <a:prstGeom prst="rect">
+            <a:avLst/>
+          </a:prstGeom>
+          <a:noFill/>
+          <a:ln>
+            <a:noFill/>
+          </a:ln>
+          <a:effectLst/>
+          <a:extLst>
+            <a:ext uri="{909E8E84-426E-40DD-AFC4-6F175D3DCCD1}">
+              <a14:hiddenFill xmlns:a14="http://schemas.microsoft.com/office/drawing/2010/main">
+                <a:solidFill>
+                  <a:schemeClr val="accent1"/>
+                </a:solidFill>
+              </a14:hiddenFill>
+            </a:ext>
+            <a:ext uri="{91240B29-F687-4F45-9708-019B960494DF}">
+              <a14:hiddenLine xmlns:a14="http://schemas.microsoft.com/office/drawing/2010/main" w="9525">
+                <a:solidFill>
+                  <a:schemeClr val="tx1"/>
+                </a:solidFill>
+                <a:miter lim="800000"/>
+                <a:headEnd/>
+                <a:tailEnd/>
+              </a14:hiddenLine>
+            </a:ext>
+            <a:ext uri="{AF507438-7753-43E0-B8FC-AC1667EBCBE1}">
+              <a14:hiddenEffects xmlns:a14="http://schemas.microsoft.com/office/drawing/2010/main">
+                <a:effectLst>
+                  <a:outerShdw dist="35921" dir="2700000" algn="ctr" rotWithShape="0">
+                    <a:schemeClr val="bg2"/>
+                  </a:outerShdw>
+                </a:effectLst>
+              </a14:hiddenEffects>
+            </a:ext>
+          </a:extLst>
+        </p:spPr>
+      </p:pic>
+    </p:spTree>
+    <p:extLst>
+      <p:ext uri="{BB962C8B-B14F-4D97-AF65-F5344CB8AC3E}">
+        <p14:creationId xmlns:p14="http://schemas.microsoft.com/office/powerpoint/2010/main" val="1732169324"/>
+      </p:ext>
+    </p:extLst>
+  </p:cSld>
+  <p:clrMapOvr>
+    <a:masterClrMapping/>
+  </p:clrMapOvr>
+</p:sld>
+</file>
+
+<file path=ppt/slides/slide29.xml><?xml version="1.0" encoding="utf-8"?>
+<p:sld xmlns:a="http://schemas.openxmlformats.org/drawingml/2006/main" xmlns:r="http://schemas.openxmlformats.org/officeDocument/2006/relationships" xmlns:p="http://schemas.openxmlformats.org/presentationml/2006/main">
+  <p:cSld>
+    <p:spTree>
+      <p:nvGrpSpPr>
+        <p:cNvPr id="1" name=""/>
+        <p:cNvGrpSpPr/>
+        <p:nvPr/>
+      </p:nvGrpSpPr>
+      <p:grpSpPr>
+        <a:xfrm>
+          <a:off x="0" y="0"/>
+          <a:ext cx="0" cy="0"/>
+          <a:chOff x="0" y="0"/>
+          <a:chExt cx="0" cy="0"/>
+        </a:xfrm>
+      </p:grpSpPr>
+      <p:pic>
+        <p:nvPicPr>
+          <p:cNvPr id="9218" name="Picture 2" descr="данные будут уничтожены"/>
+          <p:cNvPicPr>
+            <a:picLocks noChangeAspect="1" noChangeArrowheads="1"/>
+          </p:cNvPicPr>
+          <p:nvPr/>
+        </p:nvPicPr>
+        <p:blipFill>
+          <a:blip r:embed="rId2">
+            <a:extLst>
+              <a:ext uri="{28A0092B-C50C-407E-A947-70E740481C1C}">
+                <a14:useLocalDpi xmlns:a14="http://schemas.microsoft.com/office/drawing/2010/main" val="0"/>
+              </a:ext>
+            </a:extLst>
+          </a:blip>
+          <a:srcRect/>
+          <a:stretch>
+            <a:fillRect/>
+          </a:stretch>
+        </p:blipFill>
+        <p:spPr bwMode="auto">
+          <a:xfrm>
+            <a:off x="233395" y="1486662"/>
+            <a:ext cx="11937997" cy="3581401"/>
+          </a:xfrm>
+          <a:prstGeom prst="rect">
+            <a:avLst/>
+          </a:prstGeom>
+          <a:noFill/>
+          <a:extLst>
+            <a:ext uri="{909E8E84-426E-40DD-AFC4-6F175D3DCCD1}">
+              <a14:hiddenFill xmlns:a14="http://schemas.microsoft.com/office/drawing/2010/main">
+                <a:solidFill>
+                  <a:srgbClr val="FFFFFF"/>
+                </a:solidFill>
+              </a14:hiddenFill>
+            </a:ext>
+          </a:extLst>
+        </p:spPr>
+      </p:pic>
+      <p:sp>
+        <p:nvSpPr>
+          <p:cNvPr id="5" name="Заголовок 1"/>
+          <p:cNvSpPr txBox="1">
+            <a:spLocks/>
+          </p:cNvSpPr>
+          <p:nvPr/>
+        </p:nvSpPr>
+        <p:spPr>
+          <a:xfrm>
+            <a:off x="-204306" y="29184"/>
+            <a:ext cx="11914744" cy="1215957"/>
+          </a:xfrm>
+          <a:prstGeom prst="rect">
+            <a:avLst/>
+          </a:prstGeom>
+        </p:spPr>
+        <p:txBody>
+          <a:bodyPr vert="horz" lIns="91440" tIns="45720" rIns="91440" bIns="45720" rtlCol="0" anchor="ctr">
+            <a:noAutofit/>
+          </a:bodyPr>
+          <a:lstStyle>
+            <a:lvl1pPr algn="l" defTabSz="914400" rtl="0" eaLnBrk="1" latinLnBrk="0" hangingPunct="1">
+              <a:lnSpc>
+                <a:spcPct val="90000"/>
+              </a:lnSpc>
+              <a:spcBef>
+                <a:spcPct val="0"/>
+              </a:spcBef>
+              <a:buNone/>
+              <a:defRPr sz="4400" kern="1200">
+                <a:solidFill>
+                  <a:schemeClr val="tx1"/>
+                </a:solidFill>
+                <a:latin typeface="+mj-lt"/>
+                <a:ea typeface="+mj-ea"/>
+                <a:cs typeface="+mj-cs"/>
+              </a:defRPr>
+            </a:lvl1pPr>
+          </a:lstStyle>
+          <a:p>
+            <a:pPr algn="ctr"/>
+            <a:r>
+              <a:rPr lang="ru-RU" sz="3600" b="1" cap="all" dirty="0" smtClean="0">
+                <a:solidFill>
+                  <a:srgbClr val="0070C0"/>
+                </a:solidFill>
+                <a:latin typeface="+mn-lt"/>
+              </a:rPr>
+              <a:t>Об </a:t>
+            </a:r>
+            <a:r>
+              <a:rPr lang="ru-RU" sz="3600" b="1" cap="all" dirty="0">
+                <a:solidFill>
+                  <a:srgbClr val="0070C0"/>
+                </a:solidFill>
+                <a:latin typeface="+mn-lt"/>
+              </a:rPr>
+              <a:t>этом не говорят, но бывает</a:t>
+            </a:r>
+            <a:r>
+              <a:rPr lang="ru-RU" sz="3600" b="1" cap="all" dirty="0" smtClean="0">
+                <a:solidFill>
+                  <a:srgbClr val="0070C0"/>
+                </a:solidFill>
+                <a:latin typeface="+mn-lt"/>
+              </a:rPr>
+              <a:t>,</a:t>
+            </a:r>
+            <a:br>
+              <a:rPr lang="ru-RU" sz="3600" b="1" cap="all" dirty="0" smtClean="0">
+                <a:solidFill>
+                  <a:srgbClr val="0070C0"/>
+                </a:solidFill>
+                <a:latin typeface="+mn-lt"/>
+              </a:rPr>
+            </a:br>
+            <a:r>
+              <a:rPr lang="ru-RU" sz="3600" b="1" cap="all" dirty="0" smtClean="0">
+                <a:solidFill>
+                  <a:srgbClr val="0070C0"/>
+                </a:solidFill>
+                <a:latin typeface="+mn-lt"/>
+              </a:rPr>
+              <a:t> </a:t>
+            </a:r>
+            <a:r>
+              <a:rPr lang="ru-RU" sz="3600" b="1" cap="all" dirty="0">
+                <a:solidFill>
+                  <a:srgbClr val="0070C0"/>
+                </a:solidFill>
+                <a:latin typeface="+mn-lt"/>
+              </a:rPr>
+              <a:t>что там все весьма </a:t>
+            </a:r>
+            <a:r>
+              <a:rPr lang="ru-RU" sz="3600" b="1" cap="all" dirty="0" smtClean="0">
+                <a:solidFill>
+                  <a:srgbClr val="0070C0"/>
+                </a:solidFill>
+                <a:latin typeface="+mn-lt"/>
+              </a:rPr>
+              <a:t>серьезно. </a:t>
+            </a:r>
+            <a:endParaRPr lang="ru-RU" sz="3600" b="1" cap="all" dirty="0">
+              <a:solidFill>
+                <a:srgbClr val="0070C0"/>
+              </a:solidFill>
+              <a:latin typeface="+mn-lt"/>
+            </a:endParaRPr>
+          </a:p>
+        </p:txBody>
+      </p:sp>
+      <p:sp>
+        <p:nvSpPr>
+          <p:cNvPr id="8" name="Заголовок 1"/>
+          <p:cNvSpPr txBox="1">
+            <a:spLocks/>
+          </p:cNvSpPr>
+          <p:nvPr/>
+        </p:nvSpPr>
+        <p:spPr>
+          <a:xfrm>
+            <a:off x="277256" y="5288606"/>
+            <a:ext cx="11914744" cy="1215957"/>
+          </a:xfrm>
+          <a:prstGeom prst="rect">
+            <a:avLst/>
+          </a:prstGeom>
+        </p:spPr>
+        <p:txBody>
+          <a:bodyPr vert="horz" lIns="91440" tIns="45720" rIns="91440" bIns="45720" rtlCol="0" anchor="ctr">
+            <a:noAutofit/>
+          </a:bodyPr>
+          <a:lstStyle>
+            <a:lvl1pPr algn="l" defTabSz="914400" rtl="0" eaLnBrk="1" latinLnBrk="0" hangingPunct="1">
+              <a:lnSpc>
+                <a:spcPct val="90000"/>
+              </a:lnSpc>
+              <a:spcBef>
+                <a:spcPct val="0"/>
+              </a:spcBef>
+              <a:buNone/>
+              <a:defRPr sz="4400" kern="1200">
+                <a:solidFill>
+                  <a:schemeClr val="tx1"/>
+                </a:solidFill>
+                <a:latin typeface="+mj-lt"/>
+                <a:ea typeface="+mj-ea"/>
+                <a:cs typeface="+mj-cs"/>
+              </a:defRPr>
+            </a:lvl1pPr>
+          </a:lstStyle>
+          <a:p>
+            <a:pPr algn="ctr"/>
+            <a:r>
+              <a:rPr lang="ru-RU" sz="3600" b="1" cap="all" dirty="0" smtClean="0">
+                <a:solidFill>
+                  <a:srgbClr val="0070C0"/>
+                </a:solidFill>
+                <a:latin typeface="+mn-lt"/>
+              </a:rPr>
+              <a:t>Ожидание ввода … … …</a:t>
+            </a:r>
+          </a:p>
+          <a:p>
+            <a:pPr algn="ctr"/>
+            <a:r>
+              <a:rPr lang="ru-RU" sz="3600" b="1" cap="all" dirty="0" smtClean="0">
+                <a:solidFill>
+                  <a:srgbClr val="0070C0"/>
+                </a:solidFill>
+                <a:latin typeface="+mn-lt"/>
+              </a:rPr>
+              <a:t>Продолжение следует</a:t>
+            </a:r>
+          </a:p>
+        </p:txBody>
+      </p:sp>
+    </p:spTree>
+    <p:extLst>
+      <p:ext uri="{BB962C8B-B14F-4D97-AF65-F5344CB8AC3E}">
+        <p14:creationId xmlns:p14="http://schemas.microsoft.com/office/powerpoint/2010/main" val="2094404041"/>
+      </p:ext>
+    </p:extLst>
+  </p:cSld>
+  <p:clrMapOvr>
+    <a:masterClrMapping/>
+  </p:clrMapOvr>
 </p:sld>
 </file>
 
@@ -8868,6 +11858,48 @@
               <a:t>.</a:t>
             </a:r>
           </a:p>
+          <a:p>
+            <a:endParaRPr lang="ru-RU" sz="2000" dirty="0"/>
+          </a:p>
+          <a:p>
+            <a:r>
+              <a:rPr lang="ru-RU" sz="2000" dirty="0" smtClean="0">
+                <a:solidFill>
+                  <a:schemeClr val="bg1">
+                    <a:lumMod val="85000"/>
+                  </a:schemeClr>
+                </a:solidFill>
+              </a:rPr>
+              <a:t>CMD, в отличие от некоторых его потомков (</a:t>
+            </a:r>
+            <a:r>
+              <a:rPr lang="en-US" sz="2000" dirty="0" smtClean="0">
+                <a:solidFill>
+                  <a:schemeClr val="bg1">
+                    <a:lumMod val="85000"/>
+                  </a:schemeClr>
+                </a:solidFill>
+              </a:rPr>
+              <a:t>VBS, Python</a:t>
+            </a:r>
+            <a:r>
+              <a:rPr lang="ru-RU" sz="2000" dirty="0" smtClean="0">
+                <a:solidFill>
+                  <a:schemeClr val="bg1">
+                    <a:lumMod val="85000"/>
+                  </a:schemeClr>
+                </a:solidFill>
+              </a:rPr>
+              <a:t>, …),  будет существовать всегда!</a:t>
+            </a:r>
+            <a:endParaRPr lang="ru-RU" sz="2000" dirty="0" smtClean="0">
+              <a:solidFill>
+                <a:schemeClr val="bg1">
+                  <a:lumMod val="85000"/>
+                </a:schemeClr>
+              </a:solidFill>
+            </a:endParaRPr>
+          </a:p>
         </p:txBody>
       </p:sp>
       <p:sp>
@@ -9186,8 +12218,20 @@
               <a:rPr lang="en-US" sz="1600" dirty="0"/>
             </a:br>
             <a:r>
+              <a:rPr lang="en-US" sz="1600" dirty="0" smtClean="0"/>
+              <a:t>2012</a:t>
+            </a:r>
+            <a:r>
+              <a:rPr lang="ru-RU" sz="1600" dirty="0" smtClean="0"/>
+              <a:t> - </a:t>
+            </a:r>
+            <a:r>
+              <a:rPr lang="en-US" sz="1600" dirty="0" smtClean="0"/>
+              <a:t> </a:t>
+            </a:r>
+            <a:r>
               <a:rPr lang="en-US" sz="1600" dirty="0"/>
-              <a:t>2012 Windows Server 2012 — Windows NT 6.2</a:t>
+              <a:t>Windows Server 2012 — Windows NT 6.2</a:t>
             </a:r>
             <a:br>
               <a:rPr lang="en-US" sz="1600" dirty="0"/>
@@ -9265,7 +12309,47 @@
                   </a:schemeClr>
                 </a:solidFill>
               </a:rPr>
-              <a:t>40 000 – Windows 4K =)</a:t>
+              <a:t>40 000 – Windows </a:t>
+            </a:r>
+            <a:r>
+              <a:rPr lang="en-US" sz="1600" dirty="0" smtClean="0">
+                <a:solidFill>
+                  <a:schemeClr val="bg1">
+                    <a:lumMod val="65000"/>
+                  </a:schemeClr>
+                </a:solidFill>
+              </a:rPr>
+              <a:t>4</a:t>
+            </a:r>
+            <a:r>
+              <a:rPr lang="ru-RU" sz="1600" dirty="0" smtClean="0">
+                <a:solidFill>
+                  <a:schemeClr val="bg1">
+                    <a:lumMod val="65000"/>
+                  </a:schemeClr>
+                </a:solidFill>
+              </a:rPr>
+              <a:t>0</a:t>
+            </a:r>
+            <a:r>
+              <a:rPr lang="en-US" sz="1600" dirty="0" smtClean="0">
+                <a:solidFill>
+                  <a:schemeClr val="bg1">
+                    <a:lumMod val="65000"/>
+                  </a:schemeClr>
+                </a:solidFill>
+              </a:rPr>
+              <a:t>K </a:t>
+            </a:r>
+            <a:r>
+              <a:rPr lang="en-US" sz="1600" dirty="0" smtClean="0">
+                <a:solidFill>
+                  <a:schemeClr val="bg1">
+                    <a:lumMod val="65000"/>
+                  </a:schemeClr>
+                </a:solidFill>
+              </a:rPr>
+              <a:t>=)</a:t>
             </a:r>
             <a:endParaRPr lang="ru-RU" sz="1600" dirty="0">
               <a:solidFill>
@@ -9281,6 +12365,612 @@
     <p:extLst>
       <p:ext uri="{BB962C8B-B14F-4D97-AF65-F5344CB8AC3E}">
         <p14:creationId xmlns:p14="http://schemas.microsoft.com/office/powerpoint/2010/main" val="3870176327"/>
+      </p:ext>
+    </p:extLst>
+  </p:cSld>
+  <p:clrMapOvr>
+    <a:masterClrMapping/>
+  </p:clrMapOvr>
+  <p:timing>
+    <p:tnLst>
+      <p:par>
+        <p:cTn id="1" dur="indefinite" restart="never" nodeType="tmRoot"/>
+      </p:par>
+    </p:tnLst>
+  </p:timing>
+</p:sld>
+</file>
+
+<file path=ppt/slides/slide30.xml><?xml version="1.0" encoding="utf-8"?>
+<p:sld xmlns:a="http://schemas.openxmlformats.org/drawingml/2006/main" xmlns:r="http://schemas.openxmlformats.org/officeDocument/2006/relationships" xmlns:p="http://schemas.openxmlformats.org/presentationml/2006/main">
+  <p:cSld>
+    <p:spTree>
+      <p:nvGrpSpPr>
+        <p:cNvPr id="1" name=""/>
+        <p:cNvGrpSpPr/>
+        <p:nvPr/>
+      </p:nvGrpSpPr>
+      <p:grpSpPr>
+        <a:xfrm>
+          <a:off x="0" y="0"/>
+          <a:ext cx="0" cy="0"/>
+          <a:chOff x="0" y="0"/>
+          <a:chExt cx="0" cy="0"/>
+        </a:xfrm>
+      </p:grpSpPr>
+      <p:sp>
+        <p:nvSpPr>
+          <p:cNvPr id="2" name="Заголовок 1"/>
+          <p:cNvSpPr>
+            <a:spLocks noGrp="1"/>
+          </p:cNvSpPr>
+          <p:nvPr>
+            <p:ph type="title"/>
+          </p:nvPr>
+        </p:nvSpPr>
+        <p:spPr>
+          <a:xfrm>
+            <a:off x="1288460" y="1668068"/>
+            <a:ext cx="9927506" cy="1498574"/>
+          </a:xfrm>
+        </p:spPr>
+        <p:txBody>
+          <a:bodyPr/>
+          <a:lstStyle/>
+          <a:p>
+            <a:pPr algn="ctr"/>
+            <a:r>
+              <a:rPr lang="ru-RU" b="1" dirty="0" smtClean="0">
+                <a:solidFill>
+                  <a:srgbClr val="C20282"/>
+                </a:solidFill>
+              </a:rPr>
+              <a:t>Благодарим за участие в </a:t>
+            </a:r>
+            <a:r>
+              <a:rPr lang="en-US" b="1" dirty="0" err="1" smtClean="0">
+                <a:solidFill>
+                  <a:srgbClr val="C20282"/>
+                </a:solidFill>
+              </a:rPr>
+              <a:t>WorkShop</a:t>
+            </a:r>
+            <a:r>
+              <a:rPr lang="ru-RU" b="1" dirty="0" smtClean="0">
+                <a:solidFill>
+                  <a:srgbClr val="C20282"/>
+                </a:solidFill>
+              </a:rPr>
+              <a:t>!</a:t>
+            </a:r>
+            <a:endParaRPr lang="ru-RU" b="1" dirty="0">
+              <a:solidFill>
+                <a:srgbClr val="0070C0"/>
+              </a:solidFill>
+            </a:endParaRPr>
+          </a:p>
+        </p:txBody>
+      </p:sp>
+      <p:sp>
+        <p:nvSpPr>
+          <p:cNvPr id="3" name="Объект 2"/>
+          <p:cNvSpPr>
+            <a:spLocks noGrp="1"/>
+          </p:cNvSpPr>
+          <p:nvPr>
+            <p:ph idx="1"/>
+          </p:nvPr>
+        </p:nvSpPr>
+        <p:spPr>
+          <a:xfrm>
+            <a:off x="838200" y="4360949"/>
+            <a:ext cx="10515600" cy="630897"/>
+          </a:xfrm>
+        </p:spPr>
+        <p:txBody>
+          <a:bodyPr>
+            <a:normAutofit/>
+          </a:bodyPr>
+          <a:lstStyle/>
+          <a:p>
+            <a:pPr marL="0" indent="0" algn="ctr">
+              <a:buNone/>
+            </a:pPr>
+            <a:r>
+              <a:rPr lang="ru-RU" b="1" dirty="0" smtClean="0">
+                <a:solidFill>
+                  <a:srgbClr val="C20282"/>
+                </a:solidFill>
+              </a:rPr>
+              <a:t>Больше интересных проектов и событий здесь:</a:t>
+            </a:r>
+            <a:endParaRPr lang="ru-RU" b="1" dirty="0">
+              <a:solidFill>
+                <a:srgbClr val="C20282"/>
+              </a:solidFill>
+            </a:endParaRPr>
+          </a:p>
+        </p:txBody>
+      </p:sp>
+      <p:sp>
+        <p:nvSpPr>
+          <p:cNvPr id="4" name="Прямоугольник 3"/>
+          <p:cNvSpPr/>
+          <p:nvPr/>
+        </p:nvSpPr>
+        <p:spPr>
+          <a:xfrm>
+            <a:off x="3252216" y="6267104"/>
+            <a:ext cx="2026324" cy="369332"/>
+          </a:xfrm>
+          <a:prstGeom prst="rect">
+            <a:avLst/>
+          </a:prstGeom>
+        </p:spPr>
+        <p:txBody>
+          <a:bodyPr wrap="none">
+            <a:spAutoFit/>
+          </a:bodyPr>
+          <a:lstStyle/>
+          <a:p>
+            <a:r>
+              <a:rPr lang="ru-RU" b="1" dirty="0">
+                <a:solidFill>
+                  <a:srgbClr val="0070C0"/>
+                </a:solidFill>
+              </a:rPr>
+              <a:t>vk.com/</a:t>
+            </a:r>
+            <a:r>
+              <a:rPr lang="ru-RU" b="1" dirty="0" err="1">
+                <a:solidFill>
+                  <a:srgbClr val="0070C0"/>
+                </a:solidFill>
+              </a:rPr>
+              <a:t>kip_college</a:t>
+            </a:r>
+            <a:endParaRPr lang="ru-RU" b="1" dirty="0">
+              <a:solidFill>
+                <a:srgbClr val="0070C0"/>
+              </a:solidFill>
+            </a:endParaRPr>
+          </a:p>
+        </p:txBody>
+      </p:sp>
+      <p:pic>
+        <p:nvPicPr>
+          <p:cNvPr id="6146" name="Picture 2" descr="http://qrcoder.ru/code/?https%3A%2F%2Fvk.com%2Fkip_college&amp;4&amp;0"/>
+          <p:cNvPicPr>
+            <a:picLocks noChangeAspect="1" noChangeArrowheads="1"/>
+          </p:cNvPicPr>
+          <p:nvPr/>
+        </p:nvPicPr>
+        <p:blipFill>
+          <a:blip r:embed="rId2">
+            <a:extLst>
+              <a:ext uri="{28A0092B-C50C-407E-A947-70E740481C1C}">
+                <a14:useLocalDpi xmlns:a14="http://schemas.microsoft.com/office/drawing/2010/main" val="0"/>
+              </a:ext>
+            </a:extLst>
+          </a:blip>
+          <a:srcRect/>
+          <a:stretch>
+            <a:fillRect/>
+          </a:stretch>
+        </p:blipFill>
+        <p:spPr bwMode="auto">
+          <a:xfrm>
+            <a:off x="3620665" y="4989689"/>
+            <a:ext cx="1257300" cy="1257301"/>
+          </a:xfrm>
+          <a:prstGeom prst="rect">
+            <a:avLst/>
+          </a:prstGeom>
+          <a:noFill/>
+          <a:ln>
+            <a:solidFill>
+              <a:srgbClr val="0070C0"/>
+            </a:solidFill>
+          </a:ln>
+          <a:extLst>
+            <a:ext uri="{909E8E84-426E-40DD-AFC4-6F175D3DCCD1}">
+              <a14:hiddenFill xmlns:a14="http://schemas.microsoft.com/office/drawing/2010/main">
+                <a:solidFill>
+                  <a:srgbClr val="FFFFFF"/>
+                </a:solidFill>
+              </a14:hiddenFill>
+            </a:ext>
+          </a:extLst>
+        </p:spPr>
+      </p:pic>
+      <p:sp>
+        <p:nvSpPr>
+          <p:cNvPr id="6" name="Прямоугольник 5"/>
+          <p:cNvSpPr/>
+          <p:nvPr/>
+        </p:nvSpPr>
+        <p:spPr>
+          <a:xfrm>
+            <a:off x="1114153" y="6267104"/>
+            <a:ext cx="981166" cy="369332"/>
+          </a:xfrm>
+          <a:prstGeom prst="rect">
+            <a:avLst/>
+          </a:prstGeom>
+        </p:spPr>
+        <p:txBody>
+          <a:bodyPr wrap="none">
+            <a:spAutoFit/>
+          </a:bodyPr>
+          <a:lstStyle/>
+          <a:p>
+            <a:r>
+              <a:rPr lang="en-US" b="1" dirty="0" smtClean="0">
+                <a:solidFill>
+                  <a:srgbClr val="0070C0"/>
+                </a:solidFill>
+              </a:rPr>
+              <a:t>kip.fa.ru</a:t>
+            </a:r>
+            <a:endParaRPr lang="ru-RU" b="1" dirty="0">
+              <a:solidFill>
+                <a:srgbClr val="0070C0"/>
+              </a:solidFill>
+            </a:endParaRPr>
+          </a:p>
+        </p:txBody>
+      </p:sp>
+      <p:pic>
+        <p:nvPicPr>
+          <p:cNvPr id="6148" name="Picture 4" descr="http://qrcoder.ru/code/?http%3A%2F%2Fwww.fa.ru%2Forg%2Fspo%2Fkip%2FPages%2FHome.aspx&amp;4&amp;0"/>
+          <p:cNvPicPr>
+            <a:picLocks noChangeAspect="1" noChangeArrowheads="1"/>
+          </p:cNvPicPr>
+          <p:nvPr/>
+        </p:nvPicPr>
+        <p:blipFill>
+          <a:blip r:embed="rId3">
+            <a:extLst>
+              <a:ext uri="{28A0092B-C50C-407E-A947-70E740481C1C}">
+                <a14:useLocalDpi xmlns:a14="http://schemas.microsoft.com/office/drawing/2010/main" val="0"/>
+              </a:ext>
+            </a:extLst>
+          </a:blip>
+          <a:srcRect/>
+          <a:stretch>
+            <a:fillRect/>
+          </a:stretch>
+        </p:blipFill>
+        <p:spPr bwMode="auto">
+          <a:xfrm>
+            <a:off x="959276" y="4995244"/>
+            <a:ext cx="1271860" cy="1271860"/>
+          </a:xfrm>
+          <a:prstGeom prst="rect">
+            <a:avLst/>
+          </a:prstGeom>
+          <a:noFill/>
+          <a:ln>
+            <a:solidFill>
+              <a:srgbClr val="0070C0"/>
+            </a:solidFill>
+          </a:ln>
+          <a:extLst>
+            <a:ext uri="{909E8E84-426E-40DD-AFC4-6F175D3DCCD1}">
+              <a14:hiddenFill xmlns:a14="http://schemas.microsoft.com/office/drawing/2010/main">
+                <a:solidFill>
+                  <a:srgbClr val="FFFFFF"/>
+                </a:solidFill>
+              </a14:hiddenFill>
+            </a:ext>
+          </a:extLst>
+        </p:spPr>
+      </p:pic>
+      <p:sp>
+        <p:nvSpPr>
+          <p:cNvPr id="5" name="Прямоугольник 4"/>
+          <p:cNvSpPr/>
+          <p:nvPr/>
+        </p:nvSpPr>
+        <p:spPr>
+          <a:xfrm>
+            <a:off x="9192770" y="6257960"/>
+            <a:ext cx="2174250" cy="369332"/>
+          </a:xfrm>
+          <a:prstGeom prst="rect">
+            <a:avLst/>
+          </a:prstGeom>
+        </p:spPr>
+        <p:txBody>
+          <a:bodyPr wrap="none">
+            <a:spAutoFit/>
+          </a:bodyPr>
+          <a:lstStyle/>
+          <a:p>
+            <a:r>
+              <a:rPr lang="ru-RU" b="1" dirty="0">
+                <a:solidFill>
+                  <a:srgbClr val="0070C0"/>
+                </a:solidFill>
+              </a:rPr>
+              <a:t>tiktok.com/@kip_fin</a:t>
+            </a:r>
+          </a:p>
+        </p:txBody>
+      </p:sp>
+      <p:pic>
+        <p:nvPicPr>
+          <p:cNvPr id="6150" name="Picture 6" descr="http://qrcoder.ru/code/?https%3A%2F%2Fwww.tiktok.com%2F%40kip_fin&amp;4&amp;0"/>
+          <p:cNvPicPr>
+            <a:picLocks noChangeAspect="1" noChangeArrowheads="1"/>
+          </p:cNvPicPr>
+          <p:nvPr/>
+        </p:nvPicPr>
+        <p:blipFill>
+          <a:blip r:embed="rId4">
+            <a:extLst>
+              <a:ext uri="{28A0092B-C50C-407E-A947-70E740481C1C}">
+                <a14:useLocalDpi xmlns:a14="http://schemas.microsoft.com/office/drawing/2010/main" val="0"/>
+              </a:ext>
+            </a:extLst>
+          </a:blip>
+          <a:srcRect/>
+          <a:stretch>
+            <a:fillRect/>
+          </a:stretch>
+        </p:blipFill>
+        <p:spPr bwMode="auto">
+          <a:xfrm>
+            <a:off x="9613925" y="4995244"/>
+            <a:ext cx="1271860" cy="1271860"/>
+          </a:xfrm>
+          <a:prstGeom prst="rect">
+            <a:avLst/>
+          </a:prstGeom>
+          <a:noFill/>
+          <a:ln>
+            <a:solidFill>
+              <a:srgbClr val="0070C0"/>
+            </a:solidFill>
+          </a:ln>
+          <a:extLst>
+            <a:ext uri="{909E8E84-426E-40DD-AFC4-6F175D3DCCD1}">
+              <a14:hiddenFill xmlns:a14="http://schemas.microsoft.com/office/drawing/2010/main">
+                <a:solidFill>
+                  <a:srgbClr val="FFFFFF"/>
+                </a:solidFill>
+              </a14:hiddenFill>
+            </a:ext>
+          </a:extLst>
+        </p:spPr>
+      </p:pic>
+      <p:sp>
+        <p:nvSpPr>
+          <p:cNvPr id="7" name="Прямоугольник 6"/>
+          <p:cNvSpPr/>
+          <p:nvPr/>
+        </p:nvSpPr>
+        <p:spPr>
+          <a:xfrm>
+            <a:off x="5930850" y="6257960"/>
+            <a:ext cx="2446695" cy="369332"/>
+          </a:xfrm>
+          <a:prstGeom prst="rect">
+            <a:avLst/>
+          </a:prstGeom>
+        </p:spPr>
+        <p:txBody>
+          <a:bodyPr wrap="none">
+            <a:spAutoFit/>
+          </a:bodyPr>
+          <a:lstStyle/>
+          <a:p>
+            <a:r>
+              <a:rPr lang="ru-RU" b="1" dirty="0">
+                <a:solidFill>
+                  <a:srgbClr val="0070C0"/>
+                </a:solidFill>
+              </a:rPr>
+              <a:t>instagram.com/</a:t>
+            </a:r>
+            <a:r>
+              <a:rPr lang="ru-RU" b="1" dirty="0" err="1">
+                <a:solidFill>
+                  <a:srgbClr val="0070C0"/>
+                </a:solidFill>
+              </a:rPr>
+              <a:t>kip_fin</a:t>
+            </a:r>
+            <a:r>
+              <a:rPr lang="ru-RU" dirty="0">
+                <a:solidFill>
+                  <a:srgbClr val="0070C0"/>
+                </a:solidFill>
+              </a:rPr>
+              <a:t>/</a:t>
+            </a:r>
+          </a:p>
+        </p:txBody>
+      </p:sp>
+      <p:pic>
+        <p:nvPicPr>
+          <p:cNvPr id="6152" name="Picture 8" descr="http://qrcoder.ru/code/?https%3A%2F%2Fwww.instagram.com%2Fkip_fin%2F&amp;4&amp;0"/>
+          <p:cNvPicPr>
+            <a:picLocks noChangeAspect="1" noChangeArrowheads="1"/>
+          </p:cNvPicPr>
+          <p:nvPr/>
+        </p:nvPicPr>
+        <p:blipFill>
+          <a:blip r:embed="rId5">
+            <a:extLst>
+              <a:ext uri="{28A0092B-C50C-407E-A947-70E740481C1C}">
+                <a14:useLocalDpi xmlns:a14="http://schemas.microsoft.com/office/drawing/2010/main" val="0"/>
+              </a:ext>
+            </a:extLst>
+          </a:blip>
+          <a:srcRect/>
+          <a:stretch>
+            <a:fillRect/>
+          </a:stretch>
+        </p:blipFill>
+        <p:spPr bwMode="auto">
+          <a:xfrm>
+            <a:off x="6507799" y="5009803"/>
+            <a:ext cx="1284268" cy="1284268"/>
+          </a:xfrm>
+          <a:prstGeom prst="rect">
+            <a:avLst/>
+          </a:prstGeom>
+          <a:noFill/>
+          <a:ln>
+            <a:solidFill>
+              <a:srgbClr val="0070C0"/>
+            </a:solidFill>
+          </a:ln>
+          <a:extLst>
+            <a:ext uri="{909E8E84-426E-40DD-AFC4-6F175D3DCCD1}">
+              <a14:hiddenFill xmlns:a14="http://schemas.microsoft.com/office/drawing/2010/main">
+                <a:solidFill>
+                  <a:srgbClr val="FFFFFF"/>
+                </a:solidFill>
+              </a14:hiddenFill>
+            </a:ext>
+          </a:extLst>
+        </p:spPr>
+      </p:pic>
+      <p:sp>
+        <p:nvSpPr>
+          <p:cNvPr id="12" name="Заголовок 1"/>
+          <p:cNvSpPr txBox="1">
+            <a:spLocks/>
+          </p:cNvSpPr>
+          <p:nvPr/>
+        </p:nvSpPr>
+        <p:spPr>
+          <a:xfrm>
+            <a:off x="838200" y="2943326"/>
+            <a:ext cx="10515600" cy="1325563"/>
+          </a:xfrm>
+          <a:prstGeom prst="rect">
+            <a:avLst/>
+          </a:prstGeom>
+        </p:spPr>
+        <p:txBody>
+          <a:bodyPr vert="horz" lIns="91440" tIns="45720" rIns="91440" bIns="45720" rtlCol="0" anchor="ctr">
+            <a:normAutofit/>
+          </a:bodyPr>
+          <a:lstStyle>
+            <a:lvl1pPr algn="l" defTabSz="914400" rtl="0" eaLnBrk="1" latinLnBrk="0" hangingPunct="1">
+              <a:lnSpc>
+                <a:spcPct val="90000"/>
+              </a:lnSpc>
+              <a:spcBef>
+                <a:spcPct val="0"/>
+              </a:spcBef>
+              <a:buNone/>
+              <a:defRPr sz="4400" kern="1200">
+                <a:solidFill>
+                  <a:schemeClr val="tx1"/>
+                </a:solidFill>
+                <a:latin typeface="+mj-lt"/>
+                <a:ea typeface="+mj-ea"/>
+                <a:cs typeface="+mj-cs"/>
+              </a:defRPr>
+            </a:lvl1pPr>
+          </a:lstStyle>
+          <a:p>
+            <a:pPr algn="ctr"/>
+            <a:r>
+              <a:rPr lang="ru-RU" sz="3200" b="1" dirty="0" smtClean="0">
+                <a:solidFill>
+                  <a:srgbClr val="0070C0"/>
+                </a:solidFill>
+              </a:rPr>
+              <a:t>Вопросы по тематике мастер-класса:</a:t>
+            </a:r>
+          </a:p>
+          <a:p>
+            <a:pPr algn="ctr"/>
+            <a:r>
+              <a:rPr lang="en-US" sz="3200" dirty="0">
+                <a:solidFill>
+                  <a:srgbClr val="0070C0"/>
+                </a:solidFill>
+              </a:rPr>
+              <a:t>IVSibirev@fa.ru </a:t>
+            </a:r>
+            <a:r>
+              <a:rPr lang="en-US" sz="3200" dirty="0" smtClean="0">
+                <a:solidFill>
+                  <a:srgbClr val="0070C0"/>
+                </a:solidFill>
+              </a:rPr>
+              <a:t>– </a:t>
+            </a:r>
+            <a:r>
+              <a:rPr lang="ru-RU" sz="3200" b="1" dirty="0" err="1">
+                <a:solidFill>
+                  <a:schemeClr val="accent1">
+                    <a:lumMod val="75000"/>
+                  </a:schemeClr>
+                </a:solidFill>
+              </a:rPr>
+              <a:t>Сибирев</a:t>
+            </a:r>
+            <a:r>
+              <a:rPr lang="ru-RU" sz="3200" b="1" dirty="0">
+                <a:solidFill>
+                  <a:schemeClr val="accent1">
+                    <a:lumMod val="75000"/>
+                  </a:schemeClr>
+                </a:solidFill>
+              </a:rPr>
+              <a:t> </a:t>
+            </a:r>
+            <a:r>
+              <a:rPr lang="ru-RU" sz="3200" b="1" dirty="0" smtClean="0">
+                <a:solidFill>
+                  <a:schemeClr val="accent1">
+                    <a:lumMod val="75000"/>
+                  </a:schemeClr>
+                </a:solidFill>
+              </a:rPr>
+              <a:t>Иван Валерьевич </a:t>
+            </a:r>
+            <a:endParaRPr lang="ru-RU" sz="3200" dirty="0">
+              <a:solidFill>
+                <a:srgbClr val="0070C0"/>
+              </a:solidFill>
+            </a:endParaRPr>
+          </a:p>
+        </p:txBody>
+      </p:sp>
+      <p:pic>
+        <p:nvPicPr>
+          <p:cNvPr id="13" name="Рисунок 12" descr="Лого КИПФИН_ВЕКТОР_1.png"/>
+          <p:cNvPicPr/>
+          <p:nvPr/>
+        </p:nvPicPr>
+        <p:blipFill>
+          <a:blip r:embed="rId6" cstate="print"/>
+          <a:stretch>
+            <a:fillRect/>
+          </a:stretch>
+        </p:blipFill>
+        <p:spPr>
+          <a:xfrm>
+            <a:off x="111556" y="139501"/>
+            <a:ext cx="2663562" cy="1866169"/>
+          </a:xfrm>
+          <a:prstGeom prst="rect">
+            <a:avLst/>
+          </a:prstGeom>
+        </p:spPr>
+      </p:pic>
+    </p:spTree>
+    <p:extLst>
+      <p:ext uri="{BB962C8B-B14F-4D97-AF65-F5344CB8AC3E}">
+        <p14:creationId xmlns:p14="http://schemas.microsoft.com/office/powerpoint/2010/main" val="634090944"/>
       </p:ext>
     </p:extLst>
   </p:cSld>
@@ -9476,10 +13166,6 @@
             <a:r>
               <a:rPr lang="ru-RU" sz="2400" dirty="0" smtClean="0"/>
               <a:t>  </a:t>
-            </a:r>
-            <a:r>
-              <a:rPr lang="ru-RU" sz="2400" dirty="0" smtClean="0"/>
-              <a:t/>
             </a:r>
             <a:br>
               <a:rPr lang="ru-RU" sz="2400" dirty="0" smtClean="0"/>
@@ -11506,7 +15192,6 @@
               <a:rPr lang="en-US" sz="2400" dirty="0" smtClean="0"/>
               <a:t>)</a:t>
             </a:r>
-            <a:endParaRPr lang="en-US" sz="2400" dirty="0" smtClean="0"/>
           </a:p>
           <a:p>
             <a:pPr marL="342900" indent="-342900">
@@ -11524,7 +15209,6 @@
               <a:rPr lang="ru-RU" sz="2400" dirty="0" smtClean="0"/>
               <a:t>Исправить программный код</a:t>
             </a:r>
-            <a:endParaRPr lang="ru-RU" sz="2400" dirty="0" smtClean="0"/>
           </a:p>
           <a:p>
             <a:pPr marL="342900" indent="-342900">
@@ -11727,14 +15411,14 @@
               <a:buChar char="•"/>
             </a:pPr>
             <a:r>
-              <a:rPr lang="en-US" sz="2400" dirty="0" smtClean="0"/>
+              <a:rPr lang="en-US" sz="2000" dirty="0" smtClean="0"/>
               <a:t>Echo</a:t>
             </a:r>
             <a:r>
-              <a:rPr lang="ru-RU" sz="2400" dirty="0" smtClean="0"/>
+              <a:rPr lang="ru-RU" sz="2000" dirty="0" smtClean="0"/>
               <a:t>. – вывод на экран пустой строки</a:t>
             </a:r>
-            <a:endParaRPr lang="en-US" sz="2400" dirty="0" smtClean="0"/>
+            <a:endParaRPr lang="en-US" sz="2000" dirty="0" smtClean="0"/>
           </a:p>
           <a:p>
             <a:pPr marL="342900" indent="-342900">
@@ -11742,11 +15426,11 @@
               <a:buChar char="•"/>
             </a:pPr>
             <a:r>
-              <a:rPr lang="en-US" sz="2400" dirty="0" smtClean="0"/>
+              <a:rPr lang="en-US" sz="2000" dirty="0" smtClean="0"/>
               <a:t>Echo </a:t>
             </a:r>
             <a:r>
-              <a:rPr lang="ru-RU" sz="2400" dirty="0" smtClean="0"/>
+              <a:rPr lang="ru-RU" sz="2000" dirty="0" smtClean="0"/>
               <a:t>Привет мир – вывод на экран привет мир</a:t>
             </a:r>
           </a:p>
@@ -11756,42 +15440,42 @@
               <a:buChar char="•"/>
             </a:pPr>
             <a:r>
-              <a:rPr lang="en-US" sz="2400" dirty="0"/>
+              <a:rPr lang="en-US" sz="2000" dirty="0"/>
               <a:t>Echo </a:t>
             </a:r>
             <a:r>
-              <a:rPr lang="en-US" sz="2400" dirty="0" smtClean="0"/>
+              <a:rPr lang="en-US" sz="2000" dirty="0" smtClean="0"/>
               <a:t>“</a:t>
             </a:r>
             <a:r>
-              <a:rPr lang="ru-RU" sz="2400" dirty="0" smtClean="0"/>
+              <a:rPr lang="ru-RU" sz="2000" dirty="0" smtClean="0"/>
               <a:t>Привет мир</a:t>
             </a:r>
             <a:r>
-              <a:rPr lang="en-US" sz="2400" dirty="0" smtClean="0"/>
+              <a:rPr lang="en-US" sz="2000" dirty="0" smtClean="0"/>
               <a:t>”</a:t>
             </a:r>
             <a:r>
-              <a:rPr lang="ru-RU" sz="2400" dirty="0" smtClean="0"/>
+              <a:rPr lang="ru-RU" sz="2000" dirty="0" smtClean="0"/>
               <a:t> </a:t>
             </a:r>
             <a:r>
-              <a:rPr lang="ru-RU" sz="2400" dirty="0"/>
+              <a:rPr lang="ru-RU" sz="2000" dirty="0"/>
               <a:t>– вывод на экран привет </a:t>
             </a:r>
             <a:r>
-              <a:rPr lang="ru-RU" sz="2400" dirty="0" smtClean="0"/>
+              <a:rPr lang="ru-RU" sz="2000" dirty="0" smtClean="0"/>
               <a:t>мир</a:t>
             </a:r>
             <a:r>
-              <a:rPr lang="en-US" sz="2400" dirty="0" smtClean="0"/>
+              <a:rPr lang="en-US" sz="2000" dirty="0" smtClean="0"/>
               <a:t> </a:t>
             </a:r>
             <a:r>
-              <a:rPr lang="ru-RU" sz="2400" dirty="0" smtClean="0"/>
+              <a:rPr lang="ru-RU" sz="2000" dirty="0" smtClean="0"/>
               <a:t>в кавычках</a:t>
             </a:r>
-            <a:endParaRPr lang="en-US" sz="2400" dirty="0" smtClean="0"/>
+            <a:endParaRPr lang="en-US" sz="2000" dirty="0" smtClean="0"/>
           </a:p>
           <a:p>
             <a:pPr marL="342900" indent="-342900">
@@ -11799,15 +15483,15 @@
               <a:buChar char="•"/>
             </a:pPr>
             <a:r>
-              <a:rPr lang="en-US" sz="2400" dirty="0"/>
+              <a:rPr lang="en-US" sz="2000" dirty="0"/>
               <a:t>@echo </a:t>
             </a:r>
             <a:r>
-              <a:rPr lang="en-US" sz="2400" dirty="0" smtClean="0"/>
+              <a:rPr lang="en-US" sz="2000" dirty="0" smtClean="0"/>
               <a:t>off – </a:t>
             </a:r>
             <a:r>
-              <a:rPr lang="ru-RU" sz="2400" dirty="0" smtClean="0"/>
+              <a:rPr lang="ru-RU" sz="2000" dirty="0" smtClean="0"/>
               <a:t>отключение вывода на экран, программного кода перед исполнением</a:t>
             </a:r>
           </a:p>
@@ -11817,43 +15501,43 @@
               <a:buChar char="•"/>
             </a:pPr>
             <a:r>
-              <a:rPr lang="en-US" sz="2400" dirty="0" smtClean="0"/>
+              <a:rPr lang="en-US" sz="2000" dirty="0" smtClean="0"/>
               <a:t>Echo</a:t>
             </a:r>
             <a:r>
-              <a:rPr lang="ru-RU" sz="2400" dirty="0" smtClean="0"/>
+              <a:rPr lang="ru-RU" sz="2000" dirty="0" smtClean="0"/>
               <a:t> %</a:t>
             </a:r>
             <a:r>
-              <a:rPr lang="en-US" sz="2400" dirty="0" smtClean="0"/>
+              <a:rPr lang="en-US" sz="2000" dirty="0" smtClean="0"/>
               <a:t>cd</a:t>
             </a:r>
             <a:r>
-              <a:rPr lang="ru-RU" sz="2400" dirty="0" smtClean="0"/>
+              <a:rPr lang="ru-RU" sz="2000" dirty="0" smtClean="0"/>
               <a:t>%</a:t>
             </a:r>
             <a:r>
-              <a:rPr lang="en-US" sz="2400" dirty="0" smtClean="0"/>
+              <a:rPr lang="en-US" sz="2000" dirty="0" smtClean="0"/>
               <a:t> - </a:t>
             </a:r>
             <a:r>
-              <a:rPr lang="ru-RU" sz="2400" dirty="0" smtClean="0"/>
+              <a:rPr lang="ru-RU" sz="2000" dirty="0" smtClean="0"/>
               <a:t>вывод на экран целевой директории</a:t>
             </a:r>
             <a:r>
-              <a:rPr lang="en-US" sz="2400" dirty="0" smtClean="0"/>
+              <a:rPr lang="en-US" sz="2000" dirty="0" smtClean="0"/>
               <a:t> (</a:t>
             </a:r>
             <a:r>
-              <a:rPr lang="ru-RU" sz="2400" dirty="0" smtClean="0"/>
+              <a:rPr lang="ru-RU" sz="2000" dirty="0" smtClean="0"/>
               <a:t>текущей папки</a:t>
             </a:r>
             <a:r>
-              <a:rPr lang="en-US" sz="2400" dirty="0" smtClean="0"/>
+              <a:rPr lang="en-US" sz="2000" dirty="0" smtClean="0"/>
               <a:t>)</a:t>
             </a:r>
             <a:r>
-              <a:rPr lang="ru-RU" sz="2400" dirty="0" smtClean="0"/>
+              <a:rPr lang="ru-RU" sz="2000" dirty="0" smtClean="0"/>
               <a:t>.</a:t>
             </a:r>
           </a:p>
@@ -11863,59 +15547,59 @@
               <a:buChar char="•"/>
             </a:pPr>
             <a:r>
-              <a:rPr lang="en-US" sz="2400" dirty="0"/>
+              <a:rPr lang="en-US" sz="2000" dirty="0"/>
               <a:t>Cd C:\</a:t>
             </a:r>
             <a:r>
-              <a:rPr lang="en-US" sz="2400" dirty="0" smtClean="0"/>
+              <a:rPr lang="en-US" sz="2000" dirty="0" smtClean="0"/>
               <a:t>D</a:t>
             </a:r>
             <a:r>
-              <a:rPr lang="ru-RU" sz="2400" dirty="0" smtClean="0"/>
+              <a:rPr lang="ru-RU" sz="2000" dirty="0" smtClean="0"/>
               <a:t> – переход в папку </a:t>
             </a:r>
             <a:r>
-              <a:rPr lang="en-US" sz="2400" dirty="0" smtClean="0"/>
+              <a:rPr lang="en-US" sz="2000" dirty="0" smtClean="0"/>
               <a:t>D</a:t>
             </a:r>
             <a:r>
-              <a:rPr lang="ru-RU" sz="2400" dirty="0" smtClean="0"/>
+              <a:rPr lang="ru-RU" sz="2000" dirty="0" smtClean="0"/>
               <a:t> на диске </a:t>
             </a:r>
             <a:r>
-              <a:rPr lang="en-US" sz="2400" dirty="0" smtClean="0"/>
+              <a:rPr lang="en-US" sz="2000" dirty="0" smtClean="0"/>
               <a:t>C</a:t>
             </a:r>
             <a:r>
-              <a:rPr lang="ru-RU" sz="2400" dirty="0" smtClean="0"/>
+              <a:rPr lang="ru-RU" sz="2000" dirty="0" smtClean="0"/>
               <a:t>. Теперь </a:t>
             </a:r>
             <a:r>
-              <a:rPr lang="en-US" sz="2400" dirty="0"/>
+              <a:rPr lang="en-US" sz="2000" dirty="0"/>
               <a:t>Echo</a:t>
             </a:r>
             <a:r>
-              <a:rPr lang="ru-RU" sz="2400" dirty="0"/>
+              <a:rPr lang="ru-RU" sz="2000" dirty="0"/>
               <a:t> %</a:t>
             </a:r>
             <a:r>
-              <a:rPr lang="en-US" sz="2400" dirty="0"/>
+              <a:rPr lang="en-US" sz="2000" dirty="0"/>
               <a:t>cd</a:t>
             </a:r>
             <a:r>
-              <a:rPr lang="ru-RU" sz="2400" dirty="0" smtClean="0"/>
+              <a:rPr lang="ru-RU" sz="2000" dirty="0" smtClean="0"/>
               <a:t>% будет выводить </a:t>
             </a:r>
             <a:r>
-              <a:rPr lang="en-US" sz="2400" dirty="0" smtClean="0"/>
+              <a:rPr lang="en-US" sz="2000" dirty="0" smtClean="0"/>
               <a:t>“</a:t>
             </a:r>
             <a:r>
-              <a:rPr lang="en-US" sz="2400" dirty="0"/>
+              <a:rPr lang="en-US" sz="2000" dirty="0"/>
               <a:t>C:\D</a:t>
             </a:r>
             <a:r>
-              <a:rPr lang="en-US" sz="2400" dirty="0" smtClean="0"/>
+              <a:rPr lang="en-US" sz="2000" dirty="0" smtClean="0"/>
               <a:t>”</a:t>
             </a:r>
           </a:p>
@@ -11925,40 +15609,36 @@
               <a:buChar char="•"/>
             </a:pPr>
             <a:r>
-              <a:rPr lang="en-US" sz="2400" dirty="0"/>
+              <a:rPr lang="en-US" sz="2000" dirty="0"/>
               <a:t>Cd “C:\D\</a:t>
             </a:r>
             <a:r>
-              <a:rPr lang="ru-RU" sz="2400" dirty="0"/>
+              <a:rPr lang="ru-RU" sz="2000" dirty="0"/>
               <a:t>Рабочий стол</a:t>
             </a:r>
             <a:r>
-              <a:rPr lang="en-US" sz="2400" dirty="0" smtClean="0"/>
+              <a:rPr lang="en-US" sz="2000" dirty="0" smtClean="0"/>
               <a:t>”</a:t>
             </a:r>
             <a:r>
-              <a:rPr lang="ru-RU" sz="2400" dirty="0" smtClean="0"/>
+              <a:rPr lang="ru-RU" sz="2000" dirty="0" smtClean="0"/>
               <a:t> </a:t>
             </a:r>
             <a:r>
-              <a:rPr lang="ru-RU" sz="2400" dirty="0"/>
+              <a:rPr lang="ru-RU" sz="2000" dirty="0"/>
               <a:t>– переход в </a:t>
             </a:r>
             <a:r>
-              <a:rPr lang="ru-RU" sz="2400" dirty="0" smtClean="0"/>
+              <a:rPr lang="ru-RU" sz="2000" dirty="0" smtClean="0"/>
               <a:t>папку</a:t>
             </a:r>
             <a:r>
-              <a:rPr lang="en-US" sz="2400" dirty="0" smtClean="0"/>
+              <a:rPr lang="en-US" sz="2000" dirty="0" smtClean="0"/>
               <a:t> </a:t>
             </a:r>
             <a:r>
-              <a:rPr lang="ru-RU" sz="2400" dirty="0" smtClean="0"/>
-              <a:t>чей путь содержит пробелы</a:t>
-            </a:r>
-            <a:r>
-              <a:rPr lang="ru-RU" sz="2400" dirty="0" smtClean="0"/>
-              <a:t>.</a:t>
+              <a:rPr lang="ru-RU" sz="2000" dirty="0" smtClean="0"/>
+              <a:t>чей путь содержит пробелы.</a:t>
             </a:r>
           </a:p>
           <a:p>
@@ -11967,26 +15647,29 @@
               <a:buChar char="•"/>
             </a:pPr>
             <a:r>
-              <a:rPr lang="en-US" sz="2400" dirty="0"/>
+              <a:rPr lang="en-US" sz="2000" dirty="0"/>
               <a:t>cd %~</a:t>
             </a:r>
             <a:r>
-              <a:rPr lang="en-US" sz="2400" dirty="0" smtClean="0"/>
+              <a:rPr lang="en-US" sz="2000" dirty="0" smtClean="0"/>
               <a:t>dp0</a:t>
             </a:r>
             <a:r>
-              <a:rPr lang="ru-RU" sz="2400" dirty="0" smtClean="0"/>
+              <a:rPr lang="ru-RU" sz="2000" dirty="0" smtClean="0"/>
               <a:t>  - сменить рабочий каталог на каталог запущенного</a:t>
             </a:r>
             <a:r>
-              <a:rPr lang="en-US" sz="2400" dirty="0" smtClean="0"/>
+              <a:rPr lang="en-US" sz="2000" dirty="0" smtClean="0"/>
               <a:t> bat </a:t>
             </a:r>
             <a:r>
-              <a:rPr lang="ru-RU" sz="2400" dirty="0" smtClean="0"/>
-              <a:t>файла, и так далее.</a:t>
-            </a:r>
-            <a:endParaRPr lang="ru-RU" sz="2400" dirty="0" smtClean="0"/>
+              <a:rPr lang="ru-RU" sz="2000" dirty="0" smtClean="0"/>
+              <a:t>файла, и так далее</a:t>
+            </a:r>
+            <a:r>
+              <a:rPr lang="ru-RU" sz="2000" dirty="0" smtClean="0"/>
+              <a:t>.</a:t>
+            </a:r>
           </a:p>
           <a:p>
             <a:pPr marL="342900" indent="-342900">
@@ -11994,12 +15677,16 @@
               <a:buChar char="•"/>
             </a:pPr>
             <a:r>
-              <a:rPr lang="en-US" sz="2400" dirty="0" smtClean="0"/>
-              <a:t>Set – </a:t>
-            </a:r>
-            <a:r>
-              <a:rPr lang="ru-RU" sz="2400" dirty="0" smtClean="0"/>
-              <a:t>вывод всех глобальных переменных на экран.</a:t>
+              <a:rPr lang="en-US" sz="2000" dirty="0"/>
+              <a:t>CD </a:t>
+            </a:r>
+            <a:r>
+              <a:rPr lang="en-US" sz="2000" dirty="0" smtClean="0"/>
+              <a:t>..\</a:t>
+            </a:r>
+            <a:r>
+              <a:rPr lang="ru-RU" sz="2000" dirty="0" smtClean="0"/>
+              <a:t> -  подняться на каталог выше</a:t>
             </a:r>
           </a:p>
           <a:p>
@@ -12008,33 +15695,38 @@
               <a:buChar char="•"/>
             </a:pPr>
             <a:r>
-              <a:rPr lang="en-US" sz="2400" dirty="0" smtClean="0"/>
-              <a:t>Set</a:t>
-            </a:r>
-            <a:r>
-              <a:rPr lang="ru-RU" sz="2400" dirty="0" smtClean="0"/>
+              <a:rPr lang="en-US" sz="2000" dirty="0" smtClean="0"/>
+              <a:t>CD</a:t>
+            </a:r>
+            <a:r>
+              <a:rPr lang="ru-RU" sz="2000" dirty="0" smtClean="0"/>
               <a:t> </a:t>
             </a:r>
             <a:r>
-              <a:rPr lang="en-US" sz="2400" dirty="0" smtClean="0"/>
-              <a:t>b=</a:t>
-            </a:r>
-            <a:r>
-              <a:rPr lang="ru-RU" sz="2400" dirty="0" smtClean="0"/>
-              <a:t>Привет мир</a:t>
-            </a:r>
-            <a:r>
-              <a:rPr lang="en-US" sz="2400" dirty="0" smtClean="0"/>
-              <a:t> </a:t>
-            </a:r>
-            <a:r>
-              <a:rPr lang="en-US" sz="2400" dirty="0"/>
-              <a:t>– </a:t>
-            </a:r>
-            <a:r>
-              <a:rPr lang="ru-RU" sz="2400" dirty="0" smtClean="0"/>
-              <a:t>создание переменной, все переменные глобальные!!!</a:t>
-            </a:r>
+              <a:rPr lang="en-US" sz="2000" dirty="0" smtClean="0"/>
+              <a:t>/? – </a:t>
+            </a:r>
+            <a:r>
+              <a:rPr lang="ru-RU" sz="2000" dirty="0" smtClean="0"/>
+              <a:t>получить системный </a:t>
+            </a:r>
+            <a:r>
+              <a:rPr lang="en-US" sz="2000" dirty="0" smtClean="0"/>
+              <a:t>Help</a:t>
+            </a:r>
+            <a:r>
+              <a:rPr lang="ru-RU" sz="2000" dirty="0" smtClean="0"/>
+              <a:t> по команде по ключу </a:t>
+            </a:r>
+            <a:r>
+              <a:rPr lang="en-US" sz="2000" dirty="0" smtClean="0"/>
+              <a:t>“/?”</a:t>
+            </a:r>
+            <a:r>
+              <a:rPr lang="ru-RU" sz="2000" dirty="0" smtClean="0"/>
+              <a:t>.</a:t>
+            </a:r>
+            <a:endParaRPr lang="ru-RU" sz="2000" dirty="0" smtClean="0"/>
           </a:p>
           <a:p>
             <a:pPr marL="342900" indent="-342900">
@@ -12042,32 +15734,12 @@
               <a:buChar char="•"/>
             </a:pPr>
             <a:r>
-              <a:rPr lang="en-US" sz="2400" dirty="0"/>
-              <a:t>Set</a:t>
-            </a:r>
-            <a:r>
-              <a:rPr lang="ru-RU" sz="2400" dirty="0"/>
-              <a:t> </a:t>
-            </a:r>
-            <a:r>
-              <a:rPr lang="en-US" sz="2400" dirty="0" smtClean="0"/>
-              <a:t>b=</a:t>
-            </a:r>
-            <a:r>
-              <a:rPr lang="ru-RU" sz="2400" dirty="0" smtClean="0"/>
-              <a:t>                      </a:t>
-            </a:r>
-            <a:r>
-              <a:rPr lang="en-US" sz="2400" dirty="0" smtClean="0"/>
-              <a:t> </a:t>
-            </a:r>
-            <a:r>
-              <a:rPr lang="en-US" sz="2400" dirty="0"/>
-              <a:t>– </a:t>
-            </a:r>
-            <a:r>
-              <a:rPr lang="ru-RU" sz="2400" dirty="0" smtClean="0"/>
-              <a:t>уничтожение переменной</a:t>
+              <a:rPr lang="en-US" sz="2000" dirty="0" smtClean="0"/>
+              <a:t>Set – </a:t>
+            </a:r>
+            <a:r>
+              <a:rPr lang="ru-RU" sz="2000" dirty="0" smtClean="0"/>
+              <a:t>вывод всех глобальных переменных на экран.</a:t>
             </a:r>
           </a:p>
           <a:p>
@@ -12076,30 +15748,33 @@
               <a:buChar char="•"/>
             </a:pPr>
             <a:r>
-              <a:rPr lang="en-US" sz="2400" dirty="0"/>
-              <a:t>Echo</a:t>
-            </a:r>
-            <a:r>
-              <a:rPr lang="ru-RU" sz="2400" dirty="0"/>
-              <a:t> %</a:t>
-            </a:r>
-            <a:r>
-              <a:rPr lang="en-US" sz="2400" dirty="0"/>
-              <a:t>b</a:t>
-            </a:r>
-            <a:r>
-              <a:rPr lang="ru-RU" sz="2400" dirty="0"/>
-              <a:t>%</a:t>
-            </a:r>
-            <a:r>
-              <a:rPr lang="en-US" sz="2400" dirty="0"/>
-              <a:t> -</a:t>
-            </a:r>
-            <a:r>
-              <a:rPr lang="ru-RU" sz="2400" dirty="0"/>
-              <a:t> обращение к переменной и вывод на экран её значения.</a:t>
-            </a:r>
-            <a:endParaRPr lang="en-US" sz="2400" dirty="0"/>
+              <a:rPr lang="en-US" sz="2000" dirty="0" smtClean="0"/>
+              <a:t>Set</a:t>
+            </a:r>
+            <a:r>
+              <a:rPr lang="ru-RU" sz="2000" dirty="0" smtClean="0"/>
+              <a:t> </a:t>
+            </a:r>
+            <a:r>
+              <a:rPr lang="en-US" sz="2000" dirty="0" smtClean="0"/>
+              <a:t>b=</a:t>
+            </a:r>
+            <a:r>
+              <a:rPr lang="ru-RU" sz="2000" dirty="0" smtClean="0"/>
+              <a:t>Привет мир</a:t>
+            </a:r>
+            <a:r>
+              <a:rPr lang="en-US" sz="2000" dirty="0" smtClean="0"/>
+              <a:t> </a:t>
+            </a:r>
+            <a:r>
+              <a:rPr lang="en-US" sz="2000" dirty="0"/>
+              <a:t>– </a:t>
+            </a:r>
+            <a:r>
+              <a:rPr lang="ru-RU" sz="2000" dirty="0" smtClean="0"/>
+              <a:t>создание переменной, все переменные глобальные!!!</a:t>
+            </a:r>
           </a:p>
           <a:p>
             <a:pPr marL="342900" indent="-342900">
@@ -12107,32 +15782,32 @@
               <a:buChar char="•"/>
             </a:pPr>
             <a:r>
-              <a:rPr lang="en-US" sz="2400" dirty="0" smtClean="0"/>
-              <a:t>TIMEOUT </a:t>
-            </a:r>
-            <a:r>
-              <a:rPr lang="en-US" sz="2400" dirty="0"/>
-              <a:t>/T </a:t>
-            </a:r>
-            <a:r>
-              <a:rPr lang="en-US" sz="2400" dirty="0" smtClean="0"/>
-              <a:t>10</a:t>
-            </a:r>
-            <a:r>
-              <a:rPr lang="ru-RU" sz="2400" dirty="0" smtClean="0"/>
-              <a:t> – задержка в 10 секунд. </a:t>
-            </a:r>
-            <a:r>
-              <a:rPr lang="en-US" sz="2400" dirty="0"/>
-              <a:t>/</a:t>
-            </a:r>
-            <a:r>
-              <a:rPr lang="en-US" sz="2400" dirty="0" smtClean="0"/>
-              <a:t>T</a:t>
-            </a:r>
-            <a:r>
-              <a:rPr lang="ru-RU" sz="2400" dirty="0" smtClean="0"/>
-              <a:t> – ключ, тоже параметр запуска.</a:t>
+              <a:rPr lang="en-US" sz="2000" dirty="0"/>
+              <a:t>Set</a:t>
+            </a:r>
+            <a:r>
+              <a:rPr lang="ru-RU" sz="2000" dirty="0"/>
+              <a:t> </a:t>
+            </a:r>
+            <a:r>
+              <a:rPr lang="en-US" sz="2000" dirty="0" smtClean="0"/>
+              <a:t>b=</a:t>
+            </a:r>
+            <a:r>
+              <a:rPr lang="ru-RU" sz="2000" dirty="0" smtClean="0"/>
+              <a:t>                      </a:t>
+            </a:r>
+            <a:r>
+              <a:rPr lang="en-US" sz="2000" dirty="0" smtClean="0"/>
+              <a:t> </a:t>
+            </a:r>
+            <a:r>
+              <a:rPr lang="en-US" sz="2000" dirty="0"/>
+              <a:t>– </a:t>
+            </a:r>
+            <a:r>
+              <a:rPr lang="ru-RU" sz="2000" dirty="0" smtClean="0"/>
+              <a:t>уничтожение переменной</a:t>
             </a:r>
           </a:p>
           <a:p>
@@ -12141,17 +15816,30 @@
               <a:buChar char="•"/>
             </a:pPr>
             <a:r>
-              <a:rPr lang="en-US" sz="2400" dirty="0"/>
-              <a:t>Pause – </a:t>
-            </a:r>
-            <a:r>
-              <a:rPr lang="ru-RU" sz="2400" dirty="0"/>
-              <a:t>ожидание нажатия </a:t>
-            </a:r>
-            <a:r>
-              <a:rPr lang="ru-RU" sz="2400" dirty="0" smtClean="0"/>
-              <a:t>клавиши</a:t>
-            </a:r>
+              <a:rPr lang="en-US" sz="2000" dirty="0"/>
+              <a:t>Echo</a:t>
+            </a:r>
+            <a:r>
+              <a:rPr lang="ru-RU" sz="2000" dirty="0"/>
+              <a:t> %</a:t>
+            </a:r>
+            <a:r>
+              <a:rPr lang="en-US" sz="2000" dirty="0"/>
+              <a:t>b</a:t>
+            </a:r>
+            <a:r>
+              <a:rPr lang="ru-RU" sz="2000" dirty="0"/>
+              <a:t>%</a:t>
+            </a:r>
+            <a:r>
+              <a:rPr lang="en-US" sz="2000" dirty="0"/>
+              <a:t> -</a:t>
+            </a:r>
+            <a:r>
+              <a:rPr lang="ru-RU" sz="2000" dirty="0"/>
+              <a:t> обращение к переменной и вывод на экран её значения.</a:t>
+            </a:r>
+            <a:endParaRPr lang="en-US" sz="2000" dirty="0"/>
           </a:p>
           <a:p>
             <a:pPr marL="342900" indent="-342900">
@@ -12159,7 +15847,139 @@
               <a:buChar char="•"/>
             </a:pPr>
             <a:r>
-              <a:rPr lang="ru-RU" sz="2400" dirty="0" smtClean="0"/>
+              <a:rPr lang="en-US" sz="2000" dirty="0" smtClean="0"/>
+              <a:t>TIMEOUT </a:t>
+            </a:r>
+            <a:r>
+              <a:rPr lang="en-US" sz="2000" dirty="0"/>
+              <a:t>/T </a:t>
+            </a:r>
+            <a:r>
+              <a:rPr lang="en-US" sz="2000" dirty="0" smtClean="0"/>
+              <a:t>10</a:t>
+            </a:r>
+            <a:r>
+              <a:rPr lang="ru-RU" sz="2000" dirty="0" smtClean="0"/>
+              <a:t> – задержка в 10 секунд. </a:t>
+            </a:r>
+            <a:r>
+              <a:rPr lang="en-US" sz="2000" dirty="0"/>
+              <a:t>/</a:t>
+            </a:r>
+            <a:r>
+              <a:rPr lang="en-US" sz="2000" dirty="0" smtClean="0"/>
+              <a:t>T</a:t>
+            </a:r>
+            <a:r>
+              <a:rPr lang="ru-RU" sz="2000" dirty="0" smtClean="0"/>
+              <a:t> – ключ, тоже параметр запуска.</a:t>
+            </a:r>
+          </a:p>
+          <a:p>
+            <a:pPr marL="342900" indent="-342900">
+              <a:buFont typeface="Arial" panose="020B0604020202020204" pitchFamily="34" charset="0"/>
+              <a:buChar char="•"/>
+            </a:pPr>
+            <a:r>
+              <a:rPr lang="en-US" sz="2000" dirty="0"/>
+              <a:t>Pause – </a:t>
+            </a:r>
+            <a:r>
+              <a:rPr lang="ru-RU" sz="2000" dirty="0"/>
+              <a:t>ожидание нажатия </a:t>
+            </a:r>
+            <a:r>
+              <a:rPr lang="ru-RU" sz="2000" dirty="0" smtClean="0"/>
+              <a:t>клавиши</a:t>
+            </a:r>
+            <a:endParaRPr lang="en-US" sz="2000" dirty="0" smtClean="0"/>
+          </a:p>
+          <a:p>
+            <a:pPr marL="342900" indent="-342900">
+              <a:buFont typeface="Arial" panose="020B0604020202020204" pitchFamily="34" charset="0"/>
+              <a:buChar char="•"/>
+            </a:pPr>
+            <a:r>
+              <a:rPr lang="en-US" sz="2000" dirty="0" smtClean="0"/>
+              <a:t>Cmd.exe – </a:t>
+            </a:r>
+            <a:r>
+              <a:rPr lang="ru-RU" sz="2000" dirty="0" smtClean="0"/>
+              <a:t>запуск дочерней консоли в том же окне (команды можно вбивать с клавиатуры)</a:t>
+            </a:r>
+          </a:p>
+          <a:p>
+            <a:pPr marL="342900" indent="-342900">
+              <a:buFont typeface="Arial" panose="020B0604020202020204" pitchFamily="34" charset="0"/>
+              <a:buChar char="•"/>
+            </a:pPr>
+            <a:r>
+              <a:rPr lang="en-US" sz="2000" dirty="0" smtClean="0"/>
+              <a:t>Exit – </a:t>
+            </a:r>
+            <a:r>
+              <a:rPr lang="ru-RU" sz="2000" dirty="0" smtClean="0"/>
+              <a:t>выход</a:t>
+            </a:r>
+            <a:r>
+              <a:rPr lang="en-US" sz="2000" dirty="0"/>
+              <a:t>; </a:t>
+            </a:r>
+            <a:endParaRPr lang="ru-RU" sz="2000" dirty="0" smtClean="0"/>
+          </a:p>
+          <a:p>
+            <a:pPr marL="342900" indent="-342900">
+              <a:buFont typeface="Arial" panose="020B0604020202020204" pitchFamily="34" charset="0"/>
+              <a:buChar char="•"/>
+            </a:pPr>
+            <a:r>
+              <a:rPr lang="en-US" sz="2000" dirty="0" smtClean="0"/>
+              <a:t>:</a:t>
+            </a:r>
+            <a:r>
+              <a:rPr lang="en-US" sz="2000" dirty="0" err="1" smtClean="0"/>
+              <a:t>metka</a:t>
+            </a:r>
+            <a:r>
+              <a:rPr lang="en-US" sz="2000" dirty="0" smtClean="0"/>
+              <a:t> – </a:t>
+            </a:r>
+            <a:r>
+              <a:rPr lang="ru-RU" sz="2000" dirty="0" smtClean="0"/>
+              <a:t>метка, ими обозначаются начала функций или позиция для </a:t>
+            </a:r>
+            <a:r>
+              <a:rPr lang="en-US" sz="2000" dirty="0" smtClean="0"/>
+              <a:t>GOTO</a:t>
+            </a:r>
+            <a:endParaRPr lang="ru-RU" sz="2000" dirty="0" smtClean="0"/>
+          </a:p>
+          <a:p>
+            <a:pPr marL="342900" indent="-342900">
+              <a:buFont typeface="Arial" panose="020B0604020202020204" pitchFamily="34" charset="0"/>
+              <a:buChar char="•"/>
+            </a:pPr>
+            <a:r>
+              <a:rPr lang="en-US" sz="2000" dirty="0"/>
+              <a:t>Exit /b – </a:t>
+            </a:r>
+            <a:r>
+              <a:rPr lang="ru-RU" sz="2000" dirty="0"/>
+              <a:t>выход из ближайшего вызова </a:t>
+            </a:r>
+            <a:r>
+              <a:rPr lang="ru-RU" sz="2000" dirty="0" smtClean="0"/>
+              <a:t>функции, то есть конец функции</a:t>
+            </a:r>
+            <a:endParaRPr lang="ru-RU" sz="2000" dirty="0" smtClean="0"/>
+          </a:p>
+          <a:p>
+            <a:pPr marL="342900" indent="-342900">
+              <a:buFont typeface="Arial" panose="020B0604020202020204" pitchFamily="34" charset="0"/>
+              <a:buChar char="•"/>
+            </a:pPr>
+            <a:r>
+              <a:rPr lang="ru-RU" sz="2000" dirty="0" smtClean="0"/>
               <a:t>Подробнее далее</a:t>
             </a:r>
             <a:r>
@@ -12448,7 +16268,7 @@
   <a:extraClrSchemeLst/>
   <a:extLst>
     <a:ext uri="{05A4C25C-085E-4340-85A3-A5531E510DB2}">
-      <thm15:themeFamily xmlns="" xmlns:thm15="http://schemas.microsoft.com/office/thememl/2012/main" name="Office Theme" id="{62F939B6-93AF-4DB8-9C6B-D6C7DFDC589F}" vid="{4A3C46E8-61CC-4603-A589-7422A47A8E4A}"/>
+      <thm15:themeFamily xmlns:thm15="http://schemas.microsoft.com/office/thememl/2012/main" xmlns="" name="Office Theme" id="{62F939B6-93AF-4DB8-9C6B-D6C7DFDC589F}" vid="{4A3C46E8-61CC-4603-A589-7422A47A8E4A}"/>
     </a:ext>
   </a:extLst>
 </a:theme>

--- a/Workshop/WShop.pptx
+++ b/Workshop/WShop.pptx
@@ -5,7 +5,7 @@
     <p:sldMasterId id="2147483648" r:id="rId1"/>
   </p:sldMasterIdLst>
   <p:notesMasterIdLst>
-    <p:notesMasterId r:id="rId32"/>
+    <p:notesMasterId r:id="rId31"/>
   </p:notesMasterIdLst>
   <p:sldIdLst>
     <p:sldId id="256" r:id="rId2"/>
@@ -36,8 +36,7 @@
     <p:sldId id="297" r:id="rId27"/>
     <p:sldId id="298" r:id="rId28"/>
     <p:sldId id="299" r:id="rId29"/>
-    <p:sldId id="300" r:id="rId30"/>
-    <p:sldId id="268" r:id="rId31"/>
+    <p:sldId id="268" r:id="rId30"/>
   </p:sldIdLst>
   <p:sldSz cx="12192000" cy="6858000"/>
   <p:notesSz cx="6858000" cy="9144000"/>
@@ -226,7 +225,7 @@
           <a:p>
             <a:fld id="{35E98AF2-64CC-40AD-96B7-2086DB578CF8}" type="datetimeFigureOut">
               <a:rPr lang="ru-RU" smtClean="0"/>
-              <a:t>20.04.2022</a:t>
+              <a:t>21.04.2022</a:t>
             </a:fld>
             <a:endParaRPr lang="ru-RU"/>
           </a:p>
@@ -625,7 +624,7 @@
           <a:p>
             <a:fld id="{BBB56E0C-C93E-4EBA-8A83-77DB4845CCA0}" type="datetimeFigureOut">
               <a:rPr lang="ru-RU" smtClean="0"/>
-              <a:t>20.04.2022</a:t>
+              <a:t>21.04.2022</a:t>
             </a:fld>
             <a:endParaRPr lang="ru-RU"/>
           </a:p>
@@ -795,7 +794,7 @@
           <a:p>
             <a:fld id="{BBB56E0C-C93E-4EBA-8A83-77DB4845CCA0}" type="datetimeFigureOut">
               <a:rPr lang="ru-RU" smtClean="0"/>
-              <a:t>20.04.2022</a:t>
+              <a:t>21.04.2022</a:t>
             </a:fld>
             <a:endParaRPr lang="ru-RU"/>
           </a:p>
@@ -975,7 +974,7 @@
           <a:p>
             <a:fld id="{BBB56E0C-C93E-4EBA-8A83-77DB4845CCA0}" type="datetimeFigureOut">
               <a:rPr lang="ru-RU" smtClean="0"/>
-              <a:t>20.04.2022</a:t>
+              <a:t>21.04.2022</a:t>
             </a:fld>
             <a:endParaRPr lang="ru-RU"/>
           </a:p>
@@ -1145,7 +1144,7 @@
           <a:p>
             <a:fld id="{BBB56E0C-C93E-4EBA-8A83-77DB4845CCA0}" type="datetimeFigureOut">
               <a:rPr lang="ru-RU" smtClean="0"/>
-              <a:t>20.04.2022</a:t>
+              <a:t>21.04.2022</a:t>
             </a:fld>
             <a:endParaRPr lang="ru-RU"/>
           </a:p>
@@ -1391,7 +1390,7 @@
           <a:p>
             <a:fld id="{BBB56E0C-C93E-4EBA-8A83-77DB4845CCA0}" type="datetimeFigureOut">
               <a:rPr lang="ru-RU" smtClean="0"/>
-              <a:t>20.04.2022</a:t>
+              <a:t>21.04.2022</a:t>
             </a:fld>
             <a:endParaRPr lang="ru-RU"/>
           </a:p>
@@ -1623,7 +1622,7 @@
           <a:p>
             <a:fld id="{BBB56E0C-C93E-4EBA-8A83-77DB4845CCA0}" type="datetimeFigureOut">
               <a:rPr lang="ru-RU" smtClean="0"/>
-              <a:t>20.04.2022</a:t>
+              <a:t>21.04.2022</a:t>
             </a:fld>
             <a:endParaRPr lang="ru-RU"/>
           </a:p>
@@ -1990,7 +1989,7 @@
           <a:p>
             <a:fld id="{BBB56E0C-C93E-4EBA-8A83-77DB4845CCA0}" type="datetimeFigureOut">
               <a:rPr lang="ru-RU" smtClean="0"/>
-              <a:t>20.04.2022</a:t>
+              <a:t>21.04.2022</a:t>
             </a:fld>
             <a:endParaRPr lang="ru-RU"/>
           </a:p>
@@ -2108,7 +2107,7 @@
           <a:p>
             <a:fld id="{BBB56E0C-C93E-4EBA-8A83-77DB4845CCA0}" type="datetimeFigureOut">
               <a:rPr lang="ru-RU" smtClean="0"/>
-              <a:t>20.04.2022</a:t>
+              <a:t>21.04.2022</a:t>
             </a:fld>
             <a:endParaRPr lang="ru-RU"/>
           </a:p>
@@ -2203,7 +2202,7 @@
           <a:p>
             <a:fld id="{BBB56E0C-C93E-4EBA-8A83-77DB4845CCA0}" type="datetimeFigureOut">
               <a:rPr lang="ru-RU" smtClean="0"/>
-              <a:t>20.04.2022</a:t>
+              <a:t>21.04.2022</a:t>
             </a:fld>
             <a:endParaRPr lang="ru-RU"/>
           </a:p>
@@ -2480,7 +2479,7 @@
           <a:p>
             <a:fld id="{BBB56E0C-C93E-4EBA-8A83-77DB4845CCA0}" type="datetimeFigureOut">
               <a:rPr lang="ru-RU" smtClean="0"/>
-              <a:t>20.04.2022</a:t>
+              <a:t>21.04.2022</a:t>
             </a:fld>
             <a:endParaRPr lang="ru-RU"/>
           </a:p>
@@ -2733,7 +2732,7 @@
           <a:p>
             <a:fld id="{BBB56E0C-C93E-4EBA-8A83-77DB4845CCA0}" type="datetimeFigureOut">
               <a:rPr lang="ru-RU" smtClean="0"/>
-              <a:t>20.04.2022</a:t>
+              <a:t>21.04.2022</a:t>
             </a:fld>
             <a:endParaRPr lang="ru-RU"/>
           </a:p>
@@ -2946,7 +2945,7 @@
           <a:p>
             <a:fld id="{BBB56E0C-C93E-4EBA-8A83-77DB4845CCA0}" type="datetimeFigureOut">
               <a:rPr lang="ru-RU" smtClean="0"/>
-              <a:t>20.04.2022</a:t>
+              <a:t>21.04.2022</a:t>
             </a:fld>
             <a:endParaRPr lang="ru-RU"/>
           </a:p>
@@ -3363,7 +3362,7 @@
         </p:nvSpPr>
         <p:spPr>
           <a:xfrm>
-            <a:off x="1718554" y="2500012"/>
+            <a:off x="1718554" y="1867692"/>
             <a:ext cx="9144000" cy="679214"/>
           </a:xfrm>
         </p:spPr>
@@ -3380,7 +3379,51 @@
                 </a:solidFill>
                 <a:latin typeface="+mn-lt"/>
               </a:rPr>
-              <a:t>Добро пожаловать</a:t>
+              <a:t>Добро пожаловать </a:t>
+            </a:r>
+            <a:r>
+              <a:rPr lang="ru-RU" sz="3700" b="1" dirty="0" smtClean="0">
+                <a:solidFill>
+                  <a:srgbClr val="C20282"/>
+                </a:solidFill>
+                <a:latin typeface="Calibri"/>
+                <a:ea typeface="+mn-ea"/>
+                <a:cs typeface="+mn-cs"/>
+              </a:rPr>
+              <a:t> </a:t>
+            </a:r>
+            <a:r>
+              <a:rPr lang="ru-RU" sz="4400" b="1" dirty="0" smtClean="0">
+                <a:solidFill>
+                  <a:srgbClr val="0070C0"/>
+                </a:solidFill>
+                <a:latin typeface="Calibri"/>
+                <a:ea typeface="+mn-ea"/>
+                <a:cs typeface="+mn-cs"/>
+              </a:rPr>
+              <a:t>на   </a:t>
+            </a:r>
+            <a:r>
+              <a:rPr lang="en-US" sz="4400" b="1" dirty="0" err="1" smtClean="0">
+                <a:solidFill>
+                  <a:srgbClr val="0070C0"/>
+                </a:solidFill>
+                <a:latin typeface="Calibri"/>
+                <a:ea typeface="+mn-ea"/>
+                <a:cs typeface="+mn-cs"/>
+              </a:rPr>
+              <a:t>WorkShop</a:t>
+            </a:r>
+            <a:r>
+              <a:rPr lang="en-US" sz="4400" b="1" dirty="0" smtClean="0">
+                <a:solidFill>
+                  <a:srgbClr val="0070C0"/>
+                </a:solidFill>
+                <a:latin typeface="Calibri"/>
+                <a:ea typeface="+mn-ea"/>
+                <a:cs typeface="+mn-cs"/>
+              </a:rPr>
+              <a:t> </a:t>
             </a:r>
             <a:endParaRPr lang="ru-RU" sz="4400" b="1" cap="all" dirty="0">
               <a:solidFill>
@@ -3403,47 +3446,36 @@
         </p:nvSpPr>
         <p:spPr>
           <a:xfrm>
-            <a:off x="1718554" y="3179226"/>
-            <a:ext cx="9144000" cy="1655762"/>
+            <a:off x="1035781" y="2323162"/>
+            <a:ext cx="10649118" cy="2226254"/>
           </a:xfrm>
         </p:spPr>
         <p:txBody>
           <a:bodyPr>
-            <a:normAutofit fontScale="92500" lnSpcReduction="20000"/>
+            <a:normAutofit fontScale="92500"/>
           </a:bodyPr>
           <a:lstStyle/>
           <a:p>
+            <a:pPr>
+              <a:spcBef>
+                <a:spcPts val="0"/>
+              </a:spcBef>
+            </a:pPr>
             <a:r>
               <a:rPr lang="ru-RU" sz="3600" b="1" dirty="0" smtClean="0">
                 <a:solidFill>
                   <a:srgbClr val="C20282"/>
                 </a:solidFill>
               </a:rPr>
-              <a:t>На </a:t>
-            </a:r>
-            <a:r>
-              <a:rPr lang="en-US" sz="3600" b="1" dirty="0" err="1">
+              <a:t>«Знакомство с </a:t>
+            </a:r>
+            <a:r>
+              <a:rPr lang="ru-RU" sz="3600" b="1" dirty="0">
                 <a:solidFill>
                   <a:srgbClr val="C20282"/>
                 </a:solidFill>
               </a:rPr>
-              <a:t>WorkShop</a:t>
-            </a:r>
-            <a:r>
-              <a:rPr lang="en-US" sz="3600" b="1" dirty="0">
-                <a:solidFill>
-                  <a:srgbClr val="C20282"/>
-                </a:solidFill>
-              </a:rPr>
-              <a:t> </a:t>
-            </a:r>
-            <a:r>
-              <a:rPr lang="ru-RU" sz="3600" b="1" dirty="0">
-                <a:solidFill>
-                  <a:srgbClr val="C20282"/>
-                </a:solidFill>
-              </a:rPr>
-              <a:t>«Знакомство командной строкой на примере </a:t>
+              <a:t>командной строкой на примере </a:t>
             </a:r>
             <a:r>
               <a:rPr lang="en-US" sz="3600" b="1" dirty="0">
@@ -3459,17 +3491,58 @@
                   <a:srgbClr val="C20282"/>
                 </a:solidFill>
               </a:rPr>
-              <a:t>. Разработка инструментов и средств системного администрирования»</a:t>
-            </a:r>
-          </a:p>
-          <a:p>
+              <a:t>. </a:t>
+            </a:r>
+            <a:endParaRPr lang="ru-RU" sz="3600" b="1" dirty="0" smtClean="0">
+              <a:solidFill>
+                <a:srgbClr val="C20282"/>
+              </a:solidFill>
+            </a:endParaRPr>
+          </a:p>
+          <a:p>
+            <a:pPr>
+              <a:spcBef>
+                <a:spcPts val="0"/>
+              </a:spcBef>
+            </a:pPr>
             <a:r>
               <a:rPr lang="ru-RU" sz="3600" b="1" dirty="0" smtClean="0">
                 <a:solidFill>
+                  <a:srgbClr val="C20282"/>
+                </a:solidFill>
+              </a:rPr>
+              <a:t>Разработка </a:t>
+            </a:r>
+            <a:r>
+              <a:rPr lang="ru-RU" sz="3600" b="1" dirty="0">
+                <a:solidFill>
+                  <a:srgbClr val="C20282"/>
+                </a:solidFill>
+              </a:rPr>
+              <a:t>инструментов и средств системного администрирования</a:t>
+            </a:r>
+            <a:r>
+              <a:rPr lang="ru-RU" sz="3600" b="1" dirty="0" smtClean="0">
+                <a:solidFill>
+                  <a:srgbClr val="C20282"/>
+                </a:solidFill>
+              </a:rPr>
+              <a:t>»</a:t>
+            </a:r>
+            <a:endParaRPr lang="ru-RU" sz="3600" b="1" dirty="0">
+              <a:solidFill>
+                <a:srgbClr val="C20282"/>
+              </a:solidFill>
+            </a:endParaRPr>
+          </a:p>
+          <a:p>
+            <a:r>
+              <a:rPr lang="ru-RU" sz="3600" b="1" dirty="0" smtClean="0">
+                <a:solidFill>
                   <a:srgbClr val="0070C0"/>
                 </a:solidFill>
               </a:rPr>
-              <a:t>Колледжа информатики и программирования</a:t>
+              <a:t>Колледж информатики и программирования</a:t>
             </a:r>
             <a:endParaRPr lang="ru-RU" sz="3600" b="1" dirty="0">
               <a:solidFill>
@@ -3538,8 +3611,8 @@
         </p:nvSpPr>
         <p:spPr>
           <a:xfrm>
-            <a:off x="6838546" y="5843966"/>
-            <a:ext cx="5353454" cy="1107996"/>
+            <a:off x="6327972" y="4336179"/>
+            <a:ext cx="5864028" cy="2554545"/>
           </a:xfrm>
           <a:prstGeom prst="rect">
             <a:avLst/>
@@ -3564,26 +3637,246 @@
           </a:p>
           <a:p>
             <a:r>
-              <a:rPr lang="ru-RU" sz="1600" b="1" dirty="0">
+              <a:rPr lang="ru-RU" b="1" dirty="0">
                 <a:solidFill>
                   <a:schemeClr val="accent1">
                     <a:lumMod val="75000"/>
                   </a:schemeClr>
                 </a:solidFill>
               </a:rPr>
-              <a:t>ХХХ – студент Х </a:t>
-            </a:r>
-            <a:r>
-              <a:rPr lang="ru-RU" sz="1600" b="1" dirty="0" smtClean="0">
+              <a:t>Кузнецов Данила Денисович – </a:t>
+            </a:r>
+            <a:r>
+              <a:rPr lang="ru-RU" b="1" dirty="0">
                 <a:solidFill>
                   <a:schemeClr val="accent1">
                     <a:lumMod val="75000"/>
                   </a:schemeClr>
                 </a:solidFill>
               </a:rPr>
+              <a:t>студент </a:t>
+            </a:r>
+            <a:r>
+              <a:rPr lang="ru-RU" b="1" dirty="0">
+                <a:solidFill>
+                  <a:schemeClr val="accent1">
+                    <a:lumMod val="75000"/>
+                  </a:schemeClr>
+                </a:solidFill>
+              </a:rPr>
+              <a:t>3</a:t>
+            </a:r>
+            <a:r>
+              <a:rPr lang="ru-RU" b="1" dirty="0">
+                <a:solidFill>
+                  <a:schemeClr val="accent1">
+                    <a:lumMod val="75000"/>
+                  </a:schemeClr>
+                </a:solidFill>
+              </a:rPr>
+              <a:t> курса</a:t>
+            </a:r>
+          </a:p>
+          <a:p>
+            <a:r>
+              <a:rPr lang="ru-RU" b="1" dirty="0">
+                <a:solidFill>
+                  <a:schemeClr val="accent1">
+                    <a:lumMod val="75000"/>
+                  </a:schemeClr>
+                </a:solidFill>
+              </a:rPr>
+              <a:t>Горланов Владимир </a:t>
+            </a:r>
+            <a:r>
+              <a:rPr lang="ru-RU" b="1" dirty="0">
+                <a:solidFill>
+                  <a:schemeClr val="accent1">
+                    <a:lumMod val="75000"/>
+                  </a:schemeClr>
+                </a:solidFill>
+              </a:rPr>
+              <a:t>Владимирович – </a:t>
+            </a:r>
+            <a:r>
+              <a:rPr lang="ru-RU" b="1" dirty="0">
+                <a:solidFill>
+                  <a:schemeClr val="accent1">
+                    <a:lumMod val="75000"/>
+                  </a:schemeClr>
+                </a:solidFill>
+              </a:rPr>
+              <a:t>студент 3 </a:t>
+            </a:r>
+            <a:r>
+              <a:rPr lang="ru-RU" b="1" dirty="0">
+                <a:solidFill>
+                  <a:schemeClr val="accent1">
+                    <a:lumMod val="75000"/>
+                  </a:schemeClr>
+                </a:solidFill>
+              </a:rPr>
               <a:t>курса</a:t>
             </a:r>
-            <a:endParaRPr lang="ru-RU" sz="1600" b="1" u="sng" dirty="0" smtClean="0">
+          </a:p>
+          <a:p>
+            <a:r>
+              <a:rPr lang="ru-RU" b="1" dirty="0" err="1">
+                <a:solidFill>
+                  <a:schemeClr val="accent1">
+                    <a:lumMod val="75000"/>
+                  </a:schemeClr>
+                </a:solidFill>
+              </a:rPr>
+              <a:t>Подлегаев</a:t>
+            </a:r>
+            <a:r>
+              <a:rPr lang="ru-RU" b="1" dirty="0">
+                <a:solidFill>
+                  <a:schemeClr val="accent1">
+                    <a:lumMod val="75000"/>
+                  </a:schemeClr>
+                </a:solidFill>
+              </a:rPr>
+              <a:t> Павел </a:t>
+            </a:r>
+            <a:r>
+              <a:rPr lang="ru-RU" b="1" dirty="0">
+                <a:solidFill>
+                  <a:schemeClr val="accent1">
+                    <a:lumMod val="75000"/>
+                  </a:schemeClr>
+                </a:solidFill>
+              </a:rPr>
+              <a:t>Александрович – </a:t>
+            </a:r>
+            <a:r>
+              <a:rPr lang="ru-RU" b="1" dirty="0">
+                <a:solidFill>
+                  <a:schemeClr val="accent1">
+                    <a:lumMod val="75000"/>
+                  </a:schemeClr>
+                </a:solidFill>
+              </a:rPr>
+              <a:t>студент 3 </a:t>
+            </a:r>
+            <a:r>
+              <a:rPr lang="ru-RU" b="1" dirty="0">
+                <a:solidFill>
+                  <a:schemeClr val="accent1">
+                    <a:lumMod val="75000"/>
+                  </a:schemeClr>
+                </a:solidFill>
+              </a:rPr>
+              <a:t>курса</a:t>
+            </a:r>
+          </a:p>
+          <a:p>
+            <a:r>
+              <a:rPr lang="ru-RU" b="1" dirty="0" err="1">
+                <a:solidFill>
+                  <a:schemeClr val="accent1">
+                    <a:lumMod val="75000"/>
+                  </a:schemeClr>
+                </a:solidFill>
+              </a:rPr>
+              <a:t>Деревягин</a:t>
+            </a:r>
+            <a:r>
+              <a:rPr lang="ru-RU" b="1" dirty="0">
+                <a:solidFill>
+                  <a:schemeClr val="accent1">
+                    <a:lumMod val="75000"/>
+                  </a:schemeClr>
+                </a:solidFill>
+              </a:rPr>
+              <a:t> Егор </a:t>
+            </a:r>
+            <a:r>
+              <a:rPr lang="ru-RU" b="1" dirty="0">
+                <a:solidFill>
+                  <a:schemeClr val="accent1">
+                    <a:lumMod val="75000"/>
+                  </a:schemeClr>
+                </a:solidFill>
+              </a:rPr>
+              <a:t>Сергеевич – </a:t>
+            </a:r>
+            <a:r>
+              <a:rPr lang="ru-RU" b="1" dirty="0">
+                <a:solidFill>
+                  <a:schemeClr val="accent1">
+                    <a:lumMod val="75000"/>
+                  </a:schemeClr>
+                </a:solidFill>
+              </a:rPr>
+              <a:t>студент 3 </a:t>
+            </a:r>
+            <a:r>
+              <a:rPr lang="ru-RU" b="1" dirty="0">
+                <a:solidFill>
+                  <a:schemeClr val="accent1">
+                    <a:lumMod val="75000"/>
+                  </a:schemeClr>
+                </a:solidFill>
+              </a:rPr>
+              <a:t>курса</a:t>
+            </a:r>
+          </a:p>
+          <a:p>
+            <a:r>
+              <a:rPr lang="ru-RU" b="1" dirty="0">
+                <a:solidFill>
+                  <a:schemeClr val="accent1">
+                    <a:lumMod val="75000"/>
+                  </a:schemeClr>
+                </a:solidFill>
+              </a:rPr>
+              <a:t>Ефимов Ростислав </a:t>
+            </a:r>
+            <a:r>
+              <a:rPr lang="ru-RU" b="1" dirty="0">
+                <a:solidFill>
+                  <a:schemeClr val="accent1">
+                    <a:lumMod val="75000"/>
+                  </a:schemeClr>
+                </a:solidFill>
+              </a:rPr>
+              <a:t>Глебович – </a:t>
+            </a:r>
+            <a:r>
+              <a:rPr lang="ru-RU" b="1" dirty="0">
+                <a:solidFill>
+                  <a:schemeClr val="accent1">
+                    <a:lumMod val="75000"/>
+                  </a:schemeClr>
+                </a:solidFill>
+              </a:rPr>
+              <a:t>студент 3 </a:t>
+            </a:r>
+            <a:r>
+              <a:rPr lang="ru-RU" b="1" dirty="0" smtClean="0">
+                <a:solidFill>
+                  <a:schemeClr val="accent1">
+                    <a:lumMod val="75000"/>
+                  </a:schemeClr>
+                </a:solidFill>
+              </a:rPr>
+              <a:t>курса</a:t>
+            </a:r>
+          </a:p>
+          <a:p>
+            <a:r>
+              <a:rPr lang="ru-RU" b="1" u="sng" dirty="0" smtClean="0">
+                <a:solidFill>
+                  <a:schemeClr val="accent1">
+                    <a:lumMod val="75000"/>
+                  </a:schemeClr>
+                </a:solidFill>
+              </a:rPr>
+              <a:t>Материал подготовлен:</a:t>
+            </a:r>
+            <a:endParaRPr lang="ru-RU" b="1" dirty="0">
               <a:solidFill>
                 <a:schemeClr val="accent1">
                   <a:lumMod val="75000"/>
@@ -3593,7 +3886,7 @@
           </a:p>
           <a:p>
             <a:r>
-              <a:rPr lang="ru-RU" sz="1600" b="1" dirty="0" err="1" smtClean="0">
+              <a:rPr lang="ru-RU" b="1" dirty="0" err="1">
                 <a:solidFill>
                   <a:schemeClr val="accent1">
                     <a:lumMod val="75000"/>
@@ -3603,7 +3896,7 @@
               <a:t>Сибирев</a:t>
             </a:r>
             <a:r>
-              <a:rPr lang="ru-RU" sz="1600" b="1" dirty="0" smtClean="0">
+              <a:rPr lang="ru-RU" b="1" dirty="0">
                 <a:solidFill>
                   <a:schemeClr val="accent1">
                     <a:lumMod val="75000"/>
@@ -3728,7 +4021,16 @@
                 </a:solidFill>
                 <a:latin typeface="+mn-lt"/>
               </a:rPr>
-              <a:t>bat :</a:t>
+              <a:t>bat </a:t>
+            </a:r>
+            <a:r>
+              <a:rPr lang="ru-RU" sz="4000" b="1" cap="all" dirty="0" smtClean="0">
+                <a:solidFill>
+                  <a:srgbClr val="0070C0"/>
+                </a:solidFill>
+                <a:latin typeface="+mn-lt"/>
+              </a:rPr>
+              <a:t> </a:t>
             </a:r>
             <a:endParaRPr lang="ru-RU" sz="4000" b="1" cap="all" dirty="0">
               <a:solidFill>
@@ -3781,34 +4083,38 @@
           </a:lstStyle>
           <a:p>
             <a:r>
-              <a:rPr lang="ru-RU" sz="2400" dirty="0" smtClean="0"/>
-              <a:t>Обратите внимание.</a:t>
-            </a:r>
-            <a:r>
-              <a:rPr lang="en-US" sz="2400" dirty="0" smtClean="0"/>
+              <a:rPr lang="ru-RU" sz="2400" b="1" dirty="0" smtClean="0"/>
+              <a:t>Обратите внимание:</a:t>
+            </a:r>
+            <a:r>
+              <a:rPr lang="en-US" sz="2400" b="1" dirty="0" smtClean="0"/>
               <a:t> </a:t>
             </a:r>
             <a:r>
-              <a:rPr lang="ru-RU" sz="2400" dirty="0" smtClean="0"/>
-              <a:t>Родительским приложением в нашем случае </a:t>
-            </a:r>
-            <a:r>
-              <a:rPr lang="ru-RU" sz="2400" dirty="0"/>
+              <a:rPr lang="ru-RU" sz="2400" b="1" dirty="0"/>
+              <a:t>р</a:t>
+            </a:r>
+            <a:r>
+              <a:rPr lang="ru-RU" sz="2400" b="1" dirty="0" smtClean="0"/>
+              <a:t>одительским приложением в нашем случае </a:t>
+            </a:r>
+            <a:r>
+              <a:rPr lang="ru-RU" sz="2400" b="1" dirty="0"/>
               <a:t>является </a:t>
             </a:r>
             <a:r>
-              <a:rPr lang="en-US" sz="2400" dirty="0"/>
+              <a:rPr lang="en-US" sz="2400" b="1" dirty="0"/>
               <a:t>Notepad</a:t>
             </a:r>
             <a:r>
-              <a:rPr lang="en-US" sz="2400" dirty="0" smtClean="0"/>
+              <a:rPr lang="en-US" sz="2400" b="1" dirty="0" smtClean="0"/>
               <a:t>++</a:t>
             </a:r>
             <a:r>
-              <a:rPr lang="ru-RU" sz="2400" dirty="0" smtClean="0"/>
-              <a:t>, по этому у всех его дочерних процессов рабочий каталог по умолчанию такой же как и у родителя. Сейчас мы это исправим.</a:t>
-            </a:r>
-            <a:endParaRPr lang="ru-RU" sz="2400" dirty="0"/>
+              <a:rPr lang="ru-RU" sz="2400" b="1" dirty="0" smtClean="0"/>
+              <a:t>, поэтому у всех его дочерних процессов рабочий каталог, по умолчанию, такой же как и у родителя. Сейчас мы это исправим.</a:t>
+            </a:r>
+            <a:endParaRPr lang="ru-RU" sz="2400" b="1" dirty="0"/>
           </a:p>
         </p:txBody>
       </p:sp>
@@ -4064,7 +4370,7 @@
               <a:t>Примеры кодов из публичного </a:t>
             </a:r>
             <a:r>
-              <a:rPr lang="ru-RU" sz="4000" b="1" cap="all" dirty="0" err="1">
+              <a:rPr lang="ru-RU" sz="4000" b="1" cap="all" dirty="0" err="1" smtClean="0">
                 <a:solidFill>
                   <a:srgbClr val="0070C0"/>
                 </a:solidFill>
@@ -4072,15 +4378,12 @@
               </a:rPr>
               <a:t>репозитория</a:t>
             </a:r>
-            <a:r>
-              <a:rPr lang="ru-RU" sz="4000" b="1" cap="all" dirty="0">
-                <a:solidFill>
-                  <a:srgbClr val="0070C0"/>
-                </a:solidFill>
-                <a:latin typeface="+mn-lt"/>
-              </a:rPr>
-              <a:t>.</a:t>
-            </a:r>
+            <a:endParaRPr lang="ru-RU" sz="4000" b="1" cap="all" dirty="0">
+              <a:solidFill>
+                <a:srgbClr val="0070C0"/>
+              </a:solidFill>
+              <a:latin typeface="+mn-lt"/>
+            </a:endParaRPr>
           </a:p>
         </p:txBody>
       </p:sp>
@@ -4130,10 +4433,10 @@
               <a:buChar char="•"/>
             </a:pPr>
             <a:r>
-              <a:rPr lang="ru-RU" sz="2400" dirty="0" smtClean="0"/>
-              <a:t>Программный  код работает по принципу одна строка одна команда, за редким исключением.</a:t>
-            </a:r>
-            <a:endParaRPr lang="en-US" sz="2400" dirty="0" smtClean="0"/>
+              <a:rPr lang="ru-RU" sz="2800" b="1" dirty="0" smtClean="0"/>
+              <a:t>Программный  код работает по принципу «одна строка - одна команда», за редким исключением.</a:t>
+            </a:r>
+            <a:endParaRPr lang="en-US" sz="2800" b="1" dirty="0" smtClean="0"/>
           </a:p>
           <a:p>
             <a:pPr marL="342900" indent="-342900">
@@ -4141,7 +4444,7 @@
               <a:buChar char="•"/>
             </a:pPr>
             <a:r>
-              <a:rPr lang="ru-RU" sz="2400" dirty="0" smtClean="0"/>
+              <a:rPr lang="ru-RU" sz="2800" b="1" dirty="0" smtClean="0"/>
               <a:t>В случае ошибок игнорируется строка кода или сворачивается окно консоли.</a:t>
             </a:r>
           </a:p>
@@ -4151,7 +4454,7 @@
               <a:buChar char="•"/>
             </a:pPr>
             <a:r>
-              <a:rPr lang="ru-RU" sz="2400" dirty="0" smtClean="0"/>
+              <a:rPr lang="ru-RU" sz="2800" b="1" dirty="0" smtClean="0"/>
               <a:t>Лишний пробел или символ в строке может привести к ошибке.</a:t>
             </a:r>
           </a:p>
@@ -4161,64 +4464,78 @@
               <a:buChar char="•"/>
             </a:pPr>
             <a:r>
-              <a:rPr lang="ru-RU" sz="2400" dirty="0"/>
-              <a:t>Из интернета нельзя копировать, только скачивать</a:t>
-            </a:r>
+              <a:rPr lang="ru-RU" sz="2800" b="1" dirty="0"/>
+              <a:t>Из </a:t>
+            </a:r>
+            <a:r>
+              <a:rPr lang="ru-RU" sz="2800" b="1" dirty="0" smtClean="0"/>
+              <a:t>Интернета </a:t>
+            </a:r>
+            <a:r>
+              <a:rPr lang="ru-RU" sz="2800" b="1" dirty="0"/>
+              <a:t>нельзя копировать, только скачивать</a:t>
+            </a:r>
+            <a:r>
+              <a:rPr lang="ru-RU" sz="2800" b="1" dirty="0" smtClean="0"/>
+              <a:t>.</a:t>
+            </a:r>
+          </a:p>
+          <a:p>
             <a:r>
               <a:rPr lang="ru-RU" sz="2400" dirty="0" smtClean="0"/>
-              <a:t>.</a:t>
+              <a:t/>
             </a:r>
             <a:br>
               <a:rPr lang="ru-RU" sz="2400" dirty="0" smtClean="0"/>
             </a:br>
             <a:r>
-              <a:rPr lang="ru-RU" sz="2400" dirty="0" smtClean="0"/>
+              <a:rPr lang="ru-RU" sz="2800" b="1" dirty="0" smtClean="0"/>
               <a:t>Примеры </a:t>
             </a:r>
             <a:r>
-              <a:rPr lang="ru-RU" sz="2400" dirty="0"/>
+              <a:rPr lang="ru-RU" sz="2800" b="1" dirty="0"/>
               <a:t>программных кодов из публичного </a:t>
             </a:r>
             <a:r>
-              <a:rPr lang="ru-RU" sz="2400" dirty="0" err="1" smtClean="0"/>
+              <a:rPr lang="ru-RU" sz="2800" b="1" dirty="0" err="1" smtClean="0"/>
               <a:t>репозитория</a:t>
             </a:r>
             <a:r>
-              <a:rPr lang="ru-RU" sz="2400" dirty="0"/>
-              <a:t>,</a:t>
-            </a:r>
-            <a:r>
-              <a:rPr lang="ru-RU" sz="2400" dirty="0" smtClean="0"/>
+              <a:rPr lang="ru-RU" sz="2800" b="1" dirty="0"/>
+              <a:t> </a:t>
+            </a:r>
+            <a:r>
+              <a:rPr lang="ru-RU" sz="2800" b="1" dirty="0" smtClean="0"/>
               <a:t> по адресу</a:t>
             </a:r>
             <a:r>
-              <a:rPr lang="en-US" sz="2400" dirty="0" smtClean="0"/>
+              <a:rPr lang="en-US" sz="2800" b="1" dirty="0" smtClean="0"/>
               <a:t>:</a:t>
             </a:r>
             <a:r>
-              <a:rPr lang="ru-RU" sz="2400" dirty="0" smtClean="0"/>
+              <a:rPr lang="ru-RU" sz="2800" b="1" dirty="0" smtClean="0"/>
               <a:t> </a:t>
             </a:r>
             <a:r>
-              <a:rPr lang="en-US" sz="2400" dirty="0"/>
+              <a:rPr lang="en-US" sz="2800" b="1" dirty="0"/>
               <a:t/>
             </a:r>
             <a:br>
-              <a:rPr lang="en-US" sz="2400" dirty="0"/>
+              <a:rPr lang="en-US" sz="2800" b="1" dirty="0"/>
             </a:br>
             <a:r>
-              <a:rPr lang="en-US" sz="2400" dirty="0">
+              <a:rPr lang="en-US" sz="2800" b="1" dirty="0">
                 <a:hlinkClick r:id="rId2"/>
               </a:rPr>
               <a:t>https://</a:t>
             </a:r>
             <a:r>
-              <a:rPr lang="en-US" sz="2400" dirty="0" smtClean="0">
+              <a:rPr lang="en-US" sz="2800" b="1" dirty="0" smtClean="0">
                 <a:hlinkClick r:id="rId2"/>
               </a:rPr>
               <a:t>github.com/IvanSibirevV2/HowTo_Bat/tree/main/Examples</a:t>
             </a:r>
-            <a:endParaRPr lang="ru-RU" sz="2400" dirty="0" smtClean="0"/>
+            <a:endParaRPr lang="ru-RU" sz="2800" b="1" dirty="0" smtClean="0"/>
           </a:p>
         </p:txBody>
       </p:sp>
@@ -4418,8 +4735,8 @@
               <a:buChar char="•"/>
             </a:pPr>
             <a:r>
-              <a:rPr lang="ru-RU" sz="2400" dirty="0" smtClean="0"/>
-              <a:t>Все файлы пронумерованы в порядке, пригодном для изучения.</a:t>
+              <a:rPr lang="ru-RU" sz="2800" b="1" dirty="0" smtClean="0"/>
+              <a:t>Все файлы пронумерованы в порядке, пригодном для изучения</a:t>
             </a:r>
           </a:p>
           <a:p>
@@ -4428,13 +4745,13 @@
               <a:buChar char="•"/>
             </a:pPr>
             <a:r>
-              <a:rPr lang="ru-RU" sz="2400" dirty="0" smtClean="0"/>
+              <a:rPr lang="ru-RU" sz="2800" b="1" dirty="0" smtClean="0"/>
               <a:t>Первый файл – смена кодировки и</a:t>
             </a:r>
           </a:p>
           <a:p>
             <a:r>
-              <a:rPr lang="ru-RU" sz="2400" dirty="0" smtClean="0"/>
+              <a:rPr lang="ru-RU" sz="2800" b="1" dirty="0" smtClean="0"/>
               <a:t> получение параметров файлов </a:t>
             </a:r>
           </a:p>
@@ -4639,7 +4956,7 @@
                 </a:solidFill>
                 <a:latin typeface="+mn-lt"/>
               </a:rPr>
-              <a:t>000_1_ПеременныхСреды.</a:t>
+              <a:t>000_1_Переменных  Среды   .</a:t>
             </a:r>
             <a:r>
               <a:rPr lang="en-US" sz="3600" b="1" cap="all" dirty="0" smtClean="0">
@@ -4684,8 +5001,8 @@
         </p:nvSpPr>
         <p:spPr>
           <a:xfrm>
-            <a:off x="1916406" y="953301"/>
-            <a:ext cx="7178974" cy="5909310"/>
+            <a:off x="2039193" y="953301"/>
+            <a:ext cx="9103540" cy="5909310"/>
           </a:xfrm>
           <a:prstGeom prst="rect">
             <a:avLst/>
@@ -5079,7 +5396,7 @@
                 </a:solidFill>
                 <a:latin typeface="+mn-lt"/>
               </a:rPr>
-              <a:t>000_2_ПеременныхСреды.</a:t>
+              <a:t>000_2_Переменных  Среды   .</a:t>
             </a:r>
             <a:r>
               <a:rPr lang="en-US" sz="3600" b="1" cap="all" dirty="0" smtClean="0">
@@ -5495,60 +5812,56 @@
           </a:lstStyle>
           <a:p>
             <a:r>
-              <a:rPr lang="ru-RU" sz="2400" dirty="0" smtClean="0"/>
+              <a:rPr lang="ru-RU" sz="2800" b="1" dirty="0" smtClean="0"/>
               <a:t>Как видите – проще скачать </a:t>
             </a:r>
             <a:br>
-              <a:rPr lang="ru-RU" sz="2400" dirty="0" smtClean="0"/>
+              <a:rPr lang="ru-RU" sz="2800" b="1" dirty="0" smtClean="0"/>
             </a:br>
             <a:r>
-              <a:rPr lang="ru-RU" sz="2400" dirty="0" smtClean="0"/>
-              <a:t>файлы </a:t>
-            </a:r>
-            <a:r>
-              <a:rPr lang="ru-RU" sz="2400" dirty="0" smtClean="0"/>
-              <a:t>из </a:t>
-            </a:r>
-            <a:r>
-              <a:rPr lang="ru-RU" sz="2400" dirty="0" err="1" smtClean="0"/>
+              <a:rPr lang="ru-RU" sz="2800" b="1" dirty="0" smtClean="0"/>
+              <a:t>файлы из </a:t>
+            </a:r>
+            <a:r>
+              <a:rPr lang="ru-RU" sz="2800" b="1" dirty="0" err="1" smtClean="0"/>
               <a:t>репозитория</a:t>
             </a:r>
             <a:r>
-              <a:rPr lang="ru-RU" sz="2400" dirty="0" smtClean="0"/>
+              <a:rPr lang="ru-RU" sz="2800" b="1" dirty="0" smtClean="0"/>
               <a:t> </a:t>
             </a:r>
             <a:br>
-              <a:rPr lang="ru-RU" sz="2400" dirty="0" smtClean="0"/>
+              <a:rPr lang="ru-RU" sz="2800" b="1" dirty="0" smtClean="0"/>
             </a:br>
             <a:r>
-              <a:rPr lang="ru-RU" sz="2400" dirty="0" smtClean="0"/>
+              <a:rPr lang="ru-RU" sz="2800" b="1" dirty="0" smtClean="0"/>
               <a:t>и попробовать</a:t>
             </a:r>
             <a:br>
-              <a:rPr lang="ru-RU" sz="2400" dirty="0" smtClean="0"/>
+              <a:rPr lang="ru-RU" sz="2800" b="1" dirty="0" smtClean="0"/>
             </a:br>
             <a:r>
-              <a:rPr lang="ru-RU" sz="2400" dirty="0" smtClean="0"/>
+              <a:rPr lang="ru-RU" sz="2800" b="1" dirty="0" smtClean="0"/>
               <a:t>запустить самим </a:t>
             </a:r>
             <a:r>
-              <a:rPr lang="en-US" sz="2400" dirty="0" smtClean="0">
+              <a:rPr lang="en-US" sz="2800" b="1" dirty="0" smtClean="0">
                 <a:hlinkClick r:id="rId3"/>
               </a:rPr>
               <a:t>&gt;&gt;&gt;</a:t>
             </a:r>
             <a:r>
-              <a:rPr lang="ru-RU" sz="2400" dirty="0" smtClean="0"/>
+              <a:rPr lang="ru-RU" sz="2800" b="1" dirty="0" smtClean="0"/>
               <a:t/>
             </a:r>
             <a:br>
-              <a:rPr lang="ru-RU" sz="2400" dirty="0" smtClean="0"/>
+              <a:rPr lang="ru-RU" sz="2800" b="1" dirty="0" smtClean="0"/>
             </a:br>
             <a:r>
-              <a:rPr lang="ru-RU" sz="2400" dirty="0" smtClean="0"/>
+              <a:rPr lang="ru-RU" sz="2800" b="1" dirty="0" smtClean="0"/>
               <a:t>Садимся за машины!!!</a:t>
             </a:r>
-            <a:endParaRPr lang="ru-RU" sz="2400" dirty="0"/>
+            <a:endParaRPr lang="ru-RU" sz="2800" b="1" dirty="0"/>
           </a:p>
         </p:txBody>
       </p:sp>
@@ -5744,8 +6057,8 @@
         </p:blipFill>
         <p:spPr bwMode="auto">
           <a:xfrm>
-            <a:off x="831849" y="2105938"/>
-            <a:ext cx="10525125" cy="4105275"/>
+            <a:off x="831849" y="1440382"/>
+            <a:ext cx="10525125" cy="4770831"/>
           </a:xfrm>
           <a:prstGeom prst="rect">
             <a:avLst/>
@@ -5834,7 +6147,16 @@
                 </a:solidFill>
                 <a:latin typeface="+mn-lt"/>
               </a:rPr>
-              <a:t>001_1_Сложение чисел.</a:t>
+              <a:t>001_1_Сложение </a:t>
+            </a:r>
+            <a:r>
+              <a:rPr lang="ru-RU" sz="3600" b="1" cap="all" dirty="0" smtClean="0">
+                <a:solidFill>
+                  <a:srgbClr val="0070C0"/>
+                </a:solidFill>
+                <a:latin typeface="+mn-lt"/>
+              </a:rPr>
+              <a:t>чисел   .</a:t>
             </a:r>
             <a:r>
               <a:rPr lang="en-US" sz="3600" b="1" cap="all" dirty="0" smtClean="0">
@@ -6013,7 +6335,7 @@
                 </a:solidFill>
                 <a:latin typeface="+mn-lt"/>
               </a:rPr>
-              <a:t>чисел</a:t>
+              <a:t>чисел    </a:t>
             </a:r>
             <a:r>
               <a:rPr lang="en-US" sz="3600" b="1" cap="all" dirty="0" smtClean="0">
@@ -6146,16 +6468,7 @@
                 </a:solidFill>
                 <a:latin typeface="+mn-lt"/>
               </a:rPr>
-              <a:t>условной </a:t>
-            </a:r>
-            <a:r>
-              <a:rPr lang="ru-RU" sz="3600" b="1" cap="all" dirty="0">
-                <a:solidFill>
-                  <a:srgbClr val="0070C0"/>
-                </a:solidFill>
-                <a:latin typeface="+mn-lt"/>
-              </a:rPr>
-              <a:t>обработки</a:t>
+              <a:t>условной обработки</a:t>
             </a:r>
             <a:r>
               <a:rPr lang="en-US" sz="3600" b="1" cap="all" dirty="0" smtClean="0">
@@ -6179,8 +6492,8 @@
         </p:nvSpPr>
         <p:spPr>
           <a:xfrm>
-            <a:off x="252920" y="778197"/>
-            <a:ext cx="12645958" cy="700401"/>
+            <a:off x="252920" y="987227"/>
+            <a:ext cx="12645958" cy="623087"/>
           </a:xfrm>
           <a:prstGeom prst="rect">
             <a:avLst/>
@@ -6211,10 +6524,10 @@
           </a:lstStyle>
           <a:p>
             <a:r>
-              <a:rPr lang="ru-RU" sz="2400" dirty="0" smtClean="0"/>
+              <a:rPr lang="ru-RU" sz="2400" b="1" dirty="0" smtClean="0"/>
               <a:t>- О том как писать несколько команд в одну строку</a:t>
             </a:r>
-            <a:endParaRPr lang="ru-RU" sz="2400" dirty="0"/>
+            <a:endParaRPr lang="ru-RU" sz="2400" b="1" dirty="0"/>
           </a:p>
         </p:txBody>
       </p:sp>
@@ -6228,8 +6541,8 @@
         </p:nvSpPr>
         <p:spPr>
           <a:xfrm>
-            <a:off x="-178340" y="1060738"/>
-            <a:ext cx="12041178" cy="875053"/>
+            <a:off x="-178340" y="1478597"/>
+            <a:ext cx="12041178" cy="657699"/>
           </a:xfrm>
           <a:prstGeom prst="rect">
             <a:avLst/>
@@ -6291,8 +6604,8 @@
         </p:nvSpPr>
         <p:spPr>
           <a:xfrm>
-            <a:off x="210760" y="1660196"/>
-            <a:ext cx="12645958" cy="1890391"/>
+            <a:off x="249672" y="2079653"/>
+            <a:ext cx="12645958" cy="1998733"/>
           </a:xfrm>
           <a:prstGeom prst="rect">
             <a:avLst/>
@@ -6323,57 +6636,57 @@
           </a:lstStyle>
           <a:p>
             <a:r>
-              <a:rPr lang="ru-RU" sz="2400" dirty="0" smtClean="0"/>
-              <a:t>- Не видитесь на провокации мошенников. Массивов в </a:t>
-            </a:r>
-            <a:r>
-              <a:rPr lang="en-US" sz="2400" dirty="0" smtClean="0"/>
+              <a:rPr lang="ru-RU" sz="2400" b="1" dirty="0" smtClean="0"/>
+              <a:t>- Не верьте провокациям мошенников. Массивов в </a:t>
+            </a:r>
+            <a:r>
+              <a:rPr lang="en-US" sz="2400" b="1" dirty="0" smtClean="0"/>
               <a:t>CMD</a:t>
             </a:r>
             <a:r>
-              <a:rPr lang="ru-RU" sz="2400" dirty="0" smtClean="0"/>
+              <a:rPr lang="ru-RU" sz="2400" b="1" dirty="0" smtClean="0"/>
               <a:t> нет!!!</a:t>
             </a:r>
             <a:br>
-              <a:rPr lang="ru-RU" sz="2400" dirty="0" smtClean="0"/>
+              <a:rPr lang="ru-RU" sz="2400" b="1" dirty="0" smtClean="0"/>
             </a:br>
             <a:r>
-              <a:rPr lang="ru-RU" sz="2400" dirty="0" smtClean="0"/>
-              <a:t>Во всяком случае в обычном понимании…</a:t>
+              <a:rPr lang="ru-RU" sz="2400" b="1" dirty="0" smtClean="0"/>
+              <a:t>Во всяком случае, в обычном понимании…</a:t>
             </a:r>
             <a:br>
-              <a:rPr lang="ru-RU" sz="2400" dirty="0" smtClean="0"/>
+              <a:rPr lang="ru-RU" sz="2400" b="1" dirty="0" smtClean="0"/>
             </a:br>
             <a:r>
-              <a:rPr lang="ru-RU" sz="2400" dirty="0" smtClean="0"/>
-              <a:t>Здесь приведен пример кода из интернета, который якобы работает.</a:t>
+              <a:rPr lang="ru-RU" sz="2400" b="1" dirty="0" smtClean="0"/>
+              <a:t>Здесь приведен пример кода из Интернета, который «якобы работает».</a:t>
             </a:r>
             <a:br>
-              <a:rPr lang="ru-RU" sz="2400" dirty="0" smtClean="0"/>
+              <a:rPr lang="ru-RU" sz="2400" b="1" dirty="0" smtClean="0"/>
             </a:br>
             <a:r>
-              <a:rPr lang="ru-RU" sz="2400" dirty="0" smtClean="0"/>
+              <a:rPr lang="ru-RU" sz="2400" b="1" dirty="0" smtClean="0"/>
               <a:t>На самом деле он требует дополнительных, заведомо недоступных библиотек.</a:t>
             </a:r>
             <a:br>
-              <a:rPr lang="ru-RU" sz="2400" dirty="0" smtClean="0"/>
+              <a:rPr lang="ru-RU" sz="2400" b="1" dirty="0" smtClean="0"/>
             </a:br>
             <a:r>
-              <a:rPr lang="ru-RU" sz="2400" dirty="0" smtClean="0"/>
-              <a:t>Проблема решаема, например через тему виртуальных переменных в </a:t>
-            </a:r>
-            <a:r>
-              <a:rPr lang="en-US" sz="2400" dirty="0" smtClean="0"/>
+              <a:rPr lang="ru-RU" sz="2400" b="1" dirty="0" smtClean="0"/>
+              <a:t>Проблема решаема, например, с помощью виртуальных переменных в </a:t>
+            </a:r>
+            <a:r>
+              <a:rPr lang="en-US" sz="2400" b="1" dirty="0" smtClean="0"/>
               <a:t>CMD.</a:t>
             </a:r>
             <a:br>
-              <a:rPr lang="en-US" sz="2400" dirty="0" smtClean="0"/>
+              <a:rPr lang="en-US" sz="2400" b="1" dirty="0" smtClean="0"/>
             </a:br>
             <a:r>
-              <a:rPr lang="ru-RU" sz="2400" dirty="0" smtClean="0"/>
-              <a:t>Способ решения не однозначный, по этому вернемся к нему ближе к концу презентации. </a:t>
-            </a:r>
-            <a:endParaRPr lang="ru-RU" sz="2400" dirty="0"/>
+              <a:rPr lang="ru-RU" sz="2400" b="1" dirty="0" smtClean="0"/>
+              <a:t>Способ решения неоднозначный, поэтому вернемся к нему ближе к концу презентации. </a:t>
+            </a:r>
+            <a:endParaRPr lang="ru-RU" sz="2400" b="1" dirty="0"/>
           </a:p>
         </p:txBody>
       </p:sp>
@@ -6387,8 +6700,8 @@
         </p:nvSpPr>
         <p:spPr>
           <a:xfrm>
-            <a:off x="0" y="3346299"/>
-            <a:ext cx="12041178" cy="875053"/>
+            <a:off x="0" y="3948913"/>
+            <a:ext cx="12041178" cy="898215"/>
           </a:xfrm>
           <a:prstGeom prst="rect">
             <a:avLst/>
@@ -6456,8 +6769,8 @@
         </p:nvSpPr>
         <p:spPr>
           <a:xfrm>
-            <a:off x="249672" y="3933225"/>
-            <a:ext cx="12645958" cy="1047325"/>
+            <a:off x="249672" y="4750025"/>
+            <a:ext cx="12645958" cy="1399922"/>
           </a:xfrm>
           <a:prstGeom prst="rect">
             <a:avLst/>
@@ -6492,35 +6805,35 @@
               <a:buChar char="-"/>
             </a:pPr>
             <a:r>
-              <a:rPr lang="ru-RU" sz="2400" dirty="0" smtClean="0"/>
-              <a:t>Есть сильное подозрение, что синтаксическая конструкция </a:t>
-            </a:r>
-            <a:r>
-              <a:rPr lang="en-US" sz="2400" dirty="0" smtClean="0"/>
+              <a:rPr lang="ru-RU" sz="2400" b="1" dirty="0" smtClean="0"/>
+              <a:t>Есть подозрение, что синтаксическая конструкция </a:t>
+            </a:r>
+            <a:r>
+              <a:rPr lang="en-US" sz="2400" b="1" dirty="0" smtClean="0"/>
               <a:t>For </a:t>
             </a:r>
             <a:r>
-              <a:rPr lang="ru-RU" sz="2400" dirty="0" smtClean="0"/>
+              <a:rPr lang="ru-RU" sz="2400" b="1" dirty="0" smtClean="0"/>
               <a:t>является завуалированным </a:t>
             </a:r>
           </a:p>
           <a:p>
             <a:r>
-              <a:rPr lang="ru-RU" sz="2400" dirty="0"/>
+              <a:rPr lang="ru-RU" sz="2400" b="1" dirty="0"/>
               <a:t>п</a:t>
             </a:r>
             <a:r>
-              <a:rPr lang="ru-RU" sz="2400" dirty="0" smtClean="0"/>
-              <a:t>акетным запуском, уж больно у нее много ключей и вариаций запуска.</a:t>
+              <a:rPr lang="ru-RU" sz="2400" b="1" dirty="0" smtClean="0"/>
+              <a:t>акетным запуском, уж очень много у нее ключей и вариаций запуска.</a:t>
             </a:r>
             <a:br>
-              <a:rPr lang="ru-RU" sz="2400" dirty="0" smtClean="0"/>
+              <a:rPr lang="ru-RU" sz="2400" b="1" dirty="0" smtClean="0"/>
             </a:br>
             <a:r>
-              <a:rPr lang="ru-RU" sz="2400" dirty="0" smtClean="0"/>
-              <a:t>В примере собраны парочка наиболее простых вариаций.</a:t>
-            </a:r>
-            <a:endParaRPr lang="ru-RU" sz="2400" dirty="0"/>
+              <a:rPr lang="ru-RU" sz="2400" b="1" dirty="0" smtClean="0"/>
+              <a:t>В примере  предложена пара наиболее простых вариаций.</a:t>
+            </a:r>
+            <a:endParaRPr lang="ru-RU" sz="2400" b="1" dirty="0"/>
           </a:p>
         </p:txBody>
       </p:sp>
@@ -6631,8 +6944,8 @@
         </p:nvSpPr>
         <p:spPr>
           <a:xfrm>
-            <a:off x="177500" y="223713"/>
-            <a:ext cx="12645958" cy="2400502"/>
+            <a:off x="380326" y="593383"/>
+            <a:ext cx="11725359" cy="2030831"/>
           </a:xfrm>
           <a:prstGeom prst="rect">
             <a:avLst/>
@@ -6663,113 +6976,105 @@
           </a:lstStyle>
           <a:p>
             <a:r>
-              <a:rPr lang="ru-RU" sz="2400" dirty="0" smtClean="0"/>
+              <a:rPr lang="ru-RU" sz="2400" b="1" dirty="0" smtClean="0"/>
               <a:t>- Обращение к переменной %</a:t>
             </a:r>
             <a:r>
-              <a:rPr lang="en-US" sz="2400" dirty="0" err="1" smtClean="0"/>
+              <a:rPr lang="en-US" sz="2400" b="1" dirty="0" err="1" smtClean="0"/>
               <a:t>qwe</a:t>
             </a:r>
             <a:r>
-              <a:rPr lang="ru-RU" sz="2400" dirty="0" smtClean="0"/>
+              <a:rPr lang="ru-RU" sz="2400" b="1" dirty="0" smtClean="0"/>
               <a:t>%</a:t>
             </a:r>
             <a:r>
-              <a:rPr lang="en-US" sz="2400" dirty="0" smtClean="0"/>
+              <a:rPr lang="en-US" sz="2400" b="1" dirty="0" smtClean="0"/>
               <a:t> </a:t>
             </a:r>
             <a:r>
-              <a:rPr lang="ru-RU" sz="2400" dirty="0" smtClean="0"/>
+              <a:rPr lang="ru-RU" sz="2400" b="1" dirty="0" smtClean="0"/>
               <a:t>означает, что при интерпретации всей строки</a:t>
             </a:r>
           </a:p>
           <a:p>
             <a:r>
-              <a:rPr lang="ru-RU" sz="2400" dirty="0" smtClean="0"/>
-              <a:t>все вхождения %</a:t>
-            </a:r>
-            <a:r>
-              <a:rPr lang="en-US" sz="2400" dirty="0" err="1" smtClean="0"/>
+              <a:rPr lang="ru-RU" sz="2400" b="1" dirty="0" smtClean="0"/>
+              <a:t>все %</a:t>
+            </a:r>
+            <a:r>
+              <a:rPr lang="en-US" sz="2400" b="1" dirty="0" err="1" smtClean="0"/>
               <a:t>qwe</a:t>
             </a:r>
             <a:r>
-              <a:rPr lang="ru-RU" sz="2400" dirty="0" smtClean="0"/>
+              <a:rPr lang="ru-RU" sz="2400" b="1" dirty="0" smtClean="0"/>
               <a:t>% будут заменены на её значение, например, </a:t>
             </a:r>
             <a:r>
-              <a:rPr lang="ru-RU" sz="2400" dirty="0"/>
+              <a:rPr lang="ru-RU" sz="2400" b="1" dirty="0"/>
               <a:t>4</a:t>
             </a:r>
             <a:r>
-              <a:rPr lang="ru-RU" sz="2400" dirty="0" smtClean="0"/>
-              <a:t>. На исполнение поступит</a:t>
+              <a:rPr lang="ru-RU" sz="2400" b="1" dirty="0" smtClean="0"/>
+              <a:t>. </a:t>
+            </a:r>
+          </a:p>
+          <a:p>
+            <a:r>
+              <a:rPr lang="ru-RU" sz="2400" b="1" dirty="0" smtClean="0"/>
+              <a:t>На исполнение поступит строка уже без обращений к переменным. То есть, значение переменной, измененное в строке ранее, для оставшейся строки ещё не вступит в силу. Тело   </a:t>
+            </a:r>
+            <a:r>
+              <a:rPr lang="en-US" sz="2400" b="1" dirty="0"/>
+              <a:t>IF </a:t>
+            </a:r>
+            <a:r>
+              <a:rPr lang="ru-RU" sz="2400" b="1" dirty="0" smtClean="0"/>
+              <a:t>или   </a:t>
+            </a:r>
+            <a:r>
+              <a:rPr lang="en-US" sz="2400" b="1" dirty="0"/>
+              <a:t>For</a:t>
+            </a:r>
+            <a:r>
+              <a:rPr lang="ru-RU" sz="2400" b="1" dirty="0"/>
+              <a:t> </a:t>
+            </a:r>
+            <a:r>
+              <a:rPr lang="en-US" sz="2400" b="1" dirty="0" smtClean="0"/>
+              <a:t>“(…)”</a:t>
+            </a:r>
+            <a:r>
+              <a:rPr lang="ru-RU" sz="2400" b="1" dirty="0"/>
+              <a:t> </a:t>
+            </a:r>
+            <a:r>
+              <a:rPr lang="ru-RU" sz="2400" b="1" dirty="0" smtClean="0"/>
+              <a:t> также будет </a:t>
+            </a:r>
+            <a:r>
+              <a:rPr lang="ru-RU" sz="2400" b="1" dirty="0"/>
+              <a:t>интерпретироваться как одна строка, даже если тело </a:t>
+            </a:r>
+            <a:r>
+              <a:rPr lang="ru-RU" sz="2400" b="1" dirty="0" smtClean="0"/>
+              <a:t>длится </a:t>
+            </a:r>
+            <a:r>
+              <a:rPr lang="ru-RU" sz="2400" b="1" dirty="0"/>
+              <a:t>несколько строк</a:t>
+            </a:r>
+            <a:r>
+              <a:rPr lang="ru-RU" sz="2400" b="1" dirty="0" smtClean="0"/>
+              <a:t>.</a:t>
             </a:r>
             <a:br>
-              <a:rPr lang="ru-RU" sz="2400" dirty="0" smtClean="0"/>
+              <a:rPr lang="ru-RU" sz="2400" b="1" dirty="0" smtClean="0"/>
             </a:br>
             <a:r>
-              <a:rPr lang="ru-RU" sz="2400" dirty="0" smtClean="0"/>
-              <a:t>строка уже без обращений к переменным. То есть, значение переменной, измененное </a:t>
-            </a:r>
-            <a:br>
-              <a:rPr lang="ru-RU" sz="2400" dirty="0" smtClean="0"/>
-            </a:br>
-            <a:r>
-              <a:rPr lang="ru-RU" sz="2400" dirty="0" smtClean="0"/>
-              <a:t>в строке ранее, для оставшейся строки ещё не вступит в силу. Тело </a:t>
-            </a:r>
-            <a:r>
-              <a:rPr lang="en-US" sz="2400" dirty="0"/>
-              <a:t>IF </a:t>
-            </a:r>
-            <a:r>
-              <a:rPr lang="ru-RU" sz="2400" dirty="0"/>
-              <a:t>или </a:t>
-            </a:r>
-            <a:r>
-              <a:rPr lang="en-US" sz="2400" dirty="0"/>
-              <a:t>For</a:t>
-            </a:r>
-            <a:r>
-              <a:rPr lang="ru-RU" sz="2400" dirty="0"/>
-              <a:t> </a:t>
-            </a:r>
-            <a:r>
-              <a:rPr lang="en-US" sz="2400" dirty="0"/>
-              <a:t>“(…)”</a:t>
-            </a:r>
-            <a:r>
-              <a:rPr lang="ru-RU" sz="2400" dirty="0"/>
-              <a:t>, также </a:t>
-            </a:r>
-            <a:r>
-              <a:rPr lang="en-US" sz="2400" dirty="0"/>
-              <a:t>,</a:t>
-            </a:r>
-            <a:r>
-              <a:rPr lang="ru-RU" sz="2400" dirty="0"/>
-              <a:t>будет интерпретироваться как одна строка, даже если тело </a:t>
-            </a:r>
-            <a:r>
-              <a:rPr lang="ru-RU" sz="2400" dirty="0" smtClean="0"/>
-              <a:t>длится </a:t>
-            </a:r>
-            <a:r>
-              <a:rPr lang="ru-RU" sz="2400" dirty="0"/>
-              <a:t>несколько строк</a:t>
-            </a:r>
-            <a:r>
-              <a:rPr lang="ru-RU" sz="2400" dirty="0" smtClean="0"/>
-              <a:t>.</a:t>
-            </a:r>
-            <a:br>
-              <a:rPr lang="ru-RU" sz="2400" dirty="0" smtClean="0"/>
-            </a:br>
-            <a:r>
-              <a:rPr lang="ru-RU" sz="2400" dirty="0" smtClean="0"/>
+              <a:rPr lang="ru-RU" sz="2400" b="1" dirty="0" smtClean="0"/>
               <a:t>- При этом % может экранировать другой %, как это показано в примере ниже.</a:t>
             </a:r>
-            <a:endParaRPr lang="ru-RU" sz="2400" dirty="0"/>
+            <a:endParaRPr lang="ru-RU" sz="2400" b="1" dirty="0"/>
           </a:p>
         </p:txBody>
       </p:sp>
@@ -6845,8 +7150,8 @@
         </p:blipFill>
         <p:spPr bwMode="auto">
           <a:xfrm>
-            <a:off x="-699" y="2692310"/>
-            <a:ext cx="6334125" cy="2990850"/>
+            <a:off x="-698" y="2856488"/>
+            <a:ext cx="6110186" cy="2826672"/>
           </a:xfrm>
           <a:prstGeom prst="rect">
             <a:avLst/>
@@ -6896,8 +7201,8 @@
         </p:nvSpPr>
         <p:spPr>
           <a:xfrm>
-            <a:off x="6235430" y="2451370"/>
-            <a:ext cx="5956570" cy="4406631"/>
+            <a:off x="6235430" y="2856488"/>
+            <a:ext cx="5956570" cy="4001513"/>
           </a:xfrm>
           <a:prstGeom prst="rect">
             <a:avLst/>
@@ -6932,8 +7237,8 @@
               <a:buChar char="•"/>
             </a:pPr>
             <a:r>
-              <a:rPr lang="ru-RU" sz="2400" dirty="0" smtClean="0"/>
-              <a:t>Из всего этого следует игра в спец символы, проценты и области видимости изменений переменных. Это не баг. Это архитектурные особенности, на которых можно вполне успешно играть.</a:t>
+              <a:rPr lang="ru-RU" sz="2400" b="1" dirty="0" smtClean="0"/>
+              <a:t>Из этого следует игра в спецсимволы, проценты и области видимости изменений переменных. Это не баг. Это архитектурные особенности, на которых можно вполне успешно играть.</a:t>
             </a:r>
           </a:p>
           <a:p>
@@ -6942,11 +7247,11 @@
               <a:buChar char="•"/>
             </a:pPr>
             <a:r>
-              <a:rPr lang="en-US" sz="2400" dirty="0" smtClean="0"/>
+              <a:rPr lang="en-US" sz="2400" b="1" dirty="0" smtClean="0"/>
               <a:t>CMD/BAT – </a:t>
             </a:r>
             <a:r>
-              <a:rPr lang="ru-RU" sz="2400" dirty="0" smtClean="0"/>
+              <a:rPr lang="ru-RU" sz="2400" b="1" dirty="0" smtClean="0"/>
               <a:t>это язык, в котором некоторые задачи могут быть решены 20 способами, только как следствие архитектуры. Например, создание пустого файла или символа пробела.</a:t>
             </a:r>
           </a:p>
@@ -6956,8 +7261,34 @@
               <a:buChar char="•"/>
             </a:pPr>
             <a:r>
+              <a:rPr lang="ru-RU" sz="2400" b="1" dirty="0" smtClean="0"/>
+              <a:t>Добро пожаловать в чудесный дивный мир</a:t>
+            </a:r>
+            <a:r>
+              <a:rPr lang="en-US" sz="2400" b="1" dirty="0">
+                <a:solidFill>
+                  <a:prstClr val="black"/>
+                </a:solidFill>
+                <a:latin typeface="Calibri"/>
+                <a:ea typeface="+mn-ea"/>
+                <a:cs typeface="+mn-cs"/>
+              </a:rPr>
+              <a:t> </a:t>
+            </a:r>
+            <a:r>
+              <a:rPr lang="en-US" sz="2400" dirty="0">
+                <a:solidFill>
+                  <a:prstClr val="black"/>
+                </a:solidFill>
+                <a:latin typeface="Calibri"/>
+                <a:ea typeface="+mn-ea"/>
+                <a:cs typeface="+mn-cs"/>
+              </a:rPr>
+              <a:t>CMD/BAT</a:t>
+            </a:r>
+            <a:r>
               <a:rPr lang="ru-RU" sz="2400" dirty="0" smtClean="0"/>
-              <a:t>Добро пожаловать в чудесный дивный мир!</a:t>
+              <a:t>!</a:t>
             </a:r>
           </a:p>
           <a:p>
@@ -7011,22 +7342,10 @@
           </a:lstStyle>
           <a:p>
             <a:r>
-              <a:rPr lang="ru-RU" sz="2400" dirty="0" err="1" smtClean="0"/>
-              <a:t>Вконтакте</a:t>
-            </a:r>
-            <a:r>
-              <a:rPr lang="ru-RU" sz="2400" dirty="0" smtClean="0"/>
-              <a:t> </a:t>
-            </a:r>
-            <a:r>
-              <a:rPr lang="ru-RU" sz="2400" dirty="0" err="1" smtClean="0"/>
-              <a:t>запрешён</a:t>
-            </a:r>
-            <a:r>
-              <a:rPr lang="ru-RU" sz="2400" dirty="0" smtClean="0"/>
-              <a:t> обмен батниками. Наверное, они их боятся!=) </a:t>
-            </a:r>
-            <a:endParaRPr lang="ru-RU" sz="2400" dirty="0"/>
+              <a:rPr lang="ru-RU" sz="2400" b="1" dirty="0" smtClean="0"/>
+              <a:t>В Контакте запрещён обмен батниками. Наверное, они их боятся!=) </a:t>
+            </a:r>
+            <a:endParaRPr lang="ru-RU" sz="2400" b="1" dirty="0"/>
           </a:p>
         </p:txBody>
       </p:sp>
@@ -7133,20 +7452,28 @@
           <a:lstStyle/>
           <a:p>
             <a:r>
-              <a:rPr lang="ru-RU" sz="2400" b="1" u="sng" dirty="0"/>
+              <a:rPr lang="ru-RU" b="1" dirty="0"/>
               <a:t>Цели </a:t>
             </a:r>
             <a:r>
-              <a:rPr lang="en-US" sz="2400" b="1" u="sng" dirty="0"/>
+              <a:rPr lang="en-US" b="1" dirty="0"/>
               <a:t>Workshop</a:t>
             </a:r>
             <a:r>
-              <a:rPr lang="ru-RU" sz="2400" b="1" u="sng" dirty="0"/>
+              <a:rPr lang="ru-RU" b="1" dirty="0"/>
               <a:t>: </a:t>
             </a:r>
             <a:r>
               <a:rPr lang="ru-RU" sz="2400" dirty="0"/>
-              <a:t>формирование представления о </a:t>
+              <a:t>формирование </a:t>
+            </a:r>
+            <a:r>
+              <a:rPr lang="ru-RU" sz="2400" dirty="0" smtClean="0"/>
+              <a:t>представлений </a:t>
+            </a:r>
+            <a:r>
+              <a:rPr lang="ru-RU" sz="2400" dirty="0"/>
+              <a:t>о </a:t>
             </a:r>
             <a:r>
               <a:rPr lang="ru-RU" sz="2400" dirty="0" err="1"/>
@@ -7154,18 +7481,38 @@
             </a:r>
             <a:r>
               <a:rPr lang="ru-RU" sz="2400" dirty="0"/>
-              <a:t> системного администратора и разработчика средств администрирования</a:t>
+              <a:t> </a:t>
+            </a:r>
+            <a:r>
+              <a:rPr lang="ru-RU" sz="2400" dirty="0" smtClean="0"/>
+              <a:t> системного </a:t>
+            </a:r>
+            <a:r>
+              <a:rPr lang="ru-RU" sz="2400" dirty="0"/>
+              <a:t>администратора и разработчика средств администрирования</a:t>
             </a:r>
             <a:endParaRPr lang="ru-RU" sz="2400" dirty="0" smtClean="0"/>
           </a:p>
           <a:p>
             <a:r>
-              <a:rPr lang="ru-RU" sz="2400" b="1" u="sng" dirty="0"/>
+              <a:rPr lang="ru-RU" b="1" dirty="0"/>
               <a:t>Форма проведения:</a:t>
             </a:r>
             <a:r>
+              <a:rPr lang="ru-RU" dirty="0"/>
+              <a:t> </a:t>
+            </a:r>
+            <a:r>
               <a:rPr lang="ru-RU" sz="2400" dirty="0"/>
-              <a:t> мастер-класс, работа в мини группах (4-5 </a:t>
+              <a:t>мастер-класс, работа в </a:t>
+            </a:r>
+            <a:r>
+              <a:rPr lang="ru-RU" sz="2400" dirty="0" smtClean="0"/>
+              <a:t>мини-группах </a:t>
+            </a:r>
+            <a:r>
+              <a:rPr lang="ru-RU" sz="2400" dirty="0"/>
+              <a:t>(4-5 </a:t>
             </a:r>
             <a:r>
               <a:rPr lang="ru-RU" sz="2400" dirty="0" smtClean="0"/>
@@ -7181,43 +7528,54 @@
           <a:p>
             <a:pPr lvl="1"/>
             <a:r>
+              <a:rPr lang="ru-RU" dirty="0"/>
+              <a:t>п</a:t>
+            </a:r>
+            <a:r>
               <a:rPr lang="ru-RU" dirty="0" smtClean="0"/>
-              <a:t>Приветственное слово.</a:t>
+              <a:t>риветственное слово;</a:t>
             </a:r>
           </a:p>
           <a:p>
             <a:pPr lvl="1"/>
             <a:r>
+              <a:rPr lang="ru-RU" dirty="0"/>
+              <a:t>о</a:t>
+            </a:r>
+            <a:r>
               <a:rPr lang="ru-RU" dirty="0" smtClean="0"/>
-              <a:t>Основные понятия.</a:t>
+              <a:t>сновные понятия;</a:t>
             </a:r>
           </a:p>
           <a:p>
             <a:pPr lvl="1"/>
             <a:r>
+              <a:rPr lang="ru-RU" dirty="0"/>
+              <a:t>п</a:t>
+            </a:r>
+            <a:r>
               <a:rPr lang="ru-RU" dirty="0" smtClean="0"/>
-              <a:t>Практическое </a:t>
+              <a:t>рактическое задание, работа в мини-группах;</a:t>
+            </a:r>
+          </a:p>
+          <a:p>
+            <a:pPr lvl="1"/>
+            <a:r>
+              <a:rPr lang="ru-RU" dirty="0"/>
+              <a:t>о</a:t>
             </a:r>
             <a:r>
               <a:rPr lang="ru-RU" dirty="0" smtClean="0"/>
-              <a:t>задание, работа в </a:t>
-            </a:r>
-            <a:r>
-              <a:rPr lang="ru-RU" dirty="0" smtClean="0"/>
-              <a:t>мини-группах</a:t>
-            </a:r>
-          </a:p>
-          <a:p>
-            <a:pPr lvl="1"/>
-            <a:r>
-              <a:rPr lang="ru-RU" dirty="0" smtClean="0"/>
-              <a:t>Обзор возможностей на основе примеров из </a:t>
+              <a:t>бзор возможностей на основе примеров из </a:t>
             </a:r>
             <a:r>
               <a:rPr lang="ru-RU" dirty="0" err="1" smtClean="0"/>
               <a:t>репозитория</a:t>
             </a:r>
-            <a:endParaRPr lang="ru-RU" dirty="0" smtClean="0"/>
+            <a:r>
+              <a:rPr lang="ru-RU" dirty="0" smtClean="0"/>
+              <a:t>.</a:t>
+            </a:r>
           </a:p>
           <a:p>
             <a:pPr lvl="1"/>
@@ -7340,8 +7698,8 @@
         </p:nvSpPr>
         <p:spPr>
           <a:xfrm>
-            <a:off x="77821" y="408559"/>
-            <a:ext cx="12013660" cy="1254866"/>
+            <a:off x="77821" y="655454"/>
+            <a:ext cx="12013660" cy="1537487"/>
           </a:xfrm>
           <a:prstGeom prst="rect">
             <a:avLst/>
@@ -7376,54 +7734,86 @@
               <a:buChar char="•"/>
             </a:pPr>
             <a:r>
-              <a:rPr lang="ru-RU" sz="2400" dirty="0" smtClean="0"/>
-              <a:t>о том как можно создавать функции. Описаны 2 способа возврата переменной</a:t>
-            </a:r>
-            <a:r>
-              <a:rPr lang="en-US" sz="2400" dirty="0" smtClean="0"/>
-              <a:t>: 1) </a:t>
-            </a:r>
-            <a:r>
-              <a:rPr lang="ru-RU" sz="2400" dirty="0" smtClean="0"/>
+              <a:rPr lang="ru-RU" sz="2400" b="1" dirty="0"/>
+              <a:t>К</a:t>
+            </a:r>
+            <a:r>
+              <a:rPr lang="ru-RU" sz="2400" b="1" dirty="0" smtClean="0"/>
+              <a:t>ак можно создавать функции. </a:t>
+            </a:r>
+          </a:p>
+          <a:p>
+            <a:pPr marL="342900" indent="-342900">
+              <a:buFont typeface="Arial" panose="020B0604020202020204" pitchFamily="34" charset="0"/>
+              <a:buChar char="•"/>
+            </a:pPr>
+            <a:r>
+              <a:rPr lang="ru-RU" sz="2400" b="1" dirty="0" smtClean="0"/>
+              <a:t>Описаны 2 способа возврата переменной</a:t>
+            </a:r>
+            <a:r>
+              <a:rPr lang="en-US" sz="2400" b="1" dirty="0" smtClean="0"/>
+              <a:t>: </a:t>
+            </a:r>
+            <a:endParaRPr lang="ru-RU" sz="2400" b="1" dirty="0" smtClean="0"/>
+          </a:p>
+          <a:p>
+            <a:r>
+              <a:rPr lang="en-US" sz="2400" b="1" dirty="0" smtClean="0"/>
+              <a:t>1) </a:t>
+            </a:r>
+            <a:r>
+              <a:rPr lang="ru-RU" sz="2400" b="1" dirty="0" smtClean="0"/>
               <a:t>через </a:t>
             </a:r>
             <a:r>
-              <a:rPr lang="ru-RU" sz="2400" dirty="0"/>
+              <a:rPr lang="ru-RU" sz="2400" b="1" dirty="0"/>
               <a:t>глобальную переменную</a:t>
             </a:r>
             <a:r>
-              <a:rPr lang="en-US" sz="2400" dirty="0" smtClean="0"/>
+              <a:rPr lang="en-US" sz="2400" b="1" dirty="0" smtClean="0"/>
               <a:t>;</a:t>
             </a:r>
             <a:r>
-              <a:rPr lang="ru-RU" sz="2400" dirty="0"/>
+              <a:rPr lang="ru-RU" sz="2400" b="1" dirty="0"/>
               <a:t> </a:t>
             </a:r>
-            <a:r>
-              <a:rPr lang="en-US" sz="2400" dirty="0" smtClean="0"/>
+            <a:endParaRPr lang="ru-RU" sz="2400" b="1" dirty="0" smtClean="0"/>
+          </a:p>
+          <a:p>
+            <a:r>
+              <a:rPr lang="en-US" sz="2400" b="1" dirty="0" smtClean="0"/>
               <a:t>2) </a:t>
             </a:r>
             <a:r>
-              <a:rPr lang="ru-RU" sz="2400" dirty="0" smtClean="0"/>
+              <a:rPr lang="ru-RU" sz="2400" b="1" dirty="0" smtClean="0"/>
               <a:t>через </a:t>
             </a:r>
             <a:r>
-              <a:rPr lang="ru-RU" sz="2400" dirty="0"/>
-              <a:t>последний параметр, в который передается название переменной в которую вернуть результат</a:t>
-            </a:r>
-            <a:r>
-              <a:rPr lang="ru-RU" sz="2400" dirty="0" smtClean="0"/>
+              <a:rPr lang="ru-RU" sz="2400" b="1" dirty="0"/>
+              <a:t>последний параметр, в который передается название </a:t>
+            </a:r>
+            <a:r>
+              <a:rPr lang="ru-RU" sz="2400" b="1" dirty="0" smtClean="0"/>
+              <a:t>переменной, </a:t>
+            </a:r>
+            <a:r>
+              <a:rPr lang="ru-RU" sz="2400" b="1" dirty="0"/>
+              <a:t>в которую вернуть результат</a:t>
+            </a:r>
+            <a:r>
+              <a:rPr lang="ru-RU" sz="2400" b="1" dirty="0" smtClean="0"/>
               <a:t>.</a:t>
             </a:r>
             <a:r>
-              <a:rPr lang="en-US" sz="2400" dirty="0" smtClean="0"/>
+              <a:rPr lang="en-US" sz="2400" b="1" dirty="0" smtClean="0"/>
               <a:t> </a:t>
             </a:r>
             <a:r>
-              <a:rPr lang="ru-RU" sz="2400" dirty="0" smtClean="0"/>
+              <a:rPr lang="ru-RU" sz="2400" b="1" dirty="0" smtClean="0"/>
               <a:t>Второй способ предпочтительней</a:t>
             </a:r>
-            <a:endParaRPr lang="ru-RU" sz="2400" dirty="0"/>
+            <a:endParaRPr lang="ru-RU" sz="2400" b="1" dirty="0"/>
           </a:p>
         </p:txBody>
       </p:sp>
@@ -7450,8 +7840,8 @@
         </p:blipFill>
         <p:spPr bwMode="auto">
           <a:xfrm>
-            <a:off x="5802540" y="2066881"/>
-            <a:ext cx="5742709" cy="2942863"/>
+            <a:off x="5802540" y="2727016"/>
+            <a:ext cx="5742709" cy="3835624"/>
           </a:xfrm>
           <a:prstGeom prst="rect">
             <a:avLst/>
@@ -7559,8 +7949,8 @@
         </p:blipFill>
         <p:spPr bwMode="auto">
           <a:xfrm>
-            <a:off x="515565" y="2069886"/>
-            <a:ext cx="5151058" cy="3017680"/>
+            <a:off x="515565" y="2629912"/>
+            <a:ext cx="5151058" cy="3932728"/>
           </a:xfrm>
           <a:prstGeom prst="rect">
             <a:avLst/>
@@ -7609,14 +7999,14 @@
           <p:nvPr>
             <p:extLst>
               <p:ext uri="{D42A27DB-BD31-4B8C-83A1-F6EECF244321}">
-                <p14:modId xmlns:p14="http://schemas.microsoft.com/office/powerpoint/2010/main" val="664882022"/>
+                <p14:modId xmlns:p14="http://schemas.microsoft.com/office/powerpoint/2010/main" val="3176301453"/>
               </p:ext>
             </p:extLst>
           </p:nvPr>
         </p:nvGraphicFramePr>
         <p:xfrm>
-          <a:off x="1555345" y="1663425"/>
-          <a:ext cx="8128000" cy="370840"/>
+          <a:off x="1498701" y="2192942"/>
+          <a:ext cx="8128000" cy="457712"/>
         </p:xfrm>
         <a:graphic>
           <a:graphicData uri="http://schemas.openxmlformats.org/drawingml/2006/table">
@@ -7628,7 +8018,7 @@
                 <a:gridCol w="4064000"/>
                 <a:gridCol w="4064000"/>
               </a:tblGrid>
-              <a:tr h="370840">
+              <a:tr h="457712">
                 <a:tc>
                   <a:txBody>
                     <a:bodyPr/>
@@ -7829,131 +8219,119 @@
           </a:lstStyle>
           <a:p>
             <a:r>
-              <a:rPr lang="ru-RU" sz="2400" dirty="0" smtClean="0"/>
-              <a:t>Сообществом считается что в </a:t>
-            </a:r>
-            <a:r>
-              <a:rPr lang="en-US" sz="2400" dirty="0" smtClean="0"/>
+              <a:rPr lang="ru-RU" sz="2400" b="1" dirty="0" smtClean="0"/>
+              <a:t>Принято считать, что в </a:t>
+            </a:r>
+            <a:r>
+              <a:rPr lang="en-US" sz="2400" b="1" dirty="0" smtClean="0"/>
               <a:t>CMD</a:t>
             </a:r>
             <a:r>
-              <a:rPr lang="ru-RU" sz="2400" dirty="0" smtClean="0"/>
+              <a:rPr lang="ru-RU" sz="2400" b="1" dirty="0" smtClean="0"/>
               <a:t> библиотеки создавать нельзя, но это не так.</a:t>
             </a:r>
             <a:br>
-              <a:rPr lang="ru-RU" sz="2400" dirty="0" smtClean="0"/>
+              <a:rPr lang="ru-RU" sz="2400" b="1" dirty="0" smtClean="0"/>
             </a:br>
             <a:r>
-              <a:rPr lang="ru-RU" sz="2400" dirty="0" smtClean="0"/>
-              <a:t>Один из способов, это создать файл</a:t>
-            </a:r>
-            <a:r>
-              <a:rPr lang="en-US" sz="2400" dirty="0" smtClean="0"/>
+              <a:rPr lang="ru-RU" sz="2400" b="1" dirty="0" smtClean="0"/>
+              <a:t>Один из способов - создать файл</a:t>
+            </a:r>
+            <a:r>
+              <a:rPr lang="en-US" sz="2400" b="1" dirty="0" smtClean="0"/>
               <a:t> </a:t>
             </a:r>
             <a:r>
-              <a:rPr lang="ru-RU" sz="2400" dirty="0" smtClean="0"/>
-              <a:t>и </a:t>
-            </a:r>
-            <a:r>
-              <a:rPr lang="ru-RU" sz="2400" dirty="0" err="1" smtClean="0"/>
-              <a:t>пакетно</a:t>
-            </a:r>
-            <a:r>
-              <a:rPr lang="ru-RU" sz="2400" dirty="0" smtClean="0"/>
-              <a:t> запускать его как </a:t>
-            </a:r>
-            <a:r>
-              <a:rPr lang="en-US" sz="2400" dirty="0" smtClean="0"/>
+              <a:rPr lang="ru-RU" sz="2400" b="1" dirty="0" smtClean="0"/>
+              <a:t>и пакетно запускать его как: </a:t>
+            </a:r>
+            <a:r>
+              <a:rPr lang="en-US" sz="2400" b="1" dirty="0" smtClean="0"/>
               <a:t/>
             </a:r>
             <a:br>
-              <a:rPr lang="en-US" sz="2400" dirty="0" smtClean="0"/>
+              <a:rPr lang="en-US" sz="2400" b="1" dirty="0" smtClean="0"/>
             </a:br>
             <a:r>
-              <a:rPr lang="en-US" sz="2400" dirty="0" smtClean="0"/>
+              <a:rPr lang="en-US" sz="2400" b="1" dirty="0" smtClean="0"/>
               <a:t>[</a:t>
             </a:r>
             <a:r>
-              <a:rPr lang="ru-RU" sz="2400" dirty="0" smtClean="0"/>
+              <a:rPr lang="ru-RU" sz="2400" b="1" dirty="0" smtClean="0"/>
               <a:t>имя библиотеки</a:t>
             </a:r>
             <a:r>
-              <a:rPr lang="en-US" sz="2400" dirty="0" smtClean="0"/>
+              <a:rPr lang="en-US" sz="2400" b="1" dirty="0" smtClean="0"/>
               <a:t>].bat</a:t>
             </a:r>
             <a:r>
-              <a:rPr lang="ru-RU" sz="2400" dirty="0" smtClean="0"/>
+              <a:rPr lang="ru-RU" sz="2400" b="1" dirty="0" smtClean="0"/>
               <a:t> </a:t>
             </a:r>
             <a:r>
-              <a:rPr lang="en-US" sz="2400" dirty="0" smtClean="0"/>
+              <a:rPr lang="en-US" sz="2400" b="1" dirty="0" smtClean="0"/>
               <a:t>[</a:t>
             </a:r>
             <a:r>
-              <a:rPr lang="ru-RU" sz="2400" dirty="0" smtClean="0"/>
+              <a:rPr lang="ru-RU" sz="2400" b="1" dirty="0" smtClean="0"/>
               <a:t>имя функции</a:t>
             </a:r>
             <a:r>
-              <a:rPr lang="en-US" sz="2400" dirty="0" smtClean="0"/>
+              <a:rPr lang="en-US" sz="2400" b="1" dirty="0" smtClean="0"/>
               <a:t>]</a:t>
             </a:r>
             <a:r>
-              <a:rPr lang="en-US" sz="2400" dirty="0"/>
+              <a:rPr lang="en-US" sz="2400" b="1" dirty="0"/>
               <a:t> </a:t>
             </a:r>
             <a:r>
-              <a:rPr lang="en-US" sz="2400" dirty="0" smtClean="0"/>
+              <a:rPr lang="en-US" sz="2400" b="1" dirty="0" smtClean="0"/>
               <a:t>[</a:t>
             </a:r>
             <a:r>
-              <a:rPr lang="ru-RU" sz="2400" dirty="0" smtClean="0"/>
-              <a:t>параметр </a:t>
-            </a:r>
-            <a:r>
-              <a:rPr lang="ru-RU" sz="2400" dirty="0" err="1" smtClean="0"/>
-              <a:t>первы</a:t>
-            </a:r>
-            <a:r>
-              <a:rPr lang="en-US" sz="2400" dirty="0" smtClean="0"/>
+              <a:rPr lang="ru-RU" sz="2400" b="1" dirty="0" smtClean="0"/>
+              <a:t>параметр первый</a:t>
+            </a:r>
+            <a:r>
+              <a:rPr lang="en-US" sz="2400" b="1" dirty="0" smtClean="0"/>
               <a:t>]</a:t>
             </a:r>
             <a:r>
-              <a:rPr lang="ru-RU" sz="2400" dirty="0" smtClean="0"/>
+              <a:rPr lang="ru-RU" sz="2400" b="1" dirty="0" smtClean="0"/>
               <a:t> </a:t>
             </a:r>
             <a:r>
-              <a:rPr lang="en-US" sz="2400" dirty="0" smtClean="0"/>
+              <a:rPr lang="en-US" sz="2400" b="1" dirty="0" smtClean="0"/>
               <a:t>[</a:t>
             </a:r>
             <a:r>
-              <a:rPr lang="ru-RU" sz="2400" dirty="0" smtClean="0"/>
+              <a:rPr lang="ru-RU" sz="2400" b="1" dirty="0" smtClean="0"/>
               <a:t>параметр второ</a:t>
             </a:r>
             <a:r>
-              <a:rPr lang="ru-RU" sz="2400" dirty="0"/>
+              <a:rPr lang="ru-RU" sz="2400" b="1" dirty="0"/>
               <a:t>й</a:t>
             </a:r>
             <a:r>
-              <a:rPr lang="en-US" sz="2400" dirty="0" smtClean="0"/>
+              <a:rPr lang="en-US" sz="2400" b="1" dirty="0" smtClean="0"/>
               <a:t>]</a:t>
             </a:r>
             <a:r>
-              <a:rPr lang="ru-RU" sz="2400" dirty="0" smtClean="0"/>
+              <a:rPr lang="ru-RU" sz="2400" b="1" dirty="0" smtClean="0"/>
               <a:t> …</a:t>
             </a:r>
             <a:br>
-              <a:rPr lang="ru-RU" sz="2400" dirty="0" smtClean="0"/>
+              <a:rPr lang="ru-RU" sz="2400" b="1" dirty="0" smtClean="0"/>
             </a:br>
             <a:r>
-              <a:rPr lang="ru-RU" sz="2400" dirty="0" smtClean="0"/>
-              <a:t>В программном коде это выглядит как</a:t>
-            </a:r>
-            <a:r>
-              <a:rPr lang="en-US" sz="2400" dirty="0" smtClean="0"/>
+              <a:rPr lang="ru-RU" sz="2400" b="1" dirty="0" smtClean="0"/>
+              <a:t>В программном коде это выглядит так</a:t>
+            </a:r>
+            <a:r>
+              <a:rPr lang="en-US" sz="2400" b="1" dirty="0" smtClean="0"/>
               <a:t>:</a:t>
             </a:r>
-            <a:endParaRPr lang="ru-RU" sz="2400" dirty="0"/>
+            <a:endParaRPr lang="ru-RU" sz="2400" b="1" dirty="0"/>
           </a:p>
         </p:txBody>
       </p:sp>
@@ -8181,18 +8559,10 @@
           </a:lstStyle>
           <a:p>
             <a:r>
-              <a:rPr lang="ru-RU" sz="2400" dirty="0" smtClean="0"/>
-              <a:t>Как </a:t>
-            </a:r>
-            <a:r>
-              <a:rPr lang="ru-RU" sz="2400" dirty="0" err="1" smtClean="0"/>
-              <a:t>пакетно</a:t>
-            </a:r>
-            <a:r>
-              <a:rPr lang="ru-RU" sz="2400" dirty="0" smtClean="0"/>
-              <a:t> запускать</a:t>
-            </a:r>
-            <a:endParaRPr lang="ru-RU" sz="2400" dirty="0"/>
+              <a:rPr lang="ru-RU" sz="2400" b="1" dirty="0" smtClean="0"/>
+              <a:t>Как пакетно запускать:</a:t>
+            </a:r>
+            <a:endParaRPr lang="ru-RU" sz="2400" b="1" dirty="0"/>
           </a:p>
         </p:txBody>
       </p:sp>
@@ -8238,11 +8608,11 @@
           </a:lstStyle>
           <a:p>
             <a:r>
-              <a:rPr lang="ru-RU" sz="2400" dirty="0" smtClean="0"/>
-              <a:t>Плюсы</a:t>
-            </a:r>
-            <a:r>
-              <a:rPr lang="en-US" sz="2400" dirty="0" smtClean="0"/>
+              <a:rPr lang="ru-RU" sz="2400" b="1" dirty="0" smtClean="0"/>
+              <a:t>Плюсы этого способа</a:t>
+            </a:r>
+            <a:r>
+              <a:rPr lang="en-US" sz="2400" b="1" dirty="0" smtClean="0"/>
               <a:t>:</a:t>
             </a:r>
           </a:p>
@@ -8252,18 +8622,22 @@
               <a:buChar char="•"/>
             </a:pPr>
             <a:r>
-              <a:rPr lang="ru-RU" sz="2400" dirty="0" smtClean="0"/>
-              <a:t>Каждая псевдо библиотека сама по себе является исполняемым файлом, что может быть </a:t>
-            </a:r>
-            <a:r>
-              <a:rPr lang="en-US" sz="2400" dirty="0" smtClean="0"/>
-              <a:t>Help-</a:t>
-            </a:r>
-            <a:r>
-              <a:rPr lang="ru-RU" sz="2400" dirty="0" smtClean="0"/>
-              <a:t>ом само по себе.</a:t>
-            </a:r>
-            <a:endParaRPr lang="en-US" sz="2400" dirty="0" smtClean="0"/>
+              <a:rPr lang="ru-RU" sz="2400" b="1" dirty="0"/>
+              <a:t>к</a:t>
+            </a:r>
+            <a:r>
+              <a:rPr lang="ru-RU" sz="2400" b="1" dirty="0" smtClean="0"/>
+              <a:t>аждая псевдо-библиотека сама является исполняемым файлом, что может выступить в роли </a:t>
+            </a:r>
+            <a:r>
+              <a:rPr lang="en-US" sz="2400" b="1" dirty="0" smtClean="0"/>
+              <a:t>Help</a:t>
+            </a:r>
+            <a:r>
+              <a:rPr lang="ru-RU" sz="2400" b="1" dirty="0"/>
+              <a:t>;</a:t>
+            </a:r>
+            <a:endParaRPr lang="ru-RU" sz="2400" b="1" dirty="0" smtClean="0"/>
           </a:p>
           <a:p>
             <a:pPr marL="342900" indent="-342900">
@@ -8271,26 +8645,22 @@
               <a:buChar char="•"/>
             </a:pPr>
             <a:r>
-              <a:rPr lang="en-US" sz="2400" dirty="0" smtClean="0"/>
-              <a:t>C</a:t>
-            </a:r>
-            <a:r>
-              <a:rPr lang="ru-RU" sz="2400" dirty="0" smtClean="0"/>
+              <a:rPr lang="ru-RU" sz="2400" b="1" dirty="0"/>
+              <a:t>с</a:t>
+            </a:r>
+            <a:r>
+              <a:rPr lang="ru-RU" sz="2400" b="1" dirty="0" smtClean="0"/>
               <a:t>охраняет </a:t>
             </a:r>
             <a:r>
-              <a:rPr lang="ru-RU" sz="2400" dirty="0"/>
+              <a:rPr lang="ru-RU" sz="2400" b="1" dirty="0"/>
               <a:t>созданные и измененные глобальные </a:t>
             </a:r>
             <a:r>
-              <a:rPr lang="ru-RU" sz="2400" dirty="0" smtClean="0"/>
-              <a:t>переменные</a:t>
-            </a:r>
-            <a:r>
-              <a:rPr lang="en-US" sz="2400" dirty="0" smtClean="0"/>
-              <a:t>.</a:t>
-            </a:r>
-            <a:endParaRPr lang="ru-RU" sz="2400" dirty="0"/>
+              <a:rPr lang="ru-RU" sz="2400" b="1" dirty="0" smtClean="0"/>
+              <a:t>переменные;</a:t>
+            </a:r>
+            <a:endParaRPr lang="ru-RU" sz="2400" b="1" dirty="0"/>
           </a:p>
           <a:p>
             <a:pPr marL="342900" indent="-342900">
@@ -8298,18 +8668,18 @@
               <a:buChar char="•"/>
             </a:pPr>
             <a:r>
-              <a:rPr lang="ru-RU" sz="2400" dirty="0" smtClean="0"/>
-              <a:t>позволяет быть подшитым в один файл</a:t>
-            </a:r>
-            <a:endParaRPr lang="en-US" sz="2400" dirty="0" smtClean="0"/>
-          </a:p>
-          <a:p>
-            <a:r>
-              <a:rPr lang="ru-RU" sz="2400" dirty="0" smtClean="0"/>
+              <a:rPr lang="ru-RU" sz="2400" b="1" dirty="0" smtClean="0"/>
+              <a:t>позволяет подшивать в один файл.</a:t>
+            </a:r>
+            <a:endParaRPr lang="en-US" sz="2400" b="1" dirty="0" smtClean="0"/>
+          </a:p>
+          <a:p>
+            <a:r>
+              <a:rPr lang="ru-RU" sz="2400" b="1" dirty="0" smtClean="0"/>
               <a:t>Минусы</a:t>
             </a:r>
             <a:r>
-              <a:rPr lang="en-US" sz="2400" dirty="0" smtClean="0"/>
+              <a:rPr lang="en-US" sz="2400" b="1" dirty="0" smtClean="0"/>
               <a:t>:</a:t>
             </a:r>
           </a:p>
@@ -8319,8 +8689,12 @@
               <a:buChar char="•"/>
             </a:pPr>
             <a:r>
-              <a:rPr lang="ru-RU" sz="2400" dirty="0" smtClean="0"/>
-              <a:t>Требует инфраструктурного кода</a:t>
+              <a:rPr lang="ru-RU" sz="2400" b="1" dirty="0"/>
+              <a:t>т</a:t>
+            </a:r>
+            <a:r>
+              <a:rPr lang="ru-RU" sz="2400" b="1" dirty="0" smtClean="0"/>
+              <a:t>ребует инфраструктурного кода;</a:t>
             </a:r>
           </a:p>
           <a:p>
@@ -8329,8 +8703,12 @@
               <a:buChar char="•"/>
             </a:pPr>
             <a:r>
-              <a:rPr lang="ru-RU" sz="2400" dirty="0" smtClean="0"/>
-              <a:t>Не сохраняет подгруженные функции в памяти.</a:t>
+              <a:rPr lang="ru-RU" sz="2400" b="1" dirty="0"/>
+              <a:t>н</a:t>
+            </a:r>
+            <a:r>
+              <a:rPr lang="ru-RU" sz="2400" b="1" dirty="0" smtClean="0"/>
+              <a:t>е сохраняет подгруженные функции в памяти;</a:t>
             </a:r>
           </a:p>
           <a:p>
@@ -8339,8 +8717,12 @@
               <a:buChar char="•"/>
             </a:pPr>
             <a:r>
-              <a:rPr lang="ru-RU" sz="2400" dirty="0" smtClean="0"/>
-              <a:t>Каждый запуск, это чтение с жесткого диска.</a:t>
+              <a:rPr lang="ru-RU" sz="2400" b="1" dirty="0"/>
+              <a:t>к</a:t>
+            </a:r>
+            <a:r>
+              <a:rPr lang="ru-RU" sz="2400" b="1" dirty="0" smtClean="0"/>
+              <a:t>аждый запуск - это чтение с жесткого диска.</a:t>
             </a:r>
           </a:p>
         </p:txBody>
@@ -8484,63 +8866,78 @@
           </a:lstStyle>
           <a:p>
             <a:r>
-              <a:rPr lang="en-US" sz="2400" dirty="0"/>
+              <a:rPr lang="en-US" sz="2400" b="1" dirty="0"/>
               <a:t>BLL – BAT L</a:t>
             </a:r>
             <a:r>
-              <a:rPr lang="en-US" sz="2400" dirty="0" smtClean="0"/>
+              <a:rPr lang="en-US" sz="2400" b="1" dirty="0" smtClean="0"/>
               <a:t>inked Library.</a:t>
             </a:r>
             <a:br>
-              <a:rPr lang="en-US" sz="2400" dirty="0" smtClean="0"/>
+              <a:rPr lang="en-US" sz="2400" b="1" dirty="0" smtClean="0"/>
             </a:br>
             <a:r>
-              <a:rPr lang="ru-RU" sz="2400" dirty="0" smtClean="0"/>
-              <a:t>Это искусственный прием, заключается в подшивании нескольких файлов в один результирующий с последующим его запуском.</a:t>
+              <a:rPr lang="ru-RU" sz="2400" b="1" dirty="0" smtClean="0"/>
+              <a:t>Это искусственный прием, он заключается в подшивании нескольких файлов в один результирующий с последующим его запуском.</a:t>
             </a:r>
             <a:br>
-              <a:rPr lang="ru-RU" sz="2400" dirty="0" smtClean="0"/>
+              <a:rPr lang="ru-RU" sz="2400" b="1" dirty="0" smtClean="0"/>
             </a:br>
             <a:r>
-              <a:rPr lang="en-US" sz="2400" dirty="0" smtClean="0"/>
+              <a:rPr lang="en-US" sz="2400" b="1" dirty="0" smtClean="0"/>
               <a:t>Type – </a:t>
             </a:r>
             <a:r>
-              <a:rPr lang="ru-RU" sz="2400" dirty="0" smtClean="0"/>
-              <a:t>это печать всего файла на экран</a:t>
+              <a:rPr lang="ru-RU" sz="2400" b="1" dirty="0" smtClean="0"/>
+              <a:t>это печать всего файла на экран.</a:t>
             </a:r>
             <a:br>
-              <a:rPr lang="ru-RU" sz="2400" dirty="0" smtClean="0"/>
+              <a:rPr lang="ru-RU" sz="2400" b="1" dirty="0" smtClean="0"/>
             </a:br>
             <a:r>
-              <a:rPr lang="ru-RU" sz="2400" dirty="0" smtClean="0"/>
+              <a:rPr lang="ru-RU" sz="2400" b="1" dirty="0" smtClean="0"/>
               <a:t>(…)</a:t>
             </a:r>
             <a:r>
-              <a:rPr lang="en-US" sz="2400" dirty="0" smtClean="0"/>
+              <a:rPr lang="en-US" sz="2400" b="1" dirty="0" smtClean="0"/>
               <a:t>&gt;&gt;</a:t>
             </a:r>
             <a:r>
-              <a:rPr lang="ru-RU" sz="2400" dirty="0" smtClean="0"/>
+              <a:rPr lang="ru-RU" sz="2400" b="1" dirty="0" smtClean="0"/>
               <a:t> *.*</a:t>
             </a:r>
             <a:r>
-              <a:rPr lang="en-US" sz="2400" dirty="0" smtClean="0"/>
+              <a:rPr lang="en-US" sz="2400" b="1" dirty="0" smtClean="0"/>
               <a:t> - </a:t>
             </a:r>
             <a:r>
-              <a:rPr lang="ru-RU" sz="2400" dirty="0" smtClean="0"/>
-              <a:t>перенаправление вывода на экран </a:t>
-            </a:r>
-            <a:r>
-              <a:rPr lang="ru-RU" sz="2400" dirty="0"/>
+              <a:rPr lang="ru-RU" sz="2400" b="1" dirty="0" smtClean="0"/>
+              <a:t>перенаправление </a:t>
+            </a:r>
+            <a:r>
+              <a:rPr lang="ru-RU" sz="2400" dirty="0">
+                <a:solidFill>
+                  <a:prstClr val="black"/>
+                </a:solidFill>
+                <a:latin typeface="Calibri"/>
+                <a:ea typeface="+mn-ea"/>
+                <a:cs typeface="+mn-cs"/>
+              </a:rPr>
+              <a:t>для группы операций </a:t>
+            </a:r>
+            <a:r>
+              <a:rPr lang="ru-RU" sz="2400" b="1" dirty="0" smtClean="0"/>
+              <a:t>вывода на экран </a:t>
+            </a:r>
+            <a:r>
+              <a:rPr lang="ru-RU" sz="2400" b="1" dirty="0"/>
               <a:t>в</a:t>
             </a:r>
             <a:r>
-              <a:rPr lang="ru-RU" sz="2400" dirty="0" smtClean="0"/>
-              <a:t> файл для группы операций </a:t>
-            </a:r>
-            <a:endParaRPr lang="ru-RU" sz="2400" dirty="0"/>
+              <a:rPr lang="ru-RU" sz="2400" b="1" dirty="0" smtClean="0"/>
+              <a:t> файл</a:t>
+            </a:r>
+            <a:endParaRPr lang="ru-RU" sz="2400" b="1" dirty="0"/>
           </a:p>
         </p:txBody>
       </p:sp>
@@ -8650,33 +9047,41 @@
           </a:lstStyle>
           <a:p>
             <a:r>
-              <a:rPr lang="ru-RU" sz="2400" dirty="0" smtClean="0"/>
-              <a:t>Удобно сочетается с псевдо библиотеками, так как после</a:t>
-            </a:r>
-            <a:r>
-              <a:rPr lang="en-US" sz="2400" dirty="0" smtClean="0"/>
+              <a:rPr lang="ru-RU" sz="2400" b="1" dirty="0" smtClean="0"/>
+              <a:t>Удобно сочетается с псевдо- библиотеками, так как после</a:t>
+            </a:r>
+            <a:r>
+              <a:rPr lang="en-US" sz="2400" b="1" dirty="0" smtClean="0"/>
               <a:t> exit /b </a:t>
             </a:r>
             <a:r>
-              <a:rPr lang="ru-RU" sz="2400" dirty="0" smtClean="0"/>
+              <a:rPr lang="ru-RU" sz="2400" b="1" dirty="0" smtClean="0"/>
               <a:t>осуществляется выход из функции или *.</a:t>
             </a:r>
             <a:r>
-              <a:rPr lang="en-US" sz="2400" dirty="0" smtClean="0"/>
+              <a:rPr lang="en-US" sz="2400" b="1" dirty="0" smtClean="0"/>
               <a:t>bat</a:t>
             </a:r>
             <a:r>
-              <a:rPr lang="ru-RU" sz="2400" dirty="0" smtClean="0"/>
+              <a:rPr lang="ru-RU" sz="2400" b="1" dirty="0" smtClean="0"/>
               <a:t> файла.</a:t>
             </a:r>
             <a:br>
-              <a:rPr lang="ru-RU" sz="2400" dirty="0" smtClean="0"/>
+              <a:rPr lang="ru-RU" sz="2400" b="1" dirty="0" smtClean="0"/>
             </a:br>
             <a:r>
-              <a:rPr lang="ru-RU" sz="2400" dirty="0" smtClean="0"/>
-              <a:t>После него - получаем недостижимый карман программного кода в котором и размещаем все подшиваемые библиотеки (как в примере).</a:t>
-            </a:r>
-            <a:endParaRPr lang="ru-RU" sz="2400" dirty="0"/>
+              <a:rPr lang="ru-RU" sz="2400" b="1" dirty="0" smtClean="0"/>
+              <a:t>После </a:t>
+            </a:r>
+            <a:r>
+              <a:rPr lang="ru-RU" sz="2400" b="1" dirty="0"/>
+              <a:t>ч</a:t>
+            </a:r>
+            <a:r>
+              <a:rPr lang="ru-RU" sz="2400" b="1" dirty="0" smtClean="0"/>
+              <a:t>его  получаем недостижимый карман программного кода, в котором и размещаем все подшиваемые библиотеки (как в примере).</a:t>
+            </a:r>
+            <a:endParaRPr lang="ru-RU" sz="2400" b="1" dirty="0"/>
           </a:p>
         </p:txBody>
       </p:sp>
@@ -8883,10 +9288,10 @@
           </a:lstStyle>
           <a:p>
             <a:r>
-              <a:rPr lang="ru-RU" sz="2400" dirty="0" smtClean="0"/>
+              <a:rPr lang="ru-RU" sz="2400" b="1" dirty="0" smtClean="0"/>
               <a:t>Библиотека для вывода цветного текста в консоль</a:t>
             </a:r>
-            <a:endParaRPr lang="ru-RU" sz="2400" dirty="0"/>
+            <a:endParaRPr lang="ru-RU" sz="2400" b="1" dirty="0"/>
           </a:p>
         </p:txBody>
       </p:sp>
@@ -9258,10 +9663,18 @@
           </a:lstStyle>
           <a:p>
             <a:r>
-              <a:rPr lang="ru-RU" sz="2400" dirty="0" smtClean="0"/>
-              <a:t>Библиотека примеров работы с датой, временем, и авто генерированием неповторяющихся названий для временных файлов. </a:t>
-            </a:r>
-            <a:endParaRPr lang="ru-RU" sz="2400" dirty="0"/>
+              <a:rPr lang="ru-RU" sz="2400" b="1" dirty="0" smtClean="0"/>
+              <a:t>Библиотека примеров работы с датой, временем, и </a:t>
+            </a:r>
+            <a:r>
+              <a:rPr lang="ru-RU" sz="2400" b="1" dirty="0" err="1" smtClean="0"/>
+              <a:t>автогенерированием</a:t>
+            </a:r>
+            <a:r>
+              <a:rPr lang="ru-RU" sz="2400" b="1" dirty="0" smtClean="0"/>
+              <a:t> неповторяющихся названий для временных файлов. </a:t>
+            </a:r>
+            <a:endParaRPr lang="ru-RU" sz="2400" b="1" dirty="0"/>
           </a:p>
         </p:txBody>
       </p:sp>
@@ -9458,7 +9871,7 @@
             </a:r>
             <a:r>
               <a:rPr lang="ru-RU" dirty="0" smtClean="0"/>
-              <a:t>библиотека о том как работать с виртуальными переменными. В программном коде их нет, но в оперативной памяти они есть.</a:t>
+              <a:t>библиотека о том, как работать с виртуальными переменными. В программном коде их нет, но в оперативной памяти они есть.</a:t>
             </a:r>
             <a:endParaRPr lang="ru-RU" dirty="0"/>
           </a:p>
@@ -9829,8 +10242,8 @@
         </p:blipFill>
         <p:spPr bwMode="auto">
           <a:xfrm>
-            <a:off x="38737" y="760673"/>
-            <a:ext cx="8657785" cy="2411924"/>
+            <a:off x="38737" y="979135"/>
+            <a:ext cx="8657785" cy="2193461"/>
           </a:xfrm>
           <a:prstGeom prst="rect">
             <a:avLst/>
@@ -9882,8 +10295,8 @@
         </p:nvSpPr>
         <p:spPr>
           <a:xfrm>
-            <a:off x="136187" y="376199"/>
-            <a:ext cx="11663464" cy="1209405"/>
+            <a:off x="136187" y="534074"/>
+            <a:ext cx="11663464" cy="1051530"/>
           </a:xfrm>
         </p:spPr>
         <p:txBody>
@@ -9898,7 +10311,7 @@
             </a:r>
             <a:r>
               <a:rPr lang="ru-RU" dirty="0" smtClean="0"/>
-              <a:t>стек и массивы на основе виртуальных переменных.</a:t>
+              <a:t>стек и массивы на основе виртуальных переменных</a:t>
             </a:r>
             <a:endParaRPr lang="ru-RU" dirty="0"/>
           </a:p>
@@ -10138,7 +10551,7 @@
           <a:p>
             <a:r>
               <a:rPr lang="ru-RU" dirty="0" smtClean="0"/>
-              <a:t>Создание пользовательских стрелочных меню на батниках.</a:t>
+              <a:t>Создание пользовательских стрелочных меню на батниках</a:t>
             </a:r>
           </a:p>
           <a:p>
@@ -10706,7 +11119,7 @@
           <a:p>
             <a:r>
               <a:rPr lang="ru-RU" dirty="0" smtClean="0"/>
-              <a:t>На основе последнего механизма вполне создаются инструменты системного администрирования и разработки программного обеспечения.</a:t>
+              <a:t>На основе представленного здесь механизма можно создавать инструменты системного администрирования и разработки программного обеспечения</a:t>
             </a:r>
             <a:endParaRPr lang="ru-RU" dirty="0"/>
           </a:p>
@@ -11122,9 +11535,148 @@
           <a:chExt cx="0" cy="0"/>
         </a:xfrm>
       </p:grpSpPr>
+      <p:sp>
+        <p:nvSpPr>
+          <p:cNvPr id="2" name="Заголовок 1"/>
+          <p:cNvSpPr>
+            <a:spLocks noGrp="1"/>
+          </p:cNvSpPr>
+          <p:nvPr>
+            <p:ph type="title"/>
+          </p:nvPr>
+        </p:nvSpPr>
+        <p:spPr>
+          <a:xfrm>
+            <a:off x="1288460" y="1668068"/>
+            <a:ext cx="9927506" cy="1498574"/>
+          </a:xfrm>
+        </p:spPr>
+        <p:txBody>
+          <a:bodyPr/>
+          <a:lstStyle/>
+          <a:p>
+            <a:pPr algn="ctr"/>
+            <a:r>
+              <a:rPr lang="ru-RU" b="1" dirty="0" smtClean="0">
+                <a:solidFill>
+                  <a:srgbClr val="C20282"/>
+                </a:solidFill>
+              </a:rPr>
+              <a:t>Благодарим за участие в </a:t>
+            </a:r>
+            <a:r>
+              <a:rPr lang="en-US" b="1" dirty="0" err="1" smtClean="0">
+                <a:solidFill>
+                  <a:srgbClr val="C20282"/>
+                </a:solidFill>
+              </a:rPr>
+              <a:t>WorkShop</a:t>
+            </a:r>
+            <a:r>
+              <a:rPr lang="ru-RU" b="1" dirty="0" smtClean="0">
+                <a:solidFill>
+                  <a:srgbClr val="C20282"/>
+                </a:solidFill>
+              </a:rPr>
+              <a:t>!</a:t>
+            </a:r>
+            <a:endParaRPr lang="ru-RU" b="1" dirty="0">
+              <a:solidFill>
+                <a:srgbClr val="0070C0"/>
+              </a:solidFill>
+            </a:endParaRPr>
+          </a:p>
+        </p:txBody>
+      </p:sp>
+      <p:sp>
+        <p:nvSpPr>
+          <p:cNvPr id="3" name="Объект 2"/>
+          <p:cNvSpPr>
+            <a:spLocks noGrp="1"/>
+          </p:cNvSpPr>
+          <p:nvPr>
+            <p:ph idx="1"/>
+          </p:nvPr>
+        </p:nvSpPr>
+        <p:spPr>
+          <a:xfrm>
+            <a:off x="838200" y="4360949"/>
+            <a:ext cx="10515600" cy="630897"/>
+          </a:xfrm>
+        </p:spPr>
+        <p:txBody>
+          <a:bodyPr>
+            <a:normAutofit/>
+          </a:bodyPr>
+          <a:lstStyle/>
+          <a:p>
+            <a:pPr marL="0" indent="0" algn="ctr">
+              <a:buNone/>
+            </a:pPr>
+            <a:r>
+              <a:rPr lang="ru-RU" b="1" dirty="0" smtClean="0">
+                <a:solidFill>
+                  <a:srgbClr val="C20282"/>
+                </a:solidFill>
+              </a:rPr>
+              <a:t>Больше интересных проектов и событий здесь:</a:t>
+            </a:r>
+            <a:endParaRPr lang="ru-RU" b="1" dirty="0">
+              <a:solidFill>
+                <a:srgbClr val="C20282"/>
+              </a:solidFill>
+            </a:endParaRPr>
+          </a:p>
+        </p:txBody>
+      </p:sp>
+      <p:sp>
+        <p:nvSpPr>
+          <p:cNvPr id="4" name="Прямоугольник 3"/>
+          <p:cNvSpPr/>
+          <p:nvPr/>
+        </p:nvSpPr>
+        <p:spPr>
+          <a:xfrm>
+            <a:off x="3252216" y="6267104"/>
+            <a:ext cx="2026324" cy="369332"/>
+          </a:xfrm>
+          <a:prstGeom prst="rect">
+            <a:avLst/>
+          </a:prstGeom>
+        </p:spPr>
+        <p:txBody>
+          <a:bodyPr wrap="none">
+            <a:spAutoFit/>
+          </a:bodyPr>
+          <a:lstStyle/>
+          <a:p>
+            <a:r>
+              <a:rPr lang="ru-RU" b="1" dirty="0">
+                <a:solidFill>
+                  <a:srgbClr val="0070C0"/>
+                </a:solidFill>
+              </a:rPr>
+              <a:t>vk.com/</a:t>
+            </a:r>
+            <a:r>
+              <a:rPr lang="ru-RU" b="1" dirty="0" err="1">
+                <a:solidFill>
+                  <a:srgbClr val="0070C0"/>
+                </a:solidFill>
+              </a:rPr>
+              <a:t>kip_college</a:t>
+            </a:r>
+            <a:endParaRPr lang="ru-RU" b="1" dirty="0">
+              <a:solidFill>
+                <a:srgbClr val="0070C0"/>
+              </a:solidFill>
+            </a:endParaRPr>
+          </a:p>
+        </p:txBody>
+      </p:sp>
       <p:pic>
         <p:nvPicPr>
-          <p:cNvPr id="9218" name="Picture 2" descr="данные будут уничтожены"/>
+          <p:cNvPr id="6146" name="Picture 2" descr="http://qrcoder.ru/code/?https%3A%2F%2Fvk.com%2Fkip_college&amp;4&amp;0"/>
           <p:cNvPicPr>
             <a:picLocks noChangeAspect="1" noChangeArrowheads="1"/>
           </p:cNvPicPr>
@@ -11145,13 +11697,18 @@
         </p:blipFill>
         <p:spPr bwMode="auto">
           <a:xfrm>
-            <a:off x="233395" y="1486662"/>
-            <a:ext cx="11937997" cy="3581401"/>
+            <a:off x="3620665" y="4989689"/>
+            <a:ext cx="1257300" cy="1257301"/>
           </a:xfrm>
           <a:prstGeom prst="rect">
             <a:avLst/>
           </a:prstGeom>
           <a:noFill/>
+          <a:ln>
+            <a:solidFill>
+              <a:srgbClr val="0070C0"/>
+            </a:solidFill>
+          </a:ln>
           <a:extLst>
             <a:ext uri="{909E8E84-426E-40DD-AFC4-6F175D3DCCD1}">
               <a14:hiddenFill xmlns:a14="http://schemas.microsoft.com/office/drawing/2010/main">
@@ -11165,193 +11722,126 @@
       </p:pic>
       <p:sp>
         <p:nvSpPr>
-          <p:cNvPr id="5" name="Заголовок 1"/>
-          <p:cNvSpPr txBox="1">
-            <a:spLocks/>
-          </p:cNvSpPr>
+          <p:cNvPr id="6" name="Прямоугольник 5"/>
+          <p:cNvSpPr/>
           <p:nvPr/>
         </p:nvSpPr>
         <p:spPr>
           <a:xfrm>
-            <a:off x="-204306" y="29184"/>
-            <a:ext cx="11914744" cy="1215957"/>
+            <a:off x="1114153" y="6267104"/>
+            <a:ext cx="981166" cy="369332"/>
           </a:xfrm>
           <a:prstGeom prst="rect">
             <a:avLst/>
           </a:prstGeom>
         </p:spPr>
         <p:txBody>
-          <a:bodyPr vert="horz" lIns="91440" tIns="45720" rIns="91440" bIns="45720" rtlCol="0" anchor="ctr">
-            <a:noAutofit/>
+          <a:bodyPr wrap="none">
+            <a:spAutoFit/>
           </a:bodyPr>
-          <a:lstStyle>
-            <a:lvl1pPr algn="l" defTabSz="914400" rtl="0" eaLnBrk="1" latinLnBrk="0" hangingPunct="1">
-              <a:lnSpc>
-                <a:spcPct val="90000"/>
-              </a:lnSpc>
-              <a:spcBef>
-                <a:spcPct val="0"/>
-              </a:spcBef>
-              <a:buNone/>
-              <a:defRPr sz="4400" kern="1200">
-                <a:solidFill>
-                  <a:schemeClr val="tx1"/>
-                </a:solidFill>
-                <a:latin typeface="+mj-lt"/>
-                <a:ea typeface="+mj-ea"/>
-                <a:cs typeface="+mj-cs"/>
-              </a:defRPr>
-            </a:lvl1pPr>
-          </a:lstStyle>
-          <a:p>
-            <a:pPr algn="ctr"/>
-            <a:r>
-              <a:rPr lang="ru-RU" sz="3600" b="1" cap="all" dirty="0" smtClean="0">
+          <a:lstStyle/>
+          <a:p>
+            <a:r>
+              <a:rPr lang="en-US" b="1" dirty="0" smtClean="0">
                 <a:solidFill>
                   <a:srgbClr val="0070C0"/>
                 </a:solidFill>
-                <a:latin typeface="+mn-lt"/>
               </a:rPr>
-              <a:t>Об </a:t>
-            </a:r>
-            <a:r>
-              <a:rPr lang="ru-RU" sz="3600" b="1" cap="all" dirty="0">
-                <a:solidFill>
-                  <a:srgbClr val="0070C0"/>
-                </a:solidFill>
-                <a:latin typeface="+mn-lt"/>
-              </a:rPr>
-              <a:t>этом не говорят, но бывает</a:t>
-            </a:r>
-            <a:r>
-              <a:rPr lang="ru-RU" sz="3600" b="1" cap="all" dirty="0" smtClean="0">
-                <a:solidFill>
-                  <a:srgbClr val="0070C0"/>
-                </a:solidFill>
-                <a:latin typeface="+mn-lt"/>
-              </a:rPr>
-              <a:t>,</a:t>
-            </a:r>
-            <a:br>
-              <a:rPr lang="ru-RU" sz="3600" b="1" cap="all" dirty="0" smtClean="0">
-                <a:solidFill>
-                  <a:srgbClr val="0070C0"/>
-                </a:solidFill>
-                <a:latin typeface="+mn-lt"/>
-              </a:rPr>
-            </a:br>
-            <a:r>
-              <a:rPr lang="ru-RU" sz="3600" b="1" cap="all" dirty="0" smtClean="0">
-                <a:solidFill>
-                  <a:srgbClr val="0070C0"/>
-                </a:solidFill>
-                <a:latin typeface="+mn-lt"/>
-              </a:rPr>
-              <a:t> </a:t>
-            </a:r>
-            <a:r>
-              <a:rPr lang="ru-RU" sz="3600" b="1" cap="all" dirty="0">
-                <a:solidFill>
-                  <a:srgbClr val="0070C0"/>
-                </a:solidFill>
-                <a:latin typeface="+mn-lt"/>
-              </a:rPr>
-              <a:t>что там все весьма </a:t>
-            </a:r>
-            <a:r>
-              <a:rPr lang="ru-RU" sz="3600" b="1" cap="all" dirty="0" smtClean="0">
-                <a:solidFill>
-                  <a:srgbClr val="0070C0"/>
-                </a:solidFill>
-                <a:latin typeface="+mn-lt"/>
-              </a:rPr>
-              <a:t>серьезно. </a:t>
-            </a:r>
-            <a:endParaRPr lang="ru-RU" sz="3600" b="1" cap="all" dirty="0">
+              <a:t>kip.fa.ru</a:t>
+            </a:r>
+            <a:endParaRPr lang="ru-RU" b="1" dirty="0">
               <a:solidFill>
                 <a:srgbClr val="0070C0"/>
               </a:solidFill>
-              <a:latin typeface="+mn-lt"/>
             </a:endParaRPr>
           </a:p>
         </p:txBody>
       </p:sp>
-      <p:sp>
-        <p:nvSpPr>
-          <p:cNvPr id="8" name="Заголовок 1"/>
-          <p:cNvSpPr txBox="1">
-            <a:spLocks/>
-          </p:cNvSpPr>
+      <p:pic>
+        <p:nvPicPr>
+          <p:cNvPr id="6148" name="Picture 4" descr="http://qrcoder.ru/code/?http%3A%2F%2Fwww.fa.ru%2Forg%2Fspo%2Fkip%2FPages%2FHome.aspx&amp;4&amp;0"/>
+          <p:cNvPicPr>
+            <a:picLocks noChangeAspect="1" noChangeArrowheads="1"/>
+          </p:cNvPicPr>
           <p:nvPr/>
-        </p:nvSpPr>
-        <p:spPr>
-          <a:xfrm>
-            <a:off x="277256" y="5288606"/>
-            <a:ext cx="11914744" cy="1215957"/>
+        </p:nvPicPr>
+        <p:blipFill>
+          <a:blip r:embed="rId3">
+            <a:extLst>
+              <a:ext uri="{28A0092B-C50C-407E-A947-70E740481C1C}">
+                <a14:useLocalDpi xmlns:a14="http://schemas.microsoft.com/office/drawing/2010/main" val="0"/>
+              </a:ext>
+            </a:extLst>
+          </a:blip>
+          <a:srcRect/>
+          <a:stretch>
+            <a:fillRect/>
+          </a:stretch>
+        </p:blipFill>
+        <p:spPr bwMode="auto">
+          <a:xfrm>
+            <a:off x="959276" y="4995244"/>
+            <a:ext cx="1271860" cy="1271860"/>
           </a:xfrm>
           <a:prstGeom prst="rect">
             <a:avLst/>
           </a:prstGeom>
-        </p:spPr>
-        <p:txBody>
-          <a:bodyPr vert="horz" lIns="91440" tIns="45720" rIns="91440" bIns="45720" rtlCol="0" anchor="ctr">
-            <a:noAutofit/>
-          </a:bodyPr>
-          <a:lstStyle>
-            <a:lvl1pPr algn="l" defTabSz="914400" rtl="0" eaLnBrk="1" latinLnBrk="0" hangingPunct="1">
-              <a:lnSpc>
-                <a:spcPct val="90000"/>
-              </a:lnSpc>
-              <a:spcBef>
-                <a:spcPct val="0"/>
-              </a:spcBef>
-              <a:buNone/>
-              <a:defRPr sz="4400" kern="1200">
-                <a:solidFill>
-                  <a:schemeClr val="tx1"/>
-                </a:solidFill>
-                <a:latin typeface="+mj-lt"/>
-                <a:ea typeface="+mj-ea"/>
-                <a:cs typeface="+mj-cs"/>
-              </a:defRPr>
-            </a:lvl1pPr>
-          </a:lstStyle>
-          <a:p>
-            <a:pPr algn="ctr"/>
-            <a:r>
-              <a:rPr lang="ru-RU" sz="3600" b="1" cap="all" dirty="0" smtClean="0">
-                <a:solidFill>
-                  <a:srgbClr val="0070C0"/>
-                </a:solidFill>
-                <a:latin typeface="+mn-lt"/>
-              </a:rPr>
-              <a:t>Ожидание ввода … … …</a:t>
-            </a:r>
-          </a:p>
-          <a:p>
-            <a:pPr algn="ctr"/>
-            <a:r>
-              <a:rPr lang="ru-RU" sz="3600" b="1" cap="all" dirty="0" smtClean="0">
-                <a:solidFill>
-                  <a:srgbClr val="0070C0"/>
-                </a:solidFill>
-                <a:latin typeface="+mn-lt"/>
-              </a:rPr>
-              <a:t>Продолжение следует</a:t>
-            </a:r>
-          </a:p>
-        </p:txBody>
-      </p:sp>
+          <a:noFill/>
+          <a:ln>
+            <a:solidFill>
+              <a:srgbClr val="0070C0"/>
+            </a:solidFill>
+          </a:ln>
+          <a:extLst>
+            <a:ext uri="{909E8E84-426E-40DD-AFC4-6F175D3DCCD1}">
+              <a14:hiddenFill xmlns:a14="http://schemas.microsoft.com/office/drawing/2010/main">
+                <a:solidFill>
+                  <a:srgbClr val="FFFFFF"/>
+                </a:solidFill>
+              </a14:hiddenFill>
+            </a:ext>
+          </a:extLst>
+        </p:spPr>
+      </p:pic>
+      <p:pic>
+        <p:nvPicPr>
+          <p:cNvPr id="13" name="Рисунок 12" descr="Лого КИПФИН_ВЕКТОР_1.png"/>
+          <p:cNvPicPr/>
+          <p:nvPr/>
+        </p:nvPicPr>
+        <p:blipFill>
+          <a:blip r:embed="rId4" cstate="print"/>
+          <a:stretch>
+            <a:fillRect/>
+          </a:stretch>
+        </p:blipFill>
+        <p:spPr>
+          <a:xfrm>
+            <a:off x="111556" y="139501"/>
+            <a:ext cx="2663562" cy="1866169"/>
+          </a:xfrm>
+          <a:prstGeom prst="rect">
+            <a:avLst/>
+          </a:prstGeom>
+        </p:spPr>
+      </p:pic>
     </p:spTree>
     <p:extLst>
       <p:ext uri="{BB962C8B-B14F-4D97-AF65-F5344CB8AC3E}">
-        <p14:creationId xmlns:p14="http://schemas.microsoft.com/office/powerpoint/2010/main" val="2094404041"/>
+        <p14:creationId xmlns:p14="http://schemas.microsoft.com/office/powerpoint/2010/main" val="634090944"/>
       </p:ext>
     </p:extLst>
   </p:cSld>
   <p:clrMapOvr>
     <a:masterClrMapping/>
   </p:clrMapOvr>
+  <p:timing>
+    <p:tnLst>
+      <p:par>
+        <p:cTn id="1" dur="indefinite" restart="never" nodeType="tmRoot"/>
+      </p:par>
+    </p:tnLst>
+  </p:timing>
 </p:sld>
 </file>
 
@@ -11460,8 +11950,8 @@
         </p:nvSpPr>
         <p:spPr>
           <a:xfrm>
-            <a:off x="390172" y="1078028"/>
-            <a:ext cx="5298360" cy="5659655"/>
+            <a:off x="390172" y="1238081"/>
+            <a:ext cx="5298360" cy="5499602"/>
           </a:xfrm>
           <a:prstGeom prst="rect">
             <a:avLst/>
@@ -11469,7 +11959,7 @@
         </p:spPr>
         <p:txBody>
           <a:bodyPr vert="horz" lIns="91440" tIns="45720" rIns="91440" bIns="45720" rtlCol="0">
-            <a:normAutofit/>
+            <a:normAutofit fontScale="92500" lnSpcReduction="20000"/>
           </a:bodyPr>
           <a:lstStyle>
             <a:lvl1pPr marL="228600" indent="-228600" algn="l" defTabSz="914400" rtl="0" eaLnBrk="1" latinLnBrk="0" hangingPunct="1">
@@ -11640,265 +12130,243 @@
               <a:buNone/>
             </a:pPr>
             <a:r>
-              <a:rPr lang="ru-RU" sz="2000" dirty="0" smtClean="0"/>
+              <a:rPr lang="ru-RU" sz="2300" dirty="0" smtClean="0"/>
               <a:t>CMD (</a:t>
             </a:r>
             <a:r>
-              <a:rPr lang="ru-RU" sz="2000" dirty="0" err="1" smtClean="0"/>
+              <a:rPr lang="ru-RU" sz="2300" dirty="0" err="1" smtClean="0"/>
               <a:t>command</a:t>
             </a:r>
             <a:r>
-              <a:rPr lang="ru-RU" sz="2000" dirty="0" smtClean="0"/>
+              <a:rPr lang="ru-RU" sz="2300" dirty="0" smtClean="0"/>
               <a:t> </a:t>
             </a:r>
             <a:r>
-              <a:rPr lang="ru-RU" sz="2000" dirty="0" err="1" smtClean="0"/>
+              <a:rPr lang="ru-RU" sz="2300" dirty="0" err="1" smtClean="0"/>
               <a:t>line</a:t>
             </a:r>
             <a:r>
-              <a:rPr lang="ru-RU" sz="2000" dirty="0" smtClean="0"/>
+              <a:rPr lang="ru-RU" sz="2300" dirty="0" smtClean="0"/>
               <a:t> </a:t>
             </a:r>
             <a:r>
-              <a:rPr lang="ru-RU" sz="2000" dirty="0" err="1" smtClean="0"/>
+              <a:rPr lang="ru-RU" sz="2300" dirty="0" err="1" smtClean="0"/>
               <a:t>interpreter</a:t>
             </a:r>
             <a:r>
-              <a:rPr lang="ru-RU" sz="2000" dirty="0" smtClean="0"/>
+              <a:rPr lang="ru-RU" sz="2300" dirty="0" smtClean="0"/>
               <a:t>) -  </a:t>
             </a:r>
             <a:r>
-              <a:rPr lang="ru-RU" sz="2000" dirty="0" smtClean="0">
+              <a:rPr lang="ru-RU" sz="2300" dirty="0" smtClean="0">
                 <a:hlinkClick r:id="rId2"/>
               </a:rPr>
               <a:t>интерпретатор командной строки</a:t>
             </a:r>
             <a:r>
-              <a:rPr lang="en-US" sz="2000" dirty="0" smtClean="0">
+              <a:rPr lang="en-US" sz="2300" dirty="0" smtClean="0">
                 <a:hlinkClick r:id="rId2"/>
               </a:rPr>
               <a:t> (wiki)</a:t>
             </a:r>
             <a:r>
-              <a:rPr lang="ru-RU" sz="2000" dirty="0" smtClean="0"/>
+              <a:rPr lang="ru-RU" sz="2300" dirty="0" smtClean="0"/>
               <a:t>.</a:t>
             </a:r>
-            <a:endParaRPr lang="en-US" sz="2000" dirty="0" smtClean="0"/>
-          </a:p>
-          <a:p>
-            <a:r>
-              <a:rPr lang="ru-RU" sz="2200" b="1" u="sng" dirty="0" smtClean="0"/>
+            <a:endParaRPr lang="en-US" sz="2300" dirty="0" smtClean="0"/>
+          </a:p>
+          <a:p>
+            <a:r>
+              <a:rPr lang="ru-RU" sz="2300" b="1" u="sng" dirty="0" smtClean="0"/>
               <a:t>1960—1980</a:t>
             </a:r>
             <a:r>
-              <a:rPr lang="en-US" sz="2000" b="1" dirty="0" smtClean="0"/>
+              <a:rPr lang="en-US" sz="2300" b="1" dirty="0" smtClean="0"/>
               <a:t> </a:t>
             </a:r>
             <a:r>
-              <a:rPr lang="ru-RU" sz="2000" b="1" dirty="0" smtClean="0"/>
+              <a:rPr lang="ru-RU" sz="2300" b="1" dirty="0" smtClean="0"/>
               <a:t>-</a:t>
             </a:r>
             <a:r>
-              <a:rPr lang="ru-RU" sz="2000" dirty="0" smtClean="0"/>
+              <a:rPr lang="ru-RU" sz="2300" dirty="0" smtClean="0"/>
               <a:t> </a:t>
             </a:r>
             <a:r>
-              <a:rPr lang="en-US" sz="2000" dirty="0" smtClean="0">
+              <a:rPr lang="en-US" sz="2300" dirty="0" smtClean="0">
                 <a:hlinkClick r:id="rId3"/>
               </a:rPr>
               <a:t>DOS </a:t>
             </a:r>
             <a:r>
-              <a:rPr lang="ru-RU" sz="2000" dirty="0" smtClean="0">
+              <a:rPr lang="ru-RU" sz="2300" dirty="0" smtClean="0">
                 <a:hlinkClick r:id="rId3"/>
               </a:rPr>
               <a:t>(</a:t>
             </a:r>
             <a:r>
-              <a:rPr lang="en-US" sz="2000" dirty="0" smtClean="0">
+              <a:rPr lang="en-US" sz="2300" dirty="0" smtClean="0">
                 <a:hlinkClick r:id="rId3"/>
               </a:rPr>
               <a:t>wiki</a:t>
             </a:r>
             <a:r>
-              <a:rPr lang="ru-RU" sz="2000" dirty="0" smtClean="0">
+              <a:rPr lang="ru-RU" sz="2300" dirty="0" smtClean="0">
                 <a:hlinkClick r:id="rId3"/>
               </a:rPr>
               <a:t>) </a:t>
             </a:r>
             <a:r>
-              <a:rPr lang="ru-RU" sz="2000" dirty="0" smtClean="0"/>
+              <a:rPr lang="ru-RU" sz="2300" dirty="0" smtClean="0"/>
               <a:t>существовал</a:t>
             </a:r>
             <a:r>
-              <a:rPr lang="en-US" sz="2000" dirty="0" smtClean="0"/>
+              <a:rPr lang="en-US" sz="2300" dirty="0" smtClean="0"/>
               <a:t> </a:t>
             </a:r>
             <a:r>
-              <a:rPr lang="ru-RU" sz="2000" dirty="0" smtClean="0"/>
+              <a:rPr lang="ru-RU" sz="2300" dirty="0" smtClean="0"/>
               <a:t>в виде разрозненных операционных </a:t>
             </a:r>
             <a:r>
-              <a:rPr lang="ru-RU" sz="2000" dirty="0"/>
+              <a:rPr lang="ru-RU" sz="2300" dirty="0"/>
               <a:t>системы </a:t>
             </a:r>
             <a:r>
-              <a:rPr lang="ru-RU" sz="2000" dirty="0" smtClean="0"/>
-              <a:t>для </a:t>
-            </a:r>
-            <a:r>
-              <a:rPr lang="ru-RU" sz="2000" dirty="0"/>
-              <a:t>больших </a:t>
-            </a:r>
-            <a:r>
-              <a:rPr lang="ru-RU" sz="2000" dirty="0">
+              <a:rPr lang="ru-RU" sz="2300" dirty="0" smtClean="0"/>
+              <a:t>для больших</a:t>
+            </a:r>
+            <a:r>
+              <a:rPr lang="ru-RU" sz="2300" dirty="0"/>
+              <a:t> </a:t>
+            </a:r>
+            <a:r>
+              <a:rPr lang="ru-RU" sz="2300" dirty="0" smtClean="0"/>
+              <a:t> </a:t>
+            </a:r>
+            <a:r>
+              <a:rPr lang="ru-RU" sz="2300" dirty="0" smtClean="0">
                 <a:hlinkClick r:id="rId4" tooltip="ЭВМ"/>
               </a:rPr>
               <a:t>ЭВМ</a:t>
             </a:r>
             <a:r>
-              <a:rPr lang="ru-RU" sz="2000" dirty="0"/>
+              <a:rPr lang="ru-RU" sz="2300" dirty="0"/>
               <a:t> производства </a:t>
             </a:r>
             <a:r>
-              <a:rPr lang="ru-RU" sz="2000" dirty="0">
+              <a:rPr lang="ru-RU" sz="2300" dirty="0">
                 <a:hlinkClick r:id="rId5" tooltip="IBM"/>
               </a:rPr>
               <a:t>IBM</a:t>
             </a:r>
             <a:r>
-              <a:rPr lang="ru-RU" sz="2000" dirty="0"/>
+              <a:rPr lang="ru-RU" sz="2300" dirty="0"/>
               <a:t> и их </a:t>
             </a:r>
             <a:r>
-              <a:rPr lang="ru-RU" sz="2000" dirty="0" smtClean="0"/>
+              <a:rPr lang="ru-RU" sz="2300" dirty="0" smtClean="0"/>
               <a:t>клонов. </a:t>
             </a:r>
-            <a:endParaRPr lang="en-US" sz="2000" dirty="0" smtClean="0"/>
-          </a:p>
-          <a:p>
-            <a:r>
-              <a:rPr lang="ru-RU" sz="2000" b="1" u="sng" dirty="0" smtClean="0"/>
+            <a:endParaRPr lang="en-US" sz="2300" dirty="0" smtClean="0"/>
+          </a:p>
+          <a:p>
+            <a:r>
+              <a:rPr lang="ru-RU" sz="2300" b="1" u="sng" dirty="0" smtClean="0"/>
               <a:t>1980</a:t>
             </a:r>
             <a:r>
-              <a:rPr lang="en-US" sz="2000" b="1" u="sng" dirty="0" smtClean="0"/>
+              <a:rPr lang="en-US" sz="2300" b="1" u="sng" dirty="0" smtClean="0"/>
               <a:t>-90 - </a:t>
             </a:r>
             <a:r>
-              <a:rPr lang="en-US" sz="2000" b="1" u="sng" dirty="0"/>
+              <a:rPr lang="en-US" sz="2300" b="1" u="sng" dirty="0"/>
               <a:t>MS-DOS </a:t>
             </a:r>
             <a:r>
-              <a:rPr lang="en-US" sz="2000" b="1" dirty="0"/>
+              <a:rPr lang="en-US" sz="2300" b="1" dirty="0"/>
               <a:t>(</a:t>
             </a:r>
             <a:r>
-              <a:rPr lang="en-US" sz="2000" b="1" dirty="0" err="1"/>
+              <a:rPr lang="en-US" sz="2300" b="1" dirty="0" err="1"/>
               <a:t>microsoft</a:t>
             </a:r>
             <a:r>
-              <a:rPr lang="en-US" sz="2000" b="1" dirty="0"/>
+              <a:rPr lang="en-US" sz="2300" b="1" dirty="0"/>
               <a:t>)</a:t>
             </a:r>
             <a:r>
-              <a:rPr lang="en-US" sz="2000" dirty="0" smtClean="0"/>
+              <a:rPr lang="en-US" sz="2300" dirty="0" smtClean="0"/>
               <a:t> </a:t>
             </a:r>
             <a:r>
-              <a:rPr lang="ru-RU" sz="2000" dirty="0" smtClean="0"/>
+              <a:rPr lang="ru-RU" sz="2300" dirty="0" smtClean="0"/>
               <a:t>существовал</a:t>
             </a:r>
             <a:r>
-              <a:rPr lang="en-US" sz="2000" dirty="0" smtClean="0"/>
+              <a:rPr lang="en-US" sz="2300" dirty="0" smtClean="0"/>
               <a:t> </a:t>
             </a:r>
             <a:r>
-              <a:rPr lang="ru-RU" sz="2000" dirty="0" smtClean="0"/>
+              <a:rPr lang="ru-RU" sz="2300" dirty="0" smtClean="0"/>
               <a:t>до появления операционных </a:t>
             </a:r>
             <a:r>
-              <a:rPr lang="ru-RU" sz="2000" dirty="0"/>
+              <a:rPr lang="ru-RU" sz="2300" dirty="0"/>
               <a:t>системы с графическим пользовательским </a:t>
             </a:r>
             <a:r>
-              <a:rPr lang="ru-RU" sz="2000" dirty="0" smtClean="0"/>
+              <a:rPr lang="ru-RU" sz="2300" dirty="0" smtClean="0"/>
               <a:t>интерфейсом.</a:t>
             </a:r>
             <a:r>
-              <a:rPr lang="en-US" sz="2000" dirty="0" smtClean="0"/>
+              <a:rPr lang="en-US" sz="2300" dirty="0" smtClean="0"/>
               <a:t> </a:t>
             </a:r>
-            <a:r>
-              <a:rPr lang="ru-RU" sz="2000" dirty="0" smtClean="0"/>
+            <a:endParaRPr lang="ru-RU" sz="2300" dirty="0" smtClean="0"/>
+          </a:p>
+          <a:p>
+            <a:r>
+              <a:rPr lang="ru-RU" sz="2300" dirty="0" smtClean="0"/>
               <a:t>Ныне существует в виде </a:t>
             </a:r>
             <a:r>
-              <a:rPr lang="en-US" sz="2000" b="1" dirty="0" smtClean="0"/>
+              <a:rPr lang="en-US" sz="2300" b="1" dirty="0" smtClean="0"/>
               <a:t>MS-DOS</a:t>
             </a:r>
             <a:r>
-              <a:rPr lang="ru-RU" sz="2000" b="1" dirty="0" smtClean="0"/>
+              <a:rPr lang="ru-RU" sz="2300" b="1" dirty="0" smtClean="0"/>
               <a:t> и </a:t>
             </a:r>
             <a:r>
-              <a:rPr lang="en-US" sz="2000" dirty="0" err="1" smtClean="0"/>
+              <a:rPr lang="en-US" sz="2300" dirty="0" err="1" smtClean="0"/>
               <a:t>FreeDOS</a:t>
             </a:r>
             <a:r>
-              <a:rPr lang="ru-RU" sz="2000" dirty="0" smtClean="0"/>
-              <a:t>. Они в основном используются для работы с аппаратной частью в реальном режиме. К слову, последняя операционная система на это способная </a:t>
-            </a:r>
-            <a:r>
-              <a:rPr lang="en-US" sz="2000" dirty="0" smtClean="0"/>
+              <a:rPr lang="ru-RU" sz="2300" dirty="0" smtClean="0"/>
+              <a:t>. Они в основном используются для работы с аппаратной частью в реальном режиме. К слову, последняя операционная система на это способная -  </a:t>
+            </a:r>
+            <a:r>
+              <a:rPr lang="en-US" sz="2300" dirty="0" smtClean="0"/>
               <a:t>Windows XP</a:t>
             </a:r>
             <a:r>
-              <a:rPr lang="ru-RU" sz="2000" dirty="0" smtClean="0"/>
+              <a:rPr lang="ru-RU" sz="2300" dirty="0" smtClean="0"/>
               <a:t>.</a:t>
             </a:r>
           </a:p>
           <a:p>
-            <a:endParaRPr lang="ru-RU" sz="2000" dirty="0"/>
-          </a:p>
-          <a:p>
-            <a:r>
-              <a:rPr lang="ru-RU" sz="2000" dirty="0" smtClean="0">
-                <a:solidFill>
-                  <a:schemeClr val="bg1">
-                    <a:lumMod val="85000"/>
-                  </a:schemeClr>
-                </a:solidFill>
-              </a:rPr>
-              <a:t>CMD, в отличие от некоторых его потомков (</a:t>
-            </a:r>
-            <a:r>
-              <a:rPr lang="en-US" sz="2000" dirty="0" smtClean="0">
-                <a:solidFill>
-                  <a:schemeClr val="bg1">
-                    <a:lumMod val="85000"/>
-                  </a:schemeClr>
-                </a:solidFill>
-              </a:rPr>
-              <a:t>VBS, Python</a:t>
-            </a:r>
-            <a:r>
-              <a:rPr lang="ru-RU" sz="2000" dirty="0" smtClean="0">
-                <a:solidFill>
-                  <a:schemeClr val="bg1">
-                    <a:lumMod val="85000"/>
-                  </a:schemeClr>
-                </a:solidFill>
-              </a:rPr>
-              <a:t>, …),  будет существовать всегда!</a:t>
-            </a:r>
-            <a:endParaRPr lang="ru-RU" sz="2000" dirty="0" smtClean="0">
-              <a:solidFill>
-                <a:schemeClr val="bg1">
-                  <a:lumMod val="85000"/>
-                </a:schemeClr>
-              </a:solidFill>
-            </a:endParaRPr>
+            <a:endParaRPr lang="ru-RU" sz="2300" dirty="0"/>
+          </a:p>
+          <a:p>
+            <a:r>
+              <a:rPr lang="ru-RU" sz="2000" b="1" i="1" u="sng" dirty="0" smtClean="0"/>
+              <a:t>CMD будет </a:t>
+            </a:r>
+            <a:r>
+              <a:rPr lang="ru-RU" sz="2000" b="1" i="1" u="sng" dirty="0" smtClean="0"/>
+              <a:t>существовать всегда!</a:t>
+            </a:r>
           </a:p>
         </p:txBody>
       </p:sp>
@@ -12301,56 +12769,6 @@
             <a:br>
               <a:rPr lang="en-US" sz="1600" dirty="0" smtClean="0"/>
             </a:br>
-            <a:r>
-              <a:rPr lang="en-US" sz="1600" dirty="0" smtClean="0">
-                <a:solidFill>
-                  <a:schemeClr val="bg1">
-                    <a:lumMod val="65000"/>
-                  </a:schemeClr>
-                </a:solidFill>
-              </a:rPr>
-              <a:t>40 000 – Windows </a:t>
-            </a:r>
-            <a:r>
-              <a:rPr lang="en-US" sz="1600" dirty="0" smtClean="0">
-                <a:solidFill>
-                  <a:schemeClr val="bg1">
-                    <a:lumMod val="65000"/>
-                  </a:schemeClr>
-                </a:solidFill>
-              </a:rPr>
-              <a:t>4</a:t>
-            </a:r>
-            <a:r>
-              <a:rPr lang="ru-RU" sz="1600" dirty="0" smtClean="0">
-                <a:solidFill>
-                  <a:schemeClr val="bg1">
-                    <a:lumMod val="65000"/>
-                  </a:schemeClr>
-                </a:solidFill>
-              </a:rPr>
-              <a:t>0</a:t>
-            </a:r>
-            <a:r>
-              <a:rPr lang="en-US" sz="1600" dirty="0" smtClean="0">
-                <a:solidFill>
-                  <a:schemeClr val="bg1">
-                    <a:lumMod val="65000"/>
-                  </a:schemeClr>
-                </a:solidFill>
-              </a:rPr>
-              <a:t>K </a:t>
-            </a:r>
-            <a:r>
-              <a:rPr lang="en-US" sz="1600" dirty="0" smtClean="0">
-                <a:solidFill>
-                  <a:schemeClr val="bg1">
-                    <a:lumMod val="65000"/>
-                  </a:schemeClr>
-                </a:solidFill>
-              </a:rPr>
-              <a:t>=)</a:t>
-            </a:r>
             <a:endParaRPr lang="ru-RU" sz="1600" dirty="0">
               <a:solidFill>
                 <a:schemeClr val="bg1">
@@ -12365,612 +12783,6 @@
     <p:extLst>
       <p:ext uri="{BB962C8B-B14F-4D97-AF65-F5344CB8AC3E}">
         <p14:creationId xmlns:p14="http://schemas.microsoft.com/office/powerpoint/2010/main" val="3870176327"/>
-      </p:ext>
-    </p:extLst>
-  </p:cSld>
-  <p:clrMapOvr>
-    <a:masterClrMapping/>
-  </p:clrMapOvr>
-  <p:timing>
-    <p:tnLst>
-      <p:par>
-        <p:cTn id="1" dur="indefinite" restart="never" nodeType="tmRoot"/>
-      </p:par>
-    </p:tnLst>
-  </p:timing>
-</p:sld>
-</file>
-
-<file path=ppt/slides/slide30.xml><?xml version="1.0" encoding="utf-8"?>
-<p:sld xmlns:a="http://schemas.openxmlformats.org/drawingml/2006/main" xmlns:r="http://schemas.openxmlformats.org/officeDocument/2006/relationships" xmlns:p="http://schemas.openxmlformats.org/presentationml/2006/main">
-  <p:cSld>
-    <p:spTree>
-      <p:nvGrpSpPr>
-        <p:cNvPr id="1" name=""/>
-        <p:cNvGrpSpPr/>
-        <p:nvPr/>
-      </p:nvGrpSpPr>
-      <p:grpSpPr>
-        <a:xfrm>
-          <a:off x="0" y="0"/>
-          <a:ext cx="0" cy="0"/>
-          <a:chOff x="0" y="0"/>
-          <a:chExt cx="0" cy="0"/>
-        </a:xfrm>
-      </p:grpSpPr>
-      <p:sp>
-        <p:nvSpPr>
-          <p:cNvPr id="2" name="Заголовок 1"/>
-          <p:cNvSpPr>
-            <a:spLocks noGrp="1"/>
-          </p:cNvSpPr>
-          <p:nvPr>
-            <p:ph type="title"/>
-          </p:nvPr>
-        </p:nvSpPr>
-        <p:spPr>
-          <a:xfrm>
-            <a:off x="1288460" y="1668068"/>
-            <a:ext cx="9927506" cy="1498574"/>
-          </a:xfrm>
-        </p:spPr>
-        <p:txBody>
-          <a:bodyPr/>
-          <a:lstStyle/>
-          <a:p>
-            <a:pPr algn="ctr"/>
-            <a:r>
-              <a:rPr lang="ru-RU" b="1" dirty="0" smtClean="0">
-                <a:solidFill>
-                  <a:srgbClr val="C20282"/>
-                </a:solidFill>
-              </a:rPr>
-              <a:t>Благодарим за участие в </a:t>
-            </a:r>
-            <a:r>
-              <a:rPr lang="en-US" b="1" dirty="0" err="1" smtClean="0">
-                <a:solidFill>
-                  <a:srgbClr val="C20282"/>
-                </a:solidFill>
-              </a:rPr>
-              <a:t>WorkShop</a:t>
-            </a:r>
-            <a:r>
-              <a:rPr lang="ru-RU" b="1" dirty="0" smtClean="0">
-                <a:solidFill>
-                  <a:srgbClr val="C20282"/>
-                </a:solidFill>
-              </a:rPr>
-              <a:t>!</a:t>
-            </a:r>
-            <a:endParaRPr lang="ru-RU" b="1" dirty="0">
-              <a:solidFill>
-                <a:srgbClr val="0070C0"/>
-              </a:solidFill>
-            </a:endParaRPr>
-          </a:p>
-        </p:txBody>
-      </p:sp>
-      <p:sp>
-        <p:nvSpPr>
-          <p:cNvPr id="3" name="Объект 2"/>
-          <p:cNvSpPr>
-            <a:spLocks noGrp="1"/>
-          </p:cNvSpPr>
-          <p:nvPr>
-            <p:ph idx="1"/>
-          </p:nvPr>
-        </p:nvSpPr>
-        <p:spPr>
-          <a:xfrm>
-            <a:off x="838200" y="4360949"/>
-            <a:ext cx="10515600" cy="630897"/>
-          </a:xfrm>
-        </p:spPr>
-        <p:txBody>
-          <a:bodyPr>
-            <a:normAutofit/>
-          </a:bodyPr>
-          <a:lstStyle/>
-          <a:p>
-            <a:pPr marL="0" indent="0" algn="ctr">
-              <a:buNone/>
-            </a:pPr>
-            <a:r>
-              <a:rPr lang="ru-RU" b="1" dirty="0" smtClean="0">
-                <a:solidFill>
-                  <a:srgbClr val="C20282"/>
-                </a:solidFill>
-              </a:rPr>
-              <a:t>Больше интересных проектов и событий здесь:</a:t>
-            </a:r>
-            <a:endParaRPr lang="ru-RU" b="1" dirty="0">
-              <a:solidFill>
-                <a:srgbClr val="C20282"/>
-              </a:solidFill>
-            </a:endParaRPr>
-          </a:p>
-        </p:txBody>
-      </p:sp>
-      <p:sp>
-        <p:nvSpPr>
-          <p:cNvPr id="4" name="Прямоугольник 3"/>
-          <p:cNvSpPr/>
-          <p:nvPr/>
-        </p:nvSpPr>
-        <p:spPr>
-          <a:xfrm>
-            <a:off x="3252216" y="6267104"/>
-            <a:ext cx="2026324" cy="369332"/>
-          </a:xfrm>
-          <a:prstGeom prst="rect">
-            <a:avLst/>
-          </a:prstGeom>
-        </p:spPr>
-        <p:txBody>
-          <a:bodyPr wrap="none">
-            <a:spAutoFit/>
-          </a:bodyPr>
-          <a:lstStyle/>
-          <a:p>
-            <a:r>
-              <a:rPr lang="ru-RU" b="1" dirty="0">
-                <a:solidFill>
-                  <a:srgbClr val="0070C0"/>
-                </a:solidFill>
-              </a:rPr>
-              <a:t>vk.com/</a:t>
-            </a:r>
-            <a:r>
-              <a:rPr lang="ru-RU" b="1" dirty="0" err="1">
-                <a:solidFill>
-                  <a:srgbClr val="0070C0"/>
-                </a:solidFill>
-              </a:rPr>
-              <a:t>kip_college</a:t>
-            </a:r>
-            <a:endParaRPr lang="ru-RU" b="1" dirty="0">
-              <a:solidFill>
-                <a:srgbClr val="0070C0"/>
-              </a:solidFill>
-            </a:endParaRPr>
-          </a:p>
-        </p:txBody>
-      </p:sp>
-      <p:pic>
-        <p:nvPicPr>
-          <p:cNvPr id="6146" name="Picture 2" descr="http://qrcoder.ru/code/?https%3A%2F%2Fvk.com%2Fkip_college&amp;4&amp;0"/>
-          <p:cNvPicPr>
-            <a:picLocks noChangeAspect="1" noChangeArrowheads="1"/>
-          </p:cNvPicPr>
-          <p:nvPr/>
-        </p:nvPicPr>
-        <p:blipFill>
-          <a:blip r:embed="rId2">
-            <a:extLst>
-              <a:ext uri="{28A0092B-C50C-407E-A947-70E740481C1C}">
-                <a14:useLocalDpi xmlns:a14="http://schemas.microsoft.com/office/drawing/2010/main" val="0"/>
-              </a:ext>
-            </a:extLst>
-          </a:blip>
-          <a:srcRect/>
-          <a:stretch>
-            <a:fillRect/>
-          </a:stretch>
-        </p:blipFill>
-        <p:spPr bwMode="auto">
-          <a:xfrm>
-            <a:off x="3620665" y="4989689"/>
-            <a:ext cx="1257300" cy="1257301"/>
-          </a:xfrm>
-          <a:prstGeom prst="rect">
-            <a:avLst/>
-          </a:prstGeom>
-          <a:noFill/>
-          <a:ln>
-            <a:solidFill>
-              <a:srgbClr val="0070C0"/>
-            </a:solidFill>
-          </a:ln>
-          <a:extLst>
-            <a:ext uri="{909E8E84-426E-40DD-AFC4-6F175D3DCCD1}">
-              <a14:hiddenFill xmlns:a14="http://schemas.microsoft.com/office/drawing/2010/main">
-                <a:solidFill>
-                  <a:srgbClr val="FFFFFF"/>
-                </a:solidFill>
-              </a14:hiddenFill>
-            </a:ext>
-          </a:extLst>
-        </p:spPr>
-      </p:pic>
-      <p:sp>
-        <p:nvSpPr>
-          <p:cNvPr id="6" name="Прямоугольник 5"/>
-          <p:cNvSpPr/>
-          <p:nvPr/>
-        </p:nvSpPr>
-        <p:spPr>
-          <a:xfrm>
-            <a:off x="1114153" y="6267104"/>
-            <a:ext cx="981166" cy="369332"/>
-          </a:xfrm>
-          <a:prstGeom prst="rect">
-            <a:avLst/>
-          </a:prstGeom>
-        </p:spPr>
-        <p:txBody>
-          <a:bodyPr wrap="none">
-            <a:spAutoFit/>
-          </a:bodyPr>
-          <a:lstStyle/>
-          <a:p>
-            <a:r>
-              <a:rPr lang="en-US" b="1" dirty="0" smtClean="0">
-                <a:solidFill>
-                  <a:srgbClr val="0070C0"/>
-                </a:solidFill>
-              </a:rPr>
-              <a:t>kip.fa.ru</a:t>
-            </a:r>
-            <a:endParaRPr lang="ru-RU" b="1" dirty="0">
-              <a:solidFill>
-                <a:srgbClr val="0070C0"/>
-              </a:solidFill>
-            </a:endParaRPr>
-          </a:p>
-        </p:txBody>
-      </p:sp>
-      <p:pic>
-        <p:nvPicPr>
-          <p:cNvPr id="6148" name="Picture 4" descr="http://qrcoder.ru/code/?http%3A%2F%2Fwww.fa.ru%2Forg%2Fspo%2Fkip%2FPages%2FHome.aspx&amp;4&amp;0"/>
-          <p:cNvPicPr>
-            <a:picLocks noChangeAspect="1" noChangeArrowheads="1"/>
-          </p:cNvPicPr>
-          <p:nvPr/>
-        </p:nvPicPr>
-        <p:blipFill>
-          <a:blip r:embed="rId3">
-            <a:extLst>
-              <a:ext uri="{28A0092B-C50C-407E-A947-70E740481C1C}">
-                <a14:useLocalDpi xmlns:a14="http://schemas.microsoft.com/office/drawing/2010/main" val="0"/>
-              </a:ext>
-            </a:extLst>
-          </a:blip>
-          <a:srcRect/>
-          <a:stretch>
-            <a:fillRect/>
-          </a:stretch>
-        </p:blipFill>
-        <p:spPr bwMode="auto">
-          <a:xfrm>
-            <a:off x="959276" y="4995244"/>
-            <a:ext cx="1271860" cy="1271860"/>
-          </a:xfrm>
-          <a:prstGeom prst="rect">
-            <a:avLst/>
-          </a:prstGeom>
-          <a:noFill/>
-          <a:ln>
-            <a:solidFill>
-              <a:srgbClr val="0070C0"/>
-            </a:solidFill>
-          </a:ln>
-          <a:extLst>
-            <a:ext uri="{909E8E84-426E-40DD-AFC4-6F175D3DCCD1}">
-              <a14:hiddenFill xmlns:a14="http://schemas.microsoft.com/office/drawing/2010/main">
-                <a:solidFill>
-                  <a:srgbClr val="FFFFFF"/>
-                </a:solidFill>
-              </a14:hiddenFill>
-            </a:ext>
-          </a:extLst>
-        </p:spPr>
-      </p:pic>
-      <p:sp>
-        <p:nvSpPr>
-          <p:cNvPr id="5" name="Прямоугольник 4"/>
-          <p:cNvSpPr/>
-          <p:nvPr/>
-        </p:nvSpPr>
-        <p:spPr>
-          <a:xfrm>
-            <a:off x="9192770" y="6257960"/>
-            <a:ext cx="2174250" cy="369332"/>
-          </a:xfrm>
-          <a:prstGeom prst="rect">
-            <a:avLst/>
-          </a:prstGeom>
-        </p:spPr>
-        <p:txBody>
-          <a:bodyPr wrap="none">
-            <a:spAutoFit/>
-          </a:bodyPr>
-          <a:lstStyle/>
-          <a:p>
-            <a:r>
-              <a:rPr lang="ru-RU" b="1" dirty="0">
-                <a:solidFill>
-                  <a:srgbClr val="0070C0"/>
-                </a:solidFill>
-              </a:rPr>
-              <a:t>tiktok.com/@kip_fin</a:t>
-            </a:r>
-          </a:p>
-        </p:txBody>
-      </p:sp>
-      <p:pic>
-        <p:nvPicPr>
-          <p:cNvPr id="6150" name="Picture 6" descr="http://qrcoder.ru/code/?https%3A%2F%2Fwww.tiktok.com%2F%40kip_fin&amp;4&amp;0"/>
-          <p:cNvPicPr>
-            <a:picLocks noChangeAspect="1" noChangeArrowheads="1"/>
-          </p:cNvPicPr>
-          <p:nvPr/>
-        </p:nvPicPr>
-        <p:blipFill>
-          <a:blip r:embed="rId4">
-            <a:extLst>
-              <a:ext uri="{28A0092B-C50C-407E-A947-70E740481C1C}">
-                <a14:useLocalDpi xmlns:a14="http://schemas.microsoft.com/office/drawing/2010/main" val="0"/>
-              </a:ext>
-            </a:extLst>
-          </a:blip>
-          <a:srcRect/>
-          <a:stretch>
-            <a:fillRect/>
-          </a:stretch>
-        </p:blipFill>
-        <p:spPr bwMode="auto">
-          <a:xfrm>
-            <a:off x="9613925" y="4995244"/>
-            <a:ext cx="1271860" cy="1271860"/>
-          </a:xfrm>
-          <a:prstGeom prst="rect">
-            <a:avLst/>
-          </a:prstGeom>
-          <a:noFill/>
-          <a:ln>
-            <a:solidFill>
-              <a:srgbClr val="0070C0"/>
-            </a:solidFill>
-          </a:ln>
-          <a:extLst>
-            <a:ext uri="{909E8E84-426E-40DD-AFC4-6F175D3DCCD1}">
-              <a14:hiddenFill xmlns:a14="http://schemas.microsoft.com/office/drawing/2010/main">
-                <a:solidFill>
-                  <a:srgbClr val="FFFFFF"/>
-                </a:solidFill>
-              </a14:hiddenFill>
-            </a:ext>
-          </a:extLst>
-        </p:spPr>
-      </p:pic>
-      <p:sp>
-        <p:nvSpPr>
-          <p:cNvPr id="7" name="Прямоугольник 6"/>
-          <p:cNvSpPr/>
-          <p:nvPr/>
-        </p:nvSpPr>
-        <p:spPr>
-          <a:xfrm>
-            <a:off x="5930850" y="6257960"/>
-            <a:ext cx="2446695" cy="369332"/>
-          </a:xfrm>
-          <a:prstGeom prst="rect">
-            <a:avLst/>
-          </a:prstGeom>
-        </p:spPr>
-        <p:txBody>
-          <a:bodyPr wrap="none">
-            <a:spAutoFit/>
-          </a:bodyPr>
-          <a:lstStyle/>
-          <a:p>
-            <a:r>
-              <a:rPr lang="ru-RU" b="1" dirty="0">
-                <a:solidFill>
-                  <a:srgbClr val="0070C0"/>
-                </a:solidFill>
-              </a:rPr>
-              <a:t>instagram.com/</a:t>
-            </a:r>
-            <a:r>
-              <a:rPr lang="ru-RU" b="1" dirty="0" err="1">
-                <a:solidFill>
-                  <a:srgbClr val="0070C0"/>
-                </a:solidFill>
-              </a:rPr>
-              <a:t>kip_fin</a:t>
-            </a:r>
-            <a:r>
-              <a:rPr lang="ru-RU" dirty="0">
-                <a:solidFill>
-                  <a:srgbClr val="0070C0"/>
-                </a:solidFill>
-              </a:rPr>
-              <a:t>/</a:t>
-            </a:r>
-          </a:p>
-        </p:txBody>
-      </p:sp>
-      <p:pic>
-        <p:nvPicPr>
-          <p:cNvPr id="6152" name="Picture 8" descr="http://qrcoder.ru/code/?https%3A%2F%2Fwww.instagram.com%2Fkip_fin%2F&amp;4&amp;0"/>
-          <p:cNvPicPr>
-            <a:picLocks noChangeAspect="1" noChangeArrowheads="1"/>
-          </p:cNvPicPr>
-          <p:nvPr/>
-        </p:nvPicPr>
-        <p:blipFill>
-          <a:blip r:embed="rId5">
-            <a:extLst>
-              <a:ext uri="{28A0092B-C50C-407E-A947-70E740481C1C}">
-                <a14:useLocalDpi xmlns:a14="http://schemas.microsoft.com/office/drawing/2010/main" val="0"/>
-              </a:ext>
-            </a:extLst>
-          </a:blip>
-          <a:srcRect/>
-          <a:stretch>
-            <a:fillRect/>
-          </a:stretch>
-        </p:blipFill>
-        <p:spPr bwMode="auto">
-          <a:xfrm>
-            <a:off x="6507799" y="5009803"/>
-            <a:ext cx="1284268" cy="1284268"/>
-          </a:xfrm>
-          <a:prstGeom prst="rect">
-            <a:avLst/>
-          </a:prstGeom>
-          <a:noFill/>
-          <a:ln>
-            <a:solidFill>
-              <a:srgbClr val="0070C0"/>
-            </a:solidFill>
-          </a:ln>
-          <a:extLst>
-            <a:ext uri="{909E8E84-426E-40DD-AFC4-6F175D3DCCD1}">
-              <a14:hiddenFill xmlns:a14="http://schemas.microsoft.com/office/drawing/2010/main">
-                <a:solidFill>
-                  <a:srgbClr val="FFFFFF"/>
-                </a:solidFill>
-              </a14:hiddenFill>
-            </a:ext>
-          </a:extLst>
-        </p:spPr>
-      </p:pic>
-      <p:sp>
-        <p:nvSpPr>
-          <p:cNvPr id="12" name="Заголовок 1"/>
-          <p:cNvSpPr txBox="1">
-            <a:spLocks/>
-          </p:cNvSpPr>
-          <p:nvPr/>
-        </p:nvSpPr>
-        <p:spPr>
-          <a:xfrm>
-            <a:off x="838200" y="2943326"/>
-            <a:ext cx="10515600" cy="1325563"/>
-          </a:xfrm>
-          <a:prstGeom prst="rect">
-            <a:avLst/>
-          </a:prstGeom>
-        </p:spPr>
-        <p:txBody>
-          <a:bodyPr vert="horz" lIns="91440" tIns="45720" rIns="91440" bIns="45720" rtlCol="0" anchor="ctr">
-            <a:normAutofit/>
-          </a:bodyPr>
-          <a:lstStyle>
-            <a:lvl1pPr algn="l" defTabSz="914400" rtl="0" eaLnBrk="1" latinLnBrk="0" hangingPunct="1">
-              <a:lnSpc>
-                <a:spcPct val="90000"/>
-              </a:lnSpc>
-              <a:spcBef>
-                <a:spcPct val="0"/>
-              </a:spcBef>
-              <a:buNone/>
-              <a:defRPr sz="4400" kern="1200">
-                <a:solidFill>
-                  <a:schemeClr val="tx1"/>
-                </a:solidFill>
-                <a:latin typeface="+mj-lt"/>
-                <a:ea typeface="+mj-ea"/>
-                <a:cs typeface="+mj-cs"/>
-              </a:defRPr>
-            </a:lvl1pPr>
-          </a:lstStyle>
-          <a:p>
-            <a:pPr algn="ctr"/>
-            <a:r>
-              <a:rPr lang="ru-RU" sz="3200" b="1" dirty="0" smtClean="0">
-                <a:solidFill>
-                  <a:srgbClr val="0070C0"/>
-                </a:solidFill>
-              </a:rPr>
-              <a:t>Вопросы по тематике мастер-класса:</a:t>
-            </a:r>
-          </a:p>
-          <a:p>
-            <a:pPr algn="ctr"/>
-            <a:r>
-              <a:rPr lang="en-US" sz="3200" dirty="0">
-                <a:solidFill>
-                  <a:srgbClr val="0070C0"/>
-                </a:solidFill>
-              </a:rPr>
-              <a:t>IVSibirev@fa.ru </a:t>
-            </a:r>
-            <a:r>
-              <a:rPr lang="en-US" sz="3200" dirty="0" smtClean="0">
-                <a:solidFill>
-                  <a:srgbClr val="0070C0"/>
-                </a:solidFill>
-              </a:rPr>
-              <a:t>– </a:t>
-            </a:r>
-            <a:r>
-              <a:rPr lang="ru-RU" sz="3200" b="1" dirty="0" err="1">
-                <a:solidFill>
-                  <a:schemeClr val="accent1">
-                    <a:lumMod val="75000"/>
-                  </a:schemeClr>
-                </a:solidFill>
-              </a:rPr>
-              <a:t>Сибирев</a:t>
-            </a:r>
-            <a:r>
-              <a:rPr lang="ru-RU" sz="3200" b="1" dirty="0">
-                <a:solidFill>
-                  <a:schemeClr val="accent1">
-                    <a:lumMod val="75000"/>
-                  </a:schemeClr>
-                </a:solidFill>
-              </a:rPr>
-              <a:t> </a:t>
-            </a:r>
-            <a:r>
-              <a:rPr lang="ru-RU" sz="3200" b="1" dirty="0" smtClean="0">
-                <a:solidFill>
-                  <a:schemeClr val="accent1">
-                    <a:lumMod val="75000"/>
-                  </a:schemeClr>
-                </a:solidFill>
-              </a:rPr>
-              <a:t>Иван Валерьевич </a:t>
-            </a:r>
-            <a:endParaRPr lang="ru-RU" sz="3200" dirty="0">
-              <a:solidFill>
-                <a:srgbClr val="0070C0"/>
-              </a:solidFill>
-            </a:endParaRPr>
-          </a:p>
-        </p:txBody>
-      </p:sp>
-      <p:pic>
-        <p:nvPicPr>
-          <p:cNvPr id="13" name="Рисунок 12" descr="Лого КИПФИН_ВЕКТОР_1.png"/>
-          <p:cNvPicPr/>
-          <p:nvPr/>
-        </p:nvPicPr>
-        <p:blipFill>
-          <a:blip r:embed="rId6" cstate="print"/>
-          <a:stretch>
-            <a:fillRect/>
-          </a:stretch>
-        </p:blipFill>
-        <p:spPr>
-          <a:xfrm>
-            <a:off x="111556" y="139501"/>
-            <a:ext cx="2663562" cy="1866169"/>
-          </a:xfrm>
-          <a:prstGeom prst="rect">
-            <a:avLst/>
-          </a:prstGeom>
-        </p:spPr>
-      </p:pic>
-    </p:spTree>
-    <p:extLst>
-      <p:ext uri="{BB962C8B-B14F-4D97-AF65-F5344CB8AC3E}">
-        <p14:creationId xmlns:p14="http://schemas.microsoft.com/office/powerpoint/2010/main" val="634090944"/>
       </p:ext>
     </p:extLst>
   </p:cSld>
@@ -13055,15 +12867,12 @@
               </a:rPr>
               <a:t>Основные понятия</a:t>
             </a:r>
-            <a:r>
-              <a:rPr lang="en-US" sz="4000" b="1" cap="all" dirty="0" smtClean="0">
-                <a:solidFill>
-                  <a:srgbClr val="0070C0"/>
-                </a:solidFill>
-                <a:latin typeface="+mn-lt"/>
-              </a:rPr>
-              <a:t>:</a:t>
-            </a:r>
+            <a:endParaRPr lang="en-US" sz="4000" b="1" cap="all" dirty="0" smtClean="0">
+              <a:solidFill>
+                <a:srgbClr val="0070C0"/>
+              </a:solidFill>
+              <a:latin typeface="+mn-lt"/>
+            </a:endParaRPr>
           </a:p>
         </p:txBody>
       </p:sp>
@@ -13090,8 +12899,8 @@
         </p:blipFill>
         <p:spPr bwMode="auto">
           <a:xfrm>
-            <a:off x="210757" y="2383277"/>
-            <a:ext cx="4437108" cy="3147460"/>
+            <a:off x="210757" y="1804524"/>
+            <a:ext cx="4437108" cy="4393975"/>
           </a:xfrm>
           <a:prstGeom prst="rect">
             <a:avLst/>
@@ -13132,7 +12941,7 @@
         <p:spPr>
           <a:xfrm>
             <a:off x="850863" y="567900"/>
-            <a:ext cx="10515600" cy="1815377"/>
+            <a:ext cx="10515600" cy="1390373"/>
           </a:xfrm>
           <a:prstGeom prst="rect">
             <a:avLst/>
@@ -13171,34 +12980,34 @@
               <a:rPr lang="ru-RU" sz="2400" dirty="0" smtClean="0"/>
             </a:br>
             <a:r>
-              <a:rPr lang="ru-RU" sz="2400" dirty="0" smtClean="0"/>
+              <a:rPr lang="ru-RU" sz="2800" b="1" dirty="0" smtClean="0"/>
               <a:t>Командную </a:t>
             </a:r>
             <a:r>
-              <a:rPr lang="ru-RU" sz="2400" dirty="0"/>
+              <a:rPr lang="ru-RU" sz="2800" b="1" dirty="0"/>
               <a:t>строку </a:t>
             </a:r>
             <a:r>
-              <a:rPr lang="en-US" sz="2400" dirty="0"/>
+              <a:rPr lang="en-US" sz="2800" b="1" dirty="0"/>
               <a:t>CMD </a:t>
             </a:r>
             <a:r>
-              <a:rPr lang="ru-RU" sz="2400" dirty="0"/>
+              <a:rPr lang="ru-RU" sz="2800" b="1" dirty="0"/>
               <a:t>можно запустить через </a:t>
             </a:r>
             <a:r>
-              <a:rPr lang="ru-RU" sz="2400" dirty="0" smtClean="0"/>
+              <a:rPr lang="ru-RU" sz="2800" b="1" dirty="0" smtClean="0"/>
               <a:t>поиск </a:t>
             </a:r>
             <a:r>
-              <a:rPr lang="ru-RU" sz="2400" dirty="0"/>
+              <a:rPr lang="ru-RU" sz="2800" b="1" dirty="0"/>
               <a:t>панели </a:t>
             </a:r>
             <a:r>
-              <a:rPr lang="en-US" sz="2400" dirty="0" smtClean="0"/>
+              <a:rPr lang="en-US" sz="2800" b="1" dirty="0" smtClean="0"/>
               <a:t>Windows</a:t>
             </a:r>
-            <a:endParaRPr lang="ru-RU" sz="2400" b="1" cap="all" dirty="0">
+            <a:endParaRPr lang="ru-RU" sz="2800" b="1" cap="all" dirty="0">
               <a:solidFill>
                 <a:srgbClr val="0070C0"/>
               </a:solidFill>
@@ -13230,8 +13039,8 @@
         </p:blipFill>
         <p:spPr bwMode="auto">
           <a:xfrm>
-            <a:off x="4762500" y="2383277"/>
-            <a:ext cx="7429500" cy="3219450"/>
+            <a:off x="4709565" y="1958273"/>
+            <a:ext cx="7404211" cy="4240226"/>
           </a:xfrm>
           <a:prstGeom prst="rect">
             <a:avLst/>
@@ -13359,15 +13168,12 @@
               </a:rPr>
               <a:t>Основные понятия</a:t>
             </a:r>
-            <a:r>
-              <a:rPr lang="en-US" sz="4000" b="1" cap="all" dirty="0" smtClean="0">
-                <a:solidFill>
-                  <a:srgbClr val="0070C0"/>
-                </a:solidFill>
-                <a:latin typeface="+mn-lt"/>
-              </a:rPr>
-              <a:t>:</a:t>
-            </a:r>
+            <a:endParaRPr lang="en-US" sz="4000" b="1" cap="all" dirty="0" smtClean="0">
+              <a:solidFill>
+                <a:srgbClr val="0070C0"/>
+              </a:solidFill>
+              <a:latin typeface="+mn-lt"/>
+            </a:endParaRPr>
           </a:p>
         </p:txBody>
       </p:sp>
@@ -13445,8 +13251,8 @@
         </p:blipFill>
         <p:spPr bwMode="auto">
           <a:xfrm>
-            <a:off x="125947" y="2464800"/>
-            <a:ext cx="11965431" cy="3673360"/>
+            <a:off x="125947" y="2464799"/>
+            <a:ext cx="11965431" cy="4235405"/>
           </a:xfrm>
           <a:prstGeom prst="rect">
             <a:avLst/>
@@ -13496,7 +13302,7 @@
         </p:nvSpPr>
         <p:spPr>
           <a:xfrm>
-            <a:off x="476654" y="720301"/>
+            <a:off x="691560" y="687005"/>
             <a:ext cx="11303541" cy="1828346"/>
           </a:xfrm>
           <a:prstGeom prst="rect">
@@ -13527,37 +13333,60 @@
             </a:lvl1pPr>
           </a:lstStyle>
           <a:p>
-            <a:pPr algn="ctr"/>
-            <a:r>
-              <a:rPr lang="ru-RU" sz="2400" dirty="0" smtClean="0"/>
+            <a:pPr algn="just"/>
+            <a:r>
+              <a:rPr lang="ru-RU" sz="2200" b="1" dirty="0" smtClean="0"/>
               <a:t>Интерпретатор </a:t>
             </a:r>
             <a:r>
-              <a:rPr lang="en-US" sz="2400" dirty="0" smtClean="0"/>
+              <a:rPr lang="en-US" sz="2200" b="1" dirty="0" smtClean="0"/>
               <a:t>CMD </a:t>
             </a:r>
             <a:r>
-              <a:rPr lang="ru-RU" sz="2400" dirty="0" smtClean="0"/>
-              <a:t>обладает как собственными командами, список которых можно посмотреть командой </a:t>
-            </a:r>
-            <a:r>
-              <a:rPr lang="en-US" sz="2400" dirty="0" smtClean="0"/>
+              <a:rPr lang="ru-RU" sz="2200" b="1" dirty="0" smtClean="0"/>
+              <a:t>обладает:</a:t>
+            </a:r>
+          </a:p>
+          <a:p>
+            <a:pPr marL="342900" indent="-342900" algn="just">
+              <a:buFontTx/>
+              <a:buChar char="-"/>
+            </a:pPr>
+            <a:r>
+              <a:rPr lang="ru-RU" sz="2200" b="1" dirty="0" smtClean="0"/>
+              <a:t>собственными командами, список которых можно посмотреть командой </a:t>
+            </a:r>
+            <a:r>
+              <a:rPr lang="en-US" sz="2200" b="1" dirty="0" smtClean="0">
+                <a:solidFill>
+                  <a:srgbClr val="FF0000"/>
+                </a:solidFill>
+              </a:rPr>
               <a:t>help</a:t>
             </a:r>
             <a:r>
-              <a:rPr lang="ru-RU" sz="2400" dirty="0" smtClean="0"/>
-              <a:t>, так и возможностью пакетного запуска с параметрами сторонних программ, скриптов и приложений. Если вдруг, введенная команда не будет распознана, то поиск соответствующего ей </a:t>
-            </a:r>
-            <a:r>
-              <a:rPr lang="ru-RU" sz="2400" dirty="0" err="1" smtClean="0"/>
-              <a:t>пакетно</a:t>
-            </a:r>
-            <a:r>
-              <a:rPr lang="ru-RU" sz="2400" dirty="0" smtClean="0"/>
-              <a:t> запускаемого файла будет проведен по папкам из глобальной переменной </a:t>
-            </a:r>
-            <a:r>
-              <a:rPr lang="en-US" sz="2400" dirty="0" smtClean="0"/>
+              <a:rPr lang="ru-RU" sz="2200" b="1" dirty="0" smtClean="0"/>
+              <a:t>, </a:t>
+            </a:r>
+          </a:p>
+          <a:p>
+            <a:pPr marL="342900" indent="-342900" algn="just">
+              <a:buFontTx/>
+              <a:buChar char="-"/>
+            </a:pPr>
+            <a:r>
+              <a:rPr lang="ru-RU" sz="2200" b="1" dirty="0" smtClean="0"/>
+              <a:t>возможностью пакетного запуска с параметрами сторонних программ, скриптов и приложений. </a:t>
+            </a:r>
+          </a:p>
+          <a:p>
+            <a:pPr algn="just"/>
+            <a:r>
+              <a:rPr lang="ru-RU" sz="2200" b="1" dirty="0" smtClean="0"/>
+              <a:t>Если вдруг введенная команда не будет распознана, то поиск соответствующего ей пакетно запускаемого файла будет проведен по папкам из глобальной переменной </a:t>
+            </a:r>
+            <a:r>
+              <a:rPr lang="en-US" sz="2200" b="1" dirty="0" smtClean="0"/>
               <a:t>%path%.</a:t>
             </a:r>
           </a:p>
@@ -13676,16 +13505,25 @@
                 </a:solidFill>
                 <a:latin typeface="+mn-lt"/>
               </a:rPr>
-              <a:t>О </a:t>
-            </a:r>
-            <a:r>
-              <a:rPr lang="en-US" sz="4000" b="1" cap="all" dirty="0">
+              <a:t> </a:t>
+            </a:r>
+            <a:r>
+              <a:rPr lang="ru-RU" sz="4000" b="1" cap="all" dirty="0" smtClean="0">
                 <a:solidFill>
                   <a:srgbClr val="0070C0"/>
                 </a:solidFill>
                 <a:latin typeface="+mn-lt"/>
               </a:rPr>
-              <a:t>CMD :</a:t>
+              <a:t>  </a:t>
+            </a:r>
+            <a:r>
+              <a:rPr lang="en-US" sz="4000" b="1" cap="all" dirty="0">
+                <a:solidFill>
+                  <a:srgbClr val="0070C0"/>
+                </a:solidFill>
+                <a:latin typeface="+mn-lt"/>
+              </a:rPr>
+              <a:t>CMD </a:t>
             </a:r>
             <a:endParaRPr lang="ru-RU" sz="4000" b="1" cap="all" dirty="0">
               <a:solidFill>
@@ -13719,8 +13557,8 @@
         </p:blipFill>
         <p:spPr bwMode="auto">
           <a:xfrm>
-            <a:off x="385018" y="1289773"/>
-            <a:ext cx="6198530" cy="3994482"/>
+            <a:off x="385018" y="1666959"/>
+            <a:ext cx="6198530" cy="4652920"/>
           </a:xfrm>
           <a:prstGeom prst="rect">
             <a:avLst/>
@@ -13760,8 +13598,8 @@
         </p:nvSpPr>
         <p:spPr>
           <a:xfrm>
-            <a:off x="850863" y="567900"/>
-            <a:ext cx="10515600" cy="721873"/>
+            <a:off x="850863" y="655454"/>
+            <a:ext cx="10515600" cy="801111"/>
           </a:xfrm>
           <a:prstGeom prst="rect">
             <a:avLst/>
@@ -13793,31 +13631,50 @@
           <a:p>
             <a:pPr algn="ctr"/>
             <a:r>
+              <a:rPr lang="ru-RU" sz="2400" b="1" dirty="0" smtClean="0"/>
+              <a:t>Текстовый файл</a:t>
+            </a:r>
+            <a:r>
               <a:rPr lang="ru-RU" sz="2400" dirty="0" smtClean="0"/>
-              <a:t>Текстовый можно файл сохранить как исполняемый </a:t>
-            </a:r>
-            <a:r>
-              <a:rPr lang="en-US" sz="2400" dirty="0" smtClean="0"/>
+              <a:t> </a:t>
+            </a:r>
+            <a:r>
+              <a:rPr lang="ru-RU" sz="2400" dirty="0">
+                <a:solidFill>
+                  <a:prstClr val="black"/>
+                </a:solidFill>
+                <a:latin typeface="Calibri"/>
+                <a:ea typeface="+mn-ea"/>
+                <a:cs typeface="+mn-cs"/>
+              </a:rPr>
+              <a:t>можно </a:t>
+            </a:r>
+            <a:r>
+              <a:rPr lang="ru-RU" sz="2400" b="1" dirty="0" smtClean="0"/>
+              <a:t>сохранить как исполняемый </a:t>
+            </a:r>
+            <a:r>
+              <a:rPr lang="en-US" sz="2400" b="1" dirty="0" smtClean="0"/>
               <a:t>BAT-</a:t>
             </a:r>
             <a:r>
-              <a:rPr lang="ru-RU" sz="2400" dirty="0" smtClean="0"/>
+              <a:rPr lang="ru-RU" sz="2400" b="1" dirty="0" smtClean="0"/>
               <a:t>файл.</a:t>
             </a:r>
             <a:br>
-              <a:rPr lang="ru-RU" sz="2400" dirty="0" smtClean="0"/>
+              <a:rPr lang="ru-RU" sz="2400" b="1" dirty="0" smtClean="0"/>
             </a:br>
             <a:r>
-              <a:rPr lang="ru-RU" sz="2400" dirty="0" smtClean="0"/>
-              <a:t>Он будет запускать как </a:t>
-            </a:r>
-            <a:r>
-              <a:rPr lang="en-US" sz="2400" dirty="0" smtClean="0"/>
+              <a:rPr lang="ru-RU" sz="2400" b="1" dirty="0" smtClean="0"/>
+              <a:t>Он будет запускаться как </a:t>
+            </a:r>
+            <a:r>
+              <a:rPr lang="en-US" sz="2400" b="1" dirty="0" smtClean="0"/>
               <a:t>CMD-</a:t>
             </a:r>
             <a:r>
-              <a:rPr lang="ru-RU" sz="2400" dirty="0" smtClean="0"/>
-              <a:t>интерпретируемая  программа </a:t>
+              <a:rPr lang="ru-RU" sz="2400" b="1" dirty="0" smtClean="0"/>
+              <a:t>интерпретируемая  программа. </a:t>
             </a:r>
             <a:endParaRPr lang="ru-RU" sz="2400" b="1" cap="all" dirty="0">
               <a:solidFill>
@@ -13851,8 +13708,8 @@
         </p:blipFill>
         <p:spPr bwMode="auto">
           <a:xfrm>
-            <a:off x="6543675" y="1665148"/>
-            <a:ext cx="5648325" cy="3181350"/>
+            <a:off x="6543675" y="1666959"/>
+            <a:ext cx="5648325" cy="4588183"/>
           </a:xfrm>
           <a:prstGeom prst="rect">
             <a:avLst/>
@@ -14000,15 +13857,6 @@
               </a:rPr>
               <a:t>++</a:t>
             </a:r>
-            <a:r>
-              <a:rPr lang="en-US" sz="4000" b="1" cap="all" dirty="0" smtClean="0">
-                <a:solidFill>
-                  <a:srgbClr val="0070C0"/>
-                </a:solidFill>
-                <a:latin typeface="+mn-lt"/>
-              </a:rPr>
-              <a:t>:</a:t>
-            </a:r>
             <a:endParaRPr lang="ru-RU" sz="4000" b="1" cap="all" dirty="0">
               <a:solidFill>
                 <a:srgbClr val="0070C0"/>
@@ -14502,13 +14350,18 @@
               <a:buChar char="•"/>
             </a:pPr>
             <a:r>
-              <a:rPr lang="ru-RU" sz="2400" dirty="0" smtClean="0"/>
+              <a:rPr lang="ru-RU" sz="2400" b="1" dirty="0" smtClean="0"/>
               <a:t>Открывает любые файлы как текстовые </a:t>
             </a:r>
             <a:r>
-              <a:rPr lang="ru-RU" sz="2400" dirty="0"/>
-              <a:t>через контекстное меню.</a:t>
-            </a:r>
+              <a:rPr lang="ru-RU" sz="2400" b="1" dirty="0"/>
+              <a:t>через контекстное </a:t>
+            </a:r>
+            <a:r>
+              <a:rPr lang="ru-RU" sz="2400" b="1" dirty="0" smtClean="0"/>
+              <a:t>меню</a:t>
+            </a:r>
+            <a:endParaRPr lang="ru-RU" sz="2400" b="1" dirty="0"/>
           </a:p>
           <a:p>
             <a:pPr marL="342900" indent="-342900">
@@ -14516,9 +14369,14 @@
               <a:buChar char="•"/>
             </a:pPr>
             <a:r>
-              <a:rPr lang="ru-RU" sz="2400" dirty="0"/>
-              <a:t>Нет проблем с кодировкой.</a:t>
-            </a:r>
+              <a:rPr lang="ru-RU" sz="2400" b="1" dirty="0"/>
+              <a:t>Нет проблем с </a:t>
+            </a:r>
+            <a:r>
+              <a:rPr lang="ru-RU" sz="2400" b="1" dirty="0" smtClean="0"/>
+              <a:t>кодировкой</a:t>
+            </a:r>
+            <a:endParaRPr lang="ru-RU" sz="2400" b="1" dirty="0"/>
           </a:p>
           <a:p>
             <a:pPr marL="342900" indent="-342900">
@@ -14526,19 +14384,19 @@
               <a:buChar char="•"/>
             </a:pPr>
             <a:r>
-              <a:rPr lang="ru-RU" sz="2400" dirty="0"/>
+              <a:rPr lang="ru-RU" sz="2400" b="1" dirty="0"/>
               <a:t>При нажатии на </a:t>
             </a:r>
             <a:r>
-              <a:rPr lang="en-US" sz="2400" dirty="0"/>
+              <a:rPr lang="en-US" sz="2400" b="1" dirty="0"/>
               <a:t>F</a:t>
             </a:r>
             <a:r>
-              <a:rPr lang="en-US" sz="2400" dirty="0" smtClean="0"/>
+              <a:rPr lang="en-US" sz="2400" b="1" dirty="0" smtClean="0"/>
               <a:t>5</a:t>
             </a:r>
             <a:r>
-              <a:rPr lang="ru-RU" sz="2400" dirty="0" smtClean="0"/>
+              <a:rPr lang="ru-RU" sz="2400" b="1" dirty="0" smtClean="0"/>
               <a:t> позволяет исполнить программный код</a:t>
             </a:r>
           </a:p>
@@ -14548,7 +14406,7 @@
               <a:buChar char="•"/>
             </a:pPr>
             <a:r>
-              <a:rPr lang="ru-RU" sz="2400" dirty="0" smtClean="0"/>
+              <a:rPr lang="ru-RU" sz="2400" b="1" dirty="0" smtClean="0"/>
               <a:t>Обладает подсветкой синтаксиса</a:t>
             </a:r>
           </a:p>
@@ -14558,7 +14416,7 @@
               <a:buChar char="•"/>
             </a:pPr>
             <a:r>
-              <a:rPr lang="ru-RU" sz="2400" dirty="0" smtClean="0"/>
+              <a:rPr lang="ru-RU" sz="2400" b="1" dirty="0" smtClean="0"/>
               <a:t>Пригоден для любого языка</a:t>
             </a:r>
           </a:p>
@@ -14568,10 +14426,10 @@
               <a:buChar char="•"/>
             </a:pPr>
             <a:r>
-              <a:rPr lang="ru-RU" sz="2400" dirty="0" smtClean="0"/>
-              <a:t>Есть версия не требующая установки</a:t>
-            </a:r>
-            <a:endParaRPr lang="ru-RU" sz="2400" dirty="0"/>
+              <a:rPr lang="ru-RU" sz="2400" b="1" dirty="0" smtClean="0"/>
+              <a:t>Есть версия, не требующая установки</a:t>
+            </a:r>
+            <a:endParaRPr lang="ru-RU" sz="2400" b="1" dirty="0"/>
           </a:p>
         </p:txBody>
       </p:sp>
@@ -14686,8 +14544,8 @@
         </p:nvSpPr>
         <p:spPr>
           <a:xfrm>
-            <a:off x="850863" y="23515"/>
-            <a:ext cx="10515600" cy="659886"/>
+            <a:off x="850863" y="23514"/>
+            <a:ext cx="10515600" cy="923253"/>
           </a:xfrm>
           <a:prstGeom prst="rect">
             <a:avLst/>
@@ -14747,15 +14605,6 @@
               </a:rPr>
               <a:t>++</a:t>
             </a:r>
-            <a:r>
-              <a:rPr lang="en-US" sz="4000" b="1" cap="all" dirty="0" smtClean="0">
-                <a:solidFill>
-                  <a:srgbClr val="0070C0"/>
-                </a:solidFill>
-                <a:latin typeface="+mn-lt"/>
-              </a:rPr>
-              <a:t>:</a:t>
-            </a:r>
             <a:endParaRPr lang="ru-RU" sz="4000" b="1" cap="all" dirty="0">
               <a:solidFill>
                 <a:srgbClr val="0070C0"/>
@@ -15052,17 +14901,15 @@
             </a:lvl1pPr>
           </a:lstStyle>
           <a:p>
-            <a:r>
-              <a:rPr lang="ru-RU" sz="2400" dirty="0" smtClean="0"/>
+            <a:pPr algn="ctr"/>
+            <a:r>
+              <a:rPr lang="ru-RU" sz="2800" b="1" dirty="0" smtClean="0"/>
               <a:t>Общая последовательность действий</a:t>
             </a:r>
             <a:r>
-              <a:rPr lang="en-US" sz="2400" dirty="0" smtClean="0"/>
+              <a:rPr lang="en-US" sz="2800" b="1" dirty="0" smtClean="0"/>
               <a:t>:</a:t>
             </a:r>
-          </a:p>
-          <a:p>
-            <a:endParaRPr lang="en-US" sz="2400" dirty="0" smtClean="0"/>
           </a:p>
           <a:p>
             <a:pPr marL="342900" indent="-342900">
@@ -15070,7 +14917,7 @@
               <a:buChar char="•"/>
             </a:pPr>
             <a:r>
-              <a:rPr lang="ru-RU" sz="2400" dirty="0" smtClean="0"/>
+              <a:rPr lang="ru-RU" sz="2800" b="1" dirty="0" smtClean="0"/>
               <a:t>Создать файл</a:t>
             </a:r>
           </a:p>
@@ -15080,11 +14927,11 @@
               <a:buChar char="•"/>
             </a:pPr>
             <a:r>
-              <a:rPr lang="ru-RU" sz="2400" dirty="0" smtClean="0"/>
+              <a:rPr lang="ru-RU" sz="2800" b="1" dirty="0" smtClean="0"/>
               <a:t>Сохранить его с расширением *</a:t>
             </a:r>
             <a:r>
-              <a:rPr lang="en-US" sz="2400" dirty="0" smtClean="0"/>
+              <a:rPr lang="en-US" sz="2800" b="1" dirty="0" smtClean="0"/>
               <a:t>.bat</a:t>
             </a:r>
           </a:p>
@@ -15094,8 +14941,8 @@
               <a:buChar char="•"/>
             </a:pPr>
             <a:r>
-              <a:rPr lang="ru-RU" sz="2400" dirty="0" smtClean="0"/>
-              <a:t>Выставить правильную кодировку, как на предыдущем слайде.</a:t>
+              <a:rPr lang="ru-RU" sz="2800" b="1" dirty="0" smtClean="0"/>
+              <a:t>Выставить правильную кодировку, как на предыдущем слайде</a:t>
             </a:r>
           </a:p>
           <a:p>
@@ -15104,8 +14951,8 @@
               <a:buChar char="•"/>
             </a:pPr>
             <a:r>
-              <a:rPr lang="ru-RU" sz="2400" dirty="0" smtClean="0"/>
-              <a:t>Написать программный код.</a:t>
+              <a:rPr lang="ru-RU" sz="2800" b="1" dirty="0" smtClean="0"/>
+              <a:t>Написать программный код</a:t>
             </a:r>
           </a:p>
           <a:p>
@@ -15114,29 +14961,26 @@
               <a:buChar char="•"/>
             </a:pPr>
             <a:r>
-              <a:rPr lang="ru-RU" sz="2400" dirty="0" smtClean="0"/>
+              <a:rPr lang="ru-RU" sz="2800" b="1" dirty="0" smtClean="0"/>
               <a:t>Нажать сочетание горячих клавиш </a:t>
             </a:r>
             <a:r>
-              <a:rPr lang="en-US" sz="2400" dirty="0" err="1" smtClean="0"/>
+              <a:rPr lang="en-US" sz="2800" b="1" dirty="0" err="1" smtClean="0"/>
               <a:t>Ctrl+S</a:t>
             </a:r>
             <a:r>
-              <a:rPr lang="en-US" sz="2400" dirty="0" smtClean="0"/>
+              <a:rPr lang="en-US" sz="2800" b="1" dirty="0" smtClean="0"/>
               <a:t> (</a:t>
             </a:r>
             <a:r>
-              <a:rPr lang="ru-RU" sz="2400" dirty="0" smtClean="0"/>
+              <a:rPr lang="ru-RU" sz="2800" b="1" dirty="0" smtClean="0"/>
               <a:t>сохранить</a:t>
             </a:r>
             <a:r>
-              <a:rPr lang="en-US" sz="2400" dirty="0" smtClean="0"/>
+              <a:rPr lang="en-US" sz="2800" b="1" dirty="0" smtClean="0"/>
               <a:t>)</a:t>
             </a:r>
-            <a:r>
-              <a:rPr lang="ru-RU" sz="2400" dirty="0" smtClean="0"/>
-              <a:t>.</a:t>
-            </a:r>
+            <a:endParaRPr lang="ru-RU" sz="2800" b="1" dirty="0" smtClean="0"/>
           </a:p>
           <a:p>
             <a:pPr marL="342900" indent="-342900">
@@ -15144,17 +14988,14 @@
               <a:buChar char="•"/>
             </a:pPr>
             <a:r>
-              <a:rPr lang="ru-RU" sz="2400" dirty="0" smtClean="0"/>
+              <a:rPr lang="ru-RU" sz="2800" b="1" dirty="0" smtClean="0"/>
               <a:t>Нажать </a:t>
             </a:r>
             <a:r>
-              <a:rPr lang="en-US" sz="2400" dirty="0" smtClean="0"/>
+              <a:rPr lang="en-US" sz="2800" b="1" dirty="0" smtClean="0"/>
               <a:t>F5</a:t>
             </a:r>
-            <a:r>
-              <a:rPr lang="ru-RU" sz="2400" dirty="0" smtClean="0"/>
-              <a:t>.</a:t>
-            </a:r>
+            <a:endParaRPr lang="ru-RU" sz="2800" b="1" dirty="0" smtClean="0"/>
           </a:p>
           <a:p>
             <a:pPr marL="342900" indent="-342900">
@@ -15162,14 +15003,9 @@
               <a:buChar char="•"/>
             </a:pPr>
             <a:r>
-              <a:rPr lang="ru-RU" sz="2400" dirty="0" smtClean="0"/>
+              <a:rPr lang="ru-RU" sz="2800" b="1" dirty="0" smtClean="0"/>
               <a:t>Выбрать файл для запуска ещё раз или написать код для запуска проекта</a:t>
             </a:r>
-            <a:r>
-              <a:rPr lang="en-US" sz="2400" dirty="0" smtClean="0"/>
-              <a:t>.</a:t>
-            </a:r>
-            <a:endParaRPr lang="ru-RU" sz="2400" dirty="0" smtClean="0"/>
           </a:p>
           <a:p>
             <a:pPr marL="342900" indent="-342900">
@@ -15177,19 +15013,31 @@
               <a:buChar char="•"/>
             </a:pPr>
             <a:r>
-              <a:rPr lang="ru-RU" sz="2400" dirty="0" smtClean="0"/>
+              <a:rPr lang="ru-RU" sz="2800" b="1" dirty="0" smtClean="0"/>
               <a:t>Нажать </a:t>
             </a:r>
             <a:r>
-              <a:rPr lang="en-US" sz="2400" dirty="0" smtClean="0"/>
-              <a:t>Enter. (</a:t>
-            </a:r>
-            <a:r>
-              <a:rPr lang="ru-RU" sz="2400" dirty="0" smtClean="0"/>
-              <a:t>Происходит запуск.</a:t>
-            </a:r>
-            <a:r>
-              <a:rPr lang="en-US" sz="2400" dirty="0" smtClean="0"/>
+              <a:rPr lang="en-US" sz="2800" b="1" dirty="0" smtClean="0"/>
+              <a:t>Enter </a:t>
+            </a:r>
+            <a:r>
+              <a:rPr lang="ru-RU" sz="2800" b="1" dirty="0" smtClean="0"/>
+              <a:t>   </a:t>
+            </a:r>
+            <a:r>
+              <a:rPr lang="en-US" sz="2800" b="1" dirty="0" smtClean="0"/>
+              <a:t>(</a:t>
+            </a:r>
+            <a:r>
+              <a:rPr lang="ru-RU" sz="2800" b="1" dirty="0"/>
+              <a:t>п</a:t>
+            </a:r>
+            <a:r>
+              <a:rPr lang="ru-RU" sz="2800" b="1" dirty="0" smtClean="0"/>
+              <a:t>роисходит запуск</a:t>
+            </a:r>
+            <a:r>
+              <a:rPr lang="en-US" sz="2800" b="1" dirty="0" smtClean="0"/>
               <a:t>)</a:t>
             </a:r>
           </a:p>
@@ -15198,7 +15046,7 @@
               <a:buFont typeface="Arial" panose="020B0604020202020204" pitchFamily="34" charset="0"/>
               <a:buChar char="•"/>
             </a:pPr>
-            <a:endParaRPr lang="ru-RU" sz="2400" dirty="0" smtClean="0"/>
+            <a:endParaRPr lang="ru-RU" sz="2800" b="1" dirty="0" smtClean="0"/>
           </a:p>
           <a:p>
             <a:pPr marL="342900" indent="-342900">
@@ -15206,7 +15054,7 @@
               <a:buChar char="•"/>
             </a:pPr>
             <a:r>
-              <a:rPr lang="ru-RU" sz="2400" dirty="0" smtClean="0"/>
+              <a:rPr lang="ru-RU" sz="2800" b="1" dirty="0" smtClean="0"/>
               <a:t>Исправить программный код</a:t>
             </a:r>
           </a:p>
@@ -15216,26 +15064,26 @@
               <a:buChar char="•"/>
             </a:pPr>
             <a:r>
-              <a:rPr lang="en-US" sz="2400" dirty="0" err="1" smtClean="0"/>
+              <a:rPr lang="en-US" sz="2800" b="1" dirty="0" err="1" smtClean="0"/>
               <a:t>Ctrl+S</a:t>
             </a:r>
             <a:r>
-              <a:rPr lang="ru-RU" sz="2400" dirty="0" smtClean="0"/>
+              <a:rPr lang="ru-RU" sz="2800" b="1" dirty="0" smtClean="0"/>
               <a:t>,</a:t>
             </a:r>
             <a:r>
-              <a:rPr lang="en-US" sz="2400" dirty="0" smtClean="0"/>
+              <a:rPr lang="en-US" sz="2800" b="1" dirty="0" smtClean="0"/>
               <a:t> F5</a:t>
             </a:r>
             <a:r>
-              <a:rPr lang="ru-RU" sz="2400" dirty="0" smtClean="0"/>
+              <a:rPr lang="ru-RU" sz="2800" b="1" dirty="0" smtClean="0"/>
               <a:t>, </a:t>
             </a:r>
             <a:r>
-              <a:rPr lang="en-US" sz="2400" dirty="0" smtClean="0"/>
+              <a:rPr lang="en-US" sz="2800" b="1" dirty="0" smtClean="0"/>
               <a:t>Enter</a:t>
             </a:r>
-            <a:endParaRPr lang="ru-RU" sz="2400" dirty="0" smtClean="0"/>
+            <a:endParaRPr lang="ru-RU" sz="2800" b="1" dirty="0" smtClean="0"/>
           </a:p>
           <a:p>
             <a:pPr marL="342900" indent="-342900">
@@ -15243,10 +15091,10 @@
               <a:buChar char="•"/>
             </a:pPr>
             <a:r>
-              <a:rPr lang="ru-RU" sz="2400" dirty="0" smtClean="0"/>
+              <a:rPr lang="ru-RU" sz="2800" b="1" dirty="0" smtClean="0"/>
               <a:t>Повторять последние 2 шага до победного.</a:t>
             </a:r>
-            <a:endParaRPr lang="ru-RU" sz="2400" dirty="0"/>
+            <a:endParaRPr lang="ru-RU" sz="2800" b="1" dirty="0"/>
           </a:p>
         </p:txBody>
       </p:sp>
@@ -15664,11 +15512,7 @@
             </a:r>
             <a:r>
               <a:rPr lang="ru-RU" sz="2000" dirty="0" smtClean="0"/>
-              <a:t>файла, и так далее</a:t>
-            </a:r>
-            <a:r>
-              <a:rPr lang="ru-RU" sz="2000" dirty="0" smtClean="0"/>
-              <a:t>.</a:t>
+              <a:t>файла, и так далее.</a:t>
             </a:r>
           </a:p>
           <a:p>
@@ -15726,7 +15570,6 @@
               <a:rPr lang="ru-RU" sz="2000" dirty="0" smtClean="0"/>
               <a:t>.</a:t>
             </a:r>
-            <a:endParaRPr lang="ru-RU" sz="2000" dirty="0" smtClean="0"/>
           </a:p>
           <a:p>
             <a:pPr marL="342900" indent="-342900">
@@ -15971,7 +15814,6 @@
               <a:rPr lang="ru-RU" sz="2000" dirty="0" smtClean="0"/>
               <a:t>функции, то есть конец функции</a:t>
             </a:r>
-            <a:endParaRPr lang="ru-RU" sz="2000" dirty="0" smtClean="0"/>
           </a:p>
           <a:p>
             <a:pPr marL="342900" indent="-342900">
@@ -16056,7 +15898,7 @@
     </a:clrScheme>
     <a:fontScheme name="Стандартная">
       <a:majorFont>
-        <a:latin typeface="Calibri Light" panose="020F0302020204030204"/>
+        <a:latin typeface="Calibri Light"/>
         <a:ea typeface=""/>
         <a:cs typeface=""/>
         <a:font script="Jpan" typeface="游ゴシック Light"/>
@@ -16091,7 +15933,7 @@
         <a:font script="Geor" typeface="Sylfaen"/>
       </a:majorFont>
       <a:minorFont>
-        <a:latin typeface="Calibri" panose="020F0502020204030204"/>
+        <a:latin typeface="Calibri"/>
         <a:ea typeface=""/>
         <a:cs typeface=""/>
         <a:font script="Jpan" typeface="游ゴシック"/>

--- a/Workshop/WShop.pptx
+++ b/Workshop/WShop.pptx
@@ -137,7 +137,7 @@
   </p:defaultTextStyle>
   <p:extLst>
     <p:ext uri="{EFAFB233-063F-42B5-8137-9DF3F51BA10A}">
-      <p15:sldGuideLst xmlns:p15="http://schemas.microsoft.com/office/powerpoint/2012/main" xmlns=""/>
+      <p15:sldGuideLst xmlns="" xmlns:p15="http://schemas.microsoft.com/office/powerpoint/2012/main"/>
     </p:ext>
   </p:extLst>
 </p:presentation>
@@ -3644,8 +3644,10 @@
                   </a:schemeClr>
                 </a:solidFill>
               </a:rPr>
-              <a:t>Кузнецов Данила Денисович – </a:t>
-            </a:r>
+              <a:t>Кузнецов Данила Денисович – студент 3 курса</a:t>
+            </a:r>
+          </a:p>
+          <a:p>
             <a:r>
               <a:rPr lang="ru-RU" b="1" dirty="0">
                 <a:solidFill>
@@ -3654,17 +3656,19 @@
                   </a:schemeClr>
                 </a:solidFill>
               </a:rPr>
-              <a:t>студент </a:t>
-            </a:r>
-            <a:r>
-              <a:rPr lang="ru-RU" b="1" dirty="0">
+              <a:t>Горланов Владимир Владимирович – студент 3 курса</a:t>
+            </a:r>
+          </a:p>
+          <a:p>
+            <a:r>
+              <a:rPr lang="ru-RU" b="1" dirty="0" err="1">
                 <a:solidFill>
                   <a:schemeClr val="accent1">
                     <a:lumMod val="75000"/>
                   </a:schemeClr>
                 </a:solidFill>
               </a:rPr>
-              <a:t>3</a:t>
+              <a:t>Подлегаев</a:t>
             </a:r>
             <a:r>
               <a:rPr lang="ru-RU" b="1" dirty="0">
@@ -3674,19 +3678,19 @@
                   </a:schemeClr>
                 </a:solidFill>
               </a:rPr>
-              <a:t> курса</a:t>
-            </a:r>
-          </a:p>
-          <a:p>
-            <a:r>
-              <a:rPr lang="ru-RU" b="1" dirty="0">
+              <a:t> Павел Александрович – студент 3 курса</a:t>
+            </a:r>
+          </a:p>
+          <a:p>
+            <a:r>
+              <a:rPr lang="ru-RU" b="1" dirty="0" err="1">
                 <a:solidFill>
                   <a:schemeClr val="accent1">
                     <a:lumMod val="75000"/>
                   </a:schemeClr>
                 </a:solidFill>
               </a:rPr>
-              <a:t>Горланов Владимир </a:t>
+              <a:t>Деревягин</a:t>
             </a:r>
             <a:r>
               <a:rPr lang="ru-RU" b="1" dirty="0">
@@ -3696,8 +3700,10 @@
                   </a:schemeClr>
                 </a:solidFill>
               </a:rPr>
-              <a:t>Владимирович – </a:t>
-            </a:r>
+              <a:t> Егор Сергеевич – студент 3 курса</a:t>
+            </a:r>
+          </a:p>
+          <a:p>
             <a:r>
               <a:rPr lang="ru-RU" b="1" dirty="0">
                 <a:solidFill>
@@ -3706,153 +3712,7 @@
                   </a:schemeClr>
                 </a:solidFill>
               </a:rPr>
-              <a:t>студент 3 </a:t>
-            </a:r>
-            <a:r>
-              <a:rPr lang="ru-RU" b="1" dirty="0">
-                <a:solidFill>
-                  <a:schemeClr val="accent1">
-                    <a:lumMod val="75000"/>
-                  </a:schemeClr>
-                </a:solidFill>
-              </a:rPr>
-              <a:t>курса</a:t>
-            </a:r>
-          </a:p>
-          <a:p>
-            <a:r>
-              <a:rPr lang="ru-RU" b="1" dirty="0" err="1">
-                <a:solidFill>
-                  <a:schemeClr val="accent1">
-                    <a:lumMod val="75000"/>
-                  </a:schemeClr>
-                </a:solidFill>
-              </a:rPr>
-              <a:t>Подлегаев</a:t>
-            </a:r>
-            <a:r>
-              <a:rPr lang="ru-RU" b="1" dirty="0">
-                <a:solidFill>
-                  <a:schemeClr val="accent1">
-                    <a:lumMod val="75000"/>
-                  </a:schemeClr>
-                </a:solidFill>
-              </a:rPr>
-              <a:t> Павел </a:t>
-            </a:r>
-            <a:r>
-              <a:rPr lang="ru-RU" b="1" dirty="0">
-                <a:solidFill>
-                  <a:schemeClr val="accent1">
-                    <a:lumMod val="75000"/>
-                  </a:schemeClr>
-                </a:solidFill>
-              </a:rPr>
-              <a:t>Александрович – </a:t>
-            </a:r>
-            <a:r>
-              <a:rPr lang="ru-RU" b="1" dirty="0">
-                <a:solidFill>
-                  <a:schemeClr val="accent1">
-                    <a:lumMod val="75000"/>
-                  </a:schemeClr>
-                </a:solidFill>
-              </a:rPr>
-              <a:t>студент 3 </a:t>
-            </a:r>
-            <a:r>
-              <a:rPr lang="ru-RU" b="1" dirty="0">
-                <a:solidFill>
-                  <a:schemeClr val="accent1">
-                    <a:lumMod val="75000"/>
-                  </a:schemeClr>
-                </a:solidFill>
-              </a:rPr>
-              <a:t>курса</a:t>
-            </a:r>
-          </a:p>
-          <a:p>
-            <a:r>
-              <a:rPr lang="ru-RU" b="1" dirty="0" err="1">
-                <a:solidFill>
-                  <a:schemeClr val="accent1">
-                    <a:lumMod val="75000"/>
-                  </a:schemeClr>
-                </a:solidFill>
-              </a:rPr>
-              <a:t>Деревягин</a:t>
-            </a:r>
-            <a:r>
-              <a:rPr lang="ru-RU" b="1" dirty="0">
-                <a:solidFill>
-                  <a:schemeClr val="accent1">
-                    <a:lumMod val="75000"/>
-                  </a:schemeClr>
-                </a:solidFill>
-              </a:rPr>
-              <a:t> Егор </a:t>
-            </a:r>
-            <a:r>
-              <a:rPr lang="ru-RU" b="1" dirty="0">
-                <a:solidFill>
-                  <a:schemeClr val="accent1">
-                    <a:lumMod val="75000"/>
-                  </a:schemeClr>
-                </a:solidFill>
-              </a:rPr>
-              <a:t>Сергеевич – </a:t>
-            </a:r>
-            <a:r>
-              <a:rPr lang="ru-RU" b="1" dirty="0">
-                <a:solidFill>
-                  <a:schemeClr val="accent1">
-                    <a:lumMod val="75000"/>
-                  </a:schemeClr>
-                </a:solidFill>
-              </a:rPr>
-              <a:t>студент 3 </a:t>
-            </a:r>
-            <a:r>
-              <a:rPr lang="ru-RU" b="1" dirty="0">
-                <a:solidFill>
-                  <a:schemeClr val="accent1">
-                    <a:lumMod val="75000"/>
-                  </a:schemeClr>
-                </a:solidFill>
-              </a:rPr>
-              <a:t>курса</a:t>
-            </a:r>
-          </a:p>
-          <a:p>
-            <a:r>
-              <a:rPr lang="ru-RU" b="1" dirty="0">
-                <a:solidFill>
-                  <a:schemeClr val="accent1">
-                    <a:lumMod val="75000"/>
-                  </a:schemeClr>
-                </a:solidFill>
-              </a:rPr>
-              <a:t>Ефимов Ростислав </a:t>
-            </a:r>
-            <a:r>
-              <a:rPr lang="ru-RU" b="1" dirty="0">
-                <a:solidFill>
-                  <a:schemeClr val="accent1">
-                    <a:lumMod val="75000"/>
-                  </a:schemeClr>
-                </a:solidFill>
-              </a:rPr>
-              <a:t>Глебович – </a:t>
-            </a:r>
-            <a:r>
-              <a:rPr lang="ru-RU" b="1" dirty="0">
-                <a:solidFill>
-                  <a:schemeClr val="accent1">
-                    <a:lumMod val="75000"/>
-                  </a:schemeClr>
-                </a:solidFill>
-              </a:rPr>
-              <a:t>студент 3 </a:t>
+              <a:t>Ефимов Ростислав Глебович – студент 3 </a:t>
             </a:r>
             <a:r>
               <a:rPr lang="ru-RU" b="1" dirty="0" smtClean="0">
@@ -12361,11 +12221,7 @@
           <a:p>
             <a:r>
               <a:rPr lang="ru-RU" sz="2000" b="1" i="1" u="sng" dirty="0" smtClean="0"/>
-              <a:t>CMD будет </a:t>
-            </a:r>
-            <a:r>
-              <a:rPr lang="ru-RU" sz="2000" b="1" i="1" u="sng" dirty="0" smtClean="0"/>
-              <a:t>существовать всегда!</a:t>
+              <a:t>CMD будет существовать всегда!</a:t>
             </a:r>
           </a:p>
         </p:txBody>
@@ -16110,7 +15966,7 @@
   <a:extraClrSchemeLst/>
   <a:extLst>
     <a:ext uri="{05A4C25C-085E-4340-85A3-A5531E510DB2}">
-      <thm15:themeFamily xmlns:thm15="http://schemas.microsoft.com/office/thememl/2012/main" xmlns="" name="Office Theme" id="{62F939B6-93AF-4DB8-9C6B-D6C7DFDC589F}" vid="{4A3C46E8-61CC-4603-A589-7422A47A8E4A}"/>
+      <thm15:themeFamily xmlns="" xmlns:thm15="http://schemas.microsoft.com/office/thememl/2012/main" name="Office Theme" id="{62F939B6-93AF-4DB8-9C6B-D6C7DFDC589F}" vid="{4A3C46E8-61CC-4603-A589-7422A47A8E4A}"/>
     </a:ext>
   </a:extLst>
 </a:theme>

--- a/Workshop/WShop.pptx
+++ b/Workshop/WShop.pptx
@@ -137,7 +137,7 @@
   </p:defaultTextStyle>
   <p:extLst>
     <p:ext uri="{EFAFB233-063F-42B5-8137-9DF3F51BA10A}">
-      <p15:sldGuideLst xmlns="" xmlns:p15="http://schemas.microsoft.com/office/powerpoint/2012/main"/>
+      <p15:sldGuideLst xmlns:p15="http://schemas.microsoft.com/office/powerpoint/2012/main" xmlns=""/>
     </p:ext>
   </p:extLst>
 </p:presentation>
@@ -225,7 +225,7 @@
           <a:p>
             <a:fld id="{35E98AF2-64CC-40AD-96B7-2086DB578CF8}" type="datetimeFigureOut">
               <a:rPr lang="ru-RU" smtClean="0"/>
-              <a:t>21.04.2022</a:t>
+              <a:t>22.04.2022</a:t>
             </a:fld>
             <a:endParaRPr lang="ru-RU"/>
           </a:p>
@@ -624,7 +624,7 @@
           <a:p>
             <a:fld id="{BBB56E0C-C93E-4EBA-8A83-77DB4845CCA0}" type="datetimeFigureOut">
               <a:rPr lang="ru-RU" smtClean="0"/>
-              <a:t>21.04.2022</a:t>
+              <a:t>22.04.2022</a:t>
             </a:fld>
             <a:endParaRPr lang="ru-RU"/>
           </a:p>
@@ -794,7 +794,7 @@
           <a:p>
             <a:fld id="{BBB56E0C-C93E-4EBA-8A83-77DB4845CCA0}" type="datetimeFigureOut">
               <a:rPr lang="ru-RU" smtClean="0"/>
-              <a:t>21.04.2022</a:t>
+              <a:t>22.04.2022</a:t>
             </a:fld>
             <a:endParaRPr lang="ru-RU"/>
           </a:p>
@@ -974,7 +974,7 @@
           <a:p>
             <a:fld id="{BBB56E0C-C93E-4EBA-8A83-77DB4845CCA0}" type="datetimeFigureOut">
               <a:rPr lang="ru-RU" smtClean="0"/>
-              <a:t>21.04.2022</a:t>
+              <a:t>22.04.2022</a:t>
             </a:fld>
             <a:endParaRPr lang="ru-RU"/>
           </a:p>
@@ -1144,7 +1144,7 @@
           <a:p>
             <a:fld id="{BBB56E0C-C93E-4EBA-8A83-77DB4845CCA0}" type="datetimeFigureOut">
               <a:rPr lang="ru-RU" smtClean="0"/>
-              <a:t>21.04.2022</a:t>
+              <a:t>22.04.2022</a:t>
             </a:fld>
             <a:endParaRPr lang="ru-RU"/>
           </a:p>
@@ -1390,7 +1390,7 @@
           <a:p>
             <a:fld id="{BBB56E0C-C93E-4EBA-8A83-77DB4845CCA0}" type="datetimeFigureOut">
               <a:rPr lang="ru-RU" smtClean="0"/>
-              <a:t>21.04.2022</a:t>
+              <a:t>22.04.2022</a:t>
             </a:fld>
             <a:endParaRPr lang="ru-RU"/>
           </a:p>
@@ -1622,7 +1622,7 @@
           <a:p>
             <a:fld id="{BBB56E0C-C93E-4EBA-8A83-77DB4845CCA0}" type="datetimeFigureOut">
               <a:rPr lang="ru-RU" smtClean="0"/>
-              <a:t>21.04.2022</a:t>
+              <a:t>22.04.2022</a:t>
             </a:fld>
             <a:endParaRPr lang="ru-RU"/>
           </a:p>
@@ -1989,7 +1989,7 @@
           <a:p>
             <a:fld id="{BBB56E0C-C93E-4EBA-8A83-77DB4845CCA0}" type="datetimeFigureOut">
               <a:rPr lang="ru-RU" smtClean="0"/>
-              <a:t>21.04.2022</a:t>
+              <a:t>22.04.2022</a:t>
             </a:fld>
             <a:endParaRPr lang="ru-RU"/>
           </a:p>
@@ -2107,7 +2107,7 @@
           <a:p>
             <a:fld id="{BBB56E0C-C93E-4EBA-8A83-77DB4845CCA0}" type="datetimeFigureOut">
               <a:rPr lang="ru-RU" smtClean="0"/>
-              <a:t>21.04.2022</a:t>
+              <a:t>22.04.2022</a:t>
             </a:fld>
             <a:endParaRPr lang="ru-RU"/>
           </a:p>
@@ -2202,7 +2202,7 @@
           <a:p>
             <a:fld id="{BBB56E0C-C93E-4EBA-8A83-77DB4845CCA0}" type="datetimeFigureOut">
               <a:rPr lang="ru-RU" smtClean="0"/>
-              <a:t>21.04.2022</a:t>
+              <a:t>22.04.2022</a:t>
             </a:fld>
             <a:endParaRPr lang="ru-RU"/>
           </a:p>
@@ -2479,7 +2479,7 @@
           <a:p>
             <a:fld id="{BBB56E0C-C93E-4EBA-8A83-77DB4845CCA0}" type="datetimeFigureOut">
               <a:rPr lang="ru-RU" smtClean="0"/>
-              <a:t>21.04.2022</a:t>
+              <a:t>22.04.2022</a:t>
             </a:fld>
             <a:endParaRPr lang="ru-RU"/>
           </a:p>
@@ -2732,7 +2732,7 @@
           <a:p>
             <a:fld id="{BBB56E0C-C93E-4EBA-8A83-77DB4845CCA0}" type="datetimeFigureOut">
               <a:rPr lang="ru-RU" smtClean="0"/>
-              <a:t>21.04.2022</a:t>
+              <a:t>22.04.2022</a:t>
             </a:fld>
             <a:endParaRPr lang="ru-RU"/>
           </a:p>
@@ -2945,7 +2945,7 @@
           <a:p>
             <a:fld id="{BBB56E0C-C93E-4EBA-8A83-77DB4845CCA0}" type="datetimeFigureOut">
               <a:rPr lang="ru-RU" smtClean="0"/>
-              <a:t>21.04.2022</a:t>
+              <a:t>22.04.2022</a:t>
             </a:fld>
             <a:endParaRPr lang="ru-RU"/>
           </a:p>
@@ -7263,7 +7263,7 @@
           <a:p>
             <a:pPr algn="ctr"/>
             <a:r>
-              <a:rPr lang="en-US" b="1" dirty="0" err="1">
+              <a:rPr lang="en-US" b="1" dirty="0" err="1" smtClean="0">
                 <a:solidFill>
                   <a:srgbClr val="C20282"/>
                 </a:solidFill>
@@ -7271,21 +7271,18 @@
               <a:t>WorkShop</a:t>
             </a:r>
             <a:r>
-              <a:rPr lang="en-US" b="1" dirty="0">
+              <a:rPr lang="ru-RU" b="1" smtClean="0">
                 <a:solidFill>
                   <a:srgbClr val="C20282"/>
                 </a:solidFill>
               </a:rPr>
-              <a:t> </a:t>
-            </a:r>
-            <a:r>
-              <a:rPr lang="ru-RU" b="1" dirty="0">
-                <a:solidFill>
-                  <a:srgbClr val="C20282"/>
-                </a:solidFill>
-              </a:rPr>
-              <a:t>«Управление проектами»</a:t>
-            </a:r>
+              <a:t>…</a:t>
+            </a:r>
+            <a:endParaRPr lang="ru-RU" b="1" dirty="0">
+              <a:solidFill>
+                <a:srgbClr val="C20282"/>
+              </a:solidFill>
+            </a:endParaRPr>
           </a:p>
         </p:txBody>
       </p:sp>
@@ -15966,7 +15963,7 @@
   <a:extraClrSchemeLst/>
   <a:extLst>
     <a:ext uri="{05A4C25C-085E-4340-85A3-A5531E510DB2}">
-      <thm15:themeFamily xmlns="" xmlns:thm15="http://schemas.microsoft.com/office/thememl/2012/main" name="Office Theme" id="{62F939B6-93AF-4DB8-9C6B-D6C7DFDC589F}" vid="{4A3C46E8-61CC-4603-A589-7422A47A8E4A}"/>
+      <thm15:themeFamily xmlns:thm15="http://schemas.microsoft.com/office/thememl/2012/main" xmlns="" name="Office Theme" id="{62F939B6-93AF-4DB8-9C6B-D6C7DFDC589F}" vid="{4A3C46E8-61CC-4603-A589-7422A47A8E4A}"/>
     </a:ext>
   </a:extLst>
 </a:theme>
